--- a/2.Semester/Informationen/Präsi_BTA_KIRA_B50_Simon_Feldmann.pptx
+++ b/2.Semester/Informationen/Präsi_BTA_KIRA_B50_Simon_Feldmann.pptx
@@ -1,28 +1,123 @@
 
 <file path=ppt/presentation.xml><?xml version="1.0" encoding="utf-8"?>
-<p:presentation xmlns:a="http://schemas.openxmlformats.org/drawingml/2006/main" xmlns:p="http://schemas.openxmlformats.org/presentationml/2006/main" xmlns:r="http://schemas.openxmlformats.org/officeDocument/2006/relationships" xmlns:p14="http://schemas.microsoft.com/office/powerpoint/2010/main" xmlns:p15="http://schemas.microsoft.com/office/powerpoint/2012/main" xmlns:mc="http://schemas.openxmlformats.org/markup-compatibility/2006">
+<p:presentation xmlns:a="http://schemas.openxmlformats.org/drawingml/2006/main" xmlns:r="http://schemas.openxmlformats.org/officeDocument/2006/relationships" xmlns:p="http://schemas.openxmlformats.org/presentationml/2006/main">
   <p:sldMasterIdLst>
-    <p:sldMasterId id="2147483648" r:id="rId2"/>
+    <p:sldMasterId id="2147483648" r:id="rId1"/>
   </p:sldMasterIdLst>
   <p:sldIdLst>
-    <p:sldId id="256" r:id="rId3"/>
-    <p:sldId id="257" r:id="rId4"/>
-    <p:sldId id="258" r:id="rId5"/>
-    <p:sldId id="259" r:id="rId6"/>
-    <p:sldId id="260" r:id="rId7"/>
-    <p:sldId id="261" r:id="rId8"/>
-    <p:sldId id="262" r:id="rId9"/>
-    <p:sldId id="263" r:id="rId10"/>
-    <p:sldId id="264" r:id="rId11"/>
-    <p:sldId id="265" r:id="rId12"/>
+    <p:sldId id="256" r:id="rId2"/>
+    <p:sldId id="257" r:id="rId3"/>
+    <p:sldId id="258" r:id="rId4"/>
+    <p:sldId id="259" r:id="rId5"/>
+    <p:sldId id="260" r:id="rId6"/>
+    <p:sldId id="261" r:id="rId7"/>
+    <p:sldId id="262" r:id="rId8"/>
+    <p:sldId id="263" r:id="rId9"/>
+    <p:sldId id="264" r:id="rId10"/>
+    <p:sldId id="265" r:id="rId11"/>
   </p:sldIdLst>
   <p:sldSz cx="18288000" cy="10287000"/>
   <p:notesSz cx="7559675" cy="10691813"/>
+  <p:defaultTextStyle>
+    <a:defPPr>
+      <a:defRPr lang="de-DE"/>
+    </a:defPPr>
+    <a:lvl1pPr marL="0" algn="l" defTabSz="914400" rtl="0" eaLnBrk="1" latinLnBrk="0" hangingPunct="1">
+      <a:defRPr sz="1800" kern="1200">
+        <a:solidFill>
+          <a:schemeClr val="tx1"/>
+        </a:solidFill>
+        <a:latin typeface="+mn-lt"/>
+        <a:ea typeface="+mn-ea"/>
+        <a:cs typeface="+mn-cs"/>
+      </a:defRPr>
+    </a:lvl1pPr>
+    <a:lvl2pPr marL="457200" algn="l" defTabSz="914400" rtl="0" eaLnBrk="1" latinLnBrk="0" hangingPunct="1">
+      <a:defRPr sz="1800" kern="1200">
+        <a:solidFill>
+          <a:schemeClr val="tx1"/>
+        </a:solidFill>
+        <a:latin typeface="+mn-lt"/>
+        <a:ea typeface="+mn-ea"/>
+        <a:cs typeface="+mn-cs"/>
+      </a:defRPr>
+    </a:lvl2pPr>
+    <a:lvl3pPr marL="914400" algn="l" defTabSz="914400" rtl="0" eaLnBrk="1" latinLnBrk="0" hangingPunct="1">
+      <a:defRPr sz="1800" kern="1200">
+        <a:solidFill>
+          <a:schemeClr val="tx1"/>
+        </a:solidFill>
+        <a:latin typeface="+mn-lt"/>
+        <a:ea typeface="+mn-ea"/>
+        <a:cs typeface="+mn-cs"/>
+      </a:defRPr>
+    </a:lvl3pPr>
+    <a:lvl4pPr marL="1371600" algn="l" defTabSz="914400" rtl="0" eaLnBrk="1" latinLnBrk="0" hangingPunct="1">
+      <a:defRPr sz="1800" kern="1200">
+        <a:solidFill>
+          <a:schemeClr val="tx1"/>
+        </a:solidFill>
+        <a:latin typeface="+mn-lt"/>
+        <a:ea typeface="+mn-ea"/>
+        <a:cs typeface="+mn-cs"/>
+      </a:defRPr>
+    </a:lvl4pPr>
+    <a:lvl5pPr marL="1828800" algn="l" defTabSz="914400" rtl="0" eaLnBrk="1" latinLnBrk="0" hangingPunct="1">
+      <a:defRPr sz="1800" kern="1200">
+        <a:solidFill>
+          <a:schemeClr val="tx1"/>
+        </a:solidFill>
+        <a:latin typeface="+mn-lt"/>
+        <a:ea typeface="+mn-ea"/>
+        <a:cs typeface="+mn-cs"/>
+      </a:defRPr>
+    </a:lvl5pPr>
+    <a:lvl6pPr marL="2286000" algn="l" defTabSz="914400" rtl="0" eaLnBrk="1" latinLnBrk="0" hangingPunct="1">
+      <a:defRPr sz="1800" kern="1200">
+        <a:solidFill>
+          <a:schemeClr val="tx1"/>
+        </a:solidFill>
+        <a:latin typeface="+mn-lt"/>
+        <a:ea typeface="+mn-ea"/>
+        <a:cs typeface="+mn-cs"/>
+      </a:defRPr>
+    </a:lvl6pPr>
+    <a:lvl7pPr marL="2743200" algn="l" defTabSz="914400" rtl="0" eaLnBrk="1" latinLnBrk="0" hangingPunct="1">
+      <a:defRPr sz="1800" kern="1200">
+        <a:solidFill>
+          <a:schemeClr val="tx1"/>
+        </a:solidFill>
+        <a:latin typeface="+mn-lt"/>
+        <a:ea typeface="+mn-ea"/>
+        <a:cs typeface="+mn-cs"/>
+      </a:defRPr>
+    </a:lvl7pPr>
+    <a:lvl8pPr marL="3200400" algn="l" defTabSz="914400" rtl="0" eaLnBrk="1" latinLnBrk="0" hangingPunct="1">
+      <a:defRPr sz="1800" kern="1200">
+        <a:solidFill>
+          <a:schemeClr val="tx1"/>
+        </a:solidFill>
+        <a:latin typeface="+mn-lt"/>
+        <a:ea typeface="+mn-ea"/>
+        <a:cs typeface="+mn-cs"/>
+      </a:defRPr>
+    </a:lvl8pPr>
+    <a:lvl9pPr marL="3657600" algn="l" defTabSz="914400" rtl="0" eaLnBrk="1" latinLnBrk="0" hangingPunct="1">
+      <a:defRPr sz="1800" kern="1200">
+        <a:solidFill>
+          <a:schemeClr val="tx1"/>
+        </a:solidFill>
+        <a:latin typeface="+mn-lt"/>
+        <a:ea typeface="+mn-ea"/>
+        <a:cs typeface="+mn-cs"/>
+      </a:defRPr>
+    </a:lvl9pPr>
+  </p:defaultTextStyle>
 </p:presentation>
 </file>
 
 <file path=ppt/slideLayouts/slideLayout1.xml><?xml version="1.0" encoding="utf-8"?>
-<p:sldLayout xmlns:a="http://schemas.openxmlformats.org/drawingml/2006/main" xmlns:p="http://schemas.openxmlformats.org/presentationml/2006/main" xmlns:r="http://schemas.openxmlformats.org/officeDocument/2006/relationships" xmlns:p14="http://schemas.microsoft.com/office/powerpoint/2010/main" xmlns:p15="http://schemas.microsoft.com/office/powerpoint/2012/main" xmlns:mc="http://schemas.openxmlformats.org/markup-compatibility/2006" type="blank" preserve="1">
+<p:sldLayout xmlns:a="http://schemas.openxmlformats.org/drawingml/2006/main" xmlns:r="http://schemas.openxmlformats.org/officeDocument/2006/relationships" xmlns:p="http://schemas.openxmlformats.org/presentationml/2006/main" type="blank" preserve="1">
   <p:cSld name="Blank Slide">
     <p:spTree>
       <p:nvGrpSpPr>
@@ -51,6 +146,7 @@
         <p:spPr/>
         <p:txBody>
           <a:bodyPr/>
+          <a:lstStyle/>
           <a:p>
             <a:r>
               <a:t>Footer</a:t>
@@ -71,10 +167,12 @@
         <p:spPr/>
         <p:txBody>
           <a:bodyPr/>
+          <a:lstStyle/>
           <a:p>
             <a:fld id="{FE381A64-FB22-4256-94AE-7CA675D2F6CD}" type="slidenum">
-              <a:t>&lt;#&gt;</a:t>
+              <a:t>‹Nr.›</a:t>
             </a:fld>
+            <a:endParaRPr/>
           </a:p>
         </p:txBody>
       </p:sp>
@@ -91,21 +189,22 @@
         <p:spPr/>
         <p:txBody>
           <a:bodyPr/>
-          <a:p>
-            <a:r>
-              <a:rPr lang="de-DE"/>
-              <a:t/>
-            </a:r>
+          <a:lstStyle/>
+          <a:p>
+            <a:endParaRPr/>
           </a:p>
         </p:txBody>
       </p:sp>
     </p:spTree>
   </p:cSld>
+  <p:clrMapOvr>
+    <a:masterClrMapping/>
+  </p:clrMapOvr>
 </p:sldLayout>
 </file>
 
 <file path=ppt/slideLayouts/slideLayout10.xml><?xml version="1.0" encoding="utf-8"?>
-<p:sldLayout xmlns:a="http://schemas.openxmlformats.org/drawingml/2006/main" xmlns:p="http://schemas.openxmlformats.org/presentationml/2006/main" xmlns:r="http://schemas.openxmlformats.org/officeDocument/2006/relationships" xmlns:p14="http://schemas.microsoft.com/office/powerpoint/2010/main" xmlns:p15="http://schemas.microsoft.com/office/powerpoint/2012/main" xmlns:mc="http://schemas.openxmlformats.org/markup-compatibility/2006" type="objOverTx" preserve="1">
+<p:sldLayout xmlns:a="http://schemas.openxmlformats.org/drawingml/2006/main" xmlns:r="http://schemas.openxmlformats.org/officeDocument/2006/relationships" xmlns:p="http://schemas.openxmlformats.org/presentationml/2006/main" type="objOverTx" preserve="1">
   <p:cSld name="Title, Content over Content">
     <p:spTree>
       <p:nvGrpSpPr>
@@ -145,14 +244,15 @@
           </a:ln>
         </p:spPr>
         <p:txBody>
-          <a:bodyPr lIns="0" rIns="0" tIns="0" bIns="0" anchor="ctr">
+          <a:bodyPr lIns="0" tIns="0" rIns="0" bIns="0" anchor="ctr">
             <a:noAutofit/>
           </a:bodyPr>
+          <a:lstStyle/>
           <a:p>
             <a:pPr indent="0">
               <a:buNone/>
             </a:pPr>
-            <a:endParaRPr b="0" lang="en-US" sz="1800" spc="-1" strike="noStrike">
+            <a:endParaRPr lang="en-US" sz="1800" b="0" strike="noStrike" spc="-1">
               <a:solidFill>
                 <a:schemeClr val="dk1"/>
               </a:solidFill>
@@ -185,9 +285,10 @@
           </a:ln>
         </p:spPr>
         <p:txBody>
-          <a:bodyPr lIns="0" rIns="0" tIns="0" bIns="0" anchor="t">
+          <a:bodyPr lIns="0" tIns="0" rIns="0" bIns="0" anchor="t">
             <a:normAutofit/>
           </a:bodyPr>
+          <a:lstStyle/>
           <a:p>
             <a:pPr indent="0">
               <a:spcBef>
@@ -195,7 +296,7 @@
               </a:spcBef>
               <a:buNone/>
             </a:pPr>
-            <a:endParaRPr b="0" lang="en-US" sz="3200" spc="-1" strike="noStrike">
+            <a:endParaRPr lang="en-US" sz="3200" b="0" strike="noStrike" spc="-1">
               <a:solidFill>
                 <a:schemeClr val="dk1"/>
               </a:solidFill>
@@ -228,9 +329,10 @@
           </a:ln>
         </p:spPr>
         <p:txBody>
-          <a:bodyPr lIns="0" rIns="0" tIns="0" bIns="0" anchor="t">
+          <a:bodyPr lIns="0" tIns="0" rIns="0" bIns="0" anchor="t">
             <a:normAutofit/>
           </a:bodyPr>
+          <a:lstStyle/>
           <a:p>
             <a:pPr indent="0">
               <a:spcBef>
@@ -238,7 +340,7 @@
               </a:spcBef>
               <a:buNone/>
             </a:pPr>
-            <a:endParaRPr b="0" lang="en-US" sz="3200" spc="-1" strike="noStrike">
+            <a:endParaRPr lang="en-US" sz="3200" b="0" strike="noStrike" spc="-1">
               <a:solidFill>
                 <a:schemeClr val="dk1"/>
               </a:solidFill>
@@ -260,6 +362,7 @@
         <p:spPr/>
         <p:txBody>
           <a:bodyPr/>
+          <a:lstStyle/>
           <a:p>
             <a:r>
               <a:t>Footer</a:t>
@@ -280,10 +383,12 @@
         <p:spPr/>
         <p:txBody>
           <a:bodyPr/>
+          <a:lstStyle/>
           <a:p>
             <a:fld id="{B532BC78-BB8D-4D3E-AB15-2ABE32C47E61}" type="slidenum">
-              <a:t>&lt;#&gt;</a:t>
+              <a:t>‹Nr.›</a:t>
             </a:fld>
+            <a:endParaRPr/>
           </a:p>
         </p:txBody>
       </p:sp>
@@ -300,21 +405,22 @@
         <p:spPr/>
         <p:txBody>
           <a:bodyPr/>
-          <a:p>
-            <a:r>
-              <a:rPr lang="de-DE"/>
-              <a:t/>
-            </a:r>
+          <a:lstStyle/>
+          <a:p>
+            <a:endParaRPr/>
           </a:p>
         </p:txBody>
       </p:sp>
     </p:spTree>
   </p:cSld>
+  <p:clrMapOvr>
+    <a:masterClrMapping/>
+  </p:clrMapOvr>
 </p:sldLayout>
 </file>
 
 <file path=ppt/slideLayouts/slideLayout11.xml><?xml version="1.0" encoding="utf-8"?>
-<p:sldLayout xmlns:a="http://schemas.openxmlformats.org/drawingml/2006/main" xmlns:p="http://schemas.openxmlformats.org/presentationml/2006/main" xmlns:r="http://schemas.openxmlformats.org/officeDocument/2006/relationships" xmlns:p14="http://schemas.microsoft.com/office/powerpoint/2010/main" xmlns:p15="http://schemas.microsoft.com/office/powerpoint/2012/main" xmlns:mc="http://schemas.openxmlformats.org/markup-compatibility/2006" type="fourObj" preserve="1">
+<p:sldLayout xmlns:a="http://schemas.openxmlformats.org/drawingml/2006/main" xmlns:r="http://schemas.openxmlformats.org/officeDocument/2006/relationships" xmlns:p="http://schemas.openxmlformats.org/presentationml/2006/main" type="fourObj" preserve="1">
   <p:cSld name="Title, 4 Content">
     <p:spTree>
       <p:nvGrpSpPr>
@@ -354,14 +460,15 @@
           </a:ln>
         </p:spPr>
         <p:txBody>
-          <a:bodyPr lIns="0" rIns="0" tIns="0" bIns="0" anchor="ctr">
+          <a:bodyPr lIns="0" tIns="0" rIns="0" bIns="0" anchor="ctr">
             <a:noAutofit/>
           </a:bodyPr>
+          <a:lstStyle/>
           <a:p>
             <a:pPr indent="0">
               <a:buNone/>
             </a:pPr>
-            <a:endParaRPr b="0" lang="en-US" sz="1800" spc="-1" strike="noStrike">
+            <a:endParaRPr lang="en-US" sz="1800" b="0" strike="noStrike" spc="-1">
               <a:solidFill>
                 <a:schemeClr val="dk1"/>
               </a:solidFill>
@@ -394,9 +501,10 @@
           </a:ln>
         </p:spPr>
         <p:txBody>
-          <a:bodyPr lIns="0" rIns="0" tIns="0" bIns="0" anchor="t">
+          <a:bodyPr lIns="0" tIns="0" rIns="0" bIns="0" anchor="t">
             <a:normAutofit/>
           </a:bodyPr>
+          <a:lstStyle/>
           <a:p>
             <a:pPr indent="0">
               <a:spcBef>
@@ -404,7 +512,7 @@
               </a:spcBef>
               <a:buNone/>
             </a:pPr>
-            <a:endParaRPr b="0" lang="en-US" sz="3200" spc="-1" strike="noStrike">
+            <a:endParaRPr lang="en-US" sz="3200" b="0" strike="noStrike" spc="-1">
               <a:solidFill>
                 <a:schemeClr val="dk1"/>
               </a:solidFill>
@@ -437,9 +545,10 @@
           </a:ln>
         </p:spPr>
         <p:txBody>
-          <a:bodyPr lIns="0" rIns="0" tIns="0" bIns="0" anchor="t">
+          <a:bodyPr lIns="0" tIns="0" rIns="0" bIns="0" anchor="t">
             <a:normAutofit/>
           </a:bodyPr>
+          <a:lstStyle/>
           <a:p>
             <a:pPr indent="0">
               <a:spcBef>
@@ -447,7 +556,7 @@
               </a:spcBef>
               <a:buNone/>
             </a:pPr>
-            <a:endParaRPr b="0" lang="en-US" sz="3200" spc="-1" strike="noStrike">
+            <a:endParaRPr lang="en-US" sz="3200" b="0" strike="noStrike" spc="-1">
               <a:solidFill>
                 <a:schemeClr val="dk1"/>
               </a:solidFill>
@@ -480,9 +589,10 @@
           </a:ln>
         </p:spPr>
         <p:txBody>
-          <a:bodyPr lIns="0" rIns="0" tIns="0" bIns="0" anchor="t">
+          <a:bodyPr lIns="0" tIns="0" rIns="0" bIns="0" anchor="t">
             <a:normAutofit/>
           </a:bodyPr>
+          <a:lstStyle/>
           <a:p>
             <a:pPr indent="0">
               <a:spcBef>
@@ -490,7 +600,7 @@
               </a:spcBef>
               <a:buNone/>
             </a:pPr>
-            <a:endParaRPr b="0" lang="en-US" sz="3200" spc="-1" strike="noStrike">
+            <a:endParaRPr lang="en-US" sz="3200" b="0" strike="noStrike" spc="-1">
               <a:solidFill>
                 <a:schemeClr val="dk1"/>
               </a:solidFill>
@@ -523,9 +633,10 @@
           </a:ln>
         </p:spPr>
         <p:txBody>
-          <a:bodyPr lIns="0" rIns="0" tIns="0" bIns="0" anchor="t">
+          <a:bodyPr lIns="0" tIns="0" rIns="0" bIns="0" anchor="t">
             <a:normAutofit/>
           </a:bodyPr>
+          <a:lstStyle/>
           <a:p>
             <a:pPr indent="0">
               <a:spcBef>
@@ -533,7 +644,7 @@
               </a:spcBef>
               <a:buNone/>
             </a:pPr>
-            <a:endParaRPr b="0" lang="en-US" sz="3200" spc="-1" strike="noStrike">
+            <a:endParaRPr lang="en-US" sz="3200" b="0" strike="noStrike" spc="-1">
               <a:solidFill>
                 <a:schemeClr val="dk1"/>
               </a:solidFill>
@@ -555,6 +666,7 @@
         <p:spPr/>
         <p:txBody>
           <a:bodyPr/>
+          <a:lstStyle/>
           <a:p>
             <a:r>
               <a:t>Footer</a:t>
@@ -575,10 +687,12 @@
         <p:spPr/>
         <p:txBody>
           <a:bodyPr/>
+          <a:lstStyle/>
           <a:p>
             <a:fld id="{93C76FDB-FE2C-49FB-918F-29D99B7FBD4F}" type="slidenum">
-              <a:t>&lt;#&gt;</a:t>
+              <a:t>‹Nr.›</a:t>
             </a:fld>
+            <a:endParaRPr/>
           </a:p>
         </p:txBody>
       </p:sp>
@@ -595,21 +709,22 @@
         <p:spPr/>
         <p:txBody>
           <a:bodyPr/>
-          <a:p>
-            <a:r>
-              <a:rPr lang="de-DE"/>
-              <a:t/>
-            </a:r>
+          <a:lstStyle/>
+          <a:p>
+            <a:endParaRPr/>
           </a:p>
         </p:txBody>
       </p:sp>
     </p:spTree>
   </p:cSld>
+  <p:clrMapOvr>
+    <a:masterClrMapping/>
+  </p:clrMapOvr>
 </p:sldLayout>
 </file>
 
 <file path=ppt/slideLayouts/slideLayout12.xml><?xml version="1.0" encoding="utf-8"?>
-<p:sldLayout xmlns:a="http://schemas.openxmlformats.org/drawingml/2006/main" xmlns:p="http://schemas.openxmlformats.org/presentationml/2006/main" xmlns:r="http://schemas.openxmlformats.org/officeDocument/2006/relationships" xmlns:p14="http://schemas.microsoft.com/office/powerpoint/2010/main" xmlns:p15="http://schemas.microsoft.com/office/powerpoint/2012/main" xmlns:mc="http://schemas.openxmlformats.org/markup-compatibility/2006" type="blank" preserve="1">
+<p:sldLayout xmlns:a="http://schemas.openxmlformats.org/drawingml/2006/main" xmlns:r="http://schemas.openxmlformats.org/officeDocument/2006/relationships" xmlns:p="http://schemas.openxmlformats.org/presentationml/2006/main" type="blank" preserve="1">
   <p:cSld name="Title, 6 Content">
     <p:spTree>
       <p:nvGrpSpPr>
@@ -649,14 +764,15 @@
           </a:ln>
         </p:spPr>
         <p:txBody>
-          <a:bodyPr lIns="0" rIns="0" tIns="0" bIns="0" anchor="ctr">
+          <a:bodyPr lIns="0" tIns="0" rIns="0" bIns="0" anchor="ctr">
             <a:noAutofit/>
           </a:bodyPr>
+          <a:lstStyle/>
           <a:p>
             <a:pPr indent="0">
               <a:buNone/>
             </a:pPr>
-            <a:endParaRPr b="0" lang="en-US" sz="1800" spc="-1" strike="noStrike">
+            <a:endParaRPr lang="en-US" sz="1800" b="0" strike="noStrike" spc="-1">
               <a:solidFill>
                 <a:schemeClr val="dk1"/>
               </a:solidFill>
@@ -689,9 +805,10 @@
           </a:ln>
         </p:spPr>
         <p:txBody>
-          <a:bodyPr lIns="0" rIns="0" tIns="0" bIns="0" anchor="t">
+          <a:bodyPr lIns="0" tIns="0" rIns="0" bIns="0" anchor="t">
             <a:normAutofit/>
           </a:bodyPr>
+          <a:lstStyle/>
           <a:p>
             <a:pPr indent="0">
               <a:spcBef>
@@ -699,7 +816,7 @@
               </a:spcBef>
               <a:buNone/>
             </a:pPr>
-            <a:endParaRPr b="0" lang="en-US" sz="3200" spc="-1" strike="noStrike">
+            <a:endParaRPr lang="en-US" sz="3200" b="0" strike="noStrike" spc="-1">
               <a:solidFill>
                 <a:schemeClr val="dk1"/>
               </a:solidFill>
@@ -732,9 +849,10 @@
           </a:ln>
         </p:spPr>
         <p:txBody>
-          <a:bodyPr lIns="0" rIns="0" tIns="0" bIns="0" anchor="t">
+          <a:bodyPr lIns="0" tIns="0" rIns="0" bIns="0" anchor="t">
             <a:normAutofit/>
           </a:bodyPr>
+          <a:lstStyle/>
           <a:p>
             <a:pPr indent="0">
               <a:spcBef>
@@ -742,7 +860,7 @@
               </a:spcBef>
               <a:buNone/>
             </a:pPr>
-            <a:endParaRPr b="0" lang="en-US" sz="3200" spc="-1" strike="noStrike">
+            <a:endParaRPr lang="en-US" sz="3200" b="0" strike="noStrike" spc="-1">
               <a:solidFill>
                 <a:schemeClr val="dk1"/>
               </a:solidFill>
@@ -775,9 +893,10 @@
           </a:ln>
         </p:spPr>
         <p:txBody>
-          <a:bodyPr lIns="0" rIns="0" tIns="0" bIns="0" anchor="t">
+          <a:bodyPr lIns="0" tIns="0" rIns="0" bIns="0" anchor="t">
             <a:normAutofit/>
           </a:bodyPr>
+          <a:lstStyle/>
           <a:p>
             <a:pPr indent="0">
               <a:spcBef>
@@ -785,7 +904,7 @@
               </a:spcBef>
               <a:buNone/>
             </a:pPr>
-            <a:endParaRPr b="0" lang="en-US" sz="3200" spc="-1" strike="noStrike">
+            <a:endParaRPr lang="en-US" sz="3200" b="0" strike="noStrike" spc="-1">
               <a:solidFill>
                 <a:schemeClr val="dk1"/>
               </a:solidFill>
@@ -818,9 +937,10 @@
           </a:ln>
         </p:spPr>
         <p:txBody>
-          <a:bodyPr lIns="0" rIns="0" tIns="0" bIns="0" anchor="t">
+          <a:bodyPr lIns="0" tIns="0" rIns="0" bIns="0" anchor="t">
             <a:normAutofit/>
           </a:bodyPr>
+          <a:lstStyle/>
           <a:p>
             <a:pPr indent="0">
               <a:spcBef>
@@ -828,7 +948,7 @@
               </a:spcBef>
               <a:buNone/>
             </a:pPr>
-            <a:endParaRPr b="0" lang="en-US" sz="3200" spc="-1" strike="noStrike">
+            <a:endParaRPr lang="en-US" sz="3200" b="0" strike="noStrike" spc="-1">
               <a:solidFill>
                 <a:schemeClr val="dk1"/>
               </a:solidFill>
@@ -861,9 +981,10 @@
           </a:ln>
         </p:spPr>
         <p:txBody>
-          <a:bodyPr lIns="0" rIns="0" tIns="0" bIns="0" anchor="t">
+          <a:bodyPr lIns="0" tIns="0" rIns="0" bIns="0" anchor="t">
             <a:normAutofit/>
           </a:bodyPr>
+          <a:lstStyle/>
           <a:p>
             <a:pPr indent="0">
               <a:spcBef>
@@ -871,7 +992,7 @@
               </a:spcBef>
               <a:buNone/>
             </a:pPr>
-            <a:endParaRPr b="0" lang="en-US" sz="3200" spc="-1" strike="noStrike">
+            <a:endParaRPr lang="en-US" sz="3200" b="0" strike="noStrike" spc="-1">
               <a:solidFill>
                 <a:schemeClr val="dk1"/>
               </a:solidFill>
@@ -904,9 +1025,10 @@
           </a:ln>
         </p:spPr>
         <p:txBody>
-          <a:bodyPr lIns="0" rIns="0" tIns="0" bIns="0" anchor="t">
+          <a:bodyPr lIns="0" tIns="0" rIns="0" bIns="0" anchor="t">
             <a:normAutofit/>
           </a:bodyPr>
+          <a:lstStyle/>
           <a:p>
             <a:pPr indent="0">
               <a:spcBef>
@@ -914,7 +1036,7 @@
               </a:spcBef>
               <a:buNone/>
             </a:pPr>
-            <a:endParaRPr b="0" lang="en-US" sz="3200" spc="-1" strike="noStrike">
+            <a:endParaRPr lang="en-US" sz="3200" b="0" strike="noStrike" spc="-1">
               <a:solidFill>
                 <a:schemeClr val="dk1"/>
               </a:solidFill>
@@ -936,6 +1058,7 @@
         <p:spPr/>
         <p:txBody>
           <a:bodyPr/>
+          <a:lstStyle/>
           <a:p>
             <a:r>
               <a:t>Footer</a:t>
@@ -956,10 +1079,12 @@
         <p:spPr/>
         <p:txBody>
           <a:bodyPr/>
+          <a:lstStyle/>
           <a:p>
             <a:fld id="{CB8C97C8-562B-4251-859A-5419A5F8C2B4}" type="slidenum">
-              <a:t>&lt;#&gt;</a:t>
+              <a:t>‹Nr.›</a:t>
             </a:fld>
+            <a:endParaRPr/>
           </a:p>
         </p:txBody>
       </p:sp>
@@ -976,21 +1101,22 @@
         <p:spPr/>
         <p:txBody>
           <a:bodyPr/>
-          <a:p>
-            <a:r>
-              <a:rPr lang="de-DE"/>
-              <a:t/>
-            </a:r>
+          <a:lstStyle/>
+          <a:p>
+            <a:endParaRPr/>
           </a:p>
         </p:txBody>
       </p:sp>
     </p:spTree>
   </p:cSld>
+  <p:clrMapOvr>
+    <a:masterClrMapping/>
+  </p:clrMapOvr>
 </p:sldLayout>
 </file>
 
 <file path=ppt/slideLayouts/slideLayout2.xml><?xml version="1.0" encoding="utf-8"?>
-<p:sldLayout xmlns:a="http://schemas.openxmlformats.org/drawingml/2006/main" xmlns:p="http://schemas.openxmlformats.org/presentationml/2006/main" xmlns:r="http://schemas.openxmlformats.org/officeDocument/2006/relationships" xmlns:p14="http://schemas.microsoft.com/office/powerpoint/2010/main" xmlns:p15="http://schemas.microsoft.com/office/powerpoint/2012/main" xmlns:mc="http://schemas.openxmlformats.org/markup-compatibility/2006" type="tx" preserve="1">
+<p:sldLayout xmlns:a="http://schemas.openxmlformats.org/drawingml/2006/main" xmlns:r="http://schemas.openxmlformats.org/officeDocument/2006/relationships" xmlns:p="http://schemas.openxmlformats.org/presentationml/2006/main" type="tx" preserve="1">
   <p:cSld name="Title Slide">
     <p:spTree>
       <p:nvGrpSpPr>
@@ -1030,14 +1156,15 @@
           </a:ln>
         </p:spPr>
         <p:txBody>
-          <a:bodyPr lIns="0" rIns="0" tIns="0" bIns="0" anchor="ctr">
+          <a:bodyPr lIns="0" tIns="0" rIns="0" bIns="0" anchor="ctr">
             <a:noAutofit/>
           </a:bodyPr>
+          <a:lstStyle/>
           <a:p>
             <a:pPr indent="0">
               <a:buNone/>
             </a:pPr>
-            <a:endParaRPr b="0" lang="en-US" sz="1800" spc="-1" strike="noStrike">
+            <a:endParaRPr lang="en-US" sz="1800" b="0" strike="noStrike" spc="-1">
               <a:solidFill>
                 <a:schemeClr val="dk1"/>
               </a:solidFill>
@@ -1070,14 +1197,15 @@
           </a:ln>
         </p:spPr>
         <p:txBody>
-          <a:bodyPr lIns="0" rIns="0" tIns="0" bIns="0" anchor="ctr">
+          <a:bodyPr lIns="0" tIns="0" rIns="0" bIns="0" anchor="ctr">
             <a:noAutofit/>
           </a:bodyPr>
+          <a:lstStyle/>
           <a:p>
             <a:pPr indent="0" algn="ctr">
               <a:buNone/>
             </a:pPr>
-            <a:endParaRPr b="0" lang="de-DE" sz="3200" spc="-1" strike="noStrike">
+            <a:endParaRPr lang="de-DE" sz="3200" b="0" strike="noStrike" spc="-1">
               <a:solidFill>
                 <a:srgbClr val="000000"/>
               </a:solidFill>
@@ -1099,6 +1227,7 @@
         <p:spPr/>
         <p:txBody>
           <a:bodyPr/>
+          <a:lstStyle/>
           <a:p>
             <a:r>
               <a:t>Footer</a:t>
@@ -1108,7 +1237,7 @@
       </p:sp>
       <p:sp>
         <p:nvSpPr>
-          <p:cNvPr id="5" name="PlaceHolder 4"/>
+          <p:cNvPr id="2" name="PlaceHolder 4"/>
           <p:cNvSpPr>
             <a:spLocks noGrp="1"/>
           </p:cNvSpPr>
@@ -1119,16 +1248,18 @@
         <p:spPr/>
         <p:txBody>
           <a:bodyPr/>
+          <a:lstStyle/>
           <a:p>
             <a:fld id="{29C3E3BB-21C7-4D06-8E1B-B9C135C741A8}" type="slidenum">
-              <a:t>&lt;#&gt;</a:t>
+              <a:t>‹Nr.›</a:t>
             </a:fld>
-          </a:p>
-        </p:txBody>
-      </p:sp>
-      <p:sp>
-        <p:nvSpPr>
-          <p:cNvPr id="6" name="PlaceHolder 5"/>
+            <a:endParaRPr/>
+          </a:p>
+        </p:txBody>
+      </p:sp>
+      <p:sp>
+        <p:nvSpPr>
+          <p:cNvPr id="3" name="PlaceHolder 5"/>
           <p:cNvSpPr>
             <a:spLocks noGrp="1"/>
           </p:cNvSpPr>
@@ -1139,21 +1270,22 @@
         <p:spPr/>
         <p:txBody>
           <a:bodyPr/>
-          <a:p>
-            <a:r>
-              <a:rPr lang="de-DE"/>
-              <a:t/>
-            </a:r>
+          <a:lstStyle/>
+          <a:p>
+            <a:endParaRPr/>
           </a:p>
         </p:txBody>
       </p:sp>
     </p:spTree>
   </p:cSld>
+  <p:clrMapOvr>
+    <a:masterClrMapping/>
+  </p:clrMapOvr>
 </p:sldLayout>
 </file>
 
 <file path=ppt/slideLayouts/slideLayout3.xml><?xml version="1.0" encoding="utf-8"?>
-<p:sldLayout xmlns:a="http://schemas.openxmlformats.org/drawingml/2006/main" xmlns:p="http://schemas.openxmlformats.org/presentationml/2006/main" xmlns:r="http://schemas.openxmlformats.org/officeDocument/2006/relationships" xmlns:p14="http://schemas.microsoft.com/office/powerpoint/2010/main" xmlns:p15="http://schemas.microsoft.com/office/powerpoint/2012/main" xmlns:mc="http://schemas.openxmlformats.org/markup-compatibility/2006" type="obj" preserve="1">
+<p:sldLayout xmlns:a="http://schemas.openxmlformats.org/drawingml/2006/main" xmlns:r="http://schemas.openxmlformats.org/officeDocument/2006/relationships" xmlns:p="http://schemas.openxmlformats.org/presentationml/2006/main" type="obj" preserve="1">
   <p:cSld name="Title, Content">
     <p:spTree>
       <p:nvGrpSpPr>
@@ -1193,14 +1325,15 @@
           </a:ln>
         </p:spPr>
         <p:txBody>
-          <a:bodyPr lIns="0" rIns="0" tIns="0" bIns="0" anchor="ctr">
+          <a:bodyPr lIns="0" tIns="0" rIns="0" bIns="0" anchor="ctr">
             <a:noAutofit/>
           </a:bodyPr>
+          <a:lstStyle/>
           <a:p>
             <a:pPr indent="0">
               <a:buNone/>
             </a:pPr>
-            <a:endParaRPr b="0" lang="en-US" sz="1800" spc="-1" strike="noStrike">
+            <a:endParaRPr lang="en-US" sz="1800" b="0" strike="noStrike" spc="-1">
               <a:solidFill>
                 <a:schemeClr val="dk1"/>
               </a:solidFill>
@@ -1233,9 +1366,10 @@
           </a:ln>
         </p:spPr>
         <p:txBody>
-          <a:bodyPr lIns="0" rIns="0" tIns="0" bIns="0" anchor="t">
+          <a:bodyPr lIns="0" tIns="0" rIns="0" bIns="0" anchor="t">
             <a:normAutofit/>
           </a:bodyPr>
+          <a:lstStyle/>
           <a:p>
             <a:pPr indent="0">
               <a:spcBef>
@@ -1243,7 +1377,7 @@
               </a:spcBef>
               <a:buNone/>
             </a:pPr>
-            <a:endParaRPr b="0" lang="en-US" sz="3200" spc="-1" strike="noStrike">
+            <a:endParaRPr lang="en-US" sz="3200" b="0" strike="noStrike" spc="-1">
               <a:solidFill>
                 <a:schemeClr val="dk1"/>
               </a:solidFill>
@@ -1265,6 +1399,7 @@
         <p:spPr/>
         <p:txBody>
           <a:bodyPr/>
+          <a:lstStyle/>
           <a:p>
             <a:r>
               <a:t>Footer</a:t>
@@ -1285,10 +1420,12 @@
         <p:spPr/>
         <p:txBody>
           <a:bodyPr/>
+          <a:lstStyle/>
           <a:p>
             <a:fld id="{12E3B38C-BFC4-42FA-ABAE-2F2C44980453}" type="slidenum">
-              <a:t>&lt;#&gt;</a:t>
+              <a:t>‹Nr.›</a:t>
             </a:fld>
+            <a:endParaRPr/>
           </a:p>
         </p:txBody>
       </p:sp>
@@ -1305,21 +1442,22 @@
         <p:spPr/>
         <p:txBody>
           <a:bodyPr/>
-          <a:p>
-            <a:r>
-              <a:rPr lang="de-DE"/>
-              <a:t/>
-            </a:r>
+          <a:lstStyle/>
+          <a:p>
+            <a:endParaRPr/>
           </a:p>
         </p:txBody>
       </p:sp>
     </p:spTree>
   </p:cSld>
+  <p:clrMapOvr>
+    <a:masterClrMapping/>
+  </p:clrMapOvr>
 </p:sldLayout>
 </file>
 
 <file path=ppt/slideLayouts/slideLayout4.xml><?xml version="1.0" encoding="utf-8"?>
-<p:sldLayout xmlns:a="http://schemas.openxmlformats.org/drawingml/2006/main" xmlns:p="http://schemas.openxmlformats.org/presentationml/2006/main" xmlns:r="http://schemas.openxmlformats.org/officeDocument/2006/relationships" xmlns:p14="http://schemas.microsoft.com/office/powerpoint/2010/main" xmlns:p15="http://schemas.microsoft.com/office/powerpoint/2012/main" xmlns:mc="http://schemas.openxmlformats.org/markup-compatibility/2006" type="twoObj" preserve="1">
+<p:sldLayout xmlns:a="http://schemas.openxmlformats.org/drawingml/2006/main" xmlns:r="http://schemas.openxmlformats.org/officeDocument/2006/relationships" xmlns:p="http://schemas.openxmlformats.org/presentationml/2006/main" type="twoObj" preserve="1">
   <p:cSld name="Title, 2 Content">
     <p:spTree>
       <p:nvGrpSpPr>
@@ -1359,14 +1497,15 @@
           </a:ln>
         </p:spPr>
         <p:txBody>
-          <a:bodyPr lIns="0" rIns="0" tIns="0" bIns="0" anchor="ctr">
+          <a:bodyPr lIns="0" tIns="0" rIns="0" bIns="0" anchor="ctr">
             <a:noAutofit/>
           </a:bodyPr>
+          <a:lstStyle/>
           <a:p>
             <a:pPr indent="0">
               <a:buNone/>
             </a:pPr>
-            <a:endParaRPr b="0" lang="en-US" sz="1800" spc="-1" strike="noStrike">
+            <a:endParaRPr lang="en-US" sz="1800" b="0" strike="noStrike" spc="-1">
               <a:solidFill>
                 <a:schemeClr val="dk1"/>
               </a:solidFill>
@@ -1399,9 +1538,10 @@
           </a:ln>
         </p:spPr>
         <p:txBody>
-          <a:bodyPr lIns="0" rIns="0" tIns="0" bIns="0" anchor="t">
+          <a:bodyPr lIns="0" tIns="0" rIns="0" bIns="0" anchor="t">
             <a:normAutofit/>
           </a:bodyPr>
+          <a:lstStyle/>
           <a:p>
             <a:pPr indent="0">
               <a:spcBef>
@@ -1409,7 +1549,7 @@
               </a:spcBef>
               <a:buNone/>
             </a:pPr>
-            <a:endParaRPr b="0" lang="en-US" sz="3200" spc="-1" strike="noStrike">
+            <a:endParaRPr lang="en-US" sz="3200" b="0" strike="noStrike" spc="-1">
               <a:solidFill>
                 <a:schemeClr val="dk1"/>
               </a:solidFill>
@@ -1442,9 +1582,10 @@
           </a:ln>
         </p:spPr>
         <p:txBody>
-          <a:bodyPr lIns="0" rIns="0" tIns="0" bIns="0" anchor="t">
+          <a:bodyPr lIns="0" tIns="0" rIns="0" bIns="0" anchor="t">
             <a:normAutofit/>
           </a:bodyPr>
+          <a:lstStyle/>
           <a:p>
             <a:pPr indent="0">
               <a:spcBef>
@@ -1452,7 +1593,7 @@
               </a:spcBef>
               <a:buNone/>
             </a:pPr>
-            <a:endParaRPr b="0" lang="en-US" sz="3200" spc="-1" strike="noStrike">
+            <a:endParaRPr lang="en-US" sz="3200" b="0" strike="noStrike" spc="-1">
               <a:solidFill>
                 <a:schemeClr val="dk1"/>
               </a:solidFill>
@@ -1474,6 +1615,7 @@
         <p:spPr/>
         <p:txBody>
           <a:bodyPr/>
+          <a:lstStyle/>
           <a:p>
             <a:r>
               <a:t>Footer</a:t>
@@ -1494,10 +1636,12 @@
         <p:spPr/>
         <p:txBody>
           <a:bodyPr/>
+          <a:lstStyle/>
           <a:p>
             <a:fld id="{5CFFD218-6C46-4670-8F7A-CE0EEE774FCF}" type="slidenum">
-              <a:t>&lt;#&gt;</a:t>
+              <a:t>‹Nr.›</a:t>
             </a:fld>
+            <a:endParaRPr/>
           </a:p>
         </p:txBody>
       </p:sp>
@@ -1514,21 +1658,22 @@
         <p:spPr/>
         <p:txBody>
           <a:bodyPr/>
-          <a:p>
-            <a:r>
-              <a:rPr lang="de-DE"/>
-              <a:t/>
-            </a:r>
+          <a:lstStyle/>
+          <a:p>
+            <a:endParaRPr/>
           </a:p>
         </p:txBody>
       </p:sp>
     </p:spTree>
   </p:cSld>
+  <p:clrMapOvr>
+    <a:masterClrMapping/>
+  </p:clrMapOvr>
 </p:sldLayout>
 </file>
 
 <file path=ppt/slideLayouts/slideLayout5.xml><?xml version="1.0" encoding="utf-8"?>
-<p:sldLayout xmlns:a="http://schemas.openxmlformats.org/drawingml/2006/main" xmlns:p="http://schemas.openxmlformats.org/presentationml/2006/main" xmlns:r="http://schemas.openxmlformats.org/officeDocument/2006/relationships" xmlns:p14="http://schemas.microsoft.com/office/powerpoint/2010/main" xmlns:p15="http://schemas.microsoft.com/office/powerpoint/2012/main" xmlns:mc="http://schemas.openxmlformats.org/markup-compatibility/2006" type="titleOnly" preserve="1">
+<p:sldLayout xmlns:a="http://schemas.openxmlformats.org/drawingml/2006/main" xmlns:r="http://schemas.openxmlformats.org/officeDocument/2006/relationships" xmlns:p="http://schemas.openxmlformats.org/presentationml/2006/main" type="titleOnly" preserve="1">
   <p:cSld name="Title Only">
     <p:spTree>
       <p:nvGrpSpPr>
@@ -1568,14 +1713,15 @@
           </a:ln>
         </p:spPr>
         <p:txBody>
-          <a:bodyPr lIns="0" rIns="0" tIns="0" bIns="0" anchor="ctr">
+          <a:bodyPr lIns="0" tIns="0" rIns="0" bIns="0" anchor="ctr">
             <a:noAutofit/>
           </a:bodyPr>
+          <a:lstStyle/>
           <a:p>
             <a:pPr indent="0">
               <a:buNone/>
             </a:pPr>
-            <a:endParaRPr b="0" lang="en-US" sz="1800" spc="-1" strike="noStrike">
+            <a:endParaRPr lang="en-US" sz="1800" b="0" strike="noStrike" spc="-1">
               <a:solidFill>
                 <a:schemeClr val="dk1"/>
               </a:solidFill>
@@ -1597,6 +1743,7 @@
         <p:spPr/>
         <p:txBody>
           <a:bodyPr/>
+          <a:lstStyle/>
           <a:p>
             <a:r>
               <a:t>Footer</a:t>
@@ -1617,10 +1764,12 @@
         <p:spPr/>
         <p:txBody>
           <a:bodyPr/>
+          <a:lstStyle/>
           <a:p>
             <a:fld id="{BABCB485-7C31-4E14-B749-C734748EE1DA}" type="slidenum">
-              <a:t>&lt;#&gt;</a:t>
+              <a:t>‹Nr.›</a:t>
             </a:fld>
+            <a:endParaRPr/>
           </a:p>
         </p:txBody>
       </p:sp>
@@ -1637,21 +1786,22 @@
         <p:spPr/>
         <p:txBody>
           <a:bodyPr/>
-          <a:p>
-            <a:r>
-              <a:rPr lang="de-DE"/>
-              <a:t/>
-            </a:r>
+          <a:lstStyle/>
+          <a:p>
+            <a:endParaRPr/>
           </a:p>
         </p:txBody>
       </p:sp>
     </p:spTree>
   </p:cSld>
+  <p:clrMapOvr>
+    <a:masterClrMapping/>
+  </p:clrMapOvr>
 </p:sldLayout>
 </file>
 
 <file path=ppt/slideLayouts/slideLayout6.xml><?xml version="1.0" encoding="utf-8"?>
-<p:sldLayout xmlns:a="http://schemas.openxmlformats.org/drawingml/2006/main" xmlns:p="http://schemas.openxmlformats.org/presentationml/2006/main" xmlns:r="http://schemas.openxmlformats.org/officeDocument/2006/relationships" xmlns:p14="http://schemas.microsoft.com/office/powerpoint/2010/main" xmlns:p15="http://schemas.microsoft.com/office/powerpoint/2012/main" xmlns:mc="http://schemas.openxmlformats.org/markup-compatibility/2006" type="objOnly" preserve="1">
+<p:sldLayout xmlns:a="http://schemas.openxmlformats.org/drawingml/2006/main" xmlns:r="http://schemas.openxmlformats.org/officeDocument/2006/relationships" xmlns:p="http://schemas.openxmlformats.org/presentationml/2006/main" type="objOnly" preserve="1">
   <p:cSld name="Centered Text">
     <p:spTree>
       <p:nvGrpSpPr>
@@ -1691,12 +1841,13 @@
           </a:ln>
         </p:spPr>
         <p:txBody>
-          <a:bodyPr lIns="0" rIns="0" tIns="0" bIns="0" anchor="ctr">
+          <a:bodyPr lIns="0" tIns="0" rIns="0" bIns="0" anchor="ctr">
             <a:noAutofit/>
           </a:bodyPr>
+          <a:lstStyle/>
           <a:p>
             <a:pPr algn="ctr"/>
-            <a:endParaRPr b="0" lang="de-DE" sz="3200" spc="-1" strike="noStrike">
+            <a:endParaRPr lang="de-DE" sz="3200" b="0" strike="noStrike" spc="-1">
               <a:solidFill>
                 <a:srgbClr val="000000"/>
               </a:solidFill>
@@ -1718,6 +1869,7 @@
         <p:spPr/>
         <p:txBody>
           <a:bodyPr/>
+          <a:lstStyle/>
           <a:p>
             <a:r>
               <a:t>Footer</a:t>
@@ -1738,10 +1890,12 @@
         <p:spPr/>
         <p:txBody>
           <a:bodyPr/>
+          <a:lstStyle/>
           <a:p>
             <a:fld id="{0DD04384-F13E-4A07-93BA-BFDF98F5D152}" type="slidenum">
-              <a:t>&lt;#&gt;</a:t>
+              <a:t>‹Nr.›</a:t>
             </a:fld>
+            <a:endParaRPr/>
           </a:p>
         </p:txBody>
       </p:sp>
@@ -1758,21 +1912,22 @@
         <p:spPr/>
         <p:txBody>
           <a:bodyPr/>
-          <a:p>
-            <a:r>
-              <a:rPr lang="de-DE"/>
-              <a:t/>
-            </a:r>
+          <a:lstStyle/>
+          <a:p>
+            <a:endParaRPr/>
           </a:p>
         </p:txBody>
       </p:sp>
     </p:spTree>
   </p:cSld>
+  <p:clrMapOvr>
+    <a:masterClrMapping/>
+  </p:clrMapOvr>
 </p:sldLayout>
 </file>
 
 <file path=ppt/slideLayouts/slideLayout7.xml><?xml version="1.0" encoding="utf-8"?>
-<p:sldLayout xmlns:a="http://schemas.openxmlformats.org/drawingml/2006/main" xmlns:p="http://schemas.openxmlformats.org/presentationml/2006/main" xmlns:r="http://schemas.openxmlformats.org/officeDocument/2006/relationships" xmlns:p14="http://schemas.microsoft.com/office/powerpoint/2010/main" xmlns:p15="http://schemas.microsoft.com/office/powerpoint/2012/main" xmlns:mc="http://schemas.openxmlformats.org/markup-compatibility/2006" type="twoObjAndObj" preserve="1">
+<p:sldLayout xmlns:a="http://schemas.openxmlformats.org/drawingml/2006/main" xmlns:r="http://schemas.openxmlformats.org/officeDocument/2006/relationships" xmlns:p="http://schemas.openxmlformats.org/presentationml/2006/main" type="twoObjAndObj" preserve="1">
   <p:cSld name="Title, 2 Content and Content">
     <p:spTree>
       <p:nvGrpSpPr>
@@ -1812,14 +1967,15 @@
           </a:ln>
         </p:spPr>
         <p:txBody>
-          <a:bodyPr lIns="0" rIns="0" tIns="0" bIns="0" anchor="ctr">
+          <a:bodyPr lIns="0" tIns="0" rIns="0" bIns="0" anchor="ctr">
             <a:noAutofit/>
           </a:bodyPr>
+          <a:lstStyle/>
           <a:p>
             <a:pPr indent="0">
               <a:buNone/>
             </a:pPr>
-            <a:endParaRPr b="0" lang="en-US" sz="1800" spc="-1" strike="noStrike">
+            <a:endParaRPr lang="en-US" sz="1800" b="0" strike="noStrike" spc="-1">
               <a:solidFill>
                 <a:schemeClr val="dk1"/>
               </a:solidFill>
@@ -1852,9 +2008,10 @@
           </a:ln>
         </p:spPr>
         <p:txBody>
-          <a:bodyPr lIns="0" rIns="0" tIns="0" bIns="0" anchor="t">
+          <a:bodyPr lIns="0" tIns="0" rIns="0" bIns="0" anchor="t">
             <a:normAutofit/>
           </a:bodyPr>
+          <a:lstStyle/>
           <a:p>
             <a:pPr indent="0">
               <a:spcBef>
@@ -1862,7 +2019,7 @@
               </a:spcBef>
               <a:buNone/>
             </a:pPr>
-            <a:endParaRPr b="0" lang="en-US" sz="3200" spc="-1" strike="noStrike">
+            <a:endParaRPr lang="en-US" sz="3200" b="0" strike="noStrike" spc="-1">
               <a:solidFill>
                 <a:schemeClr val="dk1"/>
               </a:solidFill>
@@ -1895,9 +2052,10 @@
           </a:ln>
         </p:spPr>
         <p:txBody>
-          <a:bodyPr lIns="0" rIns="0" tIns="0" bIns="0" anchor="t">
+          <a:bodyPr lIns="0" tIns="0" rIns="0" bIns="0" anchor="t">
             <a:normAutofit/>
           </a:bodyPr>
+          <a:lstStyle/>
           <a:p>
             <a:pPr indent="0">
               <a:spcBef>
@@ -1905,7 +2063,7 @@
               </a:spcBef>
               <a:buNone/>
             </a:pPr>
-            <a:endParaRPr b="0" lang="en-US" sz="3200" spc="-1" strike="noStrike">
+            <a:endParaRPr lang="en-US" sz="3200" b="0" strike="noStrike" spc="-1">
               <a:solidFill>
                 <a:schemeClr val="dk1"/>
               </a:solidFill>
@@ -1938,9 +2096,10 @@
           </a:ln>
         </p:spPr>
         <p:txBody>
-          <a:bodyPr lIns="0" rIns="0" tIns="0" bIns="0" anchor="t">
+          <a:bodyPr lIns="0" tIns="0" rIns="0" bIns="0" anchor="t">
             <a:normAutofit/>
           </a:bodyPr>
+          <a:lstStyle/>
           <a:p>
             <a:pPr indent="0">
               <a:spcBef>
@@ -1948,7 +2107,7 @@
               </a:spcBef>
               <a:buNone/>
             </a:pPr>
-            <a:endParaRPr b="0" lang="en-US" sz="3200" spc="-1" strike="noStrike">
+            <a:endParaRPr lang="en-US" sz="3200" b="0" strike="noStrike" spc="-1">
               <a:solidFill>
                 <a:schemeClr val="dk1"/>
               </a:solidFill>
@@ -1970,6 +2129,7 @@
         <p:spPr/>
         <p:txBody>
           <a:bodyPr/>
+          <a:lstStyle/>
           <a:p>
             <a:r>
               <a:t>Footer</a:t>
@@ -1990,10 +2150,12 @@
         <p:spPr/>
         <p:txBody>
           <a:bodyPr/>
+          <a:lstStyle/>
           <a:p>
             <a:fld id="{137DC4E6-C3AC-4FB5-8224-8E4ADA7A2B75}" type="slidenum">
-              <a:t>&lt;#&gt;</a:t>
+              <a:t>‹Nr.›</a:t>
             </a:fld>
+            <a:endParaRPr/>
           </a:p>
         </p:txBody>
       </p:sp>
@@ -2010,21 +2172,22 @@
         <p:spPr/>
         <p:txBody>
           <a:bodyPr/>
-          <a:p>
-            <a:r>
-              <a:rPr lang="de-DE"/>
-              <a:t/>
-            </a:r>
+          <a:lstStyle/>
+          <a:p>
+            <a:endParaRPr/>
           </a:p>
         </p:txBody>
       </p:sp>
     </p:spTree>
   </p:cSld>
+  <p:clrMapOvr>
+    <a:masterClrMapping/>
+  </p:clrMapOvr>
 </p:sldLayout>
 </file>
 
 <file path=ppt/slideLayouts/slideLayout8.xml><?xml version="1.0" encoding="utf-8"?>
-<p:sldLayout xmlns:a="http://schemas.openxmlformats.org/drawingml/2006/main" xmlns:p="http://schemas.openxmlformats.org/presentationml/2006/main" xmlns:r="http://schemas.openxmlformats.org/officeDocument/2006/relationships" xmlns:p14="http://schemas.microsoft.com/office/powerpoint/2010/main" xmlns:p15="http://schemas.microsoft.com/office/powerpoint/2012/main" xmlns:mc="http://schemas.openxmlformats.org/markup-compatibility/2006" type="objAndTwoObj" preserve="1">
+<p:sldLayout xmlns:a="http://schemas.openxmlformats.org/drawingml/2006/main" xmlns:r="http://schemas.openxmlformats.org/officeDocument/2006/relationships" xmlns:p="http://schemas.openxmlformats.org/presentationml/2006/main" type="objAndTwoObj" preserve="1">
   <p:cSld name="Title Content and 2 Content">
     <p:spTree>
       <p:nvGrpSpPr>
@@ -2064,14 +2227,15 @@
           </a:ln>
         </p:spPr>
         <p:txBody>
-          <a:bodyPr lIns="0" rIns="0" tIns="0" bIns="0" anchor="ctr">
+          <a:bodyPr lIns="0" tIns="0" rIns="0" bIns="0" anchor="ctr">
             <a:noAutofit/>
           </a:bodyPr>
+          <a:lstStyle/>
           <a:p>
             <a:pPr indent="0">
               <a:buNone/>
             </a:pPr>
-            <a:endParaRPr b="0" lang="en-US" sz="1800" spc="-1" strike="noStrike">
+            <a:endParaRPr lang="en-US" sz="1800" b="0" strike="noStrike" spc="-1">
               <a:solidFill>
                 <a:schemeClr val="dk1"/>
               </a:solidFill>
@@ -2104,9 +2268,10 @@
           </a:ln>
         </p:spPr>
         <p:txBody>
-          <a:bodyPr lIns="0" rIns="0" tIns="0" bIns="0" anchor="t">
+          <a:bodyPr lIns="0" tIns="0" rIns="0" bIns="0" anchor="t">
             <a:normAutofit/>
           </a:bodyPr>
+          <a:lstStyle/>
           <a:p>
             <a:pPr indent="0">
               <a:spcBef>
@@ -2114,7 +2279,7 @@
               </a:spcBef>
               <a:buNone/>
             </a:pPr>
-            <a:endParaRPr b="0" lang="en-US" sz="3200" spc="-1" strike="noStrike">
+            <a:endParaRPr lang="en-US" sz="3200" b="0" strike="noStrike" spc="-1">
               <a:solidFill>
                 <a:schemeClr val="dk1"/>
               </a:solidFill>
@@ -2147,9 +2312,10 @@
           </a:ln>
         </p:spPr>
         <p:txBody>
-          <a:bodyPr lIns="0" rIns="0" tIns="0" bIns="0" anchor="t">
+          <a:bodyPr lIns="0" tIns="0" rIns="0" bIns="0" anchor="t">
             <a:normAutofit/>
           </a:bodyPr>
+          <a:lstStyle/>
           <a:p>
             <a:pPr indent="0">
               <a:spcBef>
@@ -2157,7 +2323,7 @@
               </a:spcBef>
               <a:buNone/>
             </a:pPr>
-            <a:endParaRPr b="0" lang="en-US" sz="3200" spc="-1" strike="noStrike">
+            <a:endParaRPr lang="en-US" sz="3200" b="0" strike="noStrike" spc="-1">
               <a:solidFill>
                 <a:schemeClr val="dk1"/>
               </a:solidFill>
@@ -2190,9 +2356,10 @@
           </a:ln>
         </p:spPr>
         <p:txBody>
-          <a:bodyPr lIns="0" rIns="0" tIns="0" bIns="0" anchor="t">
+          <a:bodyPr lIns="0" tIns="0" rIns="0" bIns="0" anchor="t">
             <a:normAutofit/>
           </a:bodyPr>
+          <a:lstStyle/>
           <a:p>
             <a:pPr indent="0">
               <a:spcBef>
@@ -2200,7 +2367,7 @@
               </a:spcBef>
               <a:buNone/>
             </a:pPr>
-            <a:endParaRPr b="0" lang="en-US" sz="3200" spc="-1" strike="noStrike">
+            <a:endParaRPr lang="en-US" sz="3200" b="0" strike="noStrike" spc="-1">
               <a:solidFill>
                 <a:schemeClr val="dk1"/>
               </a:solidFill>
@@ -2222,6 +2389,7 @@
         <p:spPr/>
         <p:txBody>
           <a:bodyPr/>
+          <a:lstStyle/>
           <a:p>
             <a:r>
               <a:t>Footer</a:t>
@@ -2242,10 +2410,12 @@
         <p:spPr/>
         <p:txBody>
           <a:bodyPr/>
+          <a:lstStyle/>
           <a:p>
             <a:fld id="{C17CCFEB-71A8-430C-A23E-4D7E7F1BA254}" type="slidenum">
-              <a:t>&lt;#&gt;</a:t>
+              <a:t>‹Nr.›</a:t>
             </a:fld>
+            <a:endParaRPr/>
           </a:p>
         </p:txBody>
       </p:sp>
@@ -2262,21 +2432,22 @@
         <p:spPr/>
         <p:txBody>
           <a:bodyPr/>
-          <a:p>
-            <a:r>
-              <a:rPr lang="de-DE"/>
-              <a:t/>
-            </a:r>
+          <a:lstStyle/>
+          <a:p>
+            <a:endParaRPr/>
           </a:p>
         </p:txBody>
       </p:sp>
     </p:spTree>
   </p:cSld>
+  <p:clrMapOvr>
+    <a:masterClrMapping/>
+  </p:clrMapOvr>
 </p:sldLayout>
 </file>
 
 <file path=ppt/slideLayouts/slideLayout9.xml><?xml version="1.0" encoding="utf-8"?>
-<p:sldLayout xmlns:a="http://schemas.openxmlformats.org/drawingml/2006/main" xmlns:p="http://schemas.openxmlformats.org/presentationml/2006/main" xmlns:r="http://schemas.openxmlformats.org/officeDocument/2006/relationships" xmlns:p14="http://schemas.microsoft.com/office/powerpoint/2010/main" xmlns:p15="http://schemas.microsoft.com/office/powerpoint/2012/main" xmlns:mc="http://schemas.openxmlformats.org/markup-compatibility/2006" type="twoObjOverTx" preserve="1">
+<p:sldLayout xmlns:a="http://schemas.openxmlformats.org/drawingml/2006/main" xmlns:r="http://schemas.openxmlformats.org/officeDocument/2006/relationships" xmlns:p="http://schemas.openxmlformats.org/presentationml/2006/main" type="twoObjOverTx" preserve="1">
   <p:cSld name="Title, 2 Content over Content">
     <p:spTree>
       <p:nvGrpSpPr>
@@ -2316,14 +2487,15 @@
           </a:ln>
         </p:spPr>
         <p:txBody>
-          <a:bodyPr lIns="0" rIns="0" tIns="0" bIns="0" anchor="ctr">
+          <a:bodyPr lIns="0" tIns="0" rIns="0" bIns="0" anchor="ctr">
             <a:noAutofit/>
           </a:bodyPr>
+          <a:lstStyle/>
           <a:p>
             <a:pPr indent="0">
               <a:buNone/>
             </a:pPr>
-            <a:endParaRPr b="0" lang="en-US" sz="1800" spc="-1" strike="noStrike">
+            <a:endParaRPr lang="en-US" sz="1800" b="0" strike="noStrike" spc="-1">
               <a:solidFill>
                 <a:schemeClr val="dk1"/>
               </a:solidFill>
@@ -2356,9 +2528,10 @@
           </a:ln>
         </p:spPr>
         <p:txBody>
-          <a:bodyPr lIns="0" rIns="0" tIns="0" bIns="0" anchor="t">
+          <a:bodyPr lIns="0" tIns="0" rIns="0" bIns="0" anchor="t">
             <a:normAutofit/>
           </a:bodyPr>
+          <a:lstStyle/>
           <a:p>
             <a:pPr indent="0">
               <a:spcBef>
@@ -2366,7 +2539,7 @@
               </a:spcBef>
               <a:buNone/>
             </a:pPr>
-            <a:endParaRPr b="0" lang="en-US" sz="3200" spc="-1" strike="noStrike">
+            <a:endParaRPr lang="en-US" sz="3200" b="0" strike="noStrike" spc="-1">
               <a:solidFill>
                 <a:schemeClr val="dk1"/>
               </a:solidFill>
@@ -2399,9 +2572,10 @@
           </a:ln>
         </p:spPr>
         <p:txBody>
-          <a:bodyPr lIns="0" rIns="0" tIns="0" bIns="0" anchor="t">
+          <a:bodyPr lIns="0" tIns="0" rIns="0" bIns="0" anchor="t">
             <a:normAutofit/>
           </a:bodyPr>
+          <a:lstStyle/>
           <a:p>
             <a:pPr indent="0">
               <a:spcBef>
@@ -2409,7 +2583,7 @@
               </a:spcBef>
               <a:buNone/>
             </a:pPr>
-            <a:endParaRPr b="0" lang="en-US" sz="3200" spc="-1" strike="noStrike">
+            <a:endParaRPr lang="en-US" sz="3200" b="0" strike="noStrike" spc="-1">
               <a:solidFill>
                 <a:schemeClr val="dk1"/>
               </a:solidFill>
@@ -2442,9 +2616,10 @@
           </a:ln>
         </p:spPr>
         <p:txBody>
-          <a:bodyPr lIns="0" rIns="0" tIns="0" bIns="0" anchor="t">
+          <a:bodyPr lIns="0" tIns="0" rIns="0" bIns="0" anchor="t">
             <a:normAutofit/>
           </a:bodyPr>
+          <a:lstStyle/>
           <a:p>
             <a:pPr indent="0">
               <a:spcBef>
@@ -2452,7 +2627,7 @@
               </a:spcBef>
               <a:buNone/>
             </a:pPr>
-            <a:endParaRPr b="0" lang="en-US" sz="3200" spc="-1" strike="noStrike">
+            <a:endParaRPr lang="en-US" sz="3200" b="0" strike="noStrike" spc="-1">
               <a:solidFill>
                 <a:schemeClr val="dk1"/>
               </a:solidFill>
@@ -2474,6 +2649,7 @@
         <p:spPr/>
         <p:txBody>
           <a:bodyPr/>
+          <a:lstStyle/>
           <a:p>
             <a:r>
               <a:t>Footer</a:t>
@@ -2494,10 +2670,12 @@
         <p:spPr/>
         <p:txBody>
           <a:bodyPr/>
+          <a:lstStyle/>
           <a:p>
             <a:fld id="{A20F760D-C0DE-473C-B948-582A5AFCC465}" type="slidenum">
-              <a:t>&lt;#&gt;</a:t>
+              <a:t>‹Nr.›</a:t>
             </a:fld>
+            <a:endParaRPr/>
           </a:p>
         </p:txBody>
       </p:sp>
@@ -2514,27 +2692,29 @@
         <p:spPr/>
         <p:txBody>
           <a:bodyPr/>
-          <a:p>
-            <a:r>
-              <a:rPr lang="de-DE"/>
-              <a:t/>
-            </a:r>
+          <a:lstStyle/>
+          <a:p>
+            <a:endParaRPr/>
           </a:p>
         </p:txBody>
       </p:sp>
     </p:spTree>
   </p:cSld>
+  <p:clrMapOvr>
+    <a:masterClrMapping/>
+  </p:clrMapOvr>
 </p:sldLayout>
 </file>
 
 <file path=ppt/slideMasters/slideMaster1.xml><?xml version="1.0" encoding="utf-8"?>
-<p:sldMaster xmlns:a="http://schemas.openxmlformats.org/drawingml/2006/main" xmlns:p="http://schemas.openxmlformats.org/presentationml/2006/main" xmlns:r="http://schemas.openxmlformats.org/officeDocument/2006/relationships" xmlns:p14="http://schemas.microsoft.com/office/powerpoint/2010/main" xmlns:p15="http://schemas.microsoft.com/office/powerpoint/2012/main" xmlns:mc="http://schemas.openxmlformats.org/markup-compatibility/2006">
+<p:sldMaster xmlns:a="http://schemas.openxmlformats.org/drawingml/2006/main" xmlns:r="http://schemas.openxmlformats.org/officeDocument/2006/relationships" xmlns:p="http://schemas.openxmlformats.org/presentationml/2006/main">
   <p:cSld>
     <p:bg>
       <p:bgPr>
         <a:solidFill>
-          <a:srgbClr val="ffffff"/>
+          <a:srgbClr val="FFFFFF"/>
         </a:solidFill>
+        <a:effectLst/>
       </p:bgPr>
     </p:bg>
     <p:spTree>
@@ -2553,7 +2733,7 @@
       </p:grpSpPr>
       <p:sp>
         <p:nvSpPr>
-          <p:cNvPr id="0" name="PlaceHolder 1"/>
+          <p:cNvPr id="5" name="PlaceHolder 1"/>
           <p:cNvSpPr>
             <a:spLocks noGrp="1"/>
           </p:cNvSpPr>
@@ -2575,7 +2755,7 @@
           </a:ln>
         </p:spPr>
         <p:txBody>
-          <a:bodyPr lIns="91440" rIns="91440" tIns="45720" bIns="45720" anchor="ctr">
+          <a:bodyPr lIns="91440" tIns="45720" rIns="91440" bIns="45720" anchor="ctr">
             <a:noAutofit/>
           </a:bodyPr>
           <a:lstStyle>
@@ -2584,7 +2764,7 @@
                 <a:spcPct val="100000"/>
               </a:lnSpc>
               <a:buNone/>
-              <a:defRPr b="0" lang="en-US" sz="1200" spc="-1" strike="noStrike">
+              <a:defRPr lang="en-US" sz="1200" b="0" strike="noStrike" spc="-1">
                 <a:solidFill>
                   <a:schemeClr val="dk1">
                     <a:tint val="75000"/>
@@ -2602,7 +2782,7 @@
               <a:buNone/>
             </a:pPr>
             <a:r>
-              <a:rPr b="0" lang="en-US" sz="1200" spc="-1" strike="noStrike">
+              <a:rPr lang="en-US" sz="1200" b="0" strike="noStrike" spc="-1">
                 <a:solidFill>
                   <a:schemeClr val="dk1">
                     <a:tint val="75000"/>
@@ -2612,7 +2792,7 @@
               </a:rPr>
               <a:t>&lt;Datum/Uhrzeit&gt;</a:t>
             </a:r>
-            <a:endParaRPr b="0" lang="de-DE" sz="1200" spc="-1" strike="noStrike">
+            <a:endParaRPr lang="de-DE" sz="1200" b="0" strike="noStrike" spc="-1">
               <a:solidFill>
                 <a:srgbClr val="000000"/>
               </a:solidFill>
@@ -2623,7 +2803,7 @@
       </p:sp>
       <p:sp>
         <p:nvSpPr>
-          <p:cNvPr id="1" name="PlaceHolder 2"/>
+          <p:cNvPr id="6" name="PlaceHolder 2"/>
           <p:cNvSpPr>
             <a:spLocks noGrp="1"/>
           </p:cNvSpPr>
@@ -2645,13 +2825,13 @@
           </a:ln>
         </p:spPr>
         <p:txBody>
-          <a:bodyPr lIns="91440" rIns="91440" tIns="45720" bIns="45720" anchor="ctr">
+          <a:bodyPr lIns="91440" tIns="45720" rIns="91440" bIns="45720" anchor="ctr">
             <a:noAutofit/>
           </a:bodyPr>
           <a:lstStyle>
             <a:lvl1pPr indent="0" algn="ctr">
               <a:buNone/>
-              <a:defRPr b="0" lang="de-DE" sz="1400" spc="-1" strike="noStrike">
+              <a:defRPr lang="de-DE" sz="1400" b="0" strike="noStrike" spc="-1">
                 <a:solidFill>
                   <a:srgbClr val="000000"/>
                 </a:solidFill>
@@ -2664,7 +2844,7 @@
               <a:buNone/>
             </a:pPr>
             <a:r>
-              <a:rPr b="0" lang="de-DE" sz="1400" spc="-1" strike="noStrike">
+              <a:rPr lang="de-DE" sz="1400" b="0" strike="noStrike" spc="-1">
                 <a:solidFill>
                   <a:srgbClr val="000000"/>
                 </a:solidFill>
@@ -2672,12 +2852,6 @@
               </a:rPr>
               <a:t>&lt;Fußzeile&gt;</a:t>
             </a:r>
-            <a:endParaRPr b="0" lang="de-DE" sz="1400" spc="-1" strike="noStrike">
-              <a:solidFill>
-                <a:srgbClr val="000000"/>
-              </a:solidFill>
-              <a:latin typeface="Times New Roman"/>
-            </a:endParaRPr>
           </a:p>
         </p:txBody>
       </p:sp>
@@ -2705,7 +2879,7 @@
           </a:ln>
         </p:spPr>
         <p:txBody>
-          <a:bodyPr lIns="91440" rIns="91440" tIns="45720" bIns="45720" anchor="ctr">
+          <a:bodyPr lIns="91440" tIns="45720" rIns="91440" bIns="45720" anchor="ctr">
             <a:noAutofit/>
           </a:bodyPr>
           <a:lstStyle>
@@ -2714,7 +2888,7 @@
                 <a:spcPct val="100000"/>
               </a:lnSpc>
               <a:buNone/>
-              <a:defRPr b="0" lang="en-US" sz="1200" spc="-1" strike="noStrike">
+              <a:defRPr lang="en-US" sz="1200" b="0" strike="noStrike" spc="-1">
                 <a:solidFill>
                   <a:schemeClr val="dk1">
                     <a:tint val="75000"/>
@@ -2732,7 +2906,7 @@
               <a:buNone/>
             </a:pPr>
             <a:fld id="{58BA2495-057D-417A-9642-450A2D5E835D}" type="slidenum">
-              <a:rPr b="0" lang="en-US" sz="1200" spc="-1" strike="noStrike">
+              <a:rPr lang="en-US" sz="1200" b="0" strike="noStrike" spc="-1">
                 <a:solidFill>
                   <a:schemeClr val="dk1">
                     <a:tint val="75000"/>
@@ -2740,9 +2914,9 @@
                 </a:solidFill>
                 <a:latin typeface="Calibri"/>
               </a:rPr>
-              <a:t>&lt;Foliennummer&gt;</a:t>
+              <a:t>‹Nr.›</a:t>
             </a:fld>
-            <a:endParaRPr b="0" lang="de-DE" sz="1200" spc="-1" strike="noStrike">
+            <a:endParaRPr lang="de-DE" sz="1200" b="0" strike="noStrike" spc="-1">
               <a:solidFill>
                 <a:srgbClr val="000000"/>
               </a:solidFill>
@@ -2775,15 +2949,16 @@
           </a:ln>
         </p:spPr>
         <p:txBody>
-          <a:bodyPr lIns="0" rIns="0" tIns="0" bIns="0" anchor="ctr">
+          <a:bodyPr lIns="0" tIns="0" rIns="0" bIns="0" anchor="ctr">
             <a:noAutofit/>
           </a:bodyPr>
+          <a:lstStyle/>
           <a:p>
             <a:pPr indent="0">
               <a:buNone/>
             </a:pPr>
             <a:r>
-              <a:rPr b="0" lang="en-US" sz="1800" spc="-1" strike="noStrike">
+              <a:rPr lang="en-US" sz="1800" b="0" strike="noStrike" spc="-1">
                 <a:solidFill>
                   <a:schemeClr val="dk1"/>
                 </a:solidFill>
@@ -2791,12 +2966,6 @@
               </a:rPr>
               <a:t>Format des Titeltextes durch Klicken bearbeiten</a:t>
             </a:r>
-            <a:endParaRPr b="0" lang="en-US" sz="1800" spc="-1" strike="noStrike">
-              <a:solidFill>
-                <a:schemeClr val="dk1"/>
-              </a:solidFill>
-              <a:latin typeface="Calibri"/>
-            </a:endParaRPr>
           </a:p>
         </p:txBody>
       </p:sp>
@@ -2824,9 +2993,10 @@
           </a:ln>
         </p:spPr>
         <p:txBody>
-          <a:bodyPr lIns="0" rIns="0" tIns="0" bIns="0" anchor="t">
+          <a:bodyPr lIns="0" tIns="0" rIns="0" bIns="0" anchor="t">
             <a:normAutofit/>
           </a:bodyPr>
+          <a:lstStyle/>
           <a:p>
             <a:pPr marL="432000" indent="-324000">
               <a:spcBef>
@@ -2840,7 +3010,7 @@
               <a:buChar char=""/>
             </a:pPr>
             <a:r>
-              <a:rPr b="0" lang="en-US" sz="3200" spc="-1" strike="noStrike">
+              <a:rPr lang="en-US" sz="3200" b="0" strike="noStrike" spc="-1">
                 <a:solidFill>
                   <a:schemeClr val="dk1"/>
                 </a:solidFill>
@@ -2848,15 +3018,9 @@
               </a:rPr>
               <a:t>Format des Gliederungstextes durch Klicken bearbeiten</a:t>
             </a:r>
-            <a:endParaRPr b="0" lang="en-US" sz="3200" spc="-1" strike="noStrike">
-              <a:solidFill>
-                <a:schemeClr val="dk1"/>
-              </a:solidFill>
-              <a:latin typeface="Calibri"/>
-            </a:endParaRPr>
-          </a:p>
-          <a:p>
-            <a:pPr lvl="1" marL="864000" indent="-324000">
+          </a:p>
+          <a:p>
+            <a:pPr marL="864000" lvl="1" indent="-324000">
               <a:spcBef>
                 <a:spcPts val="1134"/>
               </a:spcBef>
@@ -2868,7 +3032,7 @@
               <a:buChar char=""/>
             </a:pPr>
             <a:r>
-              <a:rPr b="0" lang="en-US" sz="2400" spc="-1" strike="noStrike">
+              <a:rPr lang="en-US" sz="2400" b="0" strike="noStrike" spc="-1">
                 <a:solidFill>
                   <a:schemeClr val="dk1"/>
                 </a:solidFill>
@@ -2876,15 +3040,9 @@
               </a:rPr>
               <a:t>Zweite Gliederungsebene</a:t>
             </a:r>
-            <a:endParaRPr b="0" lang="en-US" sz="2400" spc="-1" strike="noStrike">
-              <a:solidFill>
-                <a:schemeClr val="dk1"/>
-              </a:solidFill>
-              <a:latin typeface="Calibri"/>
-            </a:endParaRPr>
-          </a:p>
-          <a:p>
-            <a:pPr lvl="2" marL="1296000" indent="-288000">
+          </a:p>
+          <a:p>
+            <a:pPr marL="1296000" lvl="2" indent="-288000">
               <a:spcBef>
                 <a:spcPts val="850"/>
               </a:spcBef>
@@ -2896,7 +3054,7 @@
               <a:buChar char=""/>
             </a:pPr>
             <a:r>
-              <a:rPr b="0" lang="en-US" sz="2000" spc="-1" strike="noStrike">
+              <a:rPr lang="en-US" sz="2000" b="0" strike="noStrike" spc="-1">
                 <a:solidFill>
                   <a:schemeClr val="dk1"/>
                 </a:solidFill>
@@ -2904,15 +3062,9 @@
               </a:rPr>
               <a:t>Dritte Gliederungsebene</a:t>
             </a:r>
-            <a:endParaRPr b="0" lang="en-US" sz="2000" spc="-1" strike="noStrike">
-              <a:solidFill>
-                <a:schemeClr val="dk1"/>
-              </a:solidFill>
-              <a:latin typeface="Calibri"/>
-            </a:endParaRPr>
-          </a:p>
-          <a:p>
-            <a:pPr lvl="3" marL="1728000" indent="-216000">
+          </a:p>
+          <a:p>
+            <a:pPr marL="1728000" lvl="3" indent="-216000">
               <a:spcBef>
                 <a:spcPts val="567"/>
               </a:spcBef>
@@ -2924,7 +3076,7 @@
               <a:buChar char=""/>
             </a:pPr>
             <a:r>
-              <a:rPr b="0" lang="en-US" sz="2000" spc="-1" strike="noStrike">
+              <a:rPr lang="en-US" sz="2000" b="0" strike="noStrike" spc="-1">
                 <a:solidFill>
                   <a:schemeClr val="dk1"/>
                 </a:solidFill>
@@ -2932,15 +3084,9 @@
               </a:rPr>
               <a:t>Vierte Gliederungsebene</a:t>
             </a:r>
-            <a:endParaRPr b="0" lang="en-US" sz="2000" spc="-1" strike="noStrike">
-              <a:solidFill>
-                <a:schemeClr val="dk1"/>
-              </a:solidFill>
-              <a:latin typeface="Calibri"/>
-            </a:endParaRPr>
-          </a:p>
-          <a:p>
-            <a:pPr lvl="4" marL="2160000" indent="-216000">
+          </a:p>
+          <a:p>
+            <a:pPr marL="2160000" lvl="4" indent="-216000">
               <a:spcBef>
                 <a:spcPts val="283"/>
               </a:spcBef>
@@ -2952,7 +3098,7 @@
               <a:buChar char=""/>
             </a:pPr>
             <a:r>
-              <a:rPr b="0" lang="en-US" sz="2000" spc="-1" strike="noStrike">
+              <a:rPr lang="en-US" sz="2000" b="0" strike="noStrike" spc="-1">
                 <a:solidFill>
                   <a:schemeClr val="dk1"/>
                 </a:solidFill>
@@ -2960,15 +3106,9 @@
               </a:rPr>
               <a:t>Fünfte Gliederungsebene</a:t>
             </a:r>
-            <a:endParaRPr b="0" lang="en-US" sz="2000" spc="-1" strike="noStrike">
-              <a:solidFill>
-                <a:schemeClr val="dk1"/>
-              </a:solidFill>
-              <a:latin typeface="Calibri"/>
-            </a:endParaRPr>
-          </a:p>
-          <a:p>
-            <a:pPr lvl="5" marL="2592000" indent="-216000">
+          </a:p>
+          <a:p>
+            <a:pPr marL="2592000" lvl="5" indent="-216000">
               <a:spcBef>
                 <a:spcPts val="283"/>
               </a:spcBef>
@@ -2980,7 +3120,7 @@
               <a:buChar char=""/>
             </a:pPr>
             <a:r>
-              <a:rPr b="0" lang="en-US" sz="2000" spc="-1" strike="noStrike">
+              <a:rPr lang="en-US" sz="2000" b="0" strike="noStrike" spc="-1">
                 <a:solidFill>
                   <a:schemeClr val="dk1"/>
                 </a:solidFill>
@@ -2988,15 +3128,9 @@
               </a:rPr>
               <a:t>Sechste Gliederungsebene</a:t>
             </a:r>
-            <a:endParaRPr b="0" lang="en-US" sz="2000" spc="-1" strike="noStrike">
-              <a:solidFill>
-                <a:schemeClr val="dk1"/>
-              </a:solidFill>
-              <a:latin typeface="Calibri"/>
-            </a:endParaRPr>
-          </a:p>
-          <a:p>
-            <a:pPr lvl="6" marL="3024000" indent="-216000">
+          </a:p>
+          <a:p>
+            <a:pPr marL="3024000" lvl="6" indent="-216000">
               <a:spcBef>
                 <a:spcPts val="283"/>
               </a:spcBef>
@@ -3008,7 +3142,7 @@
               <a:buChar char=""/>
             </a:pPr>
             <a:r>
-              <a:rPr b="0" lang="en-US" sz="2000" spc="-1" strike="noStrike">
+              <a:rPr lang="en-US" sz="2000" b="0" strike="noStrike" spc="-1">
                 <a:solidFill>
                   <a:schemeClr val="dk1"/>
                 </a:solidFill>
@@ -3016,43 +3150,318 @@
               </a:rPr>
               <a:t>Siebte Gliederungsebene</a:t>
             </a:r>
-            <a:endParaRPr b="0" lang="en-US" sz="2000" spc="-1" strike="noStrike">
-              <a:solidFill>
-                <a:schemeClr val="dk1"/>
-              </a:solidFill>
-              <a:latin typeface="Calibri"/>
-            </a:endParaRPr>
           </a:p>
         </p:txBody>
       </p:sp>
     </p:spTree>
   </p:cSld>
-  <p:clrMap bg1="lt1" bg2="lt2" tx1="dk1" tx2="dk2" accent1="accent1" accent2="accent2" accent3="accent3" accent4="accent4" accent5="accent5" accent6="accent6" hlink="hlink" folHlink="folHlink"/>
+  <p:clrMap bg1="lt1" tx1="dk1" bg2="lt2" tx2="dk2" accent1="accent1" accent2="accent2" accent3="accent3" accent4="accent4" accent5="accent5" accent6="accent6" hlink="hlink" folHlink="folHlink"/>
   <p:sldLayoutIdLst>
-    <p:sldLayoutId id="2147483649" r:id="rId2"/>
-    <p:sldLayoutId id="2147483650" r:id="rId3"/>
-    <p:sldLayoutId id="2147483651" r:id="rId4"/>
-    <p:sldLayoutId id="2147483652" r:id="rId5"/>
-    <p:sldLayoutId id="2147483653" r:id="rId6"/>
-    <p:sldLayoutId id="2147483654" r:id="rId7"/>
-    <p:sldLayoutId id="2147483655" r:id="rId8"/>
-    <p:sldLayoutId id="2147483656" r:id="rId9"/>
-    <p:sldLayoutId id="2147483657" r:id="rId10"/>
-    <p:sldLayoutId id="2147483658" r:id="rId11"/>
-    <p:sldLayoutId id="2147483659" r:id="rId12"/>
-    <p:sldLayoutId id="2147483660" r:id="rId13"/>
+    <p:sldLayoutId id="2147483649" r:id="rId1"/>
+    <p:sldLayoutId id="2147483650" r:id="rId2"/>
+    <p:sldLayoutId id="2147483651" r:id="rId3"/>
+    <p:sldLayoutId id="2147483652" r:id="rId4"/>
+    <p:sldLayoutId id="2147483653" r:id="rId5"/>
+    <p:sldLayoutId id="2147483654" r:id="rId6"/>
+    <p:sldLayoutId id="2147483655" r:id="rId7"/>
+    <p:sldLayoutId id="2147483656" r:id="rId8"/>
+    <p:sldLayoutId id="2147483657" r:id="rId9"/>
+    <p:sldLayoutId id="2147483658" r:id="rId10"/>
+    <p:sldLayoutId id="2147483659" r:id="rId11"/>
+    <p:sldLayoutId id="2147483660" r:id="rId12"/>
   </p:sldLayoutIdLst>
+  <p:txStyles>
+    <p:titleStyle>
+      <a:lvl1pPr algn="l" defTabSz="914400" rtl="0" eaLnBrk="1" latinLnBrk="0" hangingPunct="1">
+        <a:lnSpc>
+          <a:spcPct val="90000"/>
+        </a:lnSpc>
+        <a:spcBef>
+          <a:spcPct val="0"/>
+        </a:spcBef>
+        <a:buNone/>
+        <a:defRPr sz="4400" kern="1200">
+          <a:solidFill>
+            <a:schemeClr val="tx1"/>
+          </a:solidFill>
+          <a:latin typeface="+mj-lt"/>
+          <a:ea typeface="+mj-ea"/>
+          <a:cs typeface="+mj-cs"/>
+        </a:defRPr>
+      </a:lvl1pPr>
+    </p:titleStyle>
+    <p:bodyStyle>
+      <a:lvl1pPr marL="228600" indent="-228600" algn="l" defTabSz="914400" rtl="0" eaLnBrk="1" latinLnBrk="0" hangingPunct="1">
+        <a:lnSpc>
+          <a:spcPct val="90000"/>
+        </a:lnSpc>
+        <a:spcBef>
+          <a:spcPts val="1000"/>
+        </a:spcBef>
+        <a:buFont typeface="Arial" panose="020B0604020202020204" pitchFamily="34" charset="0"/>
+        <a:buChar char="•"/>
+        <a:defRPr sz="2800" kern="1200">
+          <a:solidFill>
+            <a:schemeClr val="tx1"/>
+          </a:solidFill>
+          <a:latin typeface="+mn-lt"/>
+          <a:ea typeface="+mn-ea"/>
+          <a:cs typeface="+mn-cs"/>
+        </a:defRPr>
+      </a:lvl1pPr>
+      <a:lvl2pPr marL="685800" indent="-228600" algn="l" defTabSz="914400" rtl="0" eaLnBrk="1" latinLnBrk="0" hangingPunct="1">
+        <a:lnSpc>
+          <a:spcPct val="90000"/>
+        </a:lnSpc>
+        <a:spcBef>
+          <a:spcPts val="500"/>
+        </a:spcBef>
+        <a:buFont typeface="Arial" panose="020B0604020202020204" pitchFamily="34" charset="0"/>
+        <a:buChar char="•"/>
+        <a:defRPr sz="2400" kern="1200">
+          <a:solidFill>
+            <a:schemeClr val="tx1"/>
+          </a:solidFill>
+          <a:latin typeface="+mn-lt"/>
+          <a:ea typeface="+mn-ea"/>
+          <a:cs typeface="+mn-cs"/>
+        </a:defRPr>
+      </a:lvl2pPr>
+      <a:lvl3pPr marL="1143000" indent="-228600" algn="l" defTabSz="914400" rtl="0" eaLnBrk="1" latinLnBrk="0" hangingPunct="1">
+        <a:lnSpc>
+          <a:spcPct val="90000"/>
+        </a:lnSpc>
+        <a:spcBef>
+          <a:spcPts val="500"/>
+        </a:spcBef>
+        <a:buFont typeface="Arial" panose="020B0604020202020204" pitchFamily="34" charset="0"/>
+        <a:buChar char="•"/>
+        <a:defRPr sz="2000" kern="1200">
+          <a:solidFill>
+            <a:schemeClr val="tx1"/>
+          </a:solidFill>
+          <a:latin typeface="+mn-lt"/>
+          <a:ea typeface="+mn-ea"/>
+          <a:cs typeface="+mn-cs"/>
+        </a:defRPr>
+      </a:lvl3pPr>
+      <a:lvl4pPr marL="1600200" indent="-228600" algn="l" defTabSz="914400" rtl="0" eaLnBrk="1" latinLnBrk="0" hangingPunct="1">
+        <a:lnSpc>
+          <a:spcPct val="90000"/>
+        </a:lnSpc>
+        <a:spcBef>
+          <a:spcPts val="500"/>
+        </a:spcBef>
+        <a:buFont typeface="Arial" panose="020B0604020202020204" pitchFamily="34" charset="0"/>
+        <a:buChar char="•"/>
+        <a:defRPr sz="1800" kern="1200">
+          <a:solidFill>
+            <a:schemeClr val="tx1"/>
+          </a:solidFill>
+          <a:latin typeface="+mn-lt"/>
+          <a:ea typeface="+mn-ea"/>
+          <a:cs typeface="+mn-cs"/>
+        </a:defRPr>
+      </a:lvl4pPr>
+      <a:lvl5pPr marL="2057400" indent="-228600" algn="l" defTabSz="914400" rtl="0" eaLnBrk="1" latinLnBrk="0" hangingPunct="1">
+        <a:lnSpc>
+          <a:spcPct val="90000"/>
+        </a:lnSpc>
+        <a:spcBef>
+          <a:spcPts val="500"/>
+        </a:spcBef>
+        <a:buFont typeface="Arial" panose="020B0604020202020204" pitchFamily="34" charset="0"/>
+        <a:buChar char="•"/>
+        <a:defRPr sz="1800" kern="1200">
+          <a:solidFill>
+            <a:schemeClr val="tx1"/>
+          </a:solidFill>
+          <a:latin typeface="+mn-lt"/>
+          <a:ea typeface="+mn-ea"/>
+          <a:cs typeface="+mn-cs"/>
+        </a:defRPr>
+      </a:lvl5pPr>
+      <a:lvl6pPr marL="2514600" indent="-228600" algn="l" defTabSz="914400" rtl="0" eaLnBrk="1" latinLnBrk="0" hangingPunct="1">
+        <a:lnSpc>
+          <a:spcPct val="90000"/>
+        </a:lnSpc>
+        <a:spcBef>
+          <a:spcPts val="500"/>
+        </a:spcBef>
+        <a:buFont typeface="Arial" panose="020B0604020202020204" pitchFamily="34" charset="0"/>
+        <a:buChar char="•"/>
+        <a:defRPr sz="1800" kern="1200">
+          <a:solidFill>
+            <a:schemeClr val="tx1"/>
+          </a:solidFill>
+          <a:latin typeface="+mn-lt"/>
+          <a:ea typeface="+mn-ea"/>
+          <a:cs typeface="+mn-cs"/>
+        </a:defRPr>
+      </a:lvl6pPr>
+      <a:lvl7pPr marL="2971800" indent="-228600" algn="l" defTabSz="914400" rtl="0" eaLnBrk="1" latinLnBrk="0" hangingPunct="1">
+        <a:lnSpc>
+          <a:spcPct val="90000"/>
+        </a:lnSpc>
+        <a:spcBef>
+          <a:spcPts val="500"/>
+        </a:spcBef>
+        <a:buFont typeface="Arial" panose="020B0604020202020204" pitchFamily="34" charset="0"/>
+        <a:buChar char="•"/>
+        <a:defRPr sz="1800" kern="1200">
+          <a:solidFill>
+            <a:schemeClr val="tx1"/>
+          </a:solidFill>
+          <a:latin typeface="+mn-lt"/>
+          <a:ea typeface="+mn-ea"/>
+          <a:cs typeface="+mn-cs"/>
+        </a:defRPr>
+      </a:lvl7pPr>
+      <a:lvl8pPr marL="3429000" indent="-228600" algn="l" defTabSz="914400" rtl="0" eaLnBrk="1" latinLnBrk="0" hangingPunct="1">
+        <a:lnSpc>
+          <a:spcPct val="90000"/>
+        </a:lnSpc>
+        <a:spcBef>
+          <a:spcPts val="500"/>
+        </a:spcBef>
+        <a:buFont typeface="Arial" panose="020B0604020202020204" pitchFamily="34" charset="0"/>
+        <a:buChar char="•"/>
+        <a:defRPr sz="1800" kern="1200">
+          <a:solidFill>
+            <a:schemeClr val="tx1"/>
+          </a:solidFill>
+          <a:latin typeface="+mn-lt"/>
+          <a:ea typeface="+mn-ea"/>
+          <a:cs typeface="+mn-cs"/>
+        </a:defRPr>
+      </a:lvl8pPr>
+      <a:lvl9pPr marL="3886200" indent="-228600" algn="l" defTabSz="914400" rtl="0" eaLnBrk="1" latinLnBrk="0" hangingPunct="1">
+        <a:lnSpc>
+          <a:spcPct val="90000"/>
+        </a:lnSpc>
+        <a:spcBef>
+          <a:spcPts val="500"/>
+        </a:spcBef>
+        <a:buFont typeface="Arial" panose="020B0604020202020204" pitchFamily="34" charset="0"/>
+        <a:buChar char="•"/>
+        <a:defRPr sz="1800" kern="1200">
+          <a:solidFill>
+            <a:schemeClr val="tx1"/>
+          </a:solidFill>
+          <a:latin typeface="+mn-lt"/>
+          <a:ea typeface="+mn-ea"/>
+          <a:cs typeface="+mn-cs"/>
+        </a:defRPr>
+      </a:lvl9pPr>
+    </p:bodyStyle>
+    <p:otherStyle>
+      <a:defPPr>
+        <a:defRPr lang="de-DE"/>
+      </a:defPPr>
+      <a:lvl1pPr marL="0" algn="l" defTabSz="914400" rtl="0" eaLnBrk="1" latinLnBrk="0" hangingPunct="1">
+        <a:defRPr sz="1800" kern="1200">
+          <a:solidFill>
+            <a:schemeClr val="tx1"/>
+          </a:solidFill>
+          <a:latin typeface="+mn-lt"/>
+          <a:ea typeface="+mn-ea"/>
+          <a:cs typeface="+mn-cs"/>
+        </a:defRPr>
+      </a:lvl1pPr>
+      <a:lvl2pPr marL="457200" algn="l" defTabSz="914400" rtl="0" eaLnBrk="1" latinLnBrk="0" hangingPunct="1">
+        <a:defRPr sz="1800" kern="1200">
+          <a:solidFill>
+            <a:schemeClr val="tx1"/>
+          </a:solidFill>
+          <a:latin typeface="+mn-lt"/>
+          <a:ea typeface="+mn-ea"/>
+          <a:cs typeface="+mn-cs"/>
+        </a:defRPr>
+      </a:lvl2pPr>
+      <a:lvl3pPr marL="914400" algn="l" defTabSz="914400" rtl="0" eaLnBrk="1" latinLnBrk="0" hangingPunct="1">
+        <a:defRPr sz="1800" kern="1200">
+          <a:solidFill>
+            <a:schemeClr val="tx1"/>
+          </a:solidFill>
+          <a:latin typeface="+mn-lt"/>
+          <a:ea typeface="+mn-ea"/>
+          <a:cs typeface="+mn-cs"/>
+        </a:defRPr>
+      </a:lvl3pPr>
+      <a:lvl4pPr marL="1371600" algn="l" defTabSz="914400" rtl="0" eaLnBrk="1" latinLnBrk="0" hangingPunct="1">
+        <a:defRPr sz="1800" kern="1200">
+          <a:solidFill>
+            <a:schemeClr val="tx1"/>
+          </a:solidFill>
+          <a:latin typeface="+mn-lt"/>
+          <a:ea typeface="+mn-ea"/>
+          <a:cs typeface="+mn-cs"/>
+        </a:defRPr>
+      </a:lvl4pPr>
+      <a:lvl5pPr marL="1828800" algn="l" defTabSz="914400" rtl="0" eaLnBrk="1" latinLnBrk="0" hangingPunct="1">
+        <a:defRPr sz="1800" kern="1200">
+          <a:solidFill>
+            <a:schemeClr val="tx1"/>
+          </a:solidFill>
+          <a:latin typeface="+mn-lt"/>
+          <a:ea typeface="+mn-ea"/>
+          <a:cs typeface="+mn-cs"/>
+        </a:defRPr>
+      </a:lvl5pPr>
+      <a:lvl6pPr marL="2286000" algn="l" defTabSz="914400" rtl="0" eaLnBrk="1" latinLnBrk="0" hangingPunct="1">
+        <a:defRPr sz="1800" kern="1200">
+          <a:solidFill>
+            <a:schemeClr val="tx1"/>
+          </a:solidFill>
+          <a:latin typeface="+mn-lt"/>
+          <a:ea typeface="+mn-ea"/>
+          <a:cs typeface="+mn-cs"/>
+        </a:defRPr>
+      </a:lvl6pPr>
+      <a:lvl7pPr marL="2743200" algn="l" defTabSz="914400" rtl="0" eaLnBrk="1" latinLnBrk="0" hangingPunct="1">
+        <a:defRPr sz="1800" kern="1200">
+          <a:solidFill>
+            <a:schemeClr val="tx1"/>
+          </a:solidFill>
+          <a:latin typeface="+mn-lt"/>
+          <a:ea typeface="+mn-ea"/>
+          <a:cs typeface="+mn-cs"/>
+        </a:defRPr>
+      </a:lvl7pPr>
+      <a:lvl8pPr marL="3200400" algn="l" defTabSz="914400" rtl="0" eaLnBrk="1" latinLnBrk="0" hangingPunct="1">
+        <a:defRPr sz="1800" kern="1200">
+          <a:solidFill>
+            <a:schemeClr val="tx1"/>
+          </a:solidFill>
+          <a:latin typeface="+mn-lt"/>
+          <a:ea typeface="+mn-ea"/>
+          <a:cs typeface="+mn-cs"/>
+        </a:defRPr>
+      </a:lvl8pPr>
+      <a:lvl9pPr marL="3657600" algn="l" defTabSz="914400" rtl="0" eaLnBrk="1" latinLnBrk="0" hangingPunct="1">
+        <a:defRPr sz="1800" kern="1200">
+          <a:solidFill>
+            <a:schemeClr val="tx1"/>
+          </a:solidFill>
+          <a:latin typeface="+mn-lt"/>
+          <a:ea typeface="+mn-ea"/>
+          <a:cs typeface="+mn-cs"/>
+        </a:defRPr>
+      </a:lvl9pPr>
+    </p:otherStyle>
+  </p:txStyles>
 </p:sldMaster>
 </file>
 
 <file path=ppt/slides/slide1.xml><?xml version="1.0" encoding="utf-8"?>
-<p:sld xmlns:a="http://schemas.openxmlformats.org/drawingml/2006/main" xmlns:p="http://schemas.openxmlformats.org/presentationml/2006/main" xmlns:r="http://schemas.openxmlformats.org/officeDocument/2006/relationships" xmlns:p14="http://schemas.microsoft.com/office/powerpoint/2010/main" xmlns:p15="http://schemas.microsoft.com/office/powerpoint/2012/main" xmlns:mc="http://schemas.openxmlformats.org/markup-compatibility/2006">
+<p:sld xmlns:a="http://schemas.openxmlformats.org/drawingml/2006/main" xmlns:r="http://schemas.openxmlformats.org/officeDocument/2006/relationships" xmlns:p="http://schemas.openxmlformats.org/presentationml/2006/main">
   <p:cSld>
     <p:bg>
       <p:bgPr>
         <a:solidFill>
-          <a:srgbClr val="1f628e"/>
+          <a:srgbClr val="1F628E"/>
         </a:solidFill>
+        <a:effectLst/>
       </p:bgPr>
     </p:bg>
     <p:spTree>
@@ -3089,6 +3498,7 @@
               <a:gd name="textAreaBottom" fmla="*/ 13247280 h 13246920"/>
             </a:gdLst>
             <a:ahLst/>
+            <a:cxnLst/>
             <a:rect l="textAreaLeft" t="textAreaTop" r="textAreaRight" b="textAreaBottom"/>
             <a:pathLst>
               <a:path w="14660025" h="13247331">
@@ -3103,77 +3513,6 @@
                 </a:lnTo>
                 <a:lnTo>
                   <a:pt x="0" y="13247331"/>
-                </a:lnTo>
-                <a:lnTo>
-                  <a:pt x="0" y="0"/>
-                </a:lnTo>
-                <a:close/>
-              </a:path>
-            </a:pathLst>
-          </a:custGeom>
-          <a:blipFill rotWithShape="0">
-            <a:blip r:embed="rId1"/>
-            <a:srcRect/>
-            <a:stretch/>
-          </a:blipFill>
-          <a:ln w="0">
-            <a:noFill/>
-          </a:ln>
-        </p:spPr>
-        <p:style>
-          <a:lnRef idx="0"/>
-          <a:fillRef idx="0"/>
-          <a:effectRef idx="0"/>
-          <a:fontRef idx="minor"/>
-        </p:style>
-        <p:txBody>
-          <a:bodyPr lIns="90000" rIns="90000" tIns="45000" bIns="45000" anchor="t">
-            <a:noAutofit/>
-          </a:bodyPr>
-          <a:p>
-            <a:endParaRPr b="0" lang="de-DE" sz="1800" spc="-1" strike="noStrike">
-              <a:solidFill>
-                <a:srgbClr val="000000"/>
-              </a:solidFill>
-              <a:latin typeface="Arial"/>
-            </a:endParaRPr>
-          </a:p>
-        </p:txBody>
-      </p:sp>
-      <p:sp>
-        <p:nvSpPr>
-          <p:cNvPr id="42" name="Freeform 3"/>
-          <p:cNvSpPr/>
-          <p:nvPr/>
-        </p:nvSpPr>
-        <p:spPr>
-          <a:xfrm>
-            <a:off x="9443880" y="-2625120"/>
-            <a:ext cx="12292200" cy="12180600"/>
-          </a:xfrm>
-          <a:custGeom>
-            <a:avLst/>
-            <a:gdLst>
-              <a:gd name="textAreaLeft" fmla="*/ 0 w 12292200"/>
-              <a:gd name="textAreaRight" fmla="*/ 12292560 w 12292200"/>
-              <a:gd name="textAreaTop" fmla="*/ 0 h 12180600"/>
-              <a:gd name="textAreaBottom" fmla="*/ 12180960 h 12180600"/>
-            </a:gdLst>
-            <a:ahLst/>
-            <a:rect l="textAreaLeft" t="textAreaTop" r="textAreaRight" b="textAreaBottom"/>
-            <a:pathLst>
-              <a:path w="12292712" h="12180961">
-                <a:moveTo>
-                  <a:pt x="0" y="0"/>
-                </a:moveTo>
-                <a:lnTo>
-                  <a:pt x="12292713" y="0"/>
-                </a:lnTo>
-                <a:lnTo>
-                  <a:pt x="12292713" y="12180961"/>
-                </a:lnTo>
-                <a:lnTo>
-                  <a:pt x="0" y="12180961"/>
                 </a:lnTo>
                 <a:lnTo>
                   <a:pt x="0" y="0"/>
@@ -3192,17 +3531,24 @@
           </a:ln>
         </p:spPr>
         <p:style>
-          <a:lnRef idx="0"/>
-          <a:fillRef idx="0"/>
-          <a:effectRef idx="0"/>
+          <a:lnRef idx="0">
+            <a:scrgbClr r="0" g="0" b="0"/>
+          </a:lnRef>
+          <a:fillRef idx="0">
+            <a:scrgbClr r="0" g="0" b="0"/>
+          </a:fillRef>
+          <a:effectRef idx="0">
+            <a:scrgbClr r="0" g="0" b="0"/>
+          </a:effectRef>
           <a:fontRef idx="minor"/>
         </p:style>
         <p:txBody>
-          <a:bodyPr lIns="90000" rIns="90000" tIns="45000" bIns="45000" anchor="t">
+          <a:bodyPr lIns="90000" tIns="45000" rIns="90000" bIns="45000" anchor="t">
             <a:noAutofit/>
           </a:bodyPr>
-          <a:p>
-            <a:endParaRPr b="0" lang="de-DE" sz="1800" spc="-1" strike="noStrike">
+          <a:lstStyle/>
+          <a:p>
+            <a:endParaRPr lang="de-DE" sz="1800" b="0" strike="noStrike" spc="-1">
               <a:solidFill>
                 <a:srgbClr val="000000"/>
               </a:solidFill>
@@ -3213,38 +3559,39 @@
       </p:sp>
       <p:sp>
         <p:nvSpPr>
-          <p:cNvPr id="43" name="Freeform 4"/>
+          <p:cNvPr id="42" name="Freeform 3"/>
           <p:cNvSpPr/>
           <p:nvPr/>
         </p:nvSpPr>
         <p:spPr>
           <a:xfrm>
-            <a:off x="9944280" y="5623200"/>
-            <a:ext cx="7314840" cy="717840"/>
+            <a:off x="9443880" y="-2625120"/>
+            <a:ext cx="12292200" cy="12180600"/>
           </a:xfrm>
           <a:custGeom>
             <a:avLst/>
             <a:gdLst>
-              <a:gd name="textAreaLeft" fmla="*/ 0 w 7314840"/>
-              <a:gd name="textAreaRight" fmla="*/ 7315200 w 7314840"/>
-              <a:gd name="textAreaTop" fmla="*/ 0 h 717840"/>
-              <a:gd name="textAreaBottom" fmla="*/ 718200 h 717840"/>
+              <a:gd name="textAreaLeft" fmla="*/ 0 w 12292200"/>
+              <a:gd name="textAreaRight" fmla="*/ 12292560 w 12292200"/>
+              <a:gd name="textAreaTop" fmla="*/ 0 h 12180600"/>
+              <a:gd name="textAreaBottom" fmla="*/ 12180960 h 12180600"/>
             </a:gdLst>
             <a:ahLst/>
+            <a:cxnLst/>
             <a:rect l="textAreaLeft" t="textAreaTop" r="textAreaRight" b="textAreaBottom"/>
             <a:pathLst>
-              <a:path w="7315200" h="718220">
+              <a:path w="12292712" h="12180961">
                 <a:moveTo>
                   <a:pt x="0" y="0"/>
                 </a:moveTo>
                 <a:lnTo>
-                  <a:pt x="7315200" y="0"/>
-                </a:lnTo>
-                <a:lnTo>
-                  <a:pt x="7315200" y="718219"/>
-                </a:lnTo>
-                <a:lnTo>
-                  <a:pt x="0" y="718219"/>
+                  <a:pt x="12292713" y="0"/>
+                </a:lnTo>
+                <a:lnTo>
+                  <a:pt x="12292713" y="12180961"/>
+                </a:lnTo>
+                <a:lnTo>
+                  <a:pt x="0" y="12180961"/>
                 </a:lnTo>
                 <a:lnTo>
                   <a:pt x="0" y="0"/>
@@ -3263,17 +3610,103 @@
           </a:ln>
         </p:spPr>
         <p:style>
-          <a:lnRef idx="0"/>
-          <a:fillRef idx="0"/>
-          <a:effectRef idx="0"/>
+          <a:lnRef idx="0">
+            <a:scrgbClr r="0" g="0" b="0"/>
+          </a:lnRef>
+          <a:fillRef idx="0">
+            <a:scrgbClr r="0" g="0" b="0"/>
+          </a:fillRef>
+          <a:effectRef idx="0">
+            <a:scrgbClr r="0" g="0" b="0"/>
+          </a:effectRef>
           <a:fontRef idx="minor"/>
         </p:style>
         <p:txBody>
-          <a:bodyPr lIns="90000" rIns="90000" tIns="45000" bIns="45000" anchor="t">
+          <a:bodyPr lIns="90000" tIns="45000" rIns="90000" bIns="45000" anchor="t">
             <a:noAutofit/>
           </a:bodyPr>
-          <a:p>
-            <a:endParaRPr b="0" lang="de-DE" sz="1800" spc="-1" strike="noStrike">
+          <a:lstStyle/>
+          <a:p>
+            <a:endParaRPr lang="de-DE" sz="1800" b="0" strike="noStrike" spc="-1">
+              <a:solidFill>
+                <a:srgbClr val="000000"/>
+              </a:solidFill>
+              <a:latin typeface="Arial"/>
+            </a:endParaRPr>
+          </a:p>
+        </p:txBody>
+      </p:sp>
+      <p:sp>
+        <p:nvSpPr>
+          <p:cNvPr id="43" name="Freeform 4"/>
+          <p:cNvSpPr/>
+          <p:nvPr/>
+        </p:nvSpPr>
+        <p:spPr>
+          <a:xfrm>
+            <a:off x="9944280" y="5623200"/>
+            <a:ext cx="7314840" cy="717840"/>
+          </a:xfrm>
+          <a:custGeom>
+            <a:avLst/>
+            <a:gdLst>
+              <a:gd name="textAreaLeft" fmla="*/ 0 w 7314840"/>
+              <a:gd name="textAreaRight" fmla="*/ 7315200 w 7314840"/>
+              <a:gd name="textAreaTop" fmla="*/ 0 h 717840"/>
+              <a:gd name="textAreaBottom" fmla="*/ 718200 h 717840"/>
+            </a:gdLst>
+            <a:ahLst/>
+            <a:cxnLst/>
+            <a:rect l="textAreaLeft" t="textAreaTop" r="textAreaRight" b="textAreaBottom"/>
+            <a:pathLst>
+              <a:path w="7315200" h="718220">
+                <a:moveTo>
+                  <a:pt x="0" y="0"/>
+                </a:moveTo>
+                <a:lnTo>
+                  <a:pt x="7315200" y="0"/>
+                </a:lnTo>
+                <a:lnTo>
+                  <a:pt x="7315200" y="718219"/>
+                </a:lnTo>
+                <a:lnTo>
+                  <a:pt x="0" y="718219"/>
+                </a:lnTo>
+                <a:lnTo>
+                  <a:pt x="0" y="0"/>
+                </a:lnTo>
+                <a:close/>
+              </a:path>
+            </a:pathLst>
+          </a:custGeom>
+          <a:blipFill rotWithShape="0">
+            <a:blip r:embed="rId4"/>
+            <a:srcRect/>
+            <a:stretch/>
+          </a:blipFill>
+          <a:ln w="0">
+            <a:noFill/>
+          </a:ln>
+        </p:spPr>
+        <p:style>
+          <a:lnRef idx="0">
+            <a:scrgbClr r="0" g="0" b="0"/>
+          </a:lnRef>
+          <a:fillRef idx="0">
+            <a:scrgbClr r="0" g="0" b="0"/>
+          </a:fillRef>
+          <a:effectRef idx="0">
+            <a:scrgbClr r="0" g="0" b="0"/>
+          </a:effectRef>
+          <a:fontRef idx="minor"/>
+        </p:style>
+        <p:txBody>
+          <a:bodyPr lIns="90000" tIns="45000" rIns="90000" bIns="45000" anchor="t">
+            <a:noAutofit/>
+          </a:bodyPr>
+          <a:lstStyle/>
+          <a:p>
+            <a:endParaRPr lang="de-DE" sz="1800" b="0" strike="noStrike" spc="-1">
               <a:solidFill>
                 <a:srgbClr val="000000"/>
               </a:solidFill>
@@ -3316,15 +3749,22 @@
             </a:ln>
           </p:spPr>
           <p:style>
-            <a:lnRef idx="0"/>
-            <a:fillRef idx="0"/>
-            <a:effectRef idx="0"/>
+            <a:lnRef idx="0">
+              <a:scrgbClr r="0" g="0" b="0"/>
+            </a:lnRef>
+            <a:fillRef idx="0">
+              <a:scrgbClr r="0" g="0" b="0"/>
+            </a:fillRef>
+            <a:effectRef idx="0">
+              <a:scrgbClr r="0" g="0" b="0"/>
+            </a:effectRef>
             <a:fontRef idx="minor"/>
           </p:style>
           <p:txBody>
-            <a:bodyPr lIns="0" rIns="0" tIns="0" bIns="0" anchor="t">
+            <a:bodyPr lIns="0" tIns="0" rIns="0" bIns="0" anchor="t">
               <a:spAutoFit/>
             </a:bodyPr>
+            <a:lstStyle/>
             <a:p>
               <a:pPr defTabSz="914400">
                 <a:lnSpc>
@@ -3332,15 +3772,15 @@
                 </a:lnSpc>
               </a:pPr>
               <a:r>
-                <a:rPr b="0" lang="en-US" sz="11500" spc="-1" strike="noStrike">
+                <a:rPr lang="en-US" sz="11500" b="0" strike="noStrike" spc="-1">
                   <a:solidFill>
-                    <a:srgbClr val="f7f4fa"/>
+                    <a:srgbClr val="F7F4FA"/>
                   </a:solidFill>
                   <a:latin typeface="Codec Pro"/>
                 </a:rPr>
                 <a:t>Pitch Deck</a:t>
               </a:r>
-              <a:endParaRPr b="0" lang="de-DE" sz="11500" spc="-1" strike="noStrike">
+              <a:endParaRPr lang="de-DE" sz="11500" b="0" strike="noStrike" spc="-1">
                 <a:solidFill>
                   <a:srgbClr val="000000"/>
                 </a:solidFill>
@@ -3369,15 +3809,22 @@
             </a:ln>
           </p:spPr>
           <p:style>
-            <a:lnRef idx="0"/>
-            <a:fillRef idx="0"/>
-            <a:effectRef idx="0"/>
+            <a:lnRef idx="0">
+              <a:scrgbClr r="0" g="0" b="0"/>
+            </a:lnRef>
+            <a:fillRef idx="0">
+              <a:scrgbClr r="0" g="0" b="0"/>
+            </a:fillRef>
+            <a:effectRef idx="0">
+              <a:scrgbClr r="0" g="0" b="0"/>
+            </a:effectRef>
             <a:fontRef idx="minor"/>
           </p:style>
           <p:txBody>
-            <a:bodyPr lIns="0" rIns="0" tIns="0" bIns="0" anchor="t">
+            <a:bodyPr lIns="0" tIns="0" rIns="0" bIns="0" anchor="t">
               <a:spAutoFit/>
             </a:bodyPr>
+            <a:lstStyle/>
             <a:p>
               <a:pPr defTabSz="914400">
                 <a:lnSpc>
@@ -3385,15 +3832,15 @@
                 </a:lnSpc>
               </a:pPr>
               <a:r>
-                <a:rPr b="0" lang="en-US" sz="2800" spc="-1" strike="noStrike">
+                <a:rPr lang="en-US" sz="2800" b="0" strike="noStrike" spc="-1">
                   <a:solidFill>
-                    <a:srgbClr val="f7f4fa"/>
+                    <a:srgbClr val="F7F4FA"/>
                   </a:solidFill>
                   <a:latin typeface="Codec Pro"/>
                 </a:rPr>
                 <a:t>Trage deinen Firmennamen hier oben ein und eine interessante Zusammenfassung darüber, was deine Firma macht.</a:t>
               </a:r>
-              <a:endParaRPr b="0" lang="de-DE" sz="2800" spc="-1" strike="noStrike">
+              <a:endParaRPr lang="de-DE" sz="2800" b="0" strike="noStrike" spc="-1">
                 <a:solidFill>
                   <a:srgbClr val="000000"/>
                 </a:solidFill>
@@ -3423,15 +3870,22 @@
           </a:ln>
         </p:spPr>
         <p:style>
-          <a:lnRef idx="0"/>
-          <a:fillRef idx="0"/>
-          <a:effectRef idx="0"/>
+          <a:lnRef idx="0">
+            <a:scrgbClr r="0" g="0" b="0"/>
+          </a:lnRef>
+          <a:fillRef idx="0">
+            <a:scrgbClr r="0" g="0" b="0"/>
+          </a:fillRef>
+          <a:effectRef idx="0">
+            <a:scrgbClr r="0" g="0" b="0"/>
+          </a:effectRef>
           <a:fontRef idx="minor"/>
         </p:style>
         <p:txBody>
-          <a:bodyPr lIns="0" rIns="0" tIns="0" bIns="0" anchor="t">
+          <a:bodyPr lIns="0" tIns="0" rIns="0" bIns="0" anchor="t">
             <a:spAutoFit/>
           </a:bodyPr>
+          <a:lstStyle/>
           <a:p>
             <a:pPr defTabSz="914400">
               <a:lnSpc>
@@ -3439,15 +3893,15 @@
               </a:lnSpc>
             </a:pPr>
             <a:r>
-              <a:rPr b="0" lang="en-US" sz="1600" spc="-1" strike="noStrike">
+              <a:rPr lang="en-US" sz="1600" b="0" strike="noStrike" spc="-1">
                 <a:solidFill>
-                  <a:srgbClr val="f7f4fa"/>
+                  <a:srgbClr val="F7F4FA"/>
                 </a:solidFill>
                 <a:latin typeface="Codec Pro"/>
               </a:rPr>
               <a:t>Jede Stadt, 24.Oktober 2024</a:t>
             </a:r>
-            <a:endParaRPr b="0" lang="de-DE" sz="1600" spc="-1" strike="noStrike">
+            <a:endParaRPr lang="de-DE" sz="1600" b="0" strike="noStrike" spc="-1">
               <a:solidFill>
                 <a:srgbClr val="000000"/>
               </a:solidFill>
@@ -3476,15 +3930,22 @@
           </a:ln>
         </p:spPr>
         <p:style>
-          <a:lnRef idx="0"/>
-          <a:fillRef idx="0"/>
-          <a:effectRef idx="0"/>
+          <a:lnRef idx="0">
+            <a:scrgbClr r="0" g="0" b="0"/>
+          </a:lnRef>
+          <a:fillRef idx="0">
+            <a:scrgbClr r="0" g="0" b="0"/>
+          </a:fillRef>
+          <a:effectRef idx="0">
+            <a:scrgbClr r="0" g="0" b="0"/>
+          </a:effectRef>
           <a:fontRef idx="minor"/>
         </p:style>
         <p:txBody>
-          <a:bodyPr lIns="0" rIns="0" tIns="0" bIns="0" anchor="t">
+          <a:bodyPr lIns="0" tIns="0" rIns="0" bIns="0" anchor="t">
             <a:spAutoFit/>
           </a:bodyPr>
+          <a:lstStyle/>
           <a:p>
             <a:pPr defTabSz="914400">
               <a:lnSpc>
@@ -3492,15 +3953,15 @@
               </a:lnSpc>
             </a:pPr>
             <a:r>
-              <a:rPr b="0" lang="en-US" sz="1600" spc="-1" strike="noStrike">
+              <a:rPr lang="en-US" sz="1600" b="0" strike="noStrike" spc="-1">
                 <a:solidFill>
-                  <a:srgbClr val="f7f4fa"/>
+                  <a:srgbClr val="F7F4FA"/>
                 </a:solidFill>
                 <a:latin typeface="Codec Pro"/>
               </a:rPr>
               <a:t>Streng vertraulich</a:t>
             </a:r>
-            <a:endParaRPr b="0" lang="de-DE" sz="1600" spc="-1" strike="noStrike">
+            <a:endParaRPr lang="de-DE" sz="1600" b="0" strike="noStrike" spc="-1">
               <a:solidFill>
                 <a:srgbClr val="000000"/>
               </a:solidFill>
@@ -3511,25 +3972,21 @@
       </p:sp>
     </p:spTree>
   </p:cSld>
-  <mc:AlternateContent>
-    <mc:Choice Requires="p14">
-      <p:transition spd="slow" p14:dur="2000"/>
-    </mc:Choice>
-    <mc:Fallback>
-      <p:transition spd="slow"/>
-    </mc:Fallback>
-  </mc:AlternateContent>
+  <p:clrMapOvr>
+    <a:masterClrMapping/>
+  </p:clrMapOvr>
 </p:sld>
 </file>
 
 <file path=ppt/slides/slide10.xml><?xml version="1.0" encoding="utf-8"?>
-<p:sld xmlns:a="http://schemas.openxmlformats.org/drawingml/2006/main" xmlns:p="http://schemas.openxmlformats.org/presentationml/2006/main" xmlns:r="http://schemas.openxmlformats.org/officeDocument/2006/relationships" xmlns:p14="http://schemas.microsoft.com/office/powerpoint/2010/main" xmlns:p15="http://schemas.microsoft.com/office/powerpoint/2012/main" xmlns:mc="http://schemas.openxmlformats.org/markup-compatibility/2006">
+<p:sld xmlns:a="http://schemas.openxmlformats.org/drawingml/2006/main" xmlns:r="http://schemas.openxmlformats.org/officeDocument/2006/relationships" xmlns:p="http://schemas.openxmlformats.org/presentationml/2006/main">
   <p:cSld>
     <p:bg>
       <p:bgPr>
         <a:solidFill>
-          <a:srgbClr val="fdfcf3"/>
+          <a:srgbClr val="FDFCF3"/>
         </a:solidFill>
+        <a:effectLst/>
       </p:bgPr>
     </p:bg>
     <p:spTree>
@@ -3561,24 +4018,31 @@
             <a:avLst/>
           </a:prstGeom>
           <a:solidFill>
-            <a:srgbClr val="0c6980"/>
+            <a:srgbClr val="0C6980"/>
           </a:solidFill>
           <a:ln w="0">
             <a:noFill/>
           </a:ln>
         </p:spPr>
         <p:style>
-          <a:lnRef idx="0"/>
-          <a:fillRef idx="0"/>
-          <a:effectRef idx="0"/>
+          <a:lnRef idx="0">
+            <a:scrgbClr r="0" g="0" b="0"/>
+          </a:lnRef>
+          <a:fillRef idx="0">
+            <a:scrgbClr r="0" g="0" b="0"/>
+          </a:fillRef>
+          <a:effectRef idx="0">
+            <a:scrgbClr r="0" g="0" b="0"/>
+          </a:effectRef>
           <a:fontRef idx="minor"/>
         </p:style>
         <p:txBody>
-          <a:bodyPr lIns="90000" rIns="90000" tIns="45000" bIns="45000" anchor="t">
+          <a:bodyPr lIns="90000" tIns="45000" rIns="90000" bIns="45000" anchor="t">
             <a:noAutofit/>
           </a:bodyPr>
-          <a:p>
-            <a:endParaRPr b="0" lang="de-DE" sz="1800" spc="-1" strike="noStrike">
+          <a:lstStyle/>
+          <a:p>
+            <a:endParaRPr lang="de-DE" sz="1800" b="0" strike="noStrike" spc="-1">
               <a:solidFill>
                 <a:srgbClr val="000000"/>
               </a:solidFill>
@@ -3607,6 +4071,7 @@
               <a:gd name="textAreaBottom" fmla="*/ 12251160 h 12250800"/>
             </a:gdLst>
             <a:ahLst/>
+            <a:cxnLst/>
             <a:rect l="textAreaLeft" t="textAreaTop" r="textAreaRight" b="textAreaBottom"/>
             <a:pathLst>
               <a:path w="12363420" h="12251025">
@@ -3624,77 +4089,6 @@
                 </a:lnTo>
                 <a:lnTo>
                   <a:pt x="0" y="0"/>
-                </a:lnTo>
-                <a:close/>
-              </a:path>
-            </a:pathLst>
-          </a:custGeom>
-          <a:blipFill rotWithShape="0">
-            <a:blip r:embed="rId1"/>
-            <a:srcRect/>
-            <a:stretch/>
-          </a:blipFill>
-          <a:ln w="0">
-            <a:noFill/>
-          </a:ln>
-        </p:spPr>
-        <p:style>
-          <a:lnRef idx="0"/>
-          <a:fillRef idx="0"/>
-          <a:effectRef idx="0"/>
-          <a:fontRef idx="minor"/>
-        </p:style>
-        <p:txBody>
-          <a:bodyPr lIns="90000" rIns="90000" tIns="45000" bIns="45000" anchor="t">
-            <a:noAutofit/>
-          </a:bodyPr>
-          <a:p>
-            <a:endParaRPr b="0" lang="de-DE" sz="1800" spc="-1" strike="noStrike">
-              <a:solidFill>
-                <a:srgbClr val="000000"/>
-              </a:solidFill>
-              <a:latin typeface="Arial"/>
-            </a:endParaRPr>
-          </a:p>
-        </p:txBody>
-      </p:sp>
-      <p:sp>
-        <p:nvSpPr>
-          <p:cNvPr id="108" name="Freeform 19"/>
-          <p:cNvSpPr/>
-          <p:nvPr/>
-        </p:nvSpPr>
-        <p:spPr>
-          <a:xfrm flipH="1">
-            <a:off x="10959840" y="3104640"/>
-            <a:ext cx="5056200" cy="3493440"/>
-          </a:xfrm>
-          <a:custGeom>
-            <a:avLst/>
-            <a:gdLst>
-              <a:gd name="textAreaLeft" fmla="*/ -360 w 5056200"/>
-              <a:gd name="textAreaRight" fmla="*/ 5056200 w 5056200"/>
-              <a:gd name="textAreaTop" fmla="*/ 0 h 3493440"/>
-              <a:gd name="textAreaBottom" fmla="*/ 3493800 h 3493440"/>
-            </a:gdLst>
-            <a:ahLst/>
-            <a:rect l="textAreaLeft" t="textAreaTop" r="textAreaRight" b="textAreaBottom"/>
-            <a:pathLst>
-              <a:path w="5056689" h="3493713">
-                <a:moveTo>
-                  <a:pt x="5056690" y="0"/>
-                </a:moveTo>
-                <a:lnTo>
-                  <a:pt x="0" y="0"/>
-                </a:lnTo>
-                <a:lnTo>
-                  <a:pt x="0" y="3493713"/>
-                </a:lnTo>
-                <a:lnTo>
-                  <a:pt x="5056690" y="3493713"/>
-                </a:lnTo>
-                <a:lnTo>
-                  <a:pt x="5056690" y="0"/>
                 </a:lnTo>
                 <a:close/>
               </a:path>
@@ -3710,17 +4104,103 @@
           </a:ln>
         </p:spPr>
         <p:style>
-          <a:lnRef idx="0"/>
-          <a:fillRef idx="0"/>
-          <a:effectRef idx="0"/>
+          <a:lnRef idx="0">
+            <a:scrgbClr r="0" g="0" b="0"/>
+          </a:lnRef>
+          <a:fillRef idx="0">
+            <a:scrgbClr r="0" g="0" b="0"/>
+          </a:fillRef>
+          <a:effectRef idx="0">
+            <a:scrgbClr r="0" g="0" b="0"/>
+          </a:effectRef>
           <a:fontRef idx="minor"/>
         </p:style>
         <p:txBody>
-          <a:bodyPr lIns="90000" rIns="90000" tIns="45000" bIns="45000" anchor="t">
+          <a:bodyPr lIns="90000" tIns="45000" rIns="90000" bIns="45000" anchor="t">
             <a:noAutofit/>
           </a:bodyPr>
-          <a:p>
-            <a:endParaRPr b="0" lang="de-DE" sz="1800" spc="-1" strike="noStrike">
+          <a:lstStyle/>
+          <a:p>
+            <a:endParaRPr lang="de-DE" sz="1800" b="0" strike="noStrike" spc="-1">
+              <a:solidFill>
+                <a:srgbClr val="000000"/>
+              </a:solidFill>
+              <a:latin typeface="Arial"/>
+            </a:endParaRPr>
+          </a:p>
+        </p:txBody>
+      </p:sp>
+      <p:sp>
+        <p:nvSpPr>
+          <p:cNvPr id="108" name="Freeform 19"/>
+          <p:cNvSpPr/>
+          <p:nvPr/>
+        </p:nvSpPr>
+        <p:spPr>
+          <a:xfrm flipH="1">
+            <a:off x="10959840" y="3104640"/>
+            <a:ext cx="5056200" cy="3493440"/>
+          </a:xfrm>
+          <a:custGeom>
+            <a:avLst/>
+            <a:gdLst>
+              <a:gd name="textAreaLeft" fmla="*/ -360 w 5056200"/>
+              <a:gd name="textAreaRight" fmla="*/ 5056200 w 5056200"/>
+              <a:gd name="textAreaTop" fmla="*/ 0 h 3493440"/>
+              <a:gd name="textAreaBottom" fmla="*/ 3493800 h 3493440"/>
+            </a:gdLst>
+            <a:ahLst/>
+            <a:cxnLst/>
+            <a:rect l="textAreaLeft" t="textAreaTop" r="textAreaRight" b="textAreaBottom"/>
+            <a:pathLst>
+              <a:path w="5056689" h="3493713">
+                <a:moveTo>
+                  <a:pt x="5056690" y="0"/>
+                </a:moveTo>
+                <a:lnTo>
+                  <a:pt x="0" y="0"/>
+                </a:lnTo>
+                <a:lnTo>
+                  <a:pt x="0" y="3493713"/>
+                </a:lnTo>
+                <a:lnTo>
+                  <a:pt x="5056690" y="3493713"/>
+                </a:lnTo>
+                <a:lnTo>
+                  <a:pt x="5056690" y="0"/>
+                </a:lnTo>
+                <a:close/>
+              </a:path>
+            </a:pathLst>
+          </a:custGeom>
+          <a:blipFill rotWithShape="0">
+            <a:blip r:embed="rId3"/>
+            <a:srcRect/>
+            <a:stretch/>
+          </a:blipFill>
+          <a:ln w="0">
+            <a:noFill/>
+          </a:ln>
+        </p:spPr>
+        <p:style>
+          <a:lnRef idx="0">
+            <a:scrgbClr r="0" g="0" b="0"/>
+          </a:lnRef>
+          <a:fillRef idx="0">
+            <a:scrgbClr r="0" g="0" b="0"/>
+          </a:fillRef>
+          <a:effectRef idx="0">
+            <a:scrgbClr r="0" g="0" b="0"/>
+          </a:effectRef>
+          <a:fontRef idx="minor"/>
+        </p:style>
+        <p:txBody>
+          <a:bodyPr lIns="90000" tIns="45000" rIns="90000" bIns="45000" anchor="t">
+            <a:noAutofit/>
+          </a:bodyPr>
+          <a:lstStyle/>
+          <a:p>
+            <a:endParaRPr lang="de-DE" sz="1800" b="0" strike="noStrike" spc="-1">
               <a:solidFill>
                 <a:srgbClr val="000000"/>
               </a:solidFill>
@@ -3749,15 +4229,22 @@
           </a:ln>
         </p:spPr>
         <p:style>
-          <a:lnRef idx="0"/>
-          <a:fillRef idx="0"/>
-          <a:effectRef idx="0"/>
+          <a:lnRef idx="0">
+            <a:scrgbClr r="0" g="0" b="0"/>
+          </a:lnRef>
+          <a:fillRef idx="0">
+            <a:scrgbClr r="0" g="0" b="0"/>
+          </a:fillRef>
+          <a:effectRef idx="0">
+            <a:scrgbClr r="0" g="0" b="0"/>
+          </a:effectRef>
           <a:fontRef idx="minor"/>
         </p:style>
         <p:txBody>
-          <a:bodyPr lIns="0" rIns="0" tIns="0" bIns="0" anchor="t">
+          <a:bodyPr lIns="0" tIns="0" rIns="0" bIns="0" anchor="t">
             <a:spAutoFit/>
           </a:bodyPr>
+          <a:lstStyle/>
           <a:p>
             <a:pPr defTabSz="914400">
               <a:lnSpc>
@@ -3765,15 +4252,15 @@
               </a:lnSpc>
             </a:pPr>
             <a:r>
-              <a:rPr b="0" lang="en-US" sz="1800" spc="-1" strike="noStrike">
+              <a:rPr lang="en-US" sz="1800" b="0" strike="noStrike" spc="-1">
                 <a:solidFill>
-                  <a:srgbClr val="17161c"/>
+                  <a:srgbClr val="17161C"/>
                 </a:solidFill>
                 <a:latin typeface="Codec Pro"/>
               </a:rPr>
               <a:t>Wie kann man es besser machen</a:t>
             </a:r>
-            <a:endParaRPr b="0" lang="de-DE" sz="1800" spc="-1" strike="noStrike">
+            <a:endParaRPr lang="de-DE" sz="1800" b="0" strike="noStrike" spc="-1">
               <a:solidFill>
                 <a:srgbClr val="000000"/>
               </a:solidFill>
@@ -3802,15 +4289,22 @@
           </a:ln>
         </p:spPr>
         <p:style>
-          <a:lnRef idx="0"/>
-          <a:fillRef idx="0"/>
-          <a:effectRef idx="0"/>
+          <a:lnRef idx="0">
+            <a:scrgbClr r="0" g="0" b="0"/>
+          </a:lnRef>
+          <a:fillRef idx="0">
+            <a:scrgbClr r="0" g="0" b="0"/>
+          </a:fillRef>
+          <a:effectRef idx="0">
+            <a:scrgbClr r="0" g="0" b="0"/>
+          </a:effectRef>
           <a:fontRef idx="minor"/>
         </p:style>
         <p:txBody>
-          <a:bodyPr lIns="0" rIns="0" tIns="0" bIns="0" anchor="t">
+          <a:bodyPr lIns="0" tIns="0" rIns="0" bIns="0" anchor="t">
             <a:spAutoFit/>
           </a:bodyPr>
+          <a:lstStyle/>
           <a:p>
             <a:pPr defTabSz="914400">
               <a:lnSpc>
@@ -3818,15 +4312,15 @@
               </a:lnSpc>
             </a:pPr>
             <a:r>
-              <a:rPr b="0" lang="en-US" sz="8000" spc="-1" strike="noStrike">
+              <a:rPr lang="en-US" sz="8000" b="0" strike="noStrike" spc="-1">
                 <a:solidFill>
-                  <a:srgbClr val="17161c"/>
+                  <a:srgbClr val="17161C"/>
                 </a:solidFill>
                 <a:latin typeface="Codec Pro"/>
               </a:rPr>
               <a:t>Textfehler</a:t>
             </a:r>
-            <a:endParaRPr b="0" lang="de-DE" sz="8000" spc="-1" strike="noStrike">
+            <a:endParaRPr lang="de-DE" sz="8000" b="0" strike="noStrike" spc="-1">
               <a:solidFill>
                 <a:srgbClr val="000000"/>
               </a:solidFill>
@@ -3855,15 +4349,22 @@
           </a:ln>
         </p:spPr>
         <p:style>
-          <a:lnRef idx="0"/>
-          <a:fillRef idx="0"/>
-          <a:effectRef idx="0"/>
+          <a:lnRef idx="0">
+            <a:scrgbClr r="0" g="0" b="0"/>
+          </a:lnRef>
+          <a:fillRef idx="0">
+            <a:scrgbClr r="0" g="0" b="0"/>
+          </a:fillRef>
+          <a:effectRef idx="0">
+            <a:scrgbClr r="0" g="0" b="0"/>
+          </a:effectRef>
           <a:fontRef idx="minor"/>
         </p:style>
         <p:txBody>
-          <a:bodyPr lIns="0" rIns="0" tIns="0" bIns="0" anchor="t">
+          <a:bodyPr lIns="0" tIns="0" rIns="0" bIns="0" anchor="t">
             <a:spAutoFit/>
           </a:bodyPr>
+          <a:lstStyle/>
           <a:p>
             <a:pPr defTabSz="914400">
               <a:lnSpc>
@@ -3871,15 +4372,15 @@
               </a:lnSpc>
             </a:pPr>
             <a:r>
-              <a:rPr b="0" lang="en-US" sz="2400" spc="-1" strike="noStrike">
+              <a:rPr lang="en-US" sz="2400" b="0" strike="noStrike" spc="-1">
                 <a:solidFill>
-                  <a:srgbClr val="17161c"/>
+                  <a:srgbClr val="17161C"/>
                 </a:solidFill>
                 <a:latin typeface="Codec Pro"/>
               </a:rPr>
               <a:t>Beschreibung was falsch gelaufen ist</a:t>
             </a:r>
-            <a:endParaRPr b="0" lang="de-DE" sz="2400" spc="-1" strike="noStrike">
+            <a:endParaRPr lang="de-DE" sz="2400" b="0" strike="noStrike" spc="-1">
               <a:solidFill>
                 <a:srgbClr val="000000"/>
               </a:solidFill>
@@ -3890,12 +4391,12 @@
       </p:sp>
       <p:pic>
         <p:nvPicPr>
-          <p:cNvPr id="112" name="" descr=""/>
+          <p:cNvPr id="112" name="Grafik 111"/>
           <p:cNvPicPr/>
           <p:nvPr/>
         </p:nvPicPr>
         <p:blipFill>
-          <a:blip r:embed="rId3"/>
+          <a:blip r:embed="rId4"/>
           <a:stretch/>
         </p:blipFill>
         <p:spPr>
@@ -3913,25 +4414,21 @@
       </p:pic>
     </p:spTree>
   </p:cSld>
-  <mc:AlternateContent>
-    <mc:Choice Requires="p14">
-      <p:transition spd="slow" p14:dur="2000"/>
-    </mc:Choice>
-    <mc:Fallback>
-      <p:transition spd="slow"/>
-    </mc:Fallback>
-  </mc:AlternateContent>
+  <p:clrMapOvr>
+    <a:masterClrMapping/>
+  </p:clrMapOvr>
 </p:sld>
 </file>
 
 <file path=ppt/slides/slide2.xml><?xml version="1.0" encoding="utf-8"?>
-<p:sld xmlns:a="http://schemas.openxmlformats.org/drawingml/2006/main" xmlns:p="http://schemas.openxmlformats.org/presentationml/2006/main" xmlns:r="http://schemas.openxmlformats.org/officeDocument/2006/relationships" xmlns:p14="http://schemas.microsoft.com/office/powerpoint/2010/main" xmlns:p15="http://schemas.microsoft.com/office/powerpoint/2012/main" xmlns:mc="http://schemas.openxmlformats.org/markup-compatibility/2006">
+<p:sld xmlns:a="http://schemas.openxmlformats.org/drawingml/2006/main" xmlns:r="http://schemas.openxmlformats.org/officeDocument/2006/relationships" xmlns:p="http://schemas.openxmlformats.org/presentationml/2006/main">
   <p:cSld>
     <p:bg>
       <p:bgPr>
         <a:solidFill>
-          <a:srgbClr val="fdfcf3"/>
+          <a:srgbClr val="FDFCF3"/>
         </a:solidFill>
+        <a:effectLst/>
       </p:bgPr>
     </p:bg>
     <p:spTree>
@@ -3963,24 +4460,31 @@
             <a:avLst/>
           </a:prstGeom>
           <a:solidFill>
-            <a:srgbClr val="0c6980"/>
+            <a:srgbClr val="0C6980"/>
           </a:solidFill>
           <a:ln w="0">
             <a:noFill/>
           </a:ln>
         </p:spPr>
         <p:style>
-          <a:lnRef idx="0"/>
-          <a:fillRef idx="0"/>
-          <a:effectRef idx="0"/>
+          <a:lnRef idx="0">
+            <a:scrgbClr r="0" g="0" b="0"/>
+          </a:lnRef>
+          <a:fillRef idx="0">
+            <a:scrgbClr r="0" g="0" b="0"/>
+          </a:fillRef>
+          <a:effectRef idx="0">
+            <a:scrgbClr r="0" g="0" b="0"/>
+          </a:effectRef>
           <a:fontRef idx="minor"/>
         </p:style>
         <p:txBody>
-          <a:bodyPr lIns="90000" rIns="90000" tIns="45000" bIns="45000" anchor="t">
+          <a:bodyPr lIns="90000" tIns="45000" rIns="90000" bIns="45000" anchor="t">
             <a:noAutofit/>
           </a:bodyPr>
-          <a:p>
-            <a:endParaRPr b="0" lang="de-DE" sz="1800" spc="-1" strike="noStrike">
+          <a:lstStyle/>
+          <a:p>
+            <a:endParaRPr lang="de-DE" sz="1800" b="0" strike="noStrike" spc="-1">
               <a:solidFill>
                 <a:srgbClr val="000000"/>
               </a:solidFill>
@@ -4009,6 +4513,7 @@
               <a:gd name="textAreaBottom" fmla="*/ 12251160 h 12250800"/>
             </a:gdLst>
             <a:ahLst/>
+            <a:cxnLst/>
             <a:rect l="textAreaLeft" t="textAreaTop" r="textAreaRight" b="textAreaBottom"/>
             <a:pathLst>
               <a:path w="12363420" h="12251025">
@@ -4026,77 +4531,6 @@
                 </a:lnTo>
                 <a:lnTo>
                   <a:pt x="0" y="0"/>
-                </a:lnTo>
-                <a:close/>
-              </a:path>
-            </a:pathLst>
-          </a:custGeom>
-          <a:blipFill rotWithShape="0">
-            <a:blip r:embed="rId1"/>
-            <a:srcRect/>
-            <a:stretch/>
-          </a:blipFill>
-          <a:ln w="0">
-            <a:noFill/>
-          </a:ln>
-        </p:spPr>
-        <p:style>
-          <a:lnRef idx="0"/>
-          <a:fillRef idx="0"/>
-          <a:effectRef idx="0"/>
-          <a:fontRef idx="minor"/>
-        </p:style>
-        <p:txBody>
-          <a:bodyPr lIns="90000" rIns="90000" tIns="45000" bIns="45000" anchor="t">
-            <a:noAutofit/>
-          </a:bodyPr>
-          <a:p>
-            <a:endParaRPr b="0" lang="de-DE" sz="1800" spc="-1" strike="noStrike">
-              <a:solidFill>
-                <a:srgbClr val="000000"/>
-              </a:solidFill>
-              <a:latin typeface="Arial"/>
-            </a:endParaRPr>
-          </a:p>
-        </p:txBody>
-      </p:sp>
-      <p:sp>
-        <p:nvSpPr>
-          <p:cNvPr id="51" name="Freeform 4"/>
-          <p:cNvSpPr/>
-          <p:nvPr/>
-        </p:nvSpPr>
-        <p:spPr>
-          <a:xfrm flipH="1">
-            <a:off x="10959840" y="3104640"/>
-            <a:ext cx="5056200" cy="3493440"/>
-          </a:xfrm>
-          <a:custGeom>
-            <a:avLst/>
-            <a:gdLst>
-              <a:gd name="textAreaLeft" fmla="*/ -360 w 5056200"/>
-              <a:gd name="textAreaRight" fmla="*/ 5056200 w 5056200"/>
-              <a:gd name="textAreaTop" fmla="*/ 0 h 3493440"/>
-              <a:gd name="textAreaBottom" fmla="*/ 3493800 h 3493440"/>
-            </a:gdLst>
-            <a:ahLst/>
-            <a:rect l="textAreaLeft" t="textAreaTop" r="textAreaRight" b="textAreaBottom"/>
-            <a:pathLst>
-              <a:path w="5056689" h="3493713">
-                <a:moveTo>
-                  <a:pt x="5056690" y="0"/>
-                </a:moveTo>
-                <a:lnTo>
-                  <a:pt x="0" y="0"/>
-                </a:lnTo>
-                <a:lnTo>
-                  <a:pt x="0" y="3493713"/>
-                </a:lnTo>
-                <a:lnTo>
-                  <a:pt x="5056690" y="3493713"/>
-                </a:lnTo>
-                <a:lnTo>
-                  <a:pt x="5056690" y="0"/>
                 </a:lnTo>
                 <a:close/>
               </a:path>
@@ -4112,17 +4546,103 @@
           </a:ln>
         </p:spPr>
         <p:style>
-          <a:lnRef idx="0"/>
-          <a:fillRef idx="0"/>
-          <a:effectRef idx="0"/>
+          <a:lnRef idx="0">
+            <a:scrgbClr r="0" g="0" b="0"/>
+          </a:lnRef>
+          <a:fillRef idx="0">
+            <a:scrgbClr r="0" g="0" b="0"/>
+          </a:fillRef>
+          <a:effectRef idx="0">
+            <a:scrgbClr r="0" g="0" b="0"/>
+          </a:effectRef>
           <a:fontRef idx="minor"/>
         </p:style>
         <p:txBody>
-          <a:bodyPr lIns="90000" rIns="90000" tIns="45000" bIns="45000" anchor="t">
+          <a:bodyPr lIns="90000" tIns="45000" rIns="90000" bIns="45000" anchor="t">
             <a:noAutofit/>
           </a:bodyPr>
-          <a:p>
-            <a:endParaRPr b="0" lang="de-DE" sz="1800" spc="-1" strike="noStrike">
+          <a:lstStyle/>
+          <a:p>
+            <a:endParaRPr lang="de-DE" sz="1800" b="0" strike="noStrike" spc="-1">
+              <a:solidFill>
+                <a:srgbClr val="000000"/>
+              </a:solidFill>
+              <a:latin typeface="Arial"/>
+            </a:endParaRPr>
+          </a:p>
+        </p:txBody>
+      </p:sp>
+      <p:sp>
+        <p:nvSpPr>
+          <p:cNvPr id="51" name="Freeform 4"/>
+          <p:cNvSpPr/>
+          <p:nvPr/>
+        </p:nvSpPr>
+        <p:spPr>
+          <a:xfrm flipH="1">
+            <a:off x="10959840" y="3104640"/>
+            <a:ext cx="5056200" cy="3493440"/>
+          </a:xfrm>
+          <a:custGeom>
+            <a:avLst/>
+            <a:gdLst>
+              <a:gd name="textAreaLeft" fmla="*/ -360 w 5056200"/>
+              <a:gd name="textAreaRight" fmla="*/ 5056200 w 5056200"/>
+              <a:gd name="textAreaTop" fmla="*/ 0 h 3493440"/>
+              <a:gd name="textAreaBottom" fmla="*/ 3493800 h 3493440"/>
+            </a:gdLst>
+            <a:ahLst/>
+            <a:cxnLst/>
+            <a:rect l="textAreaLeft" t="textAreaTop" r="textAreaRight" b="textAreaBottom"/>
+            <a:pathLst>
+              <a:path w="5056689" h="3493713">
+                <a:moveTo>
+                  <a:pt x="5056690" y="0"/>
+                </a:moveTo>
+                <a:lnTo>
+                  <a:pt x="0" y="0"/>
+                </a:lnTo>
+                <a:lnTo>
+                  <a:pt x="0" y="3493713"/>
+                </a:lnTo>
+                <a:lnTo>
+                  <a:pt x="5056690" y="3493713"/>
+                </a:lnTo>
+                <a:lnTo>
+                  <a:pt x="5056690" y="0"/>
+                </a:lnTo>
+                <a:close/>
+              </a:path>
+            </a:pathLst>
+          </a:custGeom>
+          <a:blipFill rotWithShape="0">
+            <a:blip r:embed="rId3"/>
+            <a:srcRect/>
+            <a:stretch/>
+          </a:blipFill>
+          <a:ln w="0">
+            <a:noFill/>
+          </a:ln>
+        </p:spPr>
+        <p:style>
+          <a:lnRef idx="0">
+            <a:scrgbClr r="0" g="0" b="0"/>
+          </a:lnRef>
+          <a:fillRef idx="0">
+            <a:scrgbClr r="0" g="0" b="0"/>
+          </a:fillRef>
+          <a:effectRef idx="0">
+            <a:scrgbClr r="0" g="0" b="0"/>
+          </a:effectRef>
+          <a:fontRef idx="minor"/>
+        </p:style>
+        <p:txBody>
+          <a:bodyPr lIns="90000" tIns="45000" rIns="90000" bIns="45000" anchor="t">
+            <a:noAutofit/>
+          </a:bodyPr>
+          <a:lstStyle/>
+          <a:p>
+            <a:endParaRPr lang="de-DE" sz="1800" b="0" strike="noStrike" spc="-1">
               <a:solidFill>
                 <a:srgbClr val="000000"/>
               </a:solidFill>
@@ -4151,15 +4671,22 @@
           </a:ln>
         </p:spPr>
         <p:style>
-          <a:lnRef idx="0"/>
-          <a:fillRef idx="0"/>
-          <a:effectRef idx="0"/>
+          <a:lnRef idx="0">
+            <a:scrgbClr r="0" g="0" b="0"/>
+          </a:lnRef>
+          <a:fillRef idx="0">
+            <a:scrgbClr r="0" g="0" b="0"/>
+          </a:fillRef>
+          <a:effectRef idx="0">
+            <a:scrgbClr r="0" g="0" b="0"/>
+          </a:effectRef>
           <a:fontRef idx="minor"/>
         </p:style>
         <p:txBody>
-          <a:bodyPr lIns="0" rIns="0" tIns="0" bIns="0" anchor="t">
+          <a:bodyPr lIns="0" tIns="0" rIns="0" bIns="0" anchor="t">
             <a:spAutoFit/>
           </a:bodyPr>
+          <a:lstStyle/>
           <a:p>
             <a:pPr defTabSz="914400">
               <a:lnSpc>
@@ -4167,15 +4694,15 @@
               </a:lnSpc>
             </a:pPr>
             <a:r>
-              <a:rPr b="0" lang="en-US" sz="1800" spc="-1" strike="noStrike">
+              <a:rPr lang="en-US" sz="1800" b="0" strike="noStrike" spc="-1">
                 <a:solidFill>
-                  <a:srgbClr val="17161c"/>
+                  <a:srgbClr val="17161C"/>
                 </a:solidFill>
                 <a:latin typeface="Codec Pro"/>
               </a:rPr>
               <a:t>Wie kann man es besser machen</a:t>
             </a:r>
-            <a:endParaRPr b="0" lang="de-DE" sz="1800" spc="-1" strike="noStrike">
+            <a:endParaRPr lang="de-DE" sz="1800" b="0" strike="noStrike" spc="-1">
               <a:solidFill>
                 <a:srgbClr val="000000"/>
               </a:solidFill>
@@ -4204,15 +4731,22 @@
           </a:ln>
         </p:spPr>
         <p:style>
-          <a:lnRef idx="0"/>
-          <a:fillRef idx="0"/>
-          <a:effectRef idx="0"/>
+          <a:lnRef idx="0">
+            <a:scrgbClr r="0" g="0" b="0"/>
+          </a:lnRef>
+          <a:fillRef idx="0">
+            <a:scrgbClr r="0" g="0" b="0"/>
+          </a:fillRef>
+          <a:effectRef idx="0">
+            <a:scrgbClr r="0" g="0" b="0"/>
+          </a:effectRef>
           <a:fontRef idx="minor"/>
         </p:style>
         <p:txBody>
-          <a:bodyPr lIns="0" rIns="0" tIns="0" bIns="0" anchor="t">
+          <a:bodyPr lIns="0" tIns="0" rIns="0" bIns="0" anchor="t">
             <a:spAutoFit/>
           </a:bodyPr>
+          <a:lstStyle/>
           <a:p>
             <a:pPr defTabSz="914400">
               <a:lnSpc>
@@ -4220,15 +4754,15 @@
               </a:lnSpc>
             </a:pPr>
             <a:r>
-              <a:rPr b="0" lang="en-US" sz="8000" spc="-1" strike="noStrike">
+              <a:rPr lang="en-US" sz="8000" b="0" strike="noStrike" spc="-1">
                 <a:solidFill>
-                  <a:srgbClr val="17161c"/>
+                  <a:srgbClr val="17161C"/>
                 </a:solidFill>
                 <a:latin typeface="Codec Pro"/>
               </a:rPr>
               <a:t>Textfehler</a:t>
             </a:r>
-            <a:endParaRPr b="0" lang="de-DE" sz="8000" spc="-1" strike="noStrike">
+            <a:endParaRPr lang="de-DE" sz="8000" b="0" strike="noStrike" spc="-1">
               <a:solidFill>
                 <a:srgbClr val="000000"/>
               </a:solidFill>
@@ -4257,15 +4791,22 @@
           </a:ln>
         </p:spPr>
         <p:style>
-          <a:lnRef idx="0"/>
-          <a:fillRef idx="0"/>
-          <a:effectRef idx="0"/>
+          <a:lnRef idx="0">
+            <a:scrgbClr r="0" g="0" b="0"/>
+          </a:lnRef>
+          <a:fillRef idx="0">
+            <a:scrgbClr r="0" g="0" b="0"/>
+          </a:fillRef>
+          <a:effectRef idx="0">
+            <a:scrgbClr r="0" g="0" b="0"/>
+          </a:effectRef>
           <a:fontRef idx="minor"/>
         </p:style>
         <p:txBody>
-          <a:bodyPr lIns="0" rIns="0" tIns="0" bIns="0" anchor="t">
+          <a:bodyPr lIns="0" tIns="0" rIns="0" bIns="0" anchor="t">
             <a:spAutoFit/>
           </a:bodyPr>
+          <a:lstStyle/>
           <a:p>
             <a:pPr defTabSz="914400">
               <a:lnSpc>
@@ -4273,15 +4814,15 @@
               </a:lnSpc>
             </a:pPr>
             <a:r>
-              <a:rPr b="0" lang="en-US" sz="2400" spc="-1" strike="noStrike">
+              <a:rPr lang="en-US" sz="2400" b="0" strike="noStrike" spc="-1">
                 <a:solidFill>
-                  <a:srgbClr val="17161c"/>
+                  <a:srgbClr val="17161C"/>
                 </a:solidFill>
                 <a:latin typeface="Codec Pro"/>
               </a:rPr>
               <a:t>Beschreibung was falsch gelaufen ist</a:t>
             </a:r>
-            <a:endParaRPr b="0" lang="de-DE" sz="2400" spc="-1" strike="noStrike">
+            <a:endParaRPr lang="de-DE" sz="2400" b="0" strike="noStrike" spc="-1">
               <a:solidFill>
                 <a:srgbClr val="000000"/>
               </a:solidFill>
@@ -4292,25 +4833,21 @@
       </p:sp>
     </p:spTree>
   </p:cSld>
-  <mc:AlternateContent>
-    <mc:Choice Requires="p14">
-      <p:transition spd="slow" p14:dur="2000"/>
-    </mc:Choice>
-    <mc:Fallback>
-      <p:transition spd="slow"/>
-    </mc:Fallback>
-  </mc:AlternateContent>
+  <p:clrMapOvr>
+    <a:masterClrMapping/>
+  </p:clrMapOvr>
 </p:sld>
 </file>
 
 <file path=ppt/slides/slide3.xml><?xml version="1.0" encoding="utf-8"?>
-<p:sld xmlns:a="http://schemas.openxmlformats.org/drawingml/2006/main" xmlns:p="http://schemas.openxmlformats.org/presentationml/2006/main" xmlns:r="http://schemas.openxmlformats.org/officeDocument/2006/relationships" xmlns:p14="http://schemas.microsoft.com/office/powerpoint/2010/main" xmlns:p15="http://schemas.microsoft.com/office/powerpoint/2012/main" xmlns:mc="http://schemas.openxmlformats.org/markup-compatibility/2006">
+<p:sld xmlns:a="http://schemas.openxmlformats.org/drawingml/2006/main" xmlns:r="http://schemas.openxmlformats.org/officeDocument/2006/relationships" xmlns:p="http://schemas.openxmlformats.org/presentationml/2006/main">
   <p:cSld>
     <p:bg>
       <p:bgPr>
         <a:solidFill>
-          <a:srgbClr val="fdfcf3"/>
+          <a:srgbClr val="FDFCF3"/>
         </a:solidFill>
+        <a:effectLst/>
       </p:bgPr>
     </p:bg>
     <p:spTree>
@@ -4342,24 +4879,31 @@
             <a:avLst/>
           </a:prstGeom>
           <a:solidFill>
-            <a:srgbClr val="0c6980"/>
+            <a:srgbClr val="0C6980"/>
           </a:solidFill>
           <a:ln w="0">
             <a:noFill/>
           </a:ln>
         </p:spPr>
         <p:style>
-          <a:lnRef idx="0"/>
-          <a:fillRef idx="0"/>
-          <a:effectRef idx="0"/>
+          <a:lnRef idx="0">
+            <a:scrgbClr r="0" g="0" b="0"/>
+          </a:lnRef>
+          <a:fillRef idx="0">
+            <a:scrgbClr r="0" g="0" b="0"/>
+          </a:fillRef>
+          <a:effectRef idx="0">
+            <a:scrgbClr r="0" g="0" b="0"/>
+          </a:effectRef>
           <a:fontRef idx="minor"/>
         </p:style>
         <p:txBody>
-          <a:bodyPr lIns="90000" rIns="90000" tIns="45000" bIns="45000" anchor="t">
+          <a:bodyPr lIns="90000" tIns="45000" rIns="90000" bIns="45000" anchor="t">
             <a:noAutofit/>
           </a:bodyPr>
-          <a:p>
-            <a:endParaRPr b="0" lang="de-DE" sz="1800" spc="-1" strike="noStrike">
+          <a:lstStyle/>
+          <a:p>
+            <a:endParaRPr lang="de-DE" sz="1800" b="0" strike="noStrike" spc="-1">
               <a:solidFill>
                 <a:srgbClr val="000000"/>
               </a:solidFill>
@@ -4388,6 +4932,7 @@
               <a:gd name="textAreaBottom" fmla="*/ 12251160 h 12250800"/>
             </a:gdLst>
             <a:ahLst/>
+            <a:cxnLst/>
             <a:rect l="textAreaLeft" t="textAreaTop" r="textAreaRight" b="textAreaBottom"/>
             <a:pathLst>
               <a:path w="12363420" h="12251025">
@@ -4405,77 +4950,6 @@
                 </a:lnTo>
                 <a:lnTo>
                   <a:pt x="0" y="0"/>
-                </a:lnTo>
-                <a:close/>
-              </a:path>
-            </a:pathLst>
-          </a:custGeom>
-          <a:blipFill rotWithShape="0">
-            <a:blip r:embed="rId1"/>
-            <a:srcRect/>
-            <a:stretch/>
-          </a:blipFill>
-          <a:ln w="0">
-            <a:noFill/>
-          </a:ln>
-        </p:spPr>
-        <p:style>
-          <a:lnRef idx="0"/>
-          <a:fillRef idx="0"/>
-          <a:effectRef idx="0"/>
-          <a:fontRef idx="minor"/>
-        </p:style>
-        <p:txBody>
-          <a:bodyPr lIns="90000" rIns="90000" tIns="45000" bIns="45000" anchor="t">
-            <a:noAutofit/>
-          </a:bodyPr>
-          <a:p>
-            <a:endParaRPr b="0" lang="de-DE" sz="1800" spc="-1" strike="noStrike">
-              <a:solidFill>
-                <a:srgbClr val="000000"/>
-              </a:solidFill>
-              <a:latin typeface="Arial"/>
-            </a:endParaRPr>
-          </a:p>
-        </p:txBody>
-      </p:sp>
-      <p:sp>
-        <p:nvSpPr>
-          <p:cNvPr id="57" name="Freeform 5"/>
-          <p:cNvSpPr/>
-          <p:nvPr/>
-        </p:nvSpPr>
-        <p:spPr>
-          <a:xfrm flipH="1">
-            <a:off x="10959840" y="3104640"/>
-            <a:ext cx="5056200" cy="3493440"/>
-          </a:xfrm>
-          <a:custGeom>
-            <a:avLst/>
-            <a:gdLst>
-              <a:gd name="textAreaLeft" fmla="*/ -360 w 5056200"/>
-              <a:gd name="textAreaRight" fmla="*/ 5056200 w 5056200"/>
-              <a:gd name="textAreaTop" fmla="*/ 0 h 3493440"/>
-              <a:gd name="textAreaBottom" fmla="*/ 3493800 h 3493440"/>
-            </a:gdLst>
-            <a:ahLst/>
-            <a:rect l="textAreaLeft" t="textAreaTop" r="textAreaRight" b="textAreaBottom"/>
-            <a:pathLst>
-              <a:path w="5056689" h="3493713">
-                <a:moveTo>
-                  <a:pt x="5056690" y="0"/>
-                </a:moveTo>
-                <a:lnTo>
-                  <a:pt x="0" y="0"/>
-                </a:lnTo>
-                <a:lnTo>
-                  <a:pt x="0" y="3493713"/>
-                </a:lnTo>
-                <a:lnTo>
-                  <a:pt x="5056690" y="3493713"/>
-                </a:lnTo>
-                <a:lnTo>
-                  <a:pt x="5056690" y="0"/>
                 </a:lnTo>
                 <a:close/>
               </a:path>
@@ -4491,17 +4965,103 @@
           </a:ln>
         </p:spPr>
         <p:style>
-          <a:lnRef idx="0"/>
-          <a:fillRef idx="0"/>
-          <a:effectRef idx="0"/>
+          <a:lnRef idx="0">
+            <a:scrgbClr r="0" g="0" b="0"/>
+          </a:lnRef>
+          <a:fillRef idx="0">
+            <a:scrgbClr r="0" g="0" b="0"/>
+          </a:fillRef>
+          <a:effectRef idx="0">
+            <a:scrgbClr r="0" g="0" b="0"/>
+          </a:effectRef>
           <a:fontRef idx="minor"/>
         </p:style>
         <p:txBody>
-          <a:bodyPr lIns="90000" rIns="90000" tIns="45000" bIns="45000" anchor="t">
+          <a:bodyPr lIns="90000" tIns="45000" rIns="90000" bIns="45000" anchor="t">
             <a:noAutofit/>
           </a:bodyPr>
-          <a:p>
-            <a:endParaRPr b="0" lang="de-DE" sz="1800" spc="-1" strike="noStrike">
+          <a:lstStyle/>
+          <a:p>
+            <a:endParaRPr lang="de-DE" sz="1800" b="0" strike="noStrike" spc="-1">
+              <a:solidFill>
+                <a:srgbClr val="000000"/>
+              </a:solidFill>
+              <a:latin typeface="Arial"/>
+            </a:endParaRPr>
+          </a:p>
+        </p:txBody>
+      </p:sp>
+      <p:sp>
+        <p:nvSpPr>
+          <p:cNvPr id="57" name="Freeform 5"/>
+          <p:cNvSpPr/>
+          <p:nvPr/>
+        </p:nvSpPr>
+        <p:spPr>
+          <a:xfrm flipH="1">
+            <a:off x="10959840" y="3104640"/>
+            <a:ext cx="5056200" cy="3493440"/>
+          </a:xfrm>
+          <a:custGeom>
+            <a:avLst/>
+            <a:gdLst>
+              <a:gd name="textAreaLeft" fmla="*/ -360 w 5056200"/>
+              <a:gd name="textAreaRight" fmla="*/ 5056200 w 5056200"/>
+              <a:gd name="textAreaTop" fmla="*/ 0 h 3493440"/>
+              <a:gd name="textAreaBottom" fmla="*/ 3493800 h 3493440"/>
+            </a:gdLst>
+            <a:ahLst/>
+            <a:cxnLst/>
+            <a:rect l="textAreaLeft" t="textAreaTop" r="textAreaRight" b="textAreaBottom"/>
+            <a:pathLst>
+              <a:path w="5056689" h="3493713">
+                <a:moveTo>
+                  <a:pt x="5056690" y="0"/>
+                </a:moveTo>
+                <a:lnTo>
+                  <a:pt x="0" y="0"/>
+                </a:lnTo>
+                <a:lnTo>
+                  <a:pt x="0" y="3493713"/>
+                </a:lnTo>
+                <a:lnTo>
+                  <a:pt x="5056690" y="3493713"/>
+                </a:lnTo>
+                <a:lnTo>
+                  <a:pt x="5056690" y="0"/>
+                </a:lnTo>
+                <a:close/>
+              </a:path>
+            </a:pathLst>
+          </a:custGeom>
+          <a:blipFill rotWithShape="0">
+            <a:blip r:embed="rId3"/>
+            <a:srcRect/>
+            <a:stretch/>
+          </a:blipFill>
+          <a:ln w="0">
+            <a:noFill/>
+          </a:ln>
+        </p:spPr>
+        <p:style>
+          <a:lnRef idx="0">
+            <a:scrgbClr r="0" g="0" b="0"/>
+          </a:lnRef>
+          <a:fillRef idx="0">
+            <a:scrgbClr r="0" g="0" b="0"/>
+          </a:fillRef>
+          <a:effectRef idx="0">
+            <a:scrgbClr r="0" g="0" b="0"/>
+          </a:effectRef>
+          <a:fontRef idx="minor"/>
+        </p:style>
+        <p:txBody>
+          <a:bodyPr lIns="90000" tIns="45000" rIns="90000" bIns="45000" anchor="t">
+            <a:noAutofit/>
+          </a:bodyPr>
+          <a:lstStyle/>
+          <a:p>
+            <a:endParaRPr lang="de-DE" sz="1800" b="0" strike="noStrike" spc="-1">
               <a:solidFill>
                 <a:srgbClr val="000000"/>
               </a:solidFill>
@@ -4530,15 +5090,22 @@
           </a:ln>
         </p:spPr>
         <p:style>
-          <a:lnRef idx="0"/>
-          <a:fillRef idx="0"/>
-          <a:effectRef idx="0"/>
+          <a:lnRef idx="0">
+            <a:scrgbClr r="0" g="0" b="0"/>
+          </a:lnRef>
+          <a:fillRef idx="0">
+            <a:scrgbClr r="0" g="0" b="0"/>
+          </a:fillRef>
+          <a:effectRef idx="0">
+            <a:scrgbClr r="0" g="0" b="0"/>
+          </a:effectRef>
           <a:fontRef idx="minor"/>
         </p:style>
         <p:txBody>
-          <a:bodyPr lIns="0" rIns="0" tIns="0" bIns="0" anchor="t">
+          <a:bodyPr lIns="0" tIns="0" rIns="0" bIns="0" anchor="t">
             <a:spAutoFit/>
           </a:bodyPr>
+          <a:lstStyle/>
           <a:p>
             <a:pPr defTabSz="914400">
               <a:lnSpc>
@@ -4546,24 +5113,15 @@
               </a:lnSpc>
             </a:pPr>
             <a:r>
-              <a:rPr b="0" lang="en-US" sz="1800" spc="-1" strike="noStrike">
+              <a:rPr lang="en-US" sz="1800" b="0" strike="noStrike" spc="-1">
                 <a:solidFill>
-                  <a:srgbClr val="17161c"/>
+                  <a:srgbClr val="17161C"/>
                 </a:solidFill>
                 <a:latin typeface="Codec Pro"/>
               </a:rPr>
-              <a:t>→ </a:t>
+              <a:t>→ weglassen</a:t>
             </a:r>
-            <a:r>
-              <a:rPr b="0" lang="en-US" sz="1800" spc="-1" strike="noStrike">
-                <a:solidFill>
-                  <a:srgbClr val="17161c"/>
-                </a:solidFill>
-                <a:latin typeface="Codec Pro"/>
-              </a:rPr>
-              <a:t>weglassen</a:t>
-            </a:r>
-            <a:endParaRPr b="0" lang="de-DE" sz="1800" spc="-1" strike="noStrike">
+            <a:endParaRPr lang="de-DE" sz="1800" b="0" strike="noStrike" spc="-1">
               <a:solidFill>
                 <a:srgbClr val="000000"/>
               </a:solidFill>
@@ -4592,15 +5150,22 @@
           </a:ln>
         </p:spPr>
         <p:style>
-          <a:lnRef idx="0"/>
-          <a:fillRef idx="0"/>
-          <a:effectRef idx="0"/>
+          <a:lnRef idx="0">
+            <a:scrgbClr r="0" g="0" b="0"/>
+          </a:lnRef>
+          <a:fillRef idx="0">
+            <a:scrgbClr r="0" g="0" b="0"/>
+          </a:fillRef>
+          <a:effectRef idx="0">
+            <a:scrgbClr r="0" g="0" b="0"/>
+          </a:effectRef>
           <a:fontRef idx="minor"/>
         </p:style>
         <p:txBody>
-          <a:bodyPr lIns="0" rIns="0" tIns="0" bIns="0" anchor="t">
+          <a:bodyPr lIns="0" tIns="0" rIns="0" bIns="0" anchor="t">
             <a:spAutoFit/>
           </a:bodyPr>
+          <a:lstStyle/>
           <a:p>
             <a:pPr defTabSz="914400">
               <a:lnSpc>
@@ -4608,15 +5173,24 @@
               </a:lnSpc>
             </a:pPr>
             <a:r>
-              <a:rPr b="0" lang="en-US" sz="8000" spc="-1" strike="noStrike">
+              <a:rPr lang="en-US" sz="8000" b="0" strike="noStrike" spc="-1" dirty="0" err="1">
                 <a:solidFill>
-                  <a:srgbClr val="17161c"/>
+                  <a:srgbClr val="17161C"/>
                 </a:solidFill>
                 <a:latin typeface="Codec Pro"/>
               </a:rPr>
               <a:t>Struktur</a:t>
             </a:r>
-            <a:endParaRPr b="0" lang="de-DE" sz="8000" spc="-1" strike="noStrike">
+            <a:r>
+              <a:rPr lang="en-US" sz="8000" b="0" strike="noStrike" spc="-1" dirty="0">
+                <a:solidFill>
+                  <a:srgbClr val="17161C"/>
+                </a:solidFill>
+                <a:latin typeface="Codec Pro"/>
+              </a:rPr>
+              <a:t> </a:t>
+            </a:r>
+            <a:endParaRPr lang="de-DE" sz="8000" b="0" strike="noStrike" spc="-1" dirty="0">
               <a:solidFill>
                 <a:srgbClr val="000000"/>
               </a:solidFill>
@@ -4645,15 +5219,22 @@
           </a:ln>
         </p:spPr>
         <p:style>
-          <a:lnRef idx="0"/>
-          <a:fillRef idx="0"/>
-          <a:effectRef idx="0"/>
+          <a:lnRef idx="0">
+            <a:scrgbClr r="0" g="0" b="0"/>
+          </a:lnRef>
+          <a:fillRef idx="0">
+            <a:scrgbClr r="0" g="0" b="0"/>
+          </a:fillRef>
+          <a:effectRef idx="0">
+            <a:scrgbClr r="0" g="0" b="0"/>
+          </a:effectRef>
           <a:fontRef idx="minor"/>
         </p:style>
         <p:txBody>
-          <a:bodyPr lIns="0" rIns="0" tIns="0" bIns="0" anchor="t">
+          <a:bodyPr lIns="0" tIns="0" rIns="0" bIns="0" anchor="t">
             <a:spAutoFit/>
           </a:bodyPr>
+          <a:lstStyle/>
           <a:p>
             <a:pPr defTabSz="914400">
               <a:lnSpc>
@@ -4661,15 +5242,15 @@
               </a:lnSpc>
             </a:pPr>
             <a:r>
-              <a:rPr b="0" lang="en-US" sz="2400" spc="-1" strike="noStrike">
+              <a:rPr lang="en-US" sz="2400" b="0" strike="noStrike" spc="-1">
                 <a:solidFill>
-                  <a:srgbClr val="17161c"/>
+                  <a:srgbClr val="17161C"/>
                 </a:solidFill>
                 <a:latin typeface="Codec Pro"/>
               </a:rPr>
               <a:t>1. erfolgt nur wenn Aufzählung mit 2. erfolgt</a:t>
             </a:r>
-            <a:endParaRPr b="0" lang="de-DE" sz="2400" spc="-1" strike="noStrike">
+            <a:endParaRPr lang="de-DE" sz="2400" b="0" strike="noStrike" spc="-1">
               <a:solidFill>
                 <a:srgbClr val="000000"/>
               </a:solidFill>
@@ -4680,12 +5261,12 @@
       </p:sp>
       <p:pic>
         <p:nvPicPr>
-          <p:cNvPr id="61" name="" descr=""/>
+          <p:cNvPr id="61" name="Grafik 60"/>
           <p:cNvPicPr/>
           <p:nvPr/>
         </p:nvPicPr>
         <p:blipFill>
-          <a:blip r:embed="rId3"/>
+          <a:blip r:embed="rId4"/>
           <a:stretch/>
         </p:blipFill>
         <p:spPr>
@@ -4703,25 +5284,21 @@
       </p:pic>
     </p:spTree>
   </p:cSld>
-  <mc:AlternateContent>
-    <mc:Choice Requires="p14">
-      <p:transition spd="slow" p14:dur="2000"/>
-    </mc:Choice>
-    <mc:Fallback>
-      <p:transition spd="slow"/>
-    </mc:Fallback>
-  </mc:AlternateContent>
+  <p:clrMapOvr>
+    <a:masterClrMapping/>
+  </p:clrMapOvr>
 </p:sld>
 </file>
 
 <file path=ppt/slides/slide4.xml><?xml version="1.0" encoding="utf-8"?>
-<p:sld xmlns:a="http://schemas.openxmlformats.org/drawingml/2006/main" xmlns:p="http://schemas.openxmlformats.org/presentationml/2006/main" xmlns:r="http://schemas.openxmlformats.org/officeDocument/2006/relationships" xmlns:p14="http://schemas.microsoft.com/office/powerpoint/2010/main" xmlns:p15="http://schemas.microsoft.com/office/powerpoint/2012/main" xmlns:mc="http://schemas.openxmlformats.org/markup-compatibility/2006">
+<p:sld xmlns:a="http://schemas.openxmlformats.org/drawingml/2006/main" xmlns:r="http://schemas.openxmlformats.org/officeDocument/2006/relationships" xmlns:p="http://schemas.openxmlformats.org/presentationml/2006/main">
   <p:cSld>
     <p:bg>
       <p:bgPr>
         <a:solidFill>
-          <a:srgbClr val="fdfcf3"/>
+          <a:srgbClr val="FDFCF3"/>
         </a:solidFill>
+        <a:effectLst/>
       </p:bgPr>
     </p:bg>
     <p:spTree>
@@ -4753,24 +5330,31 @@
             <a:avLst/>
           </a:prstGeom>
           <a:solidFill>
-            <a:srgbClr val="0c6980"/>
+            <a:srgbClr val="0C6980"/>
           </a:solidFill>
           <a:ln w="0">
             <a:noFill/>
           </a:ln>
         </p:spPr>
         <p:style>
-          <a:lnRef idx="0"/>
-          <a:fillRef idx="0"/>
-          <a:effectRef idx="0"/>
+          <a:lnRef idx="0">
+            <a:scrgbClr r="0" g="0" b="0"/>
+          </a:lnRef>
+          <a:fillRef idx="0">
+            <a:scrgbClr r="0" g="0" b="0"/>
+          </a:fillRef>
+          <a:effectRef idx="0">
+            <a:scrgbClr r="0" g="0" b="0"/>
+          </a:effectRef>
           <a:fontRef idx="minor"/>
         </p:style>
         <p:txBody>
-          <a:bodyPr lIns="90000" rIns="90000" tIns="45000" bIns="45000" anchor="t">
+          <a:bodyPr lIns="90000" tIns="45000" rIns="90000" bIns="45000" anchor="t">
             <a:noAutofit/>
           </a:bodyPr>
-          <a:p>
-            <a:endParaRPr b="0" lang="de-DE" sz="1800" spc="-1" strike="noStrike">
+          <a:lstStyle/>
+          <a:p>
+            <a:endParaRPr lang="de-DE" sz="1800" b="0" strike="noStrike" spc="-1">
               <a:solidFill>
                 <a:srgbClr val="000000"/>
               </a:solidFill>
@@ -4799,6 +5383,7 @@
               <a:gd name="textAreaBottom" fmla="*/ 12251160 h 12250800"/>
             </a:gdLst>
             <a:ahLst/>
+            <a:cxnLst/>
             <a:rect l="textAreaLeft" t="textAreaTop" r="textAreaRight" b="textAreaBottom"/>
             <a:pathLst>
               <a:path w="12363420" h="12251025">
@@ -4816,77 +5401,6 @@
                 </a:lnTo>
                 <a:lnTo>
                   <a:pt x="0" y="0"/>
-                </a:lnTo>
-                <a:close/>
-              </a:path>
-            </a:pathLst>
-          </a:custGeom>
-          <a:blipFill rotWithShape="0">
-            <a:blip r:embed="rId1"/>
-            <a:srcRect/>
-            <a:stretch/>
-          </a:blipFill>
-          <a:ln w="0">
-            <a:noFill/>
-          </a:ln>
-        </p:spPr>
-        <p:style>
-          <a:lnRef idx="0"/>
-          <a:fillRef idx="0"/>
-          <a:effectRef idx="0"/>
-          <a:fontRef idx="minor"/>
-        </p:style>
-        <p:txBody>
-          <a:bodyPr lIns="90000" rIns="90000" tIns="45000" bIns="45000" anchor="t">
-            <a:noAutofit/>
-          </a:bodyPr>
-          <a:p>
-            <a:endParaRPr b="0" lang="de-DE" sz="1800" spc="-1" strike="noStrike">
-              <a:solidFill>
-                <a:srgbClr val="000000"/>
-              </a:solidFill>
-              <a:latin typeface="Arial"/>
-            </a:endParaRPr>
-          </a:p>
-        </p:txBody>
-      </p:sp>
-      <p:sp>
-        <p:nvSpPr>
-          <p:cNvPr id="64" name="Freeform 7"/>
-          <p:cNvSpPr/>
-          <p:nvPr/>
-        </p:nvSpPr>
-        <p:spPr>
-          <a:xfrm flipH="1">
-            <a:off x="10959840" y="3104640"/>
-            <a:ext cx="5056200" cy="3493440"/>
-          </a:xfrm>
-          <a:custGeom>
-            <a:avLst/>
-            <a:gdLst>
-              <a:gd name="textAreaLeft" fmla="*/ -360 w 5056200"/>
-              <a:gd name="textAreaRight" fmla="*/ 5056200 w 5056200"/>
-              <a:gd name="textAreaTop" fmla="*/ 0 h 3493440"/>
-              <a:gd name="textAreaBottom" fmla="*/ 3493800 h 3493440"/>
-            </a:gdLst>
-            <a:ahLst/>
-            <a:rect l="textAreaLeft" t="textAreaTop" r="textAreaRight" b="textAreaBottom"/>
-            <a:pathLst>
-              <a:path w="5056689" h="3493713">
-                <a:moveTo>
-                  <a:pt x="5056690" y="0"/>
-                </a:moveTo>
-                <a:lnTo>
-                  <a:pt x="0" y="0"/>
-                </a:lnTo>
-                <a:lnTo>
-                  <a:pt x="0" y="3493713"/>
-                </a:lnTo>
-                <a:lnTo>
-                  <a:pt x="5056690" y="3493713"/>
-                </a:lnTo>
-                <a:lnTo>
-                  <a:pt x="5056690" y="0"/>
                 </a:lnTo>
                 <a:close/>
               </a:path>
@@ -4902,17 +5416,103 @@
           </a:ln>
         </p:spPr>
         <p:style>
-          <a:lnRef idx="0"/>
-          <a:fillRef idx="0"/>
-          <a:effectRef idx="0"/>
+          <a:lnRef idx="0">
+            <a:scrgbClr r="0" g="0" b="0"/>
+          </a:lnRef>
+          <a:fillRef idx="0">
+            <a:scrgbClr r="0" g="0" b="0"/>
+          </a:fillRef>
+          <a:effectRef idx="0">
+            <a:scrgbClr r="0" g="0" b="0"/>
+          </a:effectRef>
           <a:fontRef idx="minor"/>
         </p:style>
         <p:txBody>
-          <a:bodyPr lIns="90000" rIns="90000" tIns="45000" bIns="45000" anchor="t">
+          <a:bodyPr lIns="90000" tIns="45000" rIns="90000" bIns="45000" anchor="t">
             <a:noAutofit/>
           </a:bodyPr>
-          <a:p>
-            <a:endParaRPr b="0" lang="de-DE" sz="1800" spc="-1" strike="noStrike">
+          <a:lstStyle/>
+          <a:p>
+            <a:endParaRPr lang="de-DE" sz="1800" b="0" strike="noStrike" spc="-1">
+              <a:solidFill>
+                <a:srgbClr val="000000"/>
+              </a:solidFill>
+              <a:latin typeface="Arial"/>
+            </a:endParaRPr>
+          </a:p>
+        </p:txBody>
+      </p:sp>
+      <p:sp>
+        <p:nvSpPr>
+          <p:cNvPr id="64" name="Freeform 7"/>
+          <p:cNvSpPr/>
+          <p:nvPr/>
+        </p:nvSpPr>
+        <p:spPr>
+          <a:xfrm flipH="1">
+            <a:off x="10959840" y="3104640"/>
+            <a:ext cx="5056200" cy="3493440"/>
+          </a:xfrm>
+          <a:custGeom>
+            <a:avLst/>
+            <a:gdLst>
+              <a:gd name="textAreaLeft" fmla="*/ -360 w 5056200"/>
+              <a:gd name="textAreaRight" fmla="*/ 5056200 w 5056200"/>
+              <a:gd name="textAreaTop" fmla="*/ 0 h 3493440"/>
+              <a:gd name="textAreaBottom" fmla="*/ 3493800 h 3493440"/>
+            </a:gdLst>
+            <a:ahLst/>
+            <a:cxnLst/>
+            <a:rect l="textAreaLeft" t="textAreaTop" r="textAreaRight" b="textAreaBottom"/>
+            <a:pathLst>
+              <a:path w="5056689" h="3493713">
+                <a:moveTo>
+                  <a:pt x="5056690" y="0"/>
+                </a:moveTo>
+                <a:lnTo>
+                  <a:pt x="0" y="0"/>
+                </a:lnTo>
+                <a:lnTo>
+                  <a:pt x="0" y="3493713"/>
+                </a:lnTo>
+                <a:lnTo>
+                  <a:pt x="5056690" y="3493713"/>
+                </a:lnTo>
+                <a:lnTo>
+                  <a:pt x="5056690" y="0"/>
+                </a:lnTo>
+                <a:close/>
+              </a:path>
+            </a:pathLst>
+          </a:custGeom>
+          <a:blipFill rotWithShape="0">
+            <a:blip r:embed="rId3"/>
+            <a:srcRect/>
+            <a:stretch/>
+          </a:blipFill>
+          <a:ln w="0">
+            <a:noFill/>
+          </a:ln>
+        </p:spPr>
+        <p:style>
+          <a:lnRef idx="0">
+            <a:scrgbClr r="0" g="0" b="0"/>
+          </a:lnRef>
+          <a:fillRef idx="0">
+            <a:scrgbClr r="0" g="0" b="0"/>
+          </a:fillRef>
+          <a:effectRef idx="0">
+            <a:scrgbClr r="0" g="0" b="0"/>
+          </a:effectRef>
+          <a:fontRef idx="minor"/>
+        </p:style>
+        <p:txBody>
+          <a:bodyPr lIns="90000" tIns="45000" rIns="90000" bIns="45000" anchor="t">
+            <a:noAutofit/>
+          </a:bodyPr>
+          <a:lstStyle/>
+          <a:p>
+            <a:endParaRPr lang="de-DE" sz="1800" b="0" strike="noStrike" spc="-1">
               <a:solidFill>
                 <a:srgbClr val="000000"/>
               </a:solidFill>
@@ -4941,15 +5541,22 @@
           </a:ln>
         </p:spPr>
         <p:style>
-          <a:lnRef idx="0"/>
-          <a:fillRef idx="0"/>
-          <a:effectRef idx="0"/>
+          <a:lnRef idx="0">
+            <a:scrgbClr r="0" g="0" b="0"/>
+          </a:lnRef>
+          <a:fillRef idx="0">
+            <a:scrgbClr r="0" g="0" b="0"/>
+          </a:fillRef>
+          <a:effectRef idx="0">
+            <a:scrgbClr r="0" g="0" b="0"/>
+          </a:effectRef>
           <a:fontRef idx="minor"/>
         </p:style>
         <p:txBody>
-          <a:bodyPr lIns="0" rIns="0" tIns="0" bIns="0" anchor="t">
+          <a:bodyPr lIns="0" tIns="0" rIns="0" bIns="0" anchor="t">
             <a:spAutoFit/>
           </a:bodyPr>
+          <a:lstStyle/>
           <a:p>
             <a:pPr defTabSz="914400">
               <a:lnSpc>
@@ -4957,24 +5564,15 @@
               </a:lnSpc>
             </a:pPr>
             <a:r>
-              <a:rPr b="0" lang="en-US" sz="1800" spc="-1" strike="noStrike">
+              <a:rPr lang="en-US" sz="1800" b="0" strike="noStrike" spc="-1">
                 <a:solidFill>
-                  <a:srgbClr val="17161c"/>
+                  <a:srgbClr val="17161C"/>
                 </a:solidFill>
                 <a:latin typeface="Codec Pro"/>
               </a:rPr>
-              <a:t>→ </a:t>
+              <a:t>→ möglichen infotext einbaun der genauer beschreibt was „Option“ ist</a:t>
             </a:r>
-            <a:r>
-              <a:rPr b="0" lang="en-US" sz="1800" spc="-1" strike="noStrike">
-                <a:solidFill>
-                  <a:srgbClr val="17161c"/>
-                </a:solidFill>
-                <a:latin typeface="Codec Pro"/>
-              </a:rPr>
-              <a:t>möglichen infotext einbaun der genauer beschreibt was „Option“ ist</a:t>
-            </a:r>
-            <a:endParaRPr b="0" lang="de-DE" sz="1800" spc="-1" strike="noStrike">
+            <a:endParaRPr lang="de-DE" sz="1800" b="0" strike="noStrike" spc="-1">
               <a:solidFill>
                 <a:srgbClr val="000000"/>
               </a:solidFill>
@@ -5003,15 +5601,22 @@
           </a:ln>
         </p:spPr>
         <p:style>
-          <a:lnRef idx="0"/>
-          <a:fillRef idx="0"/>
-          <a:effectRef idx="0"/>
+          <a:lnRef idx="0">
+            <a:scrgbClr r="0" g="0" b="0"/>
+          </a:lnRef>
+          <a:fillRef idx="0">
+            <a:scrgbClr r="0" g="0" b="0"/>
+          </a:fillRef>
+          <a:effectRef idx="0">
+            <a:scrgbClr r="0" g="0" b="0"/>
+          </a:effectRef>
           <a:fontRef idx="minor"/>
         </p:style>
         <p:txBody>
-          <a:bodyPr lIns="0" rIns="0" tIns="0" bIns="0" anchor="t">
+          <a:bodyPr lIns="0" tIns="0" rIns="0" bIns="0" anchor="t">
             <a:spAutoFit/>
           </a:bodyPr>
+          <a:lstStyle/>
           <a:p>
             <a:pPr defTabSz="914400">
               <a:lnSpc>
@@ -5019,15 +5624,15 @@
               </a:lnSpc>
             </a:pPr>
             <a:r>
-              <a:rPr b="0" lang="en-US" sz="8000" spc="-1" strike="noStrike">
+              <a:rPr lang="en-US" sz="8000" b="0" strike="noStrike" spc="-1">
                 <a:solidFill>
-                  <a:srgbClr val="17161c"/>
+                  <a:srgbClr val="17161C"/>
                 </a:solidFill>
                 <a:latin typeface="Codec Pro"/>
               </a:rPr>
               <a:t>Überschrift</a:t>
             </a:r>
-            <a:endParaRPr b="0" lang="de-DE" sz="8000" spc="-1" strike="noStrike">
+            <a:endParaRPr lang="de-DE" sz="8000" b="0" strike="noStrike" spc="-1">
               <a:solidFill>
                 <a:srgbClr val="000000"/>
               </a:solidFill>
@@ -5056,15 +5661,22 @@
           </a:ln>
         </p:spPr>
         <p:style>
-          <a:lnRef idx="0"/>
-          <a:fillRef idx="0"/>
-          <a:effectRef idx="0"/>
+          <a:lnRef idx="0">
+            <a:scrgbClr r="0" g="0" b="0"/>
+          </a:lnRef>
+          <a:fillRef idx="0">
+            <a:scrgbClr r="0" g="0" b="0"/>
+          </a:fillRef>
+          <a:effectRef idx="0">
+            <a:scrgbClr r="0" g="0" b="0"/>
+          </a:effectRef>
           <a:fontRef idx="minor"/>
         </p:style>
         <p:txBody>
-          <a:bodyPr lIns="0" rIns="0" tIns="0" bIns="0" anchor="t">
+          <a:bodyPr lIns="0" tIns="0" rIns="0" bIns="0" anchor="t">
             <a:spAutoFit/>
           </a:bodyPr>
+          <a:lstStyle/>
           <a:p>
             <a:pPr defTabSz="914400">
               <a:lnSpc>
@@ -5072,15 +5684,15 @@
               </a:lnSpc>
             </a:pPr>
             <a:r>
-              <a:rPr b="0" lang="en-US" sz="2400" spc="-1" strike="noStrike">
+              <a:rPr lang="en-US" sz="2400" b="0" strike="noStrike" spc="-1">
                 <a:solidFill>
-                  <a:srgbClr val="17161c"/>
+                  <a:srgbClr val="17161C"/>
                 </a:solidFill>
                 <a:latin typeface="Codec Pro"/>
               </a:rPr>
               <a:t>Unklar was gemeint ist</a:t>
             </a:r>
-            <a:endParaRPr b="0" lang="de-DE" sz="2400" spc="-1" strike="noStrike">
+            <a:endParaRPr lang="de-DE" sz="2400" b="0" strike="noStrike" spc="-1">
               <a:solidFill>
                 <a:srgbClr val="000000"/>
               </a:solidFill>
@@ -5091,12 +5703,12 @@
       </p:sp>
       <p:pic>
         <p:nvPicPr>
-          <p:cNvPr id="68" name="" descr=""/>
+          <p:cNvPr id="68" name="Grafik 67"/>
           <p:cNvPicPr/>
           <p:nvPr/>
         </p:nvPicPr>
         <p:blipFill>
-          <a:blip r:embed="rId3"/>
+          <a:blip r:embed="rId4"/>
           <a:stretch/>
         </p:blipFill>
         <p:spPr>
@@ -5114,25 +5726,21 @@
       </p:pic>
     </p:spTree>
   </p:cSld>
-  <mc:AlternateContent>
-    <mc:Choice Requires="p14">
-      <p:transition spd="slow" p14:dur="2000"/>
-    </mc:Choice>
-    <mc:Fallback>
-      <p:transition spd="slow"/>
-    </mc:Fallback>
-  </mc:AlternateContent>
+  <p:clrMapOvr>
+    <a:masterClrMapping/>
+  </p:clrMapOvr>
 </p:sld>
 </file>
 
 <file path=ppt/slides/slide5.xml><?xml version="1.0" encoding="utf-8"?>
-<p:sld xmlns:a="http://schemas.openxmlformats.org/drawingml/2006/main" xmlns:p="http://schemas.openxmlformats.org/presentationml/2006/main" xmlns:r="http://schemas.openxmlformats.org/officeDocument/2006/relationships" xmlns:p14="http://schemas.microsoft.com/office/powerpoint/2010/main" xmlns:p15="http://schemas.microsoft.com/office/powerpoint/2012/main" xmlns:mc="http://schemas.openxmlformats.org/markup-compatibility/2006">
+<p:sld xmlns:a="http://schemas.openxmlformats.org/drawingml/2006/main" xmlns:r="http://schemas.openxmlformats.org/officeDocument/2006/relationships" xmlns:p="http://schemas.openxmlformats.org/presentationml/2006/main">
   <p:cSld>
     <p:bg>
       <p:bgPr>
         <a:solidFill>
-          <a:srgbClr val="fdfcf3"/>
+          <a:srgbClr val="FDFCF3"/>
         </a:solidFill>
+        <a:effectLst/>
       </p:bgPr>
     </p:bg>
     <p:spTree>
@@ -5164,24 +5772,31 @@
             <a:avLst/>
           </a:prstGeom>
           <a:solidFill>
-            <a:srgbClr val="0c6980"/>
+            <a:srgbClr val="0C6980"/>
           </a:solidFill>
           <a:ln w="0">
             <a:noFill/>
           </a:ln>
         </p:spPr>
         <p:style>
-          <a:lnRef idx="0"/>
-          <a:fillRef idx="0"/>
-          <a:effectRef idx="0"/>
+          <a:lnRef idx="0">
+            <a:scrgbClr r="0" g="0" b="0"/>
+          </a:lnRef>
+          <a:fillRef idx="0">
+            <a:scrgbClr r="0" g="0" b="0"/>
+          </a:fillRef>
+          <a:effectRef idx="0">
+            <a:scrgbClr r="0" g="0" b="0"/>
+          </a:effectRef>
           <a:fontRef idx="minor"/>
         </p:style>
         <p:txBody>
-          <a:bodyPr lIns="90000" rIns="90000" tIns="45000" bIns="45000" anchor="t">
+          <a:bodyPr lIns="90000" tIns="45000" rIns="90000" bIns="45000" anchor="t">
             <a:noAutofit/>
           </a:bodyPr>
-          <a:p>
-            <a:endParaRPr b="0" lang="de-DE" sz="1800" spc="-1" strike="noStrike">
+          <a:lstStyle/>
+          <a:p>
+            <a:endParaRPr lang="de-DE" sz="1800" b="0" strike="noStrike" spc="-1">
               <a:solidFill>
                 <a:srgbClr val="000000"/>
               </a:solidFill>
@@ -5210,6 +5825,7 @@
               <a:gd name="textAreaBottom" fmla="*/ 12251160 h 12250800"/>
             </a:gdLst>
             <a:ahLst/>
+            <a:cxnLst/>
             <a:rect l="textAreaLeft" t="textAreaTop" r="textAreaRight" b="textAreaBottom"/>
             <a:pathLst>
               <a:path w="12363420" h="12251025">
@@ -5227,77 +5843,6 @@
                 </a:lnTo>
                 <a:lnTo>
                   <a:pt x="0" y="0"/>
-                </a:lnTo>
-                <a:close/>
-              </a:path>
-            </a:pathLst>
-          </a:custGeom>
-          <a:blipFill rotWithShape="0">
-            <a:blip r:embed="rId1"/>
-            <a:srcRect/>
-            <a:stretch/>
-          </a:blipFill>
-          <a:ln w="0">
-            <a:noFill/>
-          </a:ln>
-        </p:spPr>
-        <p:style>
-          <a:lnRef idx="0"/>
-          <a:fillRef idx="0"/>
-          <a:effectRef idx="0"/>
-          <a:fontRef idx="minor"/>
-        </p:style>
-        <p:txBody>
-          <a:bodyPr lIns="90000" rIns="90000" tIns="45000" bIns="45000" anchor="t">
-            <a:noAutofit/>
-          </a:bodyPr>
-          <a:p>
-            <a:endParaRPr b="0" lang="de-DE" sz="1800" spc="-1" strike="noStrike">
-              <a:solidFill>
-                <a:srgbClr val="000000"/>
-              </a:solidFill>
-              <a:latin typeface="Arial"/>
-            </a:endParaRPr>
-          </a:p>
-        </p:txBody>
-      </p:sp>
-      <p:sp>
-        <p:nvSpPr>
-          <p:cNvPr id="71" name="Freeform 9"/>
-          <p:cNvSpPr/>
-          <p:nvPr/>
-        </p:nvSpPr>
-        <p:spPr>
-          <a:xfrm flipH="1">
-            <a:off x="10959840" y="3104640"/>
-            <a:ext cx="5056200" cy="3493440"/>
-          </a:xfrm>
-          <a:custGeom>
-            <a:avLst/>
-            <a:gdLst>
-              <a:gd name="textAreaLeft" fmla="*/ -360 w 5056200"/>
-              <a:gd name="textAreaRight" fmla="*/ 5056200 w 5056200"/>
-              <a:gd name="textAreaTop" fmla="*/ 0 h 3493440"/>
-              <a:gd name="textAreaBottom" fmla="*/ 3493800 h 3493440"/>
-            </a:gdLst>
-            <a:ahLst/>
-            <a:rect l="textAreaLeft" t="textAreaTop" r="textAreaRight" b="textAreaBottom"/>
-            <a:pathLst>
-              <a:path w="5056689" h="3493713">
-                <a:moveTo>
-                  <a:pt x="5056690" y="0"/>
-                </a:moveTo>
-                <a:lnTo>
-                  <a:pt x="0" y="0"/>
-                </a:lnTo>
-                <a:lnTo>
-                  <a:pt x="0" y="3493713"/>
-                </a:lnTo>
-                <a:lnTo>
-                  <a:pt x="5056690" y="3493713"/>
-                </a:lnTo>
-                <a:lnTo>
-                  <a:pt x="5056690" y="0"/>
                 </a:lnTo>
                 <a:close/>
               </a:path>
@@ -5313,17 +5858,103 @@
           </a:ln>
         </p:spPr>
         <p:style>
-          <a:lnRef idx="0"/>
-          <a:fillRef idx="0"/>
-          <a:effectRef idx="0"/>
+          <a:lnRef idx="0">
+            <a:scrgbClr r="0" g="0" b="0"/>
+          </a:lnRef>
+          <a:fillRef idx="0">
+            <a:scrgbClr r="0" g="0" b="0"/>
+          </a:fillRef>
+          <a:effectRef idx="0">
+            <a:scrgbClr r="0" g="0" b="0"/>
+          </a:effectRef>
           <a:fontRef idx="minor"/>
         </p:style>
         <p:txBody>
-          <a:bodyPr lIns="90000" rIns="90000" tIns="45000" bIns="45000" anchor="t">
+          <a:bodyPr lIns="90000" tIns="45000" rIns="90000" bIns="45000" anchor="t">
             <a:noAutofit/>
           </a:bodyPr>
-          <a:p>
-            <a:endParaRPr b="0" lang="de-DE" sz="1800" spc="-1" strike="noStrike">
+          <a:lstStyle/>
+          <a:p>
+            <a:endParaRPr lang="de-DE" sz="1800" b="0" strike="noStrike" spc="-1">
+              <a:solidFill>
+                <a:srgbClr val="000000"/>
+              </a:solidFill>
+              <a:latin typeface="Arial"/>
+            </a:endParaRPr>
+          </a:p>
+        </p:txBody>
+      </p:sp>
+      <p:sp>
+        <p:nvSpPr>
+          <p:cNvPr id="71" name="Freeform 9"/>
+          <p:cNvSpPr/>
+          <p:nvPr/>
+        </p:nvSpPr>
+        <p:spPr>
+          <a:xfrm flipH="1">
+            <a:off x="10959840" y="3104640"/>
+            <a:ext cx="5056200" cy="3493440"/>
+          </a:xfrm>
+          <a:custGeom>
+            <a:avLst/>
+            <a:gdLst>
+              <a:gd name="textAreaLeft" fmla="*/ -360 w 5056200"/>
+              <a:gd name="textAreaRight" fmla="*/ 5056200 w 5056200"/>
+              <a:gd name="textAreaTop" fmla="*/ 0 h 3493440"/>
+              <a:gd name="textAreaBottom" fmla="*/ 3493800 h 3493440"/>
+            </a:gdLst>
+            <a:ahLst/>
+            <a:cxnLst/>
+            <a:rect l="textAreaLeft" t="textAreaTop" r="textAreaRight" b="textAreaBottom"/>
+            <a:pathLst>
+              <a:path w="5056689" h="3493713">
+                <a:moveTo>
+                  <a:pt x="5056690" y="0"/>
+                </a:moveTo>
+                <a:lnTo>
+                  <a:pt x="0" y="0"/>
+                </a:lnTo>
+                <a:lnTo>
+                  <a:pt x="0" y="3493713"/>
+                </a:lnTo>
+                <a:lnTo>
+                  <a:pt x="5056690" y="3493713"/>
+                </a:lnTo>
+                <a:lnTo>
+                  <a:pt x="5056690" y="0"/>
+                </a:lnTo>
+                <a:close/>
+              </a:path>
+            </a:pathLst>
+          </a:custGeom>
+          <a:blipFill rotWithShape="0">
+            <a:blip r:embed="rId3"/>
+            <a:srcRect/>
+            <a:stretch/>
+          </a:blipFill>
+          <a:ln w="0">
+            <a:noFill/>
+          </a:ln>
+        </p:spPr>
+        <p:style>
+          <a:lnRef idx="0">
+            <a:scrgbClr r="0" g="0" b="0"/>
+          </a:lnRef>
+          <a:fillRef idx="0">
+            <a:scrgbClr r="0" g="0" b="0"/>
+          </a:fillRef>
+          <a:effectRef idx="0">
+            <a:scrgbClr r="0" g="0" b="0"/>
+          </a:effectRef>
+          <a:fontRef idx="minor"/>
+        </p:style>
+        <p:txBody>
+          <a:bodyPr lIns="90000" tIns="45000" rIns="90000" bIns="45000" anchor="t">
+            <a:noAutofit/>
+          </a:bodyPr>
+          <a:lstStyle/>
+          <a:p>
+            <a:endParaRPr lang="de-DE" sz="1800" b="0" strike="noStrike" spc="-1">
               <a:solidFill>
                 <a:srgbClr val="000000"/>
               </a:solidFill>
@@ -5352,15 +5983,22 @@
           </a:ln>
         </p:spPr>
         <p:style>
-          <a:lnRef idx="0"/>
-          <a:fillRef idx="0"/>
-          <a:effectRef idx="0"/>
+          <a:lnRef idx="0">
+            <a:scrgbClr r="0" g="0" b="0"/>
+          </a:lnRef>
+          <a:fillRef idx="0">
+            <a:scrgbClr r="0" g="0" b="0"/>
+          </a:fillRef>
+          <a:effectRef idx="0">
+            <a:scrgbClr r="0" g="0" b="0"/>
+          </a:effectRef>
           <a:fontRef idx="minor"/>
         </p:style>
         <p:txBody>
-          <a:bodyPr lIns="0" rIns="0" tIns="0" bIns="0" anchor="t">
+          <a:bodyPr lIns="0" tIns="0" rIns="0" bIns="0" anchor="t">
             <a:spAutoFit/>
           </a:bodyPr>
+          <a:lstStyle/>
           <a:p>
             <a:pPr defTabSz="914400">
               <a:lnSpc>
@@ -5368,24 +6006,15 @@
               </a:lnSpc>
             </a:pPr>
             <a:r>
-              <a:rPr b="0" lang="en-US" sz="1800" spc="-1" strike="noStrike">
+              <a:rPr lang="en-US" sz="1800" b="0" strike="noStrike" spc="-1">
                 <a:solidFill>
-                  <a:srgbClr val="17161c"/>
+                  <a:srgbClr val="17161C"/>
                 </a:solidFill>
                 <a:latin typeface="Codec Pro"/>
               </a:rPr>
-              <a:t>→ </a:t>
+              <a:t>→ einheitlich machen</a:t>
             </a:r>
-            <a:r>
-              <a:rPr b="0" lang="en-US" sz="1800" spc="-1" strike="noStrike">
-                <a:solidFill>
-                  <a:srgbClr val="17161c"/>
-                </a:solidFill>
-                <a:latin typeface="Codec Pro"/>
-              </a:rPr>
-              <a:t>einheitlich machen</a:t>
-            </a:r>
-            <a:endParaRPr b="0" lang="de-DE" sz="1800" spc="-1" strike="noStrike">
+            <a:endParaRPr lang="de-DE" sz="1800" b="0" strike="noStrike" spc="-1">
               <a:solidFill>
                 <a:srgbClr val="000000"/>
               </a:solidFill>
@@ -5414,15 +6043,22 @@
           </a:ln>
         </p:spPr>
         <p:style>
-          <a:lnRef idx="0"/>
-          <a:fillRef idx="0"/>
-          <a:effectRef idx="0"/>
+          <a:lnRef idx="0">
+            <a:scrgbClr r="0" g="0" b="0"/>
+          </a:lnRef>
+          <a:fillRef idx="0">
+            <a:scrgbClr r="0" g="0" b="0"/>
+          </a:fillRef>
+          <a:effectRef idx="0">
+            <a:scrgbClr r="0" g="0" b="0"/>
+          </a:effectRef>
           <a:fontRef idx="minor"/>
         </p:style>
         <p:txBody>
-          <a:bodyPr lIns="0" rIns="0" tIns="0" bIns="0" anchor="t">
+          <a:bodyPr lIns="0" tIns="0" rIns="0" bIns="0" anchor="t">
             <a:spAutoFit/>
           </a:bodyPr>
+          <a:lstStyle/>
           <a:p>
             <a:pPr defTabSz="914400">
               <a:lnSpc>
@@ -5430,15 +6066,15 @@
               </a:lnSpc>
             </a:pPr>
             <a:r>
-              <a:rPr b="0" lang="en-US" sz="8000" spc="-1" strike="noStrike">
+              <a:rPr lang="en-US" sz="8000" b="0" strike="noStrike" spc="-1">
                 <a:solidFill>
-                  <a:srgbClr val="17161c"/>
+                  <a:srgbClr val="17161C"/>
                 </a:solidFill>
                 <a:latin typeface="Codec Pro"/>
               </a:rPr>
               <a:t>Struktur</a:t>
             </a:r>
-            <a:endParaRPr b="0" lang="de-DE" sz="8000" spc="-1" strike="noStrike">
+            <a:endParaRPr lang="de-DE" sz="8000" b="0" strike="noStrike" spc="-1">
               <a:solidFill>
                 <a:srgbClr val="000000"/>
               </a:solidFill>
@@ -5467,15 +6103,22 @@
           </a:ln>
         </p:spPr>
         <p:style>
-          <a:lnRef idx="0"/>
-          <a:fillRef idx="0"/>
-          <a:effectRef idx="0"/>
+          <a:lnRef idx="0">
+            <a:scrgbClr r="0" g="0" b="0"/>
+          </a:lnRef>
+          <a:fillRef idx="0">
+            <a:scrgbClr r="0" g="0" b="0"/>
+          </a:fillRef>
+          <a:effectRef idx="0">
+            <a:scrgbClr r="0" g="0" b="0"/>
+          </a:effectRef>
           <a:fontRef idx="minor"/>
         </p:style>
         <p:txBody>
-          <a:bodyPr lIns="0" rIns="0" tIns="0" bIns="0" anchor="t">
+          <a:bodyPr lIns="0" tIns="0" rIns="0" bIns="0" anchor="t">
             <a:spAutoFit/>
           </a:bodyPr>
+          <a:lstStyle/>
           <a:p>
             <a:pPr defTabSz="914400">
               <a:lnSpc>
@@ -5483,15 +6126,15 @@
               </a:lnSpc>
             </a:pPr>
             <a:r>
-              <a:rPr b="0" lang="en-US" sz="2400" spc="-1" strike="noStrike">
+              <a:rPr lang="en-US" sz="2400" b="0" strike="noStrike" spc="-1">
                 <a:solidFill>
-                  <a:srgbClr val="17161c"/>
+                  <a:srgbClr val="17161C"/>
                 </a:solidFill>
                 <a:latin typeface="Codec Pro"/>
               </a:rPr>
               <a:t>Nicht einheitliche Struktur für 1.Punkt in zusammenhang mit einem bild</a:t>
             </a:r>
-            <a:endParaRPr b="0" lang="de-DE" sz="2400" spc="-1" strike="noStrike">
+            <a:endParaRPr lang="de-DE" sz="2400" b="0" strike="noStrike" spc="-1">
               <a:solidFill>
                 <a:srgbClr val="000000"/>
               </a:solidFill>
@@ -5502,12 +6145,12 @@
       </p:sp>
       <p:pic>
         <p:nvPicPr>
-          <p:cNvPr id="75" name="" descr=""/>
+          <p:cNvPr id="75" name="Grafik 74"/>
           <p:cNvPicPr/>
           <p:nvPr/>
         </p:nvPicPr>
         <p:blipFill>
-          <a:blip r:embed="rId3"/>
+          <a:blip r:embed="rId4"/>
           <a:stretch/>
         </p:blipFill>
         <p:spPr>
@@ -5525,25 +6168,21 @@
       </p:pic>
     </p:spTree>
   </p:cSld>
-  <mc:AlternateContent>
-    <mc:Choice Requires="p14">
-      <p:transition spd="slow" p14:dur="2000"/>
-    </mc:Choice>
-    <mc:Fallback>
-      <p:transition spd="slow"/>
-    </mc:Fallback>
-  </mc:AlternateContent>
+  <p:clrMapOvr>
+    <a:masterClrMapping/>
+  </p:clrMapOvr>
 </p:sld>
 </file>
 
 <file path=ppt/slides/slide6.xml><?xml version="1.0" encoding="utf-8"?>
-<p:sld xmlns:a="http://schemas.openxmlformats.org/drawingml/2006/main" xmlns:p="http://schemas.openxmlformats.org/presentationml/2006/main" xmlns:r="http://schemas.openxmlformats.org/officeDocument/2006/relationships" xmlns:p14="http://schemas.microsoft.com/office/powerpoint/2010/main" xmlns:p15="http://schemas.microsoft.com/office/powerpoint/2012/main" xmlns:mc="http://schemas.openxmlformats.org/markup-compatibility/2006">
+<p:sld xmlns:a="http://schemas.openxmlformats.org/drawingml/2006/main" xmlns:r="http://schemas.openxmlformats.org/officeDocument/2006/relationships" xmlns:p="http://schemas.openxmlformats.org/presentationml/2006/main">
   <p:cSld>
     <p:bg>
       <p:bgPr>
         <a:solidFill>
-          <a:srgbClr val="fdfcf3"/>
+          <a:srgbClr val="FDFCF3"/>
         </a:solidFill>
+        <a:effectLst/>
       </p:bgPr>
     </p:bg>
     <p:spTree>
@@ -5575,24 +6214,31 @@
             <a:avLst/>
           </a:prstGeom>
           <a:solidFill>
-            <a:srgbClr val="0c6980"/>
+            <a:srgbClr val="0C6980"/>
           </a:solidFill>
           <a:ln w="0">
             <a:noFill/>
           </a:ln>
         </p:spPr>
         <p:style>
-          <a:lnRef idx="0"/>
-          <a:fillRef idx="0"/>
-          <a:effectRef idx="0"/>
+          <a:lnRef idx="0">
+            <a:scrgbClr r="0" g="0" b="0"/>
+          </a:lnRef>
+          <a:fillRef idx="0">
+            <a:scrgbClr r="0" g="0" b="0"/>
+          </a:fillRef>
+          <a:effectRef idx="0">
+            <a:scrgbClr r="0" g="0" b="0"/>
+          </a:effectRef>
           <a:fontRef idx="minor"/>
         </p:style>
         <p:txBody>
-          <a:bodyPr lIns="90000" rIns="90000" tIns="45000" bIns="45000" anchor="t">
+          <a:bodyPr lIns="90000" tIns="45000" rIns="90000" bIns="45000" anchor="t">
             <a:noAutofit/>
           </a:bodyPr>
-          <a:p>
-            <a:endParaRPr b="0" lang="de-DE" sz="1800" spc="-1" strike="noStrike">
+          <a:lstStyle/>
+          <a:p>
+            <a:endParaRPr lang="de-DE" sz="1800" b="0" strike="noStrike" spc="-1">
               <a:solidFill>
                 <a:srgbClr val="000000"/>
               </a:solidFill>
@@ -5621,6 +6267,7 @@
               <a:gd name="textAreaBottom" fmla="*/ 12251160 h 12250800"/>
             </a:gdLst>
             <a:ahLst/>
+            <a:cxnLst/>
             <a:rect l="textAreaLeft" t="textAreaTop" r="textAreaRight" b="textAreaBottom"/>
             <a:pathLst>
               <a:path w="12363420" h="12251025">
@@ -5638,77 +6285,6 @@
                 </a:lnTo>
                 <a:lnTo>
                   <a:pt x="0" y="0"/>
-                </a:lnTo>
-                <a:close/>
-              </a:path>
-            </a:pathLst>
-          </a:custGeom>
-          <a:blipFill rotWithShape="0">
-            <a:blip r:embed="rId1"/>
-            <a:srcRect/>
-            <a:stretch/>
-          </a:blipFill>
-          <a:ln w="0">
-            <a:noFill/>
-          </a:ln>
-        </p:spPr>
-        <p:style>
-          <a:lnRef idx="0"/>
-          <a:fillRef idx="0"/>
-          <a:effectRef idx="0"/>
-          <a:fontRef idx="minor"/>
-        </p:style>
-        <p:txBody>
-          <a:bodyPr lIns="90000" rIns="90000" tIns="45000" bIns="45000" anchor="t">
-            <a:noAutofit/>
-          </a:bodyPr>
-          <a:p>
-            <a:endParaRPr b="0" lang="de-DE" sz="1800" spc="-1" strike="noStrike">
-              <a:solidFill>
-                <a:srgbClr val="000000"/>
-              </a:solidFill>
-              <a:latin typeface="Arial"/>
-            </a:endParaRPr>
-          </a:p>
-        </p:txBody>
-      </p:sp>
-      <p:sp>
-        <p:nvSpPr>
-          <p:cNvPr id="78" name="Freeform 11"/>
-          <p:cNvSpPr/>
-          <p:nvPr/>
-        </p:nvSpPr>
-        <p:spPr>
-          <a:xfrm flipH="1">
-            <a:off x="10959840" y="3104640"/>
-            <a:ext cx="5056200" cy="3493440"/>
-          </a:xfrm>
-          <a:custGeom>
-            <a:avLst/>
-            <a:gdLst>
-              <a:gd name="textAreaLeft" fmla="*/ -360 w 5056200"/>
-              <a:gd name="textAreaRight" fmla="*/ 5056200 w 5056200"/>
-              <a:gd name="textAreaTop" fmla="*/ 0 h 3493440"/>
-              <a:gd name="textAreaBottom" fmla="*/ 3493800 h 3493440"/>
-            </a:gdLst>
-            <a:ahLst/>
-            <a:rect l="textAreaLeft" t="textAreaTop" r="textAreaRight" b="textAreaBottom"/>
-            <a:pathLst>
-              <a:path w="5056689" h="3493713">
-                <a:moveTo>
-                  <a:pt x="5056690" y="0"/>
-                </a:moveTo>
-                <a:lnTo>
-                  <a:pt x="0" y="0"/>
-                </a:lnTo>
-                <a:lnTo>
-                  <a:pt x="0" y="3493713"/>
-                </a:lnTo>
-                <a:lnTo>
-                  <a:pt x="5056690" y="3493713"/>
-                </a:lnTo>
-                <a:lnTo>
-                  <a:pt x="5056690" y="0"/>
                 </a:lnTo>
                 <a:close/>
               </a:path>
@@ -5724,17 +6300,103 @@
           </a:ln>
         </p:spPr>
         <p:style>
-          <a:lnRef idx="0"/>
-          <a:fillRef idx="0"/>
-          <a:effectRef idx="0"/>
+          <a:lnRef idx="0">
+            <a:scrgbClr r="0" g="0" b="0"/>
+          </a:lnRef>
+          <a:fillRef idx="0">
+            <a:scrgbClr r="0" g="0" b="0"/>
+          </a:fillRef>
+          <a:effectRef idx="0">
+            <a:scrgbClr r="0" g="0" b="0"/>
+          </a:effectRef>
           <a:fontRef idx="minor"/>
         </p:style>
         <p:txBody>
-          <a:bodyPr lIns="90000" rIns="90000" tIns="45000" bIns="45000" anchor="t">
+          <a:bodyPr lIns="90000" tIns="45000" rIns="90000" bIns="45000" anchor="t">
             <a:noAutofit/>
           </a:bodyPr>
-          <a:p>
-            <a:endParaRPr b="0" lang="de-DE" sz="1800" spc="-1" strike="noStrike">
+          <a:lstStyle/>
+          <a:p>
+            <a:endParaRPr lang="de-DE" sz="1800" b="0" strike="noStrike" spc="-1">
+              <a:solidFill>
+                <a:srgbClr val="000000"/>
+              </a:solidFill>
+              <a:latin typeface="Arial"/>
+            </a:endParaRPr>
+          </a:p>
+        </p:txBody>
+      </p:sp>
+      <p:sp>
+        <p:nvSpPr>
+          <p:cNvPr id="78" name="Freeform 11"/>
+          <p:cNvSpPr/>
+          <p:nvPr/>
+        </p:nvSpPr>
+        <p:spPr>
+          <a:xfrm flipH="1">
+            <a:off x="10959840" y="3104640"/>
+            <a:ext cx="5056200" cy="3493440"/>
+          </a:xfrm>
+          <a:custGeom>
+            <a:avLst/>
+            <a:gdLst>
+              <a:gd name="textAreaLeft" fmla="*/ -360 w 5056200"/>
+              <a:gd name="textAreaRight" fmla="*/ 5056200 w 5056200"/>
+              <a:gd name="textAreaTop" fmla="*/ 0 h 3493440"/>
+              <a:gd name="textAreaBottom" fmla="*/ 3493800 h 3493440"/>
+            </a:gdLst>
+            <a:ahLst/>
+            <a:cxnLst/>
+            <a:rect l="textAreaLeft" t="textAreaTop" r="textAreaRight" b="textAreaBottom"/>
+            <a:pathLst>
+              <a:path w="5056689" h="3493713">
+                <a:moveTo>
+                  <a:pt x="5056690" y="0"/>
+                </a:moveTo>
+                <a:lnTo>
+                  <a:pt x="0" y="0"/>
+                </a:lnTo>
+                <a:lnTo>
+                  <a:pt x="0" y="3493713"/>
+                </a:lnTo>
+                <a:lnTo>
+                  <a:pt x="5056690" y="3493713"/>
+                </a:lnTo>
+                <a:lnTo>
+                  <a:pt x="5056690" y="0"/>
+                </a:lnTo>
+                <a:close/>
+              </a:path>
+            </a:pathLst>
+          </a:custGeom>
+          <a:blipFill rotWithShape="0">
+            <a:blip r:embed="rId3"/>
+            <a:srcRect/>
+            <a:stretch/>
+          </a:blipFill>
+          <a:ln w="0">
+            <a:noFill/>
+          </a:ln>
+        </p:spPr>
+        <p:style>
+          <a:lnRef idx="0">
+            <a:scrgbClr r="0" g="0" b="0"/>
+          </a:lnRef>
+          <a:fillRef idx="0">
+            <a:scrgbClr r="0" g="0" b="0"/>
+          </a:fillRef>
+          <a:effectRef idx="0">
+            <a:scrgbClr r="0" g="0" b="0"/>
+          </a:effectRef>
+          <a:fontRef idx="minor"/>
+        </p:style>
+        <p:txBody>
+          <a:bodyPr lIns="90000" tIns="45000" rIns="90000" bIns="45000" anchor="t">
+            <a:noAutofit/>
+          </a:bodyPr>
+          <a:lstStyle/>
+          <a:p>
+            <a:endParaRPr lang="de-DE" sz="1800" b="0" strike="noStrike" spc="-1">
               <a:solidFill>
                 <a:srgbClr val="000000"/>
               </a:solidFill>
@@ -5763,15 +6425,22 @@
           </a:ln>
         </p:spPr>
         <p:style>
-          <a:lnRef idx="0"/>
-          <a:fillRef idx="0"/>
-          <a:effectRef idx="0"/>
+          <a:lnRef idx="0">
+            <a:scrgbClr r="0" g="0" b="0"/>
+          </a:lnRef>
+          <a:fillRef idx="0">
+            <a:scrgbClr r="0" g="0" b="0"/>
+          </a:fillRef>
+          <a:effectRef idx="0">
+            <a:scrgbClr r="0" g="0" b="0"/>
+          </a:effectRef>
           <a:fontRef idx="minor"/>
         </p:style>
         <p:txBody>
-          <a:bodyPr lIns="0" rIns="0" tIns="0" bIns="0" anchor="t">
+          <a:bodyPr lIns="0" tIns="0" rIns="0" bIns="0" anchor="t">
             <a:spAutoFit/>
           </a:bodyPr>
+          <a:lstStyle/>
           <a:p>
             <a:pPr defTabSz="914400">
               <a:lnSpc>
@@ -5779,15 +6448,15 @@
               </a:lnSpc>
             </a:pPr>
             <a:r>
-              <a:rPr b="0" lang="en-US" sz="1800" spc="-1" strike="noStrike">
+              <a:rPr lang="en-US" sz="1800" b="0" strike="noStrike" spc="-1">
                 <a:solidFill>
-                  <a:srgbClr val="17161c"/>
+                  <a:srgbClr val="17161C"/>
                 </a:solidFill>
                 <a:latin typeface="Codec Pro"/>
               </a:rPr>
               <a:t>Wie kann man es besser machen</a:t>
             </a:r>
-            <a:endParaRPr b="0" lang="de-DE" sz="1800" spc="-1" strike="noStrike">
+            <a:endParaRPr lang="de-DE" sz="1800" b="0" strike="noStrike" spc="-1">
               <a:solidFill>
                 <a:srgbClr val="000000"/>
               </a:solidFill>
@@ -5816,15 +6485,22 @@
           </a:ln>
         </p:spPr>
         <p:style>
-          <a:lnRef idx="0"/>
-          <a:fillRef idx="0"/>
-          <a:effectRef idx="0"/>
+          <a:lnRef idx="0">
+            <a:scrgbClr r="0" g="0" b="0"/>
+          </a:lnRef>
+          <a:fillRef idx="0">
+            <a:scrgbClr r="0" g="0" b="0"/>
+          </a:fillRef>
+          <a:effectRef idx="0">
+            <a:scrgbClr r="0" g="0" b="0"/>
+          </a:effectRef>
           <a:fontRef idx="minor"/>
         </p:style>
         <p:txBody>
-          <a:bodyPr lIns="0" rIns="0" tIns="0" bIns="0" anchor="t">
+          <a:bodyPr lIns="0" tIns="0" rIns="0" bIns="0" anchor="t">
             <a:spAutoFit/>
           </a:bodyPr>
+          <a:lstStyle/>
           <a:p>
             <a:pPr defTabSz="914400">
               <a:lnSpc>
@@ -5832,15 +6508,15 @@
               </a:lnSpc>
             </a:pPr>
             <a:r>
-              <a:rPr b="0" lang="en-US" sz="8000" spc="-1" strike="noStrike">
+              <a:rPr lang="en-US" sz="8000" b="0" strike="noStrike" spc="-1">
                 <a:solidFill>
-                  <a:srgbClr val="17161c"/>
+                  <a:srgbClr val="17161C"/>
                 </a:solidFill>
                 <a:latin typeface="Codec Pro"/>
               </a:rPr>
               <a:t>Textfehler</a:t>
             </a:r>
-            <a:endParaRPr b="0" lang="de-DE" sz="8000" spc="-1" strike="noStrike">
+            <a:endParaRPr lang="de-DE" sz="8000" b="0" strike="noStrike" spc="-1">
               <a:solidFill>
                 <a:srgbClr val="000000"/>
               </a:solidFill>
@@ -5869,15 +6545,22 @@
           </a:ln>
         </p:spPr>
         <p:style>
-          <a:lnRef idx="0"/>
-          <a:fillRef idx="0"/>
-          <a:effectRef idx="0"/>
+          <a:lnRef idx="0">
+            <a:scrgbClr r="0" g="0" b="0"/>
+          </a:lnRef>
+          <a:fillRef idx="0">
+            <a:scrgbClr r="0" g="0" b="0"/>
+          </a:fillRef>
+          <a:effectRef idx="0">
+            <a:scrgbClr r="0" g="0" b="0"/>
+          </a:effectRef>
           <a:fontRef idx="minor"/>
         </p:style>
         <p:txBody>
-          <a:bodyPr lIns="0" rIns="0" tIns="0" bIns="0" anchor="t">
+          <a:bodyPr lIns="0" tIns="0" rIns="0" bIns="0" anchor="t">
             <a:spAutoFit/>
           </a:bodyPr>
+          <a:lstStyle/>
           <a:p>
             <a:pPr defTabSz="914400">
               <a:lnSpc>
@@ -5885,15 +6568,15 @@
               </a:lnSpc>
             </a:pPr>
             <a:r>
-              <a:rPr b="0" lang="en-US" sz="2400" spc="-1" strike="noStrike">
+              <a:rPr lang="en-US" sz="2400" b="0" strike="noStrike" spc="-1">
                 <a:solidFill>
-                  <a:srgbClr val="17161c"/>
+                  <a:srgbClr val="17161C"/>
                 </a:solidFill>
                 <a:latin typeface="Codec Pro"/>
               </a:rPr>
               <a:t>Beschreibung was falsch gelaufen ist</a:t>
             </a:r>
-            <a:endParaRPr b="0" lang="de-DE" sz="2400" spc="-1" strike="noStrike">
+            <a:endParaRPr lang="de-DE" sz="2400" b="0" strike="noStrike" spc="-1">
               <a:solidFill>
                 <a:srgbClr val="000000"/>
               </a:solidFill>
@@ -5904,42 +6587,19 @@
       </p:sp>
       <p:pic>
         <p:nvPicPr>
-          <p:cNvPr id="82" name="" descr=""/>
-          <p:cNvPicPr/>
-          <p:nvPr/>
-        </p:nvPicPr>
-        <p:blipFill>
-          <a:blip r:embed="rId3"/>
-          <a:srcRect l="0" t="0" r="0" b="76372"/>
-          <a:stretch/>
-        </p:blipFill>
-        <p:spPr>
-          <a:xfrm>
-            <a:off x="371160" y="3960000"/>
-            <a:ext cx="6648840" cy="1079640"/>
-          </a:xfrm>
-          <a:prstGeom prst="rect">
-            <a:avLst/>
-          </a:prstGeom>
-          <a:ln w="0">
-            <a:noFill/>
-          </a:ln>
-        </p:spPr>
-      </p:pic>
-      <p:pic>
-        <p:nvPicPr>
-          <p:cNvPr id="83" name="" descr=""/>
+          <p:cNvPr id="82" name="Grafik 81"/>
           <p:cNvPicPr/>
           <p:nvPr/>
         </p:nvPicPr>
         <p:blipFill>
           <a:blip r:embed="rId4"/>
+          <a:srcRect b="76372"/>
           <a:stretch/>
         </p:blipFill>
         <p:spPr>
           <a:xfrm>
-            <a:off x="360000" y="6039360"/>
-            <a:ext cx="6687000" cy="980640"/>
+            <a:off x="371160" y="3960000"/>
+            <a:ext cx="6648840" cy="1079640"/>
           </a:xfrm>
           <a:prstGeom prst="rect">
             <a:avLst/>
@@ -5951,7 +6611,7 @@
       </p:pic>
       <p:pic>
         <p:nvPicPr>
-          <p:cNvPr id="84" name="" descr=""/>
+          <p:cNvPr id="83" name="Grafik 82"/>
           <p:cNvPicPr/>
           <p:nvPr/>
         </p:nvPicPr>
@@ -5961,6 +6621,29 @@
         </p:blipFill>
         <p:spPr>
           <a:xfrm>
+            <a:off x="360000" y="6039360"/>
+            <a:ext cx="6687000" cy="980640"/>
+          </a:xfrm>
+          <a:prstGeom prst="rect">
+            <a:avLst/>
+          </a:prstGeom>
+          <a:ln w="0">
+            <a:noFill/>
+          </a:ln>
+        </p:spPr>
+      </p:pic>
+      <p:pic>
+        <p:nvPicPr>
+          <p:cNvPr id="84" name="Grafik 83"/>
+          <p:cNvPicPr/>
+          <p:nvPr/>
+        </p:nvPicPr>
+        <p:blipFill>
+          <a:blip r:embed="rId6"/>
+          <a:stretch/>
+        </p:blipFill>
+        <p:spPr>
+          <a:xfrm>
             <a:off x="720000" y="7560000"/>
             <a:ext cx="6639480" cy="818640"/>
           </a:xfrm>
@@ -5974,25 +6657,21 @@
       </p:pic>
     </p:spTree>
   </p:cSld>
-  <mc:AlternateContent>
-    <mc:Choice Requires="p14">
-      <p:transition spd="slow" p14:dur="2000"/>
-    </mc:Choice>
-    <mc:Fallback>
-      <p:transition spd="slow"/>
-    </mc:Fallback>
-  </mc:AlternateContent>
+  <p:clrMapOvr>
+    <a:masterClrMapping/>
+  </p:clrMapOvr>
 </p:sld>
 </file>
 
 <file path=ppt/slides/slide7.xml><?xml version="1.0" encoding="utf-8"?>
-<p:sld xmlns:a="http://schemas.openxmlformats.org/drawingml/2006/main" xmlns:p="http://schemas.openxmlformats.org/presentationml/2006/main" xmlns:r="http://schemas.openxmlformats.org/officeDocument/2006/relationships" xmlns:p14="http://schemas.microsoft.com/office/powerpoint/2010/main" xmlns:p15="http://schemas.microsoft.com/office/powerpoint/2012/main" xmlns:mc="http://schemas.openxmlformats.org/markup-compatibility/2006">
+<p:sld xmlns:a="http://schemas.openxmlformats.org/drawingml/2006/main" xmlns:r="http://schemas.openxmlformats.org/officeDocument/2006/relationships" xmlns:p="http://schemas.openxmlformats.org/presentationml/2006/main">
   <p:cSld>
     <p:bg>
       <p:bgPr>
         <a:solidFill>
-          <a:srgbClr val="fdfcf3"/>
+          <a:srgbClr val="FDFCF3"/>
         </a:solidFill>
+        <a:effectLst/>
       </p:bgPr>
     </p:bg>
     <p:spTree>
@@ -6024,24 +6703,31 @@
             <a:avLst/>
           </a:prstGeom>
           <a:solidFill>
-            <a:srgbClr val="0c6980"/>
+            <a:srgbClr val="0C6980"/>
           </a:solidFill>
           <a:ln w="0">
             <a:noFill/>
           </a:ln>
         </p:spPr>
         <p:style>
-          <a:lnRef idx="0"/>
-          <a:fillRef idx="0"/>
-          <a:effectRef idx="0"/>
+          <a:lnRef idx="0">
+            <a:scrgbClr r="0" g="0" b="0"/>
+          </a:lnRef>
+          <a:fillRef idx="0">
+            <a:scrgbClr r="0" g="0" b="0"/>
+          </a:fillRef>
+          <a:effectRef idx="0">
+            <a:scrgbClr r="0" g="0" b="0"/>
+          </a:effectRef>
           <a:fontRef idx="minor"/>
         </p:style>
         <p:txBody>
-          <a:bodyPr lIns="90000" rIns="90000" tIns="45000" bIns="45000" anchor="t">
+          <a:bodyPr lIns="90000" tIns="45000" rIns="90000" bIns="45000" anchor="t">
             <a:noAutofit/>
           </a:bodyPr>
-          <a:p>
-            <a:endParaRPr b="0" lang="de-DE" sz="1800" spc="-1" strike="noStrike">
+          <a:lstStyle/>
+          <a:p>
+            <a:endParaRPr lang="de-DE" sz="1800" b="0" strike="noStrike" spc="-1">
               <a:solidFill>
                 <a:srgbClr val="000000"/>
               </a:solidFill>
@@ -6070,6 +6756,7 @@
               <a:gd name="textAreaBottom" fmla="*/ 12251160 h 12250800"/>
             </a:gdLst>
             <a:ahLst/>
+            <a:cxnLst/>
             <a:rect l="textAreaLeft" t="textAreaTop" r="textAreaRight" b="textAreaBottom"/>
             <a:pathLst>
               <a:path w="12363420" h="12251025">
@@ -6087,77 +6774,6 @@
                 </a:lnTo>
                 <a:lnTo>
                   <a:pt x="0" y="0"/>
-                </a:lnTo>
-                <a:close/>
-              </a:path>
-            </a:pathLst>
-          </a:custGeom>
-          <a:blipFill rotWithShape="0">
-            <a:blip r:embed="rId1"/>
-            <a:srcRect/>
-            <a:stretch/>
-          </a:blipFill>
-          <a:ln w="0">
-            <a:noFill/>
-          </a:ln>
-        </p:spPr>
-        <p:style>
-          <a:lnRef idx="0"/>
-          <a:fillRef idx="0"/>
-          <a:effectRef idx="0"/>
-          <a:fontRef idx="minor"/>
-        </p:style>
-        <p:txBody>
-          <a:bodyPr lIns="90000" rIns="90000" tIns="45000" bIns="45000" anchor="t">
-            <a:noAutofit/>
-          </a:bodyPr>
-          <a:p>
-            <a:endParaRPr b="0" lang="de-DE" sz="1800" spc="-1" strike="noStrike">
-              <a:solidFill>
-                <a:srgbClr val="000000"/>
-              </a:solidFill>
-              <a:latin typeface="Arial"/>
-            </a:endParaRPr>
-          </a:p>
-        </p:txBody>
-      </p:sp>
-      <p:sp>
-        <p:nvSpPr>
-          <p:cNvPr id="87" name="Freeform 13"/>
-          <p:cNvSpPr/>
-          <p:nvPr/>
-        </p:nvSpPr>
-        <p:spPr>
-          <a:xfrm flipH="1">
-            <a:off x="10959840" y="3104640"/>
-            <a:ext cx="5056200" cy="3493440"/>
-          </a:xfrm>
-          <a:custGeom>
-            <a:avLst/>
-            <a:gdLst>
-              <a:gd name="textAreaLeft" fmla="*/ -360 w 5056200"/>
-              <a:gd name="textAreaRight" fmla="*/ 5056200 w 5056200"/>
-              <a:gd name="textAreaTop" fmla="*/ 0 h 3493440"/>
-              <a:gd name="textAreaBottom" fmla="*/ 3493800 h 3493440"/>
-            </a:gdLst>
-            <a:ahLst/>
-            <a:rect l="textAreaLeft" t="textAreaTop" r="textAreaRight" b="textAreaBottom"/>
-            <a:pathLst>
-              <a:path w="5056689" h="3493713">
-                <a:moveTo>
-                  <a:pt x="5056690" y="0"/>
-                </a:moveTo>
-                <a:lnTo>
-                  <a:pt x="0" y="0"/>
-                </a:lnTo>
-                <a:lnTo>
-                  <a:pt x="0" y="3493713"/>
-                </a:lnTo>
-                <a:lnTo>
-                  <a:pt x="5056690" y="3493713"/>
-                </a:lnTo>
-                <a:lnTo>
-                  <a:pt x="5056690" y="0"/>
                 </a:lnTo>
                 <a:close/>
               </a:path>
@@ -6173,17 +6789,103 @@
           </a:ln>
         </p:spPr>
         <p:style>
-          <a:lnRef idx="0"/>
-          <a:fillRef idx="0"/>
-          <a:effectRef idx="0"/>
+          <a:lnRef idx="0">
+            <a:scrgbClr r="0" g="0" b="0"/>
+          </a:lnRef>
+          <a:fillRef idx="0">
+            <a:scrgbClr r="0" g="0" b="0"/>
+          </a:fillRef>
+          <a:effectRef idx="0">
+            <a:scrgbClr r="0" g="0" b="0"/>
+          </a:effectRef>
           <a:fontRef idx="minor"/>
         </p:style>
         <p:txBody>
-          <a:bodyPr lIns="90000" rIns="90000" tIns="45000" bIns="45000" anchor="t">
+          <a:bodyPr lIns="90000" tIns="45000" rIns="90000" bIns="45000" anchor="t">
             <a:noAutofit/>
           </a:bodyPr>
-          <a:p>
-            <a:endParaRPr b="0" lang="de-DE" sz="1800" spc="-1" strike="noStrike">
+          <a:lstStyle/>
+          <a:p>
+            <a:endParaRPr lang="de-DE" sz="1800" b="0" strike="noStrike" spc="-1">
+              <a:solidFill>
+                <a:srgbClr val="000000"/>
+              </a:solidFill>
+              <a:latin typeface="Arial"/>
+            </a:endParaRPr>
+          </a:p>
+        </p:txBody>
+      </p:sp>
+      <p:sp>
+        <p:nvSpPr>
+          <p:cNvPr id="87" name="Freeform 13"/>
+          <p:cNvSpPr/>
+          <p:nvPr/>
+        </p:nvSpPr>
+        <p:spPr>
+          <a:xfrm flipH="1">
+            <a:off x="10959840" y="3104640"/>
+            <a:ext cx="5056200" cy="3493440"/>
+          </a:xfrm>
+          <a:custGeom>
+            <a:avLst/>
+            <a:gdLst>
+              <a:gd name="textAreaLeft" fmla="*/ -360 w 5056200"/>
+              <a:gd name="textAreaRight" fmla="*/ 5056200 w 5056200"/>
+              <a:gd name="textAreaTop" fmla="*/ 0 h 3493440"/>
+              <a:gd name="textAreaBottom" fmla="*/ 3493800 h 3493440"/>
+            </a:gdLst>
+            <a:ahLst/>
+            <a:cxnLst/>
+            <a:rect l="textAreaLeft" t="textAreaTop" r="textAreaRight" b="textAreaBottom"/>
+            <a:pathLst>
+              <a:path w="5056689" h="3493713">
+                <a:moveTo>
+                  <a:pt x="5056690" y="0"/>
+                </a:moveTo>
+                <a:lnTo>
+                  <a:pt x="0" y="0"/>
+                </a:lnTo>
+                <a:lnTo>
+                  <a:pt x="0" y="3493713"/>
+                </a:lnTo>
+                <a:lnTo>
+                  <a:pt x="5056690" y="3493713"/>
+                </a:lnTo>
+                <a:lnTo>
+                  <a:pt x="5056690" y="0"/>
+                </a:lnTo>
+                <a:close/>
+              </a:path>
+            </a:pathLst>
+          </a:custGeom>
+          <a:blipFill rotWithShape="0">
+            <a:blip r:embed="rId3"/>
+            <a:srcRect/>
+            <a:stretch/>
+          </a:blipFill>
+          <a:ln w="0">
+            <a:noFill/>
+          </a:ln>
+        </p:spPr>
+        <p:style>
+          <a:lnRef idx="0">
+            <a:scrgbClr r="0" g="0" b="0"/>
+          </a:lnRef>
+          <a:fillRef idx="0">
+            <a:scrgbClr r="0" g="0" b="0"/>
+          </a:fillRef>
+          <a:effectRef idx="0">
+            <a:scrgbClr r="0" g="0" b="0"/>
+          </a:effectRef>
+          <a:fontRef idx="minor"/>
+        </p:style>
+        <p:txBody>
+          <a:bodyPr lIns="90000" tIns="45000" rIns="90000" bIns="45000" anchor="t">
+            <a:noAutofit/>
+          </a:bodyPr>
+          <a:lstStyle/>
+          <a:p>
+            <a:endParaRPr lang="de-DE" sz="1800" b="0" strike="noStrike" spc="-1">
               <a:solidFill>
                 <a:srgbClr val="000000"/>
               </a:solidFill>
@@ -6212,15 +6914,22 @@
           </a:ln>
         </p:spPr>
         <p:style>
-          <a:lnRef idx="0"/>
-          <a:fillRef idx="0"/>
-          <a:effectRef idx="0"/>
+          <a:lnRef idx="0">
+            <a:scrgbClr r="0" g="0" b="0"/>
+          </a:lnRef>
+          <a:fillRef idx="0">
+            <a:scrgbClr r="0" g="0" b="0"/>
+          </a:fillRef>
+          <a:effectRef idx="0">
+            <a:scrgbClr r="0" g="0" b="0"/>
+          </a:effectRef>
           <a:fontRef idx="minor"/>
         </p:style>
         <p:txBody>
-          <a:bodyPr lIns="0" rIns="0" tIns="0" bIns="0" anchor="t">
+          <a:bodyPr lIns="0" tIns="0" rIns="0" bIns="0" anchor="t">
             <a:spAutoFit/>
           </a:bodyPr>
+          <a:lstStyle/>
           <a:p>
             <a:pPr defTabSz="914400">
               <a:lnSpc>
@@ -6228,15 +6937,15 @@
               </a:lnSpc>
             </a:pPr>
             <a:r>
-              <a:rPr b="0" lang="en-US" sz="1800" spc="-1" strike="noStrike">
+              <a:rPr lang="en-US" sz="1800" b="0" strike="noStrike" spc="-1">
                 <a:solidFill>
-                  <a:srgbClr val="17161c"/>
+                  <a:srgbClr val="17161C"/>
                 </a:solidFill>
                 <a:latin typeface="Codec Pro"/>
               </a:rPr>
               <a:t>Wie kann man es besser machen</a:t>
             </a:r>
-            <a:endParaRPr b="0" lang="de-DE" sz="1800" spc="-1" strike="noStrike">
+            <a:endParaRPr lang="de-DE" sz="1800" b="0" strike="noStrike" spc="-1">
               <a:solidFill>
                 <a:srgbClr val="000000"/>
               </a:solidFill>
@@ -6265,15 +6974,22 @@
           </a:ln>
         </p:spPr>
         <p:style>
-          <a:lnRef idx="0"/>
-          <a:fillRef idx="0"/>
-          <a:effectRef idx="0"/>
+          <a:lnRef idx="0">
+            <a:scrgbClr r="0" g="0" b="0"/>
+          </a:lnRef>
+          <a:fillRef idx="0">
+            <a:scrgbClr r="0" g="0" b="0"/>
+          </a:fillRef>
+          <a:effectRef idx="0">
+            <a:scrgbClr r="0" g="0" b="0"/>
+          </a:effectRef>
           <a:fontRef idx="minor"/>
         </p:style>
         <p:txBody>
-          <a:bodyPr lIns="0" rIns="0" tIns="0" bIns="0" anchor="t">
+          <a:bodyPr lIns="0" tIns="0" rIns="0" bIns="0" anchor="t">
             <a:spAutoFit/>
           </a:bodyPr>
+          <a:lstStyle/>
           <a:p>
             <a:pPr defTabSz="914400">
               <a:lnSpc>
@@ -6281,15 +6997,15 @@
               </a:lnSpc>
             </a:pPr>
             <a:r>
-              <a:rPr b="0" lang="en-US" sz="8000" spc="-1" strike="noStrike">
+              <a:rPr lang="en-US" sz="8000" b="0" strike="noStrike" spc="-1">
                 <a:solidFill>
-                  <a:srgbClr val="17161c"/>
+                  <a:srgbClr val="17161C"/>
                 </a:solidFill>
                 <a:latin typeface="Codec Pro"/>
               </a:rPr>
               <a:t>Textfehler</a:t>
             </a:r>
-            <a:endParaRPr b="0" lang="de-DE" sz="8000" spc="-1" strike="noStrike">
+            <a:endParaRPr lang="de-DE" sz="8000" b="0" strike="noStrike" spc="-1">
               <a:solidFill>
                 <a:srgbClr val="000000"/>
               </a:solidFill>
@@ -6318,15 +7034,22 @@
           </a:ln>
         </p:spPr>
         <p:style>
-          <a:lnRef idx="0"/>
-          <a:fillRef idx="0"/>
-          <a:effectRef idx="0"/>
+          <a:lnRef idx="0">
+            <a:scrgbClr r="0" g="0" b="0"/>
+          </a:lnRef>
+          <a:fillRef idx="0">
+            <a:scrgbClr r="0" g="0" b="0"/>
+          </a:fillRef>
+          <a:effectRef idx="0">
+            <a:scrgbClr r="0" g="0" b="0"/>
+          </a:effectRef>
           <a:fontRef idx="minor"/>
         </p:style>
         <p:txBody>
-          <a:bodyPr lIns="0" rIns="0" tIns="0" bIns="0" anchor="t">
+          <a:bodyPr lIns="0" tIns="0" rIns="0" bIns="0" anchor="t">
             <a:spAutoFit/>
           </a:bodyPr>
+          <a:lstStyle/>
           <a:p>
             <a:pPr defTabSz="914400">
               <a:lnSpc>
@@ -6334,15 +7057,15 @@
               </a:lnSpc>
             </a:pPr>
             <a:r>
-              <a:rPr b="0" lang="en-US" sz="2400" spc="-1" strike="noStrike">
+              <a:rPr lang="en-US" sz="2400" b="0" strike="noStrike" spc="-1">
                 <a:solidFill>
-                  <a:srgbClr val="17161c"/>
+                  <a:srgbClr val="17161C"/>
                 </a:solidFill>
                 <a:latin typeface="Codec Pro"/>
               </a:rPr>
               <a:t>Beschreibung was falsch gelaufen ist</a:t>
             </a:r>
-            <a:endParaRPr b="0" lang="de-DE" sz="2400" spc="-1" strike="noStrike">
+            <a:endParaRPr lang="de-DE" sz="2400" b="0" strike="noStrike" spc="-1">
               <a:solidFill>
                 <a:srgbClr val="000000"/>
               </a:solidFill>
@@ -6353,12 +7076,12 @@
       </p:sp>
       <p:pic>
         <p:nvPicPr>
-          <p:cNvPr id="91" name="" descr=""/>
+          <p:cNvPr id="91" name="Grafik 90"/>
           <p:cNvPicPr/>
           <p:nvPr/>
         </p:nvPicPr>
         <p:blipFill>
-          <a:blip r:embed="rId3"/>
+          <a:blip r:embed="rId4"/>
           <a:stretch/>
         </p:blipFill>
         <p:spPr>
@@ -6376,25 +7099,21 @@
       </p:pic>
     </p:spTree>
   </p:cSld>
-  <mc:AlternateContent>
-    <mc:Choice Requires="p14">
-      <p:transition spd="slow" p14:dur="2000"/>
-    </mc:Choice>
-    <mc:Fallback>
-      <p:transition spd="slow"/>
-    </mc:Fallback>
-  </mc:AlternateContent>
+  <p:clrMapOvr>
+    <a:masterClrMapping/>
+  </p:clrMapOvr>
 </p:sld>
 </file>
 
 <file path=ppt/slides/slide8.xml><?xml version="1.0" encoding="utf-8"?>
-<p:sld xmlns:a="http://schemas.openxmlformats.org/drawingml/2006/main" xmlns:p="http://schemas.openxmlformats.org/presentationml/2006/main" xmlns:r="http://schemas.openxmlformats.org/officeDocument/2006/relationships" xmlns:p14="http://schemas.microsoft.com/office/powerpoint/2010/main" xmlns:p15="http://schemas.microsoft.com/office/powerpoint/2012/main" xmlns:mc="http://schemas.openxmlformats.org/markup-compatibility/2006">
+<p:sld xmlns:a="http://schemas.openxmlformats.org/drawingml/2006/main" xmlns:r="http://schemas.openxmlformats.org/officeDocument/2006/relationships" xmlns:p="http://schemas.openxmlformats.org/presentationml/2006/main">
   <p:cSld>
     <p:bg>
       <p:bgPr>
         <a:solidFill>
-          <a:srgbClr val="fdfcf3"/>
+          <a:srgbClr val="FDFCF3"/>
         </a:solidFill>
+        <a:effectLst/>
       </p:bgPr>
     </p:bg>
     <p:spTree>
@@ -6426,24 +7145,31 @@
             <a:avLst/>
           </a:prstGeom>
           <a:solidFill>
-            <a:srgbClr val="0c6980"/>
+            <a:srgbClr val="0C6980"/>
           </a:solidFill>
           <a:ln w="0">
             <a:noFill/>
           </a:ln>
         </p:spPr>
         <p:style>
-          <a:lnRef idx="0"/>
-          <a:fillRef idx="0"/>
-          <a:effectRef idx="0"/>
+          <a:lnRef idx="0">
+            <a:scrgbClr r="0" g="0" b="0"/>
+          </a:lnRef>
+          <a:fillRef idx="0">
+            <a:scrgbClr r="0" g="0" b="0"/>
+          </a:fillRef>
+          <a:effectRef idx="0">
+            <a:scrgbClr r="0" g="0" b="0"/>
+          </a:effectRef>
           <a:fontRef idx="minor"/>
         </p:style>
         <p:txBody>
-          <a:bodyPr lIns="90000" rIns="90000" tIns="45000" bIns="45000" anchor="t">
+          <a:bodyPr lIns="90000" tIns="45000" rIns="90000" bIns="45000" anchor="t">
             <a:noAutofit/>
           </a:bodyPr>
-          <a:p>
-            <a:endParaRPr b="0" lang="de-DE" sz="1800" spc="-1" strike="noStrike">
+          <a:lstStyle/>
+          <a:p>
+            <a:endParaRPr lang="de-DE" sz="1800" b="0" strike="noStrike" spc="-1">
               <a:solidFill>
                 <a:srgbClr val="000000"/>
               </a:solidFill>
@@ -6472,6 +7198,7 @@
               <a:gd name="textAreaBottom" fmla="*/ 12251160 h 12250800"/>
             </a:gdLst>
             <a:ahLst/>
+            <a:cxnLst/>
             <a:rect l="textAreaLeft" t="textAreaTop" r="textAreaRight" b="textAreaBottom"/>
             <a:pathLst>
               <a:path w="12363420" h="12251025">
@@ -6489,77 +7216,6 @@
                 </a:lnTo>
                 <a:lnTo>
                   <a:pt x="0" y="0"/>
-                </a:lnTo>
-                <a:close/>
-              </a:path>
-            </a:pathLst>
-          </a:custGeom>
-          <a:blipFill rotWithShape="0">
-            <a:blip r:embed="rId1"/>
-            <a:srcRect/>
-            <a:stretch/>
-          </a:blipFill>
-          <a:ln w="0">
-            <a:noFill/>
-          </a:ln>
-        </p:spPr>
-        <p:style>
-          <a:lnRef idx="0"/>
-          <a:fillRef idx="0"/>
-          <a:effectRef idx="0"/>
-          <a:fontRef idx="minor"/>
-        </p:style>
-        <p:txBody>
-          <a:bodyPr lIns="90000" rIns="90000" tIns="45000" bIns="45000" anchor="t">
-            <a:noAutofit/>
-          </a:bodyPr>
-          <a:p>
-            <a:endParaRPr b="0" lang="de-DE" sz="1800" spc="-1" strike="noStrike">
-              <a:solidFill>
-                <a:srgbClr val="000000"/>
-              </a:solidFill>
-              <a:latin typeface="Arial"/>
-            </a:endParaRPr>
-          </a:p>
-        </p:txBody>
-      </p:sp>
-      <p:sp>
-        <p:nvSpPr>
-          <p:cNvPr id="94" name="Freeform 15"/>
-          <p:cNvSpPr/>
-          <p:nvPr/>
-        </p:nvSpPr>
-        <p:spPr>
-          <a:xfrm flipH="1">
-            <a:off x="10959840" y="3104640"/>
-            <a:ext cx="5056200" cy="3493440"/>
-          </a:xfrm>
-          <a:custGeom>
-            <a:avLst/>
-            <a:gdLst>
-              <a:gd name="textAreaLeft" fmla="*/ -360 w 5056200"/>
-              <a:gd name="textAreaRight" fmla="*/ 5056200 w 5056200"/>
-              <a:gd name="textAreaTop" fmla="*/ 0 h 3493440"/>
-              <a:gd name="textAreaBottom" fmla="*/ 3493800 h 3493440"/>
-            </a:gdLst>
-            <a:ahLst/>
-            <a:rect l="textAreaLeft" t="textAreaTop" r="textAreaRight" b="textAreaBottom"/>
-            <a:pathLst>
-              <a:path w="5056689" h="3493713">
-                <a:moveTo>
-                  <a:pt x="5056690" y="0"/>
-                </a:moveTo>
-                <a:lnTo>
-                  <a:pt x="0" y="0"/>
-                </a:lnTo>
-                <a:lnTo>
-                  <a:pt x="0" y="3493713"/>
-                </a:lnTo>
-                <a:lnTo>
-                  <a:pt x="5056690" y="3493713"/>
-                </a:lnTo>
-                <a:lnTo>
-                  <a:pt x="5056690" y="0"/>
                 </a:lnTo>
                 <a:close/>
               </a:path>
@@ -6575,17 +7231,103 @@
           </a:ln>
         </p:spPr>
         <p:style>
-          <a:lnRef idx="0"/>
-          <a:fillRef idx="0"/>
-          <a:effectRef idx="0"/>
+          <a:lnRef idx="0">
+            <a:scrgbClr r="0" g="0" b="0"/>
+          </a:lnRef>
+          <a:fillRef idx="0">
+            <a:scrgbClr r="0" g="0" b="0"/>
+          </a:fillRef>
+          <a:effectRef idx="0">
+            <a:scrgbClr r="0" g="0" b="0"/>
+          </a:effectRef>
           <a:fontRef idx="minor"/>
         </p:style>
         <p:txBody>
-          <a:bodyPr lIns="90000" rIns="90000" tIns="45000" bIns="45000" anchor="t">
+          <a:bodyPr lIns="90000" tIns="45000" rIns="90000" bIns="45000" anchor="t">
             <a:noAutofit/>
           </a:bodyPr>
-          <a:p>
-            <a:endParaRPr b="0" lang="de-DE" sz="1800" spc="-1" strike="noStrike">
+          <a:lstStyle/>
+          <a:p>
+            <a:endParaRPr lang="de-DE" sz="1800" b="0" strike="noStrike" spc="-1">
+              <a:solidFill>
+                <a:srgbClr val="000000"/>
+              </a:solidFill>
+              <a:latin typeface="Arial"/>
+            </a:endParaRPr>
+          </a:p>
+        </p:txBody>
+      </p:sp>
+      <p:sp>
+        <p:nvSpPr>
+          <p:cNvPr id="94" name="Freeform 15"/>
+          <p:cNvSpPr/>
+          <p:nvPr/>
+        </p:nvSpPr>
+        <p:spPr>
+          <a:xfrm flipH="1">
+            <a:off x="10959840" y="3104640"/>
+            <a:ext cx="5056200" cy="3493440"/>
+          </a:xfrm>
+          <a:custGeom>
+            <a:avLst/>
+            <a:gdLst>
+              <a:gd name="textAreaLeft" fmla="*/ -360 w 5056200"/>
+              <a:gd name="textAreaRight" fmla="*/ 5056200 w 5056200"/>
+              <a:gd name="textAreaTop" fmla="*/ 0 h 3493440"/>
+              <a:gd name="textAreaBottom" fmla="*/ 3493800 h 3493440"/>
+            </a:gdLst>
+            <a:ahLst/>
+            <a:cxnLst/>
+            <a:rect l="textAreaLeft" t="textAreaTop" r="textAreaRight" b="textAreaBottom"/>
+            <a:pathLst>
+              <a:path w="5056689" h="3493713">
+                <a:moveTo>
+                  <a:pt x="5056690" y="0"/>
+                </a:moveTo>
+                <a:lnTo>
+                  <a:pt x="0" y="0"/>
+                </a:lnTo>
+                <a:lnTo>
+                  <a:pt x="0" y="3493713"/>
+                </a:lnTo>
+                <a:lnTo>
+                  <a:pt x="5056690" y="3493713"/>
+                </a:lnTo>
+                <a:lnTo>
+                  <a:pt x="5056690" y="0"/>
+                </a:lnTo>
+                <a:close/>
+              </a:path>
+            </a:pathLst>
+          </a:custGeom>
+          <a:blipFill rotWithShape="0">
+            <a:blip r:embed="rId3"/>
+            <a:srcRect/>
+            <a:stretch/>
+          </a:blipFill>
+          <a:ln w="0">
+            <a:noFill/>
+          </a:ln>
+        </p:spPr>
+        <p:style>
+          <a:lnRef idx="0">
+            <a:scrgbClr r="0" g="0" b="0"/>
+          </a:lnRef>
+          <a:fillRef idx="0">
+            <a:scrgbClr r="0" g="0" b="0"/>
+          </a:fillRef>
+          <a:effectRef idx="0">
+            <a:scrgbClr r="0" g="0" b="0"/>
+          </a:effectRef>
+          <a:fontRef idx="minor"/>
+        </p:style>
+        <p:txBody>
+          <a:bodyPr lIns="90000" tIns="45000" rIns="90000" bIns="45000" anchor="t">
+            <a:noAutofit/>
+          </a:bodyPr>
+          <a:lstStyle/>
+          <a:p>
+            <a:endParaRPr lang="de-DE" sz="1800" b="0" strike="noStrike" spc="-1">
               <a:solidFill>
                 <a:srgbClr val="000000"/>
               </a:solidFill>
@@ -6614,15 +7356,22 @@
           </a:ln>
         </p:spPr>
         <p:style>
-          <a:lnRef idx="0"/>
-          <a:fillRef idx="0"/>
-          <a:effectRef idx="0"/>
+          <a:lnRef idx="0">
+            <a:scrgbClr r="0" g="0" b="0"/>
+          </a:lnRef>
+          <a:fillRef idx="0">
+            <a:scrgbClr r="0" g="0" b="0"/>
+          </a:fillRef>
+          <a:effectRef idx="0">
+            <a:scrgbClr r="0" g="0" b="0"/>
+          </a:effectRef>
           <a:fontRef idx="minor"/>
         </p:style>
         <p:txBody>
-          <a:bodyPr lIns="0" rIns="0" tIns="0" bIns="0" anchor="t">
+          <a:bodyPr lIns="0" tIns="0" rIns="0" bIns="0" anchor="t">
             <a:spAutoFit/>
           </a:bodyPr>
+          <a:lstStyle/>
           <a:p>
             <a:pPr defTabSz="914400">
               <a:lnSpc>
@@ -6630,15 +7379,15 @@
               </a:lnSpc>
             </a:pPr>
             <a:r>
-              <a:rPr b="0" lang="en-US" sz="1800" spc="-1" strike="noStrike">
+              <a:rPr lang="en-US" sz="1800" b="0" strike="noStrike" spc="-1">
                 <a:solidFill>
-                  <a:srgbClr val="17161c"/>
+                  <a:srgbClr val="17161C"/>
                 </a:solidFill>
                 <a:latin typeface="Codec Pro"/>
               </a:rPr>
               <a:t>Wie kann man es besser machen</a:t>
             </a:r>
-            <a:endParaRPr b="0" lang="de-DE" sz="1800" spc="-1" strike="noStrike">
+            <a:endParaRPr lang="de-DE" sz="1800" b="0" strike="noStrike" spc="-1">
               <a:solidFill>
                 <a:srgbClr val="000000"/>
               </a:solidFill>
@@ -6667,15 +7416,22 @@
           </a:ln>
         </p:spPr>
         <p:style>
-          <a:lnRef idx="0"/>
-          <a:fillRef idx="0"/>
-          <a:effectRef idx="0"/>
+          <a:lnRef idx="0">
+            <a:scrgbClr r="0" g="0" b="0"/>
+          </a:lnRef>
+          <a:fillRef idx="0">
+            <a:scrgbClr r="0" g="0" b="0"/>
+          </a:fillRef>
+          <a:effectRef idx="0">
+            <a:scrgbClr r="0" g="0" b="0"/>
+          </a:effectRef>
           <a:fontRef idx="minor"/>
         </p:style>
         <p:txBody>
-          <a:bodyPr lIns="0" rIns="0" tIns="0" bIns="0" anchor="t">
+          <a:bodyPr lIns="0" tIns="0" rIns="0" bIns="0" anchor="t">
             <a:spAutoFit/>
           </a:bodyPr>
+          <a:lstStyle/>
           <a:p>
             <a:pPr defTabSz="914400">
               <a:lnSpc>
@@ -6683,15 +7439,15 @@
               </a:lnSpc>
             </a:pPr>
             <a:r>
-              <a:rPr b="0" lang="en-US" sz="8000" spc="-1" strike="noStrike">
+              <a:rPr lang="en-US" sz="8000" b="0" strike="noStrike" spc="-1">
                 <a:solidFill>
-                  <a:srgbClr val="17161c"/>
+                  <a:srgbClr val="17161C"/>
                 </a:solidFill>
                 <a:latin typeface="Codec Pro"/>
               </a:rPr>
               <a:t>Textfehler</a:t>
             </a:r>
-            <a:endParaRPr b="0" lang="de-DE" sz="8000" spc="-1" strike="noStrike">
+            <a:endParaRPr lang="de-DE" sz="8000" b="0" strike="noStrike" spc="-1">
               <a:solidFill>
                 <a:srgbClr val="000000"/>
               </a:solidFill>
@@ -6720,15 +7476,22 @@
           </a:ln>
         </p:spPr>
         <p:style>
-          <a:lnRef idx="0"/>
-          <a:fillRef idx="0"/>
-          <a:effectRef idx="0"/>
+          <a:lnRef idx="0">
+            <a:scrgbClr r="0" g="0" b="0"/>
+          </a:lnRef>
+          <a:fillRef idx="0">
+            <a:scrgbClr r="0" g="0" b="0"/>
+          </a:fillRef>
+          <a:effectRef idx="0">
+            <a:scrgbClr r="0" g="0" b="0"/>
+          </a:effectRef>
           <a:fontRef idx="minor"/>
         </p:style>
         <p:txBody>
-          <a:bodyPr lIns="0" rIns="0" tIns="0" bIns="0" anchor="t">
+          <a:bodyPr lIns="0" tIns="0" rIns="0" bIns="0" anchor="t">
             <a:spAutoFit/>
           </a:bodyPr>
+          <a:lstStyle/>
           <a:p>
             <a:pPr defTabSz="914400">
               <a:lnSpc>
@@ -6736,15 +7499,15 @@
               </a:lnSpc>
             </a:pPr>
             <a:r>
-              <a:rPr b="0" lang="en-US" sz="2400" spc="-1" strike="noStrike">
+              <a:rPr lang="en-US" sz="2400" b="0" strike="noStrike" spc="-1">
                 <a:solidFill>
-                  <a:srgbClr val="17161c"/>
+                  <a:srgbClr val="17161C"/>
                 </a:solidFill>
                 <a:latin typeface="Codec Pro"/>
               </a:rPr>
               <a:t>Beschreibung was falsch gelaufen ist</a:t>
             </a:r>
-            <a:endParaRPr b="0" lang="de-DE" sz="2400" spc="-1" strike="noStrike">
+            <a:endParaRPr lang="de-DE" sz="2400" b="0" strike="noStrike" spc="-1">
               <a:solidFill>
                 <a:srgbClr val="000000"/>
               </a:solidFill>
@@ -6755,12 +7518,12 @@
       </p:sp>
       <p:pic>
         <p:nvPicPr>
-          <p:cNvPr id="98" name="" descr=""/>
+          <p:cNvPr id="98" name="Grafik 97"/>
           <p:cNvPicPr/>
           <p:nvPr/>
         </p:nvPicPr>
         <p:blipFill>
-          <a:blip r:embed="rId3"/>
+          <a:blip r:embed="rId4"/>
           <a:stretch/>
         </p:blipFill>
         <p:spPr>
@@ -6778,25 +7541,21 @@
       </p:pic>
     </p:spTree>
   </p:cSld>
-  <mc:AlternateContent>
-    <mc:Choice Requires="p14">
-      <p:transition spd="slow" p14:dur="2000"/>
-    </mc:Choice>
-    <mc:Fallback>
-      <p:transition spd="slow"/>
-    </mc:Fallback>
-  </mc:AlternateContent>
+  <p:clrMapOvr>
+    <a:masterClrMapping/>
+  </p:clrMapOvr>
 </p:sld>
 </file>
 
 <file path=ppt/slides/slide9.xml><?xml version="1.0" encoding="utf-8"?>
-<p:sld xmlns:a="http://schemas.openxmlformats.org/drawingml/2006/main" xmlns:p="http://schemas.openxmlformats.org/presentationml/2006/main" xmlns:r="http://schemas.openxmlformats.org/officeDocument/2006/relationships" xmlns:p14="http://schemas.microsoft.com/office/powerpoint/2010/main" xmlns:p15="http://schemas.microsoft.com/office/powerpoint/2012/main" xmlns:mc="http://schemas.openxmlformats.org/markup-compatibility/2006">
+<p:sld xmlns:a="http://schemas.openxmlformats.org/drawingml/2006/main" xmlns:r="http://schemas.openxmlformats.org/officeDocument/2006/relationships" xmlns:p="http://schemas.openxmlformats.org/presentationml/2006/main">
   <p:cSld>
     <p:bg>
       <p:bgPr>
         <a:solidFill>
-          <a:srgbClr val="fdfcf3"/>
+          <a:srgbClr val="FDFCF3"/>
         </a:solidFill>
+        <a:effectLst/>
       </p:bgPr>
     </p:bg>
     <p:spTree>
@@ -6828,24 +7587,31 @@
             <a:avLst/>
           </a:prstGeom>
           <a:solidFill>
-            <a:srgbClr val="0c6980"/>
+            <a:srgbClr val="0C6980"/>
           </a:solidFill>
           <a:ln w="0">
             <a:noFill/>
           </a:ln>
         </p:spPr>
         <p:style>
-          <a:lnRef idx="0"/>
-          <a:fillRef idx="0"/>
-          <a:effectRef idx="0"/>
+          <a:lnRef idx="0">
+            <a:scrgbClr r="0" g="0" b="0"/>
+          </a:lnRef>
+          <a:fillRef idx="0">
+            <a:scrgbClr r="0" g="0" b="0"/>
+          </a:fillRef>
+          <a:effectRef idx="0">
+            <a:scrgbClr r="0" g="0" b="0"/>
+          </a:effectRef>
           <a:fontRef idx="minor"/>
         </p:style>
         <p:txBody>
-          <a:bodyPr lIns="90000" rIns="90000" tIns="45000" bIns="45000" anchor="t">
+          <a:bodyPr lIns="90000" tIns="45000" rIns="90000" bIns="45000" anchor="t">
             <a:noAutofit/>
           </a:bodyPr>
-          <a:p>
-            <a:endParaRPr b="0" lang="de-DE" sz="1800" spc="-1" strike="noStrike">
+          <a:lstStyle/>
+          <a:p>
+            <a:endParaRPr lang="de-DE" sz="1800" b="0" strike="noStrike" spc="-1">
               <a:solidFill>
                 <a:srgbClr val="000000"/>
               </a:solidFill>
@@ -6874,6 +7640,7 @@
               <a:gd name="textAreaBottom" fmla="*/ 12251160 h 12250800"/>
             </a:gdLst>
             <a:ahLst/>
+            <a:cxnLst/>
             <a:rect l="textAreaLeft" t="textAreaTop" r="textAreaRight" b="textAreaBottom"/>
             <a:pathLst>
               <a:path w="12363420" h="12251025">
@@ -6891,77 +7658,6 @@
                 </a:lnTo>
                 <a:lnTo>
                   <a:pt x="0" y="0"/>
-                </a:lnTo>
-                <a:close/>
-              </a:path>
-            </a:pathLst>
-          </a:custGeom>
-          <a:blipFill rotWithShape="0">
-            <a:blip r:embed="rId1"/>
-            <a:srcRect/>
-            <a:stretch/>
-          </a:blipFill>
-          <a:ln w="0">
-            <a:noFill/>
-          </a:ln>
-        </p:spPr>
-        <p:style>
-          <a:lnRef idx="0"/>
-          <a:fillRef idx="0"/>
-          <a:effectRef idx="0"/>
-          <a:fontRef idx="minor"/>
-        </p:style>
-        <p:txBody>
-          <a:bodyPr lIns="90000" rIns="90000" tIns="45000" bIns="45000" anchor="t">
-            <a:noAutofit/>
-          </a:bodyPr>
-          <a:p>
-            <a:endParaRPr b="0" lang="de-DE" sz="1800" spc="-1" strike="noStrike">
-              <a:solidFill>
-                <a:srgbClr val="000000"/>
-              </a:solidFill>
-              <a:latin typeface="Arial"/>
-            </a:endParaRPr>
-          </a:p>
-        </p:txBody>
-      </p:sp>
-      <p:sp>
-        <p:nvSpPr>
-          <p:cNvPr id="101" name="Freeform 17"/>
-          <p:cNvSpPr/>
-          <p:nvPr/>
-        </p:nvSpPr>
-        <p:spPr>
-          <a:xfrm flipH="1">
-            <a:off x="10959840" y="3104640"/>
-            <a:ext cx="5056200" cy="3493440"/>
-          </a:xfrm>
-          <a:custGeom>
-            <a:avLst/>
-            <a:gdLst>
-              <a:gd name="textAreaLeft" fmla="*/ -360 w 5056200"/>
-              <a:gd name="textAreaRight" fmla="*/ 5056200 w 5056200"/>
-              <a:gd name="textAreaTop" fmla="*/ 0 h 3493440"/>
-              <a:gd name="textAreaBottom" fmla="*/ 3493800 h 3493440"/>
-            </a:gdLst>
-            <a:ahLst/>
-            <a:rect l="textAreaLeft" t="textAreaTop" r="textAreaRight" b="textAreaBottom"/>
-            <a:pathLst>
-              <a:path w="5056689" h="3493713">
-                <a:moveTo>
-                  <a:pt x="5056690" y="0"/>
-                </a:moveTo>
-                <a:lnTo>
-                  <a:pt x="0" y="0"/>
-                </a:lnTo>
-                <a:lnTo>
-                  <a:pt x="0" y="3493713"/>
-                </a:lnTo>
-                <a:lnTo>
-                  <a:pt x="5056690" y="3493713"/>
-                </a:lnTo>
-                <a:lnTo>
-                  <a:pt x="5056690" y="0"/>
                 </a:lnTo>
                 <a:close/>
               </a:path>
@@ -6977,17 +7673,103 @@
           </a:ln>
         </p:spPr>
         <p:style>
-          <a:lnRef idx="0"/>
-          <a:fillRef idx="0"/>
-          <a:effectRef idx="0"/>
+          <a:lnRef idx="0">
+            <a:scrgbClr r="0" g="0" b="0"/>
+          </a:lnRef>
+          <a:fillRef idx="0">
+            <a:scrgbClr r="0" g="0" b="0"/>
+          </a:fillRef>
+          <a:effectRef idx="0">
+            <a:scrgbClr r="0" g="0" b="0"/>
+          </a:effectRef>
           <a:fontRef idx="minor"/>
         </p:style>
         <p:txBody>
-          <a:bodyPr lIns="90000" rIns="90000" tIns="45000" bIns="45000" anchor="t">
+          <a:bodyPr lIns="90000" tIns="45000" rIns="90000" bIns="45000" anchor="t">
             <a:noAutofit/>
           </a:bodyPr>
-          <a:p>
-            <a:endParaRPr b="0" lang="de-DE" sz="1800" spc="-1" strike="noStrike">
+          <a:lstStyle/>
+          <a:p>
+            <a:endParaRPr lang="de-DE" sz="1800" b="0" strike="noStrike" spc="-1">
+              <a:solidFill>
+                <a:srgbClr val="000000"/>
+              </a:solidFill>
+              <a:latin typeface="Arial"/>
+            </a:endParaRPr>
+          </a:p>
+        </p:txBody>
+      </p:sp>
+      <p:sp>
+        <p:nvSpPr>
+          <p:cNvPr id="101" name="Freeform 17"/>
+          <p:cNvSpPr/>
+          <p:nvPr/>
+        </p:nvSpPr>
+        <p:spPr>
+          <a:xfrm flipH="1">
+            <a:off x="10959840" y="3104640"/>
+            <a:ext cx="5056200" cy="3493440"/>
+          </a:xfrm>
+          <a:custGeom>
+            <a:avLst/>
+            <a:gdLst>
+              <a:gd name="textAreaLeft" fmla="*/ -360 w 5056200"/>
+              <a:gd name="textAreaRight" fmla="*/ 5056200 w 5056200"/>
+              <a:gd name="textAreaTop" fmla="*/ 0 h 3493440"/>
+              <a:gd name="textAreaBottom" fmla="*/ 3493800 h 3493440"/>
+            </a:gdLst>
+            <a:ahLst/>
+            <a:cxnLst/>
+            <a:rect l="textAreaLeft" t="textAreaTop" r="textAreaRight" b="textAreaBottom"/>
+            <a:pathLst>
+              <a:path w="5056689" h="3493713">
+                <a:moveTo>
+                  <a:pt x="5056690" y="0"/>
+                </a:moveTo>
+                <a:lnTo>
+                  <a:pt x="0" y="0"/>
+                </a:lnTo>
+                <a:lnTo>
+                  <a:pt x="0" y="3493713"/>
+                </a:lnTo>
+                <a:lnTo>
+                  <a:pt x="5056690" y="3493713"/>
+                </a:lnTo>
+                <a:lnTo>
+                  <a:pt x="5056690" y="0"/>
+                </a:lnTo>
+                <a:close/>
+              </a:path>
+            </a:pathLst>
+          </a:custGeom>
+          <a:blipFill rotWithShape="0">
+            <a:blip r:embed="rId3"/>
+            <a:srcRect/>
+            <a:stretch/>
+          </a:blipFill>
+          <a:ln w="0">
+            <a:noFill/>
+          </a:ln>
+        </p:spPr>
+        <p:style>
+          <a:lnRef idx="0">
+            <a:scrgbClr r="0" g="0" b="0"/>
+          </a:lnRef>
+          <a:fillRef idx="0">
+            <a:scrgbClr r="0" g="0" b="0"/>
+          </a:fillRef>
+          <a:effectRef idx="0">
+            <a:scrgbClr r="0" g="0" b="0"/>
+          </a:effectRef>
+          <a:fontRef idx="minor"/>
+        </p:style>
+        <p:txBody>
+          <a:bodyPr lIns="90000" tIns="45000" rIns="90000" bIns="45000" anchor="t">
+            <a:noAutofit/>
+          </a:bodyPr>
+          <a:lstStyle/>
+          <a:p>
+            <a:endParaRPr lang="de-DE" sz="1800" b="0" strike="noStrike" spc="-1">
               <a:solidFill>
                 <a:srgbClr val="000000"/>
               </a:solidFill>
@@ -7016,15 +7798,22 @@
           </a:ln>
         </p:spPr>
         <p:style>
-          <a:lnRef idx="0"/>
-          <a:fillRef idx="0"/>
-          <a:effectRef idx="0"/>
+          <a:lnRef idx="0">
+            <a:scrgbClr r="0" g="0" b="0"/>
+          </a:lnRef>
+          <a:fillRef idx="0">
+            <a:scrgbClr r="0" g="0" b="0"/>
+          </a:fillRef>
+          <a:effectRef idx="0">
+            <a:scrgbClr r="0" g="0" b="0"/>
+          </a:effectRef>
           <a:fontRef idx="minor"/>
         </p:style>
         <p:txBody>
-          <a:bodyPr lIns="0" rIns="0" tIns="0" bIns="0" anchor="t">
+          <a:bodyPr lIns="0" tIns="0" rIns="0" bIns="0" anchor="t">
             <a:spAutoFit/>
           </a:bodyPr>
+          <a:lstStyle/>
           <a:p>
             <a:pPr defTabSz="914400">
               <a:lnSpc>
@@ -7032,15 +7821,15 @@
               </a:lnSpc>
             </a:pPr>
             <a:r>
-              <a:rPr b="0" lang="en-US" sz="1800" spc="-1" strike="noStrike">
+              <a:rPr lang="en-US" sz="1800" b="0" strike="noStrike" spc="-1">
                 <a:solidFill>
-                  <a:srgbClr val="17161c"/>
+                  <a:srgbClr val="17161C"/>
                 </a:solidFill>
                 <a:latin typeface="Codec Pro"/>
               </a:rPr>
               <a:t>Wie kann man es besser machen</a:t>
             </a:r>
-            <a:endParaRPr b="0" lang="de-DE" sz="1800" spc="-1" strike="noStrike">
+            <a:endParaRPr lang="de-DE" sz="1800" b="0" strike="noStrike" spc="-1">
               <a:solidFill>
                 <a:srgbClr val="000000"/>
               </a:solidFill>
@@ -7069,15 +7858,22 @@
           </a:ln>
         </p:spPr>
         <p:style>
-          <a:lnRef idx="0"/>
-          <a:fillRef idx="0"/>
-          <a:effectRef idx="0"/>
+          <a:lnRef idx="0">
+            <a:scrgbClr r="0" g="0" b="0"/>
+          </a:lnRef>
+          <a:fillRef idx="0">
+            <a:scrgbClr r="0" g="0" b="0"/>
+          </a:fillRef>
+          <a:effectRef idx="0">
+            <a:scrgbClr r="0" g="0" b="0"/>
+          </a:effectRef>
           <a:fontRef idx="minor"/>
         </p:style>
         <p:txBody>
-          <a:bodyPr lIns="0" rIns="0" tIns="0" bIns="0" anchor="t">
+          <a:bodyPr lIns="0" tIns="0" rIns="0" bIns="0" anchor="t">
             <a:spAutoFit/>
           </a:bodyPr>
+          <a:lstStyle/>
           <a:p>
             <a:pPr defTabSz="914400">
               <a:lnSpc>
@@ -7085,15 +7881,15 @@
               </a:lnSpc>
             </a:pPr>
             <a:r>
-              <a:rPr b="0" lang="en-US" sz="8000" spc="-1" strike="noStrike">
+              <a:rPr lang="en-US" sz="8000" b="0" strike="noStrike" spc="-1">
                 <a:solidFill>
-                  <a:srgbClr val="17161c"/>
+                  <a:srgbClr val="17161C"/>
                 </a:solidFill>
                 <a:latin typeface="Codec Pro"/>
               </a:rPr>
               <a:t>Textfehler</a:t>
             </a:r>
-            <a:endParaRPr b="0" lang="de-DE" sz="8000" spc="-1" strike="noStrike">
+            <a:endParaRPr lang="de-DE" sz="8000" b="0" strike="noStrike" spc="-1">
               <a:solidFill>
                 <a:srgbClr val="000000"/>
               </a:solidFill>
@@ -7122,15 +7918,22 @@
           </a:ln>
         </p:spPr>
         <p:style>
-          <a:lnRef idx="0"/>
-          <a:fillRef idx="0"/>
-          <a:effectRef idx="0"/>
+          <a:lnRef idx="0">
+            <a:scrgbClr r="0" g="0" b="0"/>
+          </a:lnRef>
+          <a:fillRef idx="0">
+            <a:scrgbClr r="0" g="0" b="0"/>
+          </a:fillRef>
+          <a:effectRef idx="0">
+            <a:scrgbClr r="0" g="0" b="0"/>
+          </a:effectRef>
           <a:fontRef idx="minor"/>
         </p:style>
         <p:txBody>
-          <a:bodyPr lIns="0" rIns="0" tIns="0" bIns="0" anchor="t">
+          <a:bodyPr lIns="0" tIns="0" rIns="0" bIns="0" anchor="t">
             <a:spAutoFit/>
           </a:bodyPr>
+          <a:lstStyle/>
           <a:p>
             <a:pPr defTabSz="914400">
               <a:lnSpc>
@@ -7138,15 +7941,15 @@
               </a:lnSpc>
             </a:pPr>
             <a:r>
-              <a:rPr b="0" lang="en-US" sz="2400" spc="-1" strike="noStrike">
+              <a:rPr lang="en-US" sz="2400" b="0" strike="noStrike" spc="-1">
                 <a:solidFill>
-                  <a:srgbClr val="17161c"/>
+                  <a:srgbClr val="17161C"/>
                 </a:solidFill>
                 <a:latin typeface="Codec Pro"/>
               </a:rPr>
               <a:t>Beschreibung was falsch gelaufen ist</a:t>
             </a:r>
-            <a:endParaRPr b="0" lang="de-DE" sz="2400" spc="-1" strike="noStrike">
+            <a:endParaRPr lang="de-DE" sz="2400" b="0" strike="noStrike" spc="-1">
               <a:solidFill>
                 <a:srgbClr val="000000"/>
               </a:solidFill>
@@ -7157,12 +7960,12 @@
       </p:sp>
       <p:pic>
         <p:nvPicPr>
-          <p:cNvPr id="105" name="" descr=""/>
+          <p:cNvPr id="105" name="Grafik 104"/>
           <p:cNvPicPr/>
           <p:nvPr/>
         </p:nvPicPr>
         <p:blipFill>
-          <a:blip r:embed="rId3"/>
+          <a:blip r:embed="rId4"/>
           <a:stretch/>
         </p:blipFill>
         <p:spPr>
@@ -7180,53 +7983,48 @@
       </p:pic>
     </p:spTree>
   </p:cSld>
-  <mc:AlternateContent>
-    <mc:Choice Requires="p14">
-      <p:transition spd="slow" p14:dur="2000"/>
-    </mc:Choice>
-    <mc:Fallback>
-      <p:transition spd="slow"/>
-    </mc:Fallback>
-  </mc:AlternateContent>
+  <p:clrMapOvr>
+    <a:masterClrMapping/>
+  </p:clrMapOvr>
 </p:sld>
 </file>
 
 <file path=ppt/theme/theme1.xml><?xml version="1.0" encoding="utf-8"?>
-<a:theme xmlns:a="http://schemas.openxmlformats.org/drawingml/2006/main" xmlns:r="http://schemas.openxmlformats.org/officeDocument/2006/relationships" name="Office Theme">
+<a:theme xmlns:a="http://schemas.openxmlformats.org/drawingml/2006/main" name="Office Theme">
   <a:themeElements>
     <a:clrScheme name="Office">
       <a:dk1>
         <a:srgbClr val="000000"/>
       </a:dk1>
       <a:lt1>
-        <a:srgbClr val="ffffff"/>
+        <a:srgbClr val="FFFFFF"/>
       </a:lt1>
       <a:dk2>
-        <a:srgbClr val="1f497d"/>
+        <a:srgbClr val="1F497D"/>
       </a:dk2>
       <a:lt2>
-        <a:srgbClr val="eeece1"/>
+        <a:srgbClr val="EEECE1"/>
       </a:lt2>
       <a:accent1>
-        <a:srgbClr val="4f81bd"/>
+        <a:srgbClr val="4F81BD"/>
       </a:accent1>
       <a:accent2>
-        <a:srgbClr val="c0504d"/>
+        <a:srgbClr val="C0504D"/>
       </a:accent2>
       <a:accent3>
-        <a:srgbClr val="9bbb59"/>
+        <a:srgbClr val="9BBB59"/>
       </a:accent3>
       <a:accent4>
-        <a:srgbClr val="8064a2"/>
+        <a:srgbClr val="8064A2"/>
       </a:accent4>
       <a:accent5>
-        <a:srgbClr val="4bacc6"/>
+        <a:srgbClr val="4BACC6"/>
       </a:accent5>
       <a:accent6>
-        <a:srgbClr val="f79646"/>
+        <a:srgbClr val="F79646"/>
       </a:accent6>
       <a:hlink>
-        <a:srgbClr val="0000ff"/>
+        <a:srgbClr val="0000FF"/>
       </a:hlink>
       <a:folHlink>
         <a:srgbClr val="800080"/>
@@ -7234,12 +8032,12 @@
     </a:clrScheme>
     <a:fontScheme name="Office">
       <a:majorFont>
-        <a:latin typeface="Calibri" pitchFamily="0" charset="1"/>
+        <a:latin typeface="Calibri"/>
         <a:ea typeface=""/>
         <a:cs typeface=""/>
       </a:majorFont>
       <a:minorFont>
-        <a:latin typeface="Calibri" pitchFamily="0" charset="1"/>
+        <a:latin typeface="Calibri"/>
         <a:ea typeface=""/>
         <a:cs typeface=""/>
       </a:minorFont>
@@ -7268,7 +8066,7 @@
             </a:gs>
           </a:gsLst>
           <a:lin ang="16200000" scaled="1"/>
-          <a:tileRect l="0" t="0" r="0" b="0"/>
+          <a:tileRect/>
         </a:gradFill>
         <a:gradFill>
           <a:gsLst>
@@ -7289,7 +8087,7 @@
             </a:gs>
           </a:gsLst>
           <a:lin ang="16200000" scaled="0"/>
-          <a:tileRect l="0" t="0" r="0" b="0"/>
+          <a:tileRect/>
         </a:gradFill>
       </a:fillStyleLst>
       <a:lnStyleLst>
@@ -7340,7 +8138,7 @@
           <a:path path="circle">
             <a:fillToRect l="50000" t="-80000" r="50000" b="180000"/>
           </a:path>
-          <a:tileRect l="0" t="0" r="0" b="0"/>
+          <a:tileRect/>
         </a:gradFill>
         <a:gradFill>
           <a:gsLst>
@@ -7358,10 +8156,12 @@
           <a:path path="circle">
             <a:fillToRect l="50000" t="50000" r="50000" b="50000"/>
           </a:path>
-          <a:tileRect l="0" t="0" r="0" b="0"/>
+          <a:tileRect/>
         </a:gradFill>
       </a:bgFillStyleLst>
     </a:fmtScheme>
   </a:themeElements>
+  <a:objectDefaults/>
+  <a:extraClrSchemeLst/>
 </a:theme>
 </file>
--- a/2.Semester/Informationen/Präsi_BTA_KIRA_B50_Simon_Feldmann.pptx
+++ b/2.Semester/Informationen/Präsi_BTA_KIRA_B50_Simon_Feldmann.pptx
@@ -6,15 +6,14 @@
   </p:sldMasterIdLst>
   <p:sldIdLst>
     <p:sldId id="256" r:id="rId2"/>
-    <p:sldId id="257" r:id="rId3"/>
-    <p:sldId id="258" r:id="rId4"/>
-    <p:sldId id="259" r:id="rId5"/>
-    <p:sldId id="260" r:id="rId6"/>
-    <p:sldId id="261" r:id="rId7"/>
-    <p:sldId id="262" r:id="rId8"/>
-    <p:sldId id="263" r:id="rId9"/>
-    <p:sldId id="264" r:id="rId10"/>
-    <p:sldId id="265" r:id="rId11"/>
+    <p:sldId id="258" r:id="rId3"/>
+    <p:sldId id="259" r:id="rId4"/>
+    <p:sldId id="260" r:id="rId5"/>
+    <p:sldId id="261" r:id="rId6"/>
+    <p:sldId id="262" r:id="rId7"/>
+    <p:sldId id="263" r:id="rId8"/>
+    <p:sldId id="264" r:id="rId9"/>
+    <p:sldId id="265" r:id="rId10"/>
   </p:sldIdLst>
   <p:sldSz cx="18288000" cy="10287000"/>
   <p:notesSz cx="7559675" cy="10691813"/>
@@ -113,6 +112,11 @@
       </a:defRPr>
     </a:lvl9pPr>
   </p:defaultTextStyle>
+  <p:extLst>
+    <p:ext uri="{EFAFB233-063F-42B5-8137-9DF3F51BA10A}">
+      <p15:sldGuideLst xmlns:p15="http://schemas.microsoft.com/office/powerpoint/2012/main"/>
+    </p:ext>
+  </p:extLst>
 </p:presentation>
 </file>
 
@@ -3548,7 +3552,7 @@
           </a:bodyPr>
           <a:lstStyle/>
           <a:p>
-            <a:endParaRPr lang="de-DE" sz="1800" b="0" strike="noStrike" spc="-1">
+            <a:endParaRPr lang="de-DE" sz="1800" b="0" strike="noStrike" spc="-1" dirty="0">
               <a:solidFill>
                 <a:srgbClr val="000000"/>
               </a:solidFill>
@@ -3627,7 +3631,7 @@
           </a:bodyPr>
           <a:lstStyle/>
           <a:p>
-            <a:endParaRPr lang="de-DE" sz="1800" b="0" strike="noStrike" spc="-1">
+            <a:endParaRPr lang="de-DE" sz="1800" b="0" strike="noStrike" spc="-1" dirty="0">
               <a:solidFill>
                 <a:srgbClr val="000000"/>
               </a:solidFill>
@@ -3706,7 +3710,7 @@
           </a:bodyPr>
           <a:lstStyle/>
           <a:p>
-            <a:endParaRPr lang="de-DE" sz="1800" b="0" strike="noStrike" spc="-1">
+            <a:endParaRPr lang="de-DE" sz="1800" b="0" strike="noStrike" spc="-1" dirty="0">
               <a:solidFill>
                 <a:srgbClr val="000000"/>
               </a:solidFill>
@@ -3723,10 +3727,10 @@
         </p:nvGrpSpPr>
         <p:grpSpPr>
           <a:xfrm>
-            <a:off x="1728720" y="4889520"/>
-            <a:ext cx="11214360" cy="3292920"/>
+            <a:off x="1728720" y="4889519"/>
+            <a:ext cx="11214360" cy="2777483"/>
             <a:chOff x="1728720" y="4889520"/>
-            <a:chExt cx="11214360" cy="3292920"/>
+            <a:chExt cx="11214360" cy="2761173"/>
           </a:xfrm>
         </p:grpSpPr>
         <p:sp>
@@ -3772,15 +3776,15 @@
                 </a:lnSpc>
               </a:pPr>
               <a:r>
-                <a:rPr lang="en-US" sz="11500" b="0" strike="noStrike" spc="-1">
+                <a:rPr lang="en-US" sz="11500" b="0" strike="noStrike" spc="-1" dirty="0">
                   <a:solidFill>
                     <a:srgbClr val="F7F4FA"/>
                   </a:solidFill>
                   <a:latin typeface="Codec Pro"/>
                 </a:rPr>
-                <a:t>Pitch Deck</a:t>
+                <a:t>KIRA B50</a:t>
               </a:r>
-              <a:endParaRPr lang="de-DE" sz="11500" b="0" strike="noStrike" spc="-1">
+              <a:endParaRPr lang="de-DE" sz="11500" b="0" strike="noStrike" spc="-1" dirty="0">
                 <a:solidFill>
                   <a:srgbClr val="000000"/>
                 </a:solidFill>
@@ -3798,7 +3802,7 @@
           <p:spPr>
             <a:xfrm>
               <a:off x="1728720" y="7186320"/>
-              <a:ext cx="11214360" cy="996120"/>
+              <a:ext cx="11214360" cy="464373"/>
             </a:xfrm>
             <a:prstGeom prst="rect">
               <a:avLst/>
@@ -3832,15 +3836,51 @@
                 </a:lnSpc>
               </a:pPr>
               <a:r>
-                <a:rPr lang="en-US" sz="2800" b="0" strike="noStrike" spc="-1">
+                <a:rPr lang="en-US" sz="2800" b="0" strike="noStrike" spc="-1" dirty="0" err="1">
                   <a:solidFill>
                     <a:srgbClr val="F7F4FA"/>
                   </a:solidFill>
                   <a:latin typeface="Codec Pro"/>
                 </a:rPr>
-                <a:t>Trage deinen Firmennamen hier oben ein und eine interessante Zusammenfassung darüber, was deine Firma macht.</a:t>
+                <a:t>Text,Bild</a:t>
               </a:r>
-              <a:endParaRPr lang="de-DE" sz="2800" b="0" strike="noStrike" spc="-1">
+              <a:r>
+                <a:rPr lang="en-US" sz="2800" b="0" strike="noStrike" spc="-1" dirty="0">
+                  <a:solidFill>
+                    <a:srgbClr val="F7F4FA"/>
+                  </a:solidFill>
+                  <a:latin typeface="Codec Pro"/>
+                </a:rPr>
+                <a:t> und </a:t>
+              </a:r>
+              <a:r>
+                <a:rPr lang="en-US" sz="2800" b="0" strike="noStrike" spc="-1" dirty="0" err="1">
+                  <a:solidFill>
+                    <a:srgbClr val="F7F4FA"/>
+                  </a:solidFill>
+                  <a:latin typeface="Codec Pro"/>
+                </a:rPr>
+                <a:t>Strukut</a:t>
+              </a:r>
+              <a:r>
+                <a:rPr lang="en-US" sz="2800" b="0" strike="noStrike" spc="-1" dirty="0">
+                  <a:solidFill>
+                    <a:srgbClr val="F7F4FA"/>
+                  </a:solidFill>
+                  <a:latin typeface="Codec Pro"/>
+                </a:rPr>
+                <a:t> der </a:t>
+              </a:r>
+              <a:r>
+                <a:rPr lang="en-US" sz="2800" b="0" strike="noStrike" spc="-1" dirty="0" err="1">
+                  <a:solidFill>
+                    <a:srgbClr val="F7F4FA"/>
+                  </a:solidFill>
+                  <a:latin typeface="Codec Pro"/>
+                </a:rPr>
+                <a:t>Anleitung</a:t>
+              </a:r>
+              <a:endParaRPr lang="de-DE" sz="2800" b="0" strike="noStrike" spc="-1" dirty="0">
                 <a:solidFill>
                   <a:srgbClr val="000000"/>
                 </a:solidFill>
@@ -3859,7 +3899,7 @@
         <p:spPr>
           <a:xfrm>
             <a:off x="1728720" y="9012600"/>
-            <a:ext cx="4370400" cy="284760"/>
+            <a:ext cx="4370400" cy="264111"/>
           </a:xfrm>
           <a:prstGeom prst="rect">
             <a:avLst/>
@@ -3893,15 +3933,15 @@
               </a:lnSpc>
             </a:pPr>
             <a:r>
-              <a:rPr lang="en-US" sz="1600" b="0" strike="noStrike" spc="-1">
+              <a:rPr lang="en-US" sz="1600" b="0" strike="noStrike" spc="-1" dirty="0">
                 <a:solidFill>
                   <a:srgbClr val="F7F4FA"/>
                 </a:solidFill>
                 <a:latin typeface="Codec Pro"/>
               </a:rPr>
-              <a:t>Jede Stadt, 24.Oktober 2024</a:t>
-            </a:r>
-            <a:endParaRPr lang="de-DE" sz="1600" b="0" strike="noStrike" spc="-1">
+              <a:t>Aalen, 25.06.2024</a:t>
+            </a:r>
+            <a:endParaRPr lang="de-DE" sz="1600" b="0" strike="noStrike" spc="-1" dirty="0">
               <a:solidFill>
                 <a:srgbClr val="000000"/>
               </a:solidFill>
@@ -3919,7 +3959,7 @@
         <p:spPr>
           <a:xfrm>
             <a:off x="1728720" y="9371520"/>
-            <a:ext cx="4370400" cy="284760"/>
+            <a:ext cx="4370400" cy="264111"/>
           </a:xfrm>
           <a:prstGeom prst="rect">
             <a:avLst/>
@@ -3953,15 +3993,15 @@
               </a:lnSpc>
             </a:pPr>
             <a:r>
-              <a:rPr lang="en-US" sz="1600" b="0" strike="noStrike" spc="-1">
+              <a:rPr lang="en-US" sz="1600" b="0" strike="noStrike" spc="-1" dirty="0">
                 <a:solidFill>
                   <a:srgbClr val="F7F4FA"/>
                 </a:solidFill>
                 <a:latin typeface="Codec Pro"/>
               </a:rPr>
-              <a:t>Streng vertraulich</a:t>
-            </a:r>
-            <a:endParaRPr lang="de-DE" sz="1600" b="0" strike="noStrike" spc="-1">
+              <a:t>Simon Feldmann</a:t>
+            </a:r>
+            <a:endParaRPr lang="de-DE" sz="1600" b="0" strike="noStrike" spc="-1" dirty="0">
               <a:solidFill>
                 <a:srgbClr val="000000"/>
               </a:solidFill>
@@ -3978,7 +4018,7 @@
 </p:sld>
 </file>
 
-<file path=ppt/slides/slide10.xml><?xml version="1.0" encoding="utf-8"?>
+<file path=ppt/slides/slide2.xml><?xml version="1.0" encoding="utf-8"?>
 <p:sld xmlns:a="http://schemas.openxmlformats.org/drawingml/2006/main" xmlns:r="http://schemas.openxmlformats.org/officeDocument/2006/relationships" xmlns:p="http://schemas.openxmlformats.org/presentationml/2006/main">
   <p:cSld>
     <p:bg>
@@ -4005,7 +4045,7 @@
       </p:grpSpPr>
       <p:sp>
         <p:nvSpPr>
-          <p:cNvPr id="106" name="AutoShape 9"/>
+          <p:cNvPr id="55" name="AutoShape 1"/>
           <p:cNvSpPr/>
           <p:nvPr/>
         </p:nvSpPr>
@@ -4053,7 +4093,7 @@
       </p:sp>
       <p:sp>
         <p:nvSpPr>
-          <p:cNvPr id="107" name="Freeform 18"/>
+          <p:cNvPr id="56" name="Freeform 1"/>
           <p:cNvSpPr/>
           <p:nvPr/>
         </p:nvSpPr>
@@ -4132,7 +4172,7 @@
       </p:sp>
       <p:sp>
         <p:nvSpPr>
-          <p:cNvPr id="108" name="Freeform 19"/>
+          <p:cNvPr id="57" name="Freeform 5"/>
           <p:cNvSpPr/>
           <p:nvPr/>
         </p:nvSpPr>
@@ -4211,7 +4251,7 @@
       </p:sp>
       <p:sp>
         <p:nvSpPr>
-          <p:cNvPr id="109" name="TextBox 26"/>
+          <p:cNvPr id="58" name="TextBox 1"/>
           <p:cNvSpPr/>
           <p:nvPr/>
         </p:nvSpPr>
@@ -4258,7 +4298,7 @@
                 </a:solidFill>
                 <a:latin typeface="Codec Pro"/>
               </a:rPr>
-              <a:t>Wie kann man es besser machen</a:t>
+              <a:t>→ weglassen</a:t>
             </a:r>
             <a:endParaRPr lang="de-DE" sz="1800" b="0" strike="noStrike" spc="-1">
               <a:solidFill>
@@ -4271,7 +4311,7 @@
       </p:sp>
       <p:sp>
         <p:nvSpPr>
-          <p:cNvPr id="110" name="TextBox 27"/>
+          <p:cNvPr id="59" name="TextBox 2"/>
           <p:cNvSpPr/>
           <p:nvPr/>
         </p:nvSpPr>
@@ -4312,15 +4352,24 @@
               </a:lnSpc>
             </a:pPr>
             <a:r>
-              <a:rPr lang="en-US" sz="8000" b="0" strike="noStrike" spc="-1">
-                <a:solidFill>
-                  <a:srgbClr val="17161C"/>
-                </a:solidFill>
-                <a:latin typeface="Codec Pro"/>
-              </a:rPr>
-              <a:t>Textfehler</a:t>
-            </a:r>
-            <a:endParaRPr lang="de-DE" sz="8000" b="0" strike="noStrike" spc="-1">
+              <a:rPr lang="en-US" sz="8000" b="0" strike="noStrike" spc="-1" dirty="0" err="1">
+                <a:solidFill>
+                  <a:srgbClr val="17161C"/>
+                </a:solidFill>
+                <a:latin typeface="Codec Pro"/>
+              </a:rPr>
+              <a:t>Struktur</a:t>
+            </a:r>
+            <a:r>
+              <a:rPr lang="en-US" sz="8000" b="0" strike="noStrike" spc="-1" dirty="0">
+                <a:solidFill>
+                  <a:srgbClr val="17161C"/>
+                </a:solidFill>
+                <a:latin typeface="Codec Pro"/>
+              </a:rPr>
+              <a:t> </a:t>
+            </a:r>
+            <a:endParaRPr lang="de-DE" sz="8000" b="0" strike="noStrike" spc="-1" dirty="0">
               <a:solidFill>
                 <a:srgbClr val="000000"/>
               </a:solidFill>
@@ -4331,7 +4380,7 @@
       </p:sp>
       <p:sp>
         <p:nvSpPr>
-          <p:cNvPr id="111" name="TextBox 28"/>
+          <p:cNvPr id="60" name="TextBox 3"/>
           <p:cNvSpPr/>
           <p:nvPr/>
         </p:nvSpPr>
@@ -4372,15 +4421,114 @@
               </a:lnSpc>
             </a:pPr>
             <a:r>
-              <a:rPr lang="en-US" sz="2400" b="0" strike="noStrike" spc="-1">
-                <a:solidFill>
-                  <a:srgbClr val="17161C"/>
-                </a:solidFill>
-                <a:latin typeface="Codec Pro"/>
-              </a:rPr>
-              <a:t>Beschreibung was falsch gelaufen ist</a:t>
-            </a:r>
-            <a:endParaRPr lang="de-DE" sz="2400" b="0" strike="noStrike" spc="-1">
+              <a:rPr lang="en-US" sz="2400" b="0" strike="noStrike" spc="-1" dirty="0">
+                <a:solidFill>
+                  <a:srgbClr val="17161C"/>
+                </a:solidFill>
+                <a:latin typeface="Codec Pro"/>
+              </a:rPr>
+              <a:t>1. </a:t>
+            </a:r>
+            <a:r>
+              <a:rPr lang="en-US" sz="2400" b="0" strike="noStrike" spc="-1" dirty="0" err="1">
+                <a:solidFill>
+                  <a:srgbClr val="17161C"/>
+                </a:solidFill>
+                <a:latin typeface="Codec Pro"/>
+              </a:rPr>
+              <a:t>erfolgt</a:t>
+            </a:r>
+            <a:r>
+              <a:rPr lang="en-US" sz="2400" b="0" strike="noStrike" spc="-1" dirty="0">
+                <a:solidFill>
+                  <a:srgbClr val="17161C"/>
+                </a:solidFill>
+                <a:latin typeface="Codec Pro"/>
+              </a:rPr>
+              <a:t> </a:t>
+            </a:r>
+            <a:r>
+              <a:rPr lang="en-US" sz="2400" b="0" strike="noStrike" spc="-1" dirty="0" err="1">
+                <a:solidFill>
+                  <a:srgbClr val="17161C"/>
+                </a:solidFill>
+                <a:latin typeface="Codec Pro"/>
+              </a:rPr>
+              <a:t>nur</a:t>
+            </a:r>
+            <a:r>
+              <a:rPr lang="en-US" sz="2400" b="0" strike="noStrike" spc="-1" dirty="0">
+                <a:solidFill>
+                  <a:srgbClr val="17161C"/>
+                </a:solidFill>
+                <a:latin typeface="Codec Pro"/>
+              </a:rPr>
+              <a:t> </a:t>
+            </a:r>
+            <a:r>
+              <a:rPr lang="en-US" sz="2400" b="0" strike="noStrike" spc="-1" dirty="0" err="1">
+                <a:solidFill>
+                  <a:srgbClr val="17161C"/>
+                </a:solidFill>
+                <a:latin typeface="Codec Pro"/>
+              </a:rPr>
+              <a:t>wenn</a:t>
+            </a:r>
+            <a:r>
+              <a:rPr lang="en-US" sz="2400" b="0" strike="noStrike" spc="-1" dirty="0">
+                <a:solidFill>
+                  <a:srgbClr val="17161C"/>
+                </a:solidFill>
+                <a:latin typeface="Codec Pro"/>
+              </a:rPr>
+              <a:t> </a:t>
+            </a:r>
+            <a:r>
+              <a:rPr lang="en-US" sz="2400" b="0" strike="noStrike" spc="-1" dirty="0" err="1">
+                <a:solidFill>
+                  <a:srgbClr val="17161C"/>
+                </a:solidFill>
+                <a:latin typeface="Codec Pro"/>
+              </a:rPr>
+              <a:t>Aufzählung</a:t>
+            </a:r>
+            <a:r>
+              <a:rPr lang="en-US" sz="2400" b="0" strike="noStrike" spc="-1" dirty="0">
+                <a:solidFill>
+                  <a:srgbClr val="17161C"/>
+                </a:solidFill>
+                <a:latin typeface="Codec Pro"/>
+              </a:rPr>
+              <a:t> </a:t>
+            </a:r>
+            <a:r>
+              <a:rPr lang="en-US" sz="2400" b="0" strike="noStrike" spc="-1" dirty="0" err="1">
+                <a:solidFill>
+                  <a:srgbClr val="17161C"/>
+                </a:solidFill>
+                <a:latin typeface="Codec Pro"/>
+              </a:rPr>
+              <a:t>mit</a:t>
+            </a:r>
+            <a:r>
+              <a:rPr lang="en-US" sz="2400" b="0" strike="noStrike" spc="-1" dirty="0">
+                <a:solidFill>
+                  <a:srgbClr val="17161C"/>
+                </a:solidFill>
+                <a:latin typeface="Codec Pro"/>
+              </a:rPr>
+              <a:t> 2. </a:t>
+            </a:r>
+            <a:r>
+              <a:rPr lang="en-US" sz="2400" b="0" strike="noStrike" spc="-1" dirty="0" err="1">
+                <a:solidFill>
+                  <a:srgbClr val="17161C"/>
+                </a:solidFill>
+                <a:latin typeface="Codec Pro"/>
+              </a:rPr>
+              <a:t>erfolgt</a:t>
+            </a:r>
+            <a:endParaRPr lang="de-DE" sz="2400" b="0" strike="noStrike" spc="-1" dirty="0">
               <a:solidFill>
                 <a:srgbClr val="000000"/>
               </a:solidFill>
@@ -4391,7 +4539,7 @@
       </p:sp>
       <p:pic>
         <p:nvPicPr>
-          <p:cNvPr id="112" name="Grafik 111"/>
+          <p:cNvPr id="61" name="Grafik 60"/>
           <p:cNvPicPr/>
           <p:nvPr/>
         </p:nvPicPr>
@@ -4401,15 +4549,24 @@
         </p:blipFill>
         <p:spPr>
           <a:xfrm>
-            <a:off x="1367640" y="4860000"/>
-            <a:ext cx="6732360" cy="3603960"/>
+            <a:off x="540000" y="4680000"/>
+            <a:ext cx="9540000" cy="4709880"/>
           </a:xfrm>
           <a:prstGeom prst="rect">
             <a:avLst/>
           </a:prstGeom>
           <a:ln w="0">
-            <a:noFill/>
-          </a:ln>
+            <a:solidFill>
+              <a:schemeClr val="tx1"/>
+            </a:solidFill>
+          </a:ln>
+          <a:effectLst>
+            <a:outerShdw blurRad="50800" dist="38100" dir="2700000" algn="tl" rotWithShape="0">
+              <a:prstClr val="black">
+                <a:alpha val="40000"/>
+              </a:prstClr>
+            </a:outerShdw>
+          </a:effectLst>
         </p:spPr>
       </p:pic>
     </p:spTree>
@@ -4420,7 +4577,7 @@
 </p:sld>
 </file>
 
-<file path=ppt/slides/slide2.xml><?xml version="1.0" encoding="utf-8"?>
+<file path=ppt/slides/slide3.xml><?xml version="1.0" encoding="utf-8"?>
 <p:sld xmlns:a="http://schemas.openxmlformats.org/drawingml/2006/main" xmlns:r="http://schemas.openxmlformats.org/officeDocument/2006/relationships" xmlns:p="http://schemas.openxmlformats.org/presentationml/2006/main">
   <p:cSld>
     <p:bg>
@@ -4447,7 +4604,7 @@
       </p:grpSpPr>
       <p:sp>
         <p:nvSpPr>
-          <p:cNvPr id="49" name="AutoShape 2"/>
+          <p:cNvPr id="62" name="AutoShape 3"/>
           <p:cNvSpPr/>
           <p:nvPr/>
         </p:nvSpPr>
@@ -4484,7 +4641,7 @@
           </a:bodyPr>
           <a:lstStyle/>
           <a:p>
-            <a:endParaRPr lang="de-DE" sz="1800" b="0" strike="noStrike" spc="-1">
+            <a:endParaRPr lang="de-DE" sz="1800" b="0" strike="noStrike" spc="-1" dirty="0">
               <a:solidFill>
                 <a:srgbClr val="000000"/>
               </a:solidFill>
@@ -4495,13 +4652,13 @@
       </p:sp>
       <p:sp>
         <p:nvSpPr>
-          <p:cNvPr id="50" name="Freeform 3"/>
+          <p:cNvPr id="63" name="Freeform 6"/>
           <p:cNvSpPr/>
           <p:nvPr/>
         </p:nvSpPr>
         <p:spPr>
           <a:xfrm>
-            <a:off x="11773440" y="-714240"/>
+            <a:off x="11750760" y="-672677"/>
             <a:ext cx="12363120" cy="12250800"/>
           </a:xfrm>
           <a:custGeom>
@@ -4563,7 +4720,7 @@
           </a:bodyPr>
           <a:lstStyle/>
           <a:p>
-            <a:endParaRPr lang="de-DE" sz="1800" b="0" strike="noStrike" spc="-1">
+            <a:endParaRPr lang="de-DE" sz="1800" b="0" strike="noStrike" spc="-1" dirty="0">
               <a:solidFill>
                 <a:srgbClr val="000000"/>
               </a:solidFill>
@@ -4574,7 +4731,7 @@
       </p:sp>
       <p:sp>
         <p:nvSpPr>
-          <p:cNvPr id="51" name="Freeform 4"/>
+          <p:cNvPr id="64" name="Freeform 7"/>
           <p:cNvSpPr/>
           <p:nvPr/>
         </p:nvSpPr>
@@ -4642,7 +4799,7 @@
           </a:bodyPr>
           <a:lstStyle/>
           <a:p>
-            <a:endParaRPr lang="de-DE" sz="1800" b="0" strike="noStrike" spc="-1">
+            <a:endParaRPr lang="de-DE" sz="1800" b="0" strike="noStrike" spc="-1" dirty="0">
               <a:solidFill>
                 <a:srgbClr val="000000"/>
               </a:solidFill>
@@ -4653,14 +4810,14 @@
       </p:sp>
       <p:sp>
         <p:nvSpPr>
-          <p:cNvPr id="52" name="TextBox 6"/>
+          <p:cNvPr id="65" name="TextBox 4"/>
           <p:cNvSpPr/>
           <p:nvPr/>
         </p:nvSpPr>
         <p:spPr>
           <a:xfrm>
             <a:off x="1367640" y="3240000"/>
-            <a:ext cx="5652360" cy="320400"/>
+            <a:ext cx="5652360" cy="639720"/>
           </a:xfrm>
           <a:prstGeom prst="rect">
             <a:avLst/>
@@ -4694,15 +4851,114 @@
               </a:lnSpc>
             </a:pPr>
             <a:r>
-              <a:rPr lang="en-US" sz="1800" b="0" strike="noStrike" spc="-1">
-                <a:solidFill>
-                  <a:srgbClr val="17161C"/>
-                </a:solidFill>
-                <a:latin typeface="Codec Pro"/>
-              </a:rPr>
-              <a:t>Wie kann man es besser machen</a:t>
-            </a:r>
-            <a:endParaRPr lang="de-DE" sz="1800" b="0" strike="noStrike" spc="-1">
+              <a:rPr lang="en-US" sz="1800" b="0" strike="noStrike" spc="-1" dirty="0">
+                <a:solidFill>
+                  <a:srgbClr val="17161C"/>
+                </a:solidFill>
+                <a:latin typeface="Codec Pro"/>
+              </a:rPr>
+              <a:t>→ </a:t>
+            </a:r>
+            <a:r>
+              <a:rPr lang="de-DE" sz="1800" b="0" strike="noStrike" spc="-1" dirty="0">
+                <a:solidFill>
+                  <a:srgbClr val="17161C"/>
+                </a:solidFill>
+                <a:latin typeface="Codec Pro"/>
+              </a:rPr>
+              <a:t>möglichen</a:t>
+            </a:r>
+            <a:r>
+              <a:rPr lang="en-US" sz="1800" b="0" strike="noStrike" spc="-1" dirty="0">
+                <a:solidFill>
+                  <a:srgbClr val="17161C"/>
+                </a:solidFill>
+                <a:latin typeface="Codec Pro"/>
+              </a:rPr>
+              <a:t> </a:t>
+            </a:r>
+            <a:r>
+              <a:rPr lang="en-US" sz="1800" b="0" strike="noStrike" spc="-1" dirty="0" err="1">
+                <a:solidFill>
+                  <a:srgbClr val="17161C"/>
+                </a:solidFill>
+                <a:latin typeface="Codec Pro"/>
+              </a:rPr>
+              <a:t>infotext</a:t>
+            </a:r>
+            <a:r>
+              <a:rPr lang="en-US" sz="1800" b="0" strike="noStrike" spc="-1" dirty="0">
+                <a:solidFill>
+                  <a:srgbClr val="17161C"/>
+                </a:solidFill>
+                <a:latin typeface="Codec Pro"/>
+              </a:rPr>
+              <a:t> </a:t>
+            </a:r>
+            <a:r>
+              <a:rPr lang="en-US" sz="1800" b="0" strike="noStrike" spc="-1" dirty="0" err="1">
+                <a:solidFill>
+                  <a:srgbClr val="17161C"/>
+                </a:solidFill>
+                <a:latin typeface="Codec Pro"/>
+              </a:rPr>
+              <a:t>einbauen</a:t>
+            </a:r>
+            <a:r>
+              <a:rPr lang="en-US" sz="1800" b="0" strike="noStrike" spc="-1" dirty="0">
+                <a:solidFill>
+                  <a:srgbClr val="17161C"/>
+                </a:solidFill>
+                <a:latin typeface="Codec Pro"/>
+              </a:rPr>
+              <a:t> der </a:t>
+            </a:r>
+            <a:r>
+              <a:rPr lang="en-US" sz="1800" b="0" strike="noStrike" spc="-1" dirty="0" err="1">
+                <a:solidFill>
+                  <a:srgbClr val="17161C"/>
+                </a:solidFill>
+                <a:latin typeface="Codec Pro"/>
+              </a:rPr>
+              <a:t>genauer</a:t>
+            </a:r>
+            <a:r>
+              <a:rPr lang="en-US" sz="1800" b="0" strike="noStrike" spc="-1" dirty="0">
+                <a:solidFill>
+                  <a:srgbClr val="17161C"/>
+                </a:solidFill>
+                <a:latin typeface="Codec Pro"/>
+              </a:rPr>
+              <a:t> </a:t>
+            </a:r>
+            <a:r>
+              <a:rPr lang="en-US" sz="1800" b="0" strike="noStrike" spc="-1" dirty="0" err="1">
+                <a:solidFill>
+                  <a:srgbClr val="17161C"/>
+                </a:solidFill>
+                <a:latin typeface="Codec Pro"/>
+              </a:rPr>
+              <a:t>beschreibt</a:t>
+            </a:r>
+            <a:r>
+              <a:rPr lang="en-US" sz="1800" b="0" strike="noStrike" spc="-1" dirty="0">
+                <a:solidFill>
+                  <a:srgbClr val="17161C"/>
+                </a:solidFill>
+                <a:latin typeface="Codec Pro"/>
+              </a:rPr>
+              <a:t> was „Option“ </a:t>
+            </a:r>
+            <a:r>
+              <a:rPr lang="en-US" sz="1800" b="0" strike="noStrike" spc="-1" dirty="0" err="1">
+                <a:solidFill>
+                  <a:srgbClr val="17161C"/>
+                </a:solidFill>
+                <a:latin typeface="Codec Pro"/>
+              </a:rPr>
+              <a:t>ist</a:t>
+            </a:r>
+            <a:endParaRPr lang="de-DE" sz="1800" b="0" strike="noStrike" spc="-1" dirty="0">
               <a:solidFill>
                 <a:srgbClr val="000000"/>
               </a:solidFill>
@@ -4713,7 +4969,7 @@
       </p:sp>
       <p:sp>
         <p:nvSpPr>
-          <p:cNvPr id="53" name="TextBox 7"/>
+          <p:cNvPr id="66" name="TextBox 5"/>
           <p:cNvSpPr/>
           <p:nvPr/>
         </p:nvSpPr>
@@ -4760,7 +5016,7 @@
                 </a:solidFill>
                 <a:latin typeface="Codec Pro"/>
               </a:rPr>
-              <a:t>Textfehler</a:t>
+              <a:t>Überschrift</a:t>
             </a:r>
             <a:endParaRPr lang="de-DE" sz="8000" b="0" strike="noStrike" spc="-1">
               <a:solidFill>
@@ -4773,7 +5029,7 @@
       </p:sp>
       <p:sp>
         <p:nvSpPr>
-          <p:cNvPr id="54" name="TextBox 8"/>
+          <p:cNvPr id="67" name="TextBox 10"/>
           <p:cNvSpPr/>
           <p:nvPr/>
         </p:nvSpPr>
@@ -4820,7 +5076,7 @@
                 </a:solidFill>
                 <a:latin typeface="Codec Pro"/>
               </a:rPr>
-              <a:t>Beschreibung was falsch gelaufen ist</a:t>
+              <a:t>Unklar was gemeint ist</a:t>
             </a:r>
             <a:endParaRPr lang="de-DE" sz="2400" b="0" strike="noStrike" spc="-1">
               <a:solidFill>
@@ -4831,6 +5087,39 @@
           </a:p>
         </p:txBody>
       </p:sp>
+      <p:pic>
+        <p:nvPicPr>
+          <p:cNvPr id="68" name="Grafik 67"/>
+          <p:cNvPicPr/>
+          <p:nvPr/>
+        </p:nvPicPr>
+        <p:blipFill>
+          <a:blip r:embed="rId4"/>
+          <a:stretch/>
+        </p:blipFill>
+        <p:spPr>
+          <a:xfrm>
+            <a:off x="1028880" y="4709055"/>
+            <a:ext cx="6782040" cy="1819080"/>
+          </a:xfrm>
+          <a:prstGeom prst="rect">
+            <a:avLst/>
+          </a:prstGeom>
+          <a:ln w="0">
+            <a:solidFill>
+              <a:schemeClr val="tx1"/>
+            </a:solidFill>
+          </a:ln>
+          <a:effectLst>
+            <a:outerShdw blurRad="50800" dist="38100" dir="2700000" algn="tl" rotWithShape="0">
+              <a:prstClr val="black">
+                <a:alpha val="40000"/>
+              </a:prstClr>
+            </a:outerShdw>
+            <a:softEdge rad="0"/>
+          </a:effectLst>
+        </p:spPr>
+      </p:pic>
     </p:spTree>
   </p:cSld>
   <p:clrMapOvr>
@@ -4839,7 +5128,7 @@
 </p:sld>
 </file>
 
-<file path=ppt/slides/slide3.xml><?xml version="1.0" encoding="utf-8"?>
+<file path=ppt/slides/slide4.xml><?xml version="1.0" encoding="utf-8"?>
 <p:sld xmlns:a="http://schemas.openxmlformats.org/drawingml/2006/main" xmlns:r="http://schemas.openxmlformats.org/officeDocument/2006/relationships" xmlns:p="http://schemas.openxmlformats.org/presentationml/2006/main">
   <p:cSld>
     <p:bg>
@@ -4866,7 +5155,7 @@
       </p:grpSpPr>
       <p:sp>
         <p:nvSpPr>
-          <p:cNvPr id="55" name="AutoShape 1"/>
+          <p:cNvPr id="69" name="AutoShape 4"/>
           <p:cNvSpPr/>
           <p:nvPr/>
         </p:nvSpPr>
@@ -4914,13 +5203,15 @@
       </p:sp>
       <p:sp>
         <p:nvSpPr>
-          <p:cNvPr id="56" name="Freeform 1"/>
-          <p:cNvSpPr/>
+          <p:cNvPr id="70" name="Freeform 8"/>
+          <p:cNvSpPr>
+            <a:spLocks/>
+          </p:cNvSpPr>
           <p:nvPr/>
         </p:nvSpPr>
         <p:spPr>
           <a:xfrm>
-            <a:off x="11773440" y="-714240"/>
+            <a:off x="11787088" y="-755183"/>
             <a:ext cx="12363120" cy="12250800"/>
           </a:xfrm>
           <a:custGeom>
@@ -4993,7 +5284,7 @@
       </p:sp>
       <p:sp>
         <p:nvSpPr>
-          <p:cNvPr id="57" name="Freeform 5"/>
+          <p:cNvPr id="71" name="Freeform 9"/>
           <p:cNvSpPr/>
           <p:nvPr/>
         </p:nvSpPr>
@@ -5072,7 +5363,7 @@
       </p:sp>
       <p:sp>
         <p:nvSpPr>
-          <p:cNvPr id="58" name="TextBox 1"/>
+          <p:cNvPr id="72" name="TextBox 11"/>
           <p:cNvSpPr/>
           <p:nvPr/>
         </p:nvSpPr>
@@ -5119,7 +5410,7 @@
                 </a:solidFill>
                 <a:latin typeface="Codec Pro"/>
               </a:rPr>
-              <a:t>→ weglassen</a:t>
+              <a:t>→ einheitlich machen</a:t>
             </a:r>
             <a:endParaRPr lang="de-DE" sz="1800" b="0" strike="noStrike" spc="-1">
               <a:solidFill>
@@ -5132,7 +5423,7 @@
       </p:sp>
       <p:sp>
         <p:nvSpPr>
-          <p:cNvPr id="59" name="TextBox 2"/>
+          <p:cNvPr id="73" name="TextBox 12"/>
           <p:cNvSpPr/>
           <p:nvPr/>
         </p:nvSpPr>
@@ -5173,7 +5464,7 @@
               </a:lnSpc>
             </a:pPr>
             <a:r>
-              <a:rPr lang="en-US" sz="8000" b="0" strike="noStrike" spc="-1" dirty="0" err="1">
+              <a:rPr lang="en-US" sz="8000" b="0" strike="noStrike" spc="-1">
                 <a:solidFill>
                   <a:srgbClr val="17161C"/>
                 </a:solidFill>
@@ -5181,16 +5472,7 @@
               </a:rPr>
               <a:t>Struktur</a:t>
             </a:r>
-            <a:r>
-              <a:rPr lang="en-US" sz="8000" b="0" strike="noStrike" spc="-1" dirty="0">
-                <a:solidFill>
-                  <a:srgbClr val="17161C"/>
-                </a:solidFill>
-                <a:latin typeface="Codec Pro"/>
-              </a:rPr>
-              <a:t> </a:t>
-            </a:r>
-            <a:endParaRPr lang="de-DE" sz="8000" b="0" strike="noStrike" spc="-1" dirty="0">
+            <a:endParaRPr lang="de-DE" sz="8000" b="0" strike="noStrike" spc="-1">
               <a:solidFill>
                 <a:srgbClr val="000000"/>
               </a:solidFill>
@@ -5201,14 +5483,14 @@
       </p:sp>
       <p:sp>
         <p:nvSpPr>
-          <p:cNvPr id="60" name="TextBox 3"/>
+          <p:cNvPr id="74" name="TextBox 13"/>
           <p:cNvSpPr/>
           <p:nvPr/>
         </p:nvSpPr>
         <p:spPr>
           <a:xfrm>
-            <a:off x="1028880" y="2435760"/>
-            <a:ext cx="8499600" cy="426960"/>
+            <a:off x="1040400" y="2340000"/>
+            <a:ext cx="8499600" cy="841897"/>
           </a:xfrm>
           <a:prstGeom prst="rect">
             <a:avLst/>
@@ -5242,15 +5524,186 @@
               </a:lnSpc>
             </a:pPr>
             <a:r>
-              <a:rPr lang="en-US" sz="2400" b="0" strike="noStrike" spc="-1">
-                <a:solidFill>
-                  <a:srgbClr val="17161C"/>
-                </a:solidFill>
-                <a:latin typeface="Codec Pro"/>
-              </a:rPr>
-              <a:t>1. erfolgt nur wenn Aufzählung mit 2. erfolgt</a:t>
-            </a:r>
-            <a:endParaRPr lang="de-DE" sz="2400" b="0" strike="noStrike" spc="-1">
+              <a:rPr lang="en-US" sz="2400" b="0" strike="noStrike" spc="-1" dirty="0" err="1">
+                <a:solidFill>
+                  <a:srgbClr val="17161C"/>
+                </a:solidFill>
+                <a:latin typeface="Codec Pro"/>
+              </a:rPr>
+              <a:t>Nicht</a:t>
+            </a:r>
+            <a:r>
+              <a:rPr lang="en-US" sz="2400" b="0" strike="noStrike" spc="-1" dirty="0">
+                <a:solidFill>
+                  <a:srgbClr val="17161C"/>
+                </a:solidFill>
+                <a:latin typeface="Codec Pro"/>
+              </a:rPr>
+              <a:t> </a:t>
+            </a:r>
+            <a:r>
+              <a:rPr lang="en-US" sz="2400" b="0" strike="noStrike" spc="-1" dirty="0" err="1">
+                <a:solidFill>
+                  <a:srgbClr val="17161C"/>
+                </a:solidFill>
+                <a:latin typeface="Codec Pro"/>
+              </a:rPr>
+              <a:t>einheitliche</a:t>
+            </a:r>
+            <a:r>
+              <a:rPr lang="en-US" sz="2400" b="0" strike="noStrike" spc="-1" dirty="0">
+                <a:solidFill>
+                  <a:srgbClr val="17161C"/>
+                </a:solidFill>
+                <a:latin typeface="Codec Pro"/>
+              </a:rPr>
+              <a:t> </a:t>
+            </a:r>
+            <a:r>
+              <a:rPr lang="en-US" sz="2400" b="0" strike="noStrike" spc="-1" dirty="0" err="1">
+                <a:solidFill>
+                  <a:srgbClr val="17161C"/>
+                </a:solidFill>
+                <a:latin typeface="Codec Pro"/>
+              </a:rPr>
+              <a:t>Struktur</a:t>
+            </a:r>
+            <a:r>
+              <a:rPr lang="en-US" sz="2400" b="0" strike="noStrike" spc="-1" dirty="0">
+                <a:solidFill>
+                  <a:srgbClr val="17161C"/>
+                </a:solidFill>
+                <a:latin typeface="Codec Pro"/>
+              </a:rPr>
+              <a:t> für 1.Punkt in </a:t>
+            </a:r>
+            <a:r>
+              <a:rPr lang="en-US" sz="2400" b="0" strike="noStrike" spc="-1" dirty="0" err="1">
+                <a:solidFill>
+                  <a:srgbClr val="17161C"/>
+                </a:solidFill>
+                <a:latin typeface="Codec Pro"/>
+              </a:rPr>
+              <a:t>zusammenhang</a:t>
+            </a:r>
+            <a:r>
+              <a:rPr lang="en-US" sz="2400" b="0" strike="noStrike" spc="-1" dirty="0">
+                <a:solidFill>
+                  <a:srgbClr val="17161C"/>
+                </a:solidFill>
+                <a:latin typeface="Codec Pro"/>
+              </a:rPr>
+              <a:t> </a:t>
+            </a:r>
+            <a:r>
+              <a:rPr lang="en-US" sz="2400" b="0" strike="noStrike" spc="-1" dirty="0" err="1">
+                <a:solidFill>
+                  <a:srgbClr val="17161C"/>
+                </a:solidFill>
+                <a:latin typeface="Codec Pro"/>
+              </a:rPr>
+              <a:t>mit</a:t>
+            </a:r>
+            <a:r>
+              <a:rPr lang="en-US" sz="2400" b="0" strike="noStrike" spc="-1" dirty="0">
+                <a:solidFill>
+                  <a:srgbClr val="17161C"/>
+                </a:solidFill>
+                <a:latin typeface="Codec Pro"/>
+              </a:rPr>
+              <a:t> den </a:t>
+            </a:r>
+            <a:r>
+              <a:rPr lang="en-US" sz="2400" b="0" strike="noStrike" spc="-1" dirty="0" err="1">
+                <a:solidFill>
+                  <a:srgbClr val="17161C"/>
+                </a:solidFill>
+                <a:latin typeface="Codec Pro"/>
+              </a:rPr>
+              <a:t>anderen</a:t>
+            </a:r>
+            <a:r>
+              <a:rPr lang="en-US" sz="2400" b="0" strike="noStrike" spc="-1" dirty="0">
+                <a:solidFill>
+                  <a:srgbClr val="17161C"/>
+                </a:solidFill>
+                <a:latin typeface="Codec Pro"/>
+              </a:rPr>
+              <a:t> </a:t>
+            </a:r>
+            <a:r>
+              <a:rPr lang="en-US" sz="2400" b="0" strike="noStrike" spc="-1" dirty="0" err="1">
+                <a:solidFill>
+                  <a:srgbClr val="17161C"/>
+                </a:solidFill>
+                <a:latin typeface="Codec Pro"/>
+              </a:rPr>
+              <a:t>Punkten</a:t>
+            </a:r>
+            <a:r>
+              <a:rPr lang="en-US" sz="2400" b="0" strike="noStrike" spc="-1" dirty="0">
+                <a:solidFill>
+                  <a:srgbClr val="17161C"/>
+                </a:solidFill>
+                <a:latin typeface="Codec Pro"/>
+              </a:rPr>
+              <a:t>. (</a:t>
+            </a:r>
+            <a:r>
+              <a:rPr lang="en-US" sz="2400" b="0" strike="noStrike" spc="-1" dirty="0" err="1">
+                <a:solidFill>
+                  <a:srgbClr val="17161C"/>
+                </a:solidFill>
+                <a:latin typeface="Codec Pro"/>
+              </a:rPr>
+              <a:t>wird</a:t>
+            </a:r>
+            <a:r>
+              <a:rPr lang="en-US" sz="2400" b="0" strike="noStrike" spc="-1" dirty="0">
+                <a:solidFill>
+                  <a:srgbClr val="17161C"/>
+                </a:solidFill>
+                <a:latin typeface="Codec Pro"/>
+              </a:rPr>
+              <a:t> </a:t>
+            </a:r>
+            <a:r>
+              <a:rPr lang="en-US" sz="2400" b="0" strike="noStrike" spc="-1" dirty="0" err="1">
+                <a:solidFill>
+                  <a:srgbClr val="17161C"/>
+                </a:solidFill>
+                <a:latin typeface="Codec Pro"/>
+              </a:rPr>
+              <a:t>durch</a:t>
+            </a:r>
+            <a:r>
+              <a:rPr lang="en-US" sz="2400" b="0" strike="noStrike" spc="-1" dirty="0">
+                <a:solidFill>
+                  <a:srgbClr val="17161C"/>
+                </a:solidFill>
+                <a:latin typeface="Codec Pro"/>
+              </a:rPr>
+              <a:t> Bild </a:t>
+            </a:r>
+            <a:r>
+              <a:rPr lang="en-US" sz="2400" b="0" strike="noStrike" spc="-1" dirty="0" err="1">
+                <a:solidFill>
+                  <a:srgbClr val="17161C"/>
+                </a:solidFill>
+                <a:latin typeface="Codec Pro"/>
+              </a:rPr>
+              <a:t>unterbrochen</a:t>
+            </a:r>
+            <a:r>
+              <a:rPr lang="en-US" sz="2400" b="0" strike="noStrike" spc="-1" dirty="0">
+                <a:solidFill>
+                  <a:srgbClr val="17161C"/>
+                </a:solidFill>
+                <a:latin typeface="Codec Pro"/>
+              </a:rPr>
+              <a:t>)</a:t>
+            </a:r>
+            <a:endParaRPr lang="de-DE" sz="2400" b="0" strike="noStrike" spc="-1" dirty="0">
               <a:solidFill>
                 <a:srgbClr val="000000"/>
               </a:solidFill>
@@ -5261,7 +5714,7 @@
       </p:sp>
       <p:pic>
         <p:nvPicPr>
-          <p:cNvPr id="61" name="Grafik 60"/>
+          <p:cNvPr id="75" name="Grafik 74"/>
           <p:cNvPicPr/>
           <p:nvPr/>
         </p:nvPicPr>
@@ -5271,8 +5724,8 @@
         </p:blipFill>
         <p:spPr>
           <a:xfrm>
-            <a:off x="540000" y="4680000"/>
-            <a:ext cx="9540000" cy="4709880"/>
+            <a:off x="1440000" y="3848760"/>
+            <a:ext cx="5400000" cy="5871240"/>
           </a:xfrm>
           <a:prstGeom prst="rect">
             <a:avLst/>
@@ -5280,6 +5733,13 @@
           <a:ln w="0">
             <a:noFill/>
           </a:ln>
+          <a:effectLst>
+            <a:outerShdw blurRad="50800" dist="38100" dir="2700000" algn="tl" rotWithShape="0">
+              <a:prstClr val="black">
+                <a:alpha val="40000"/>
+              </a:prstClr>
+            </a:outerShdw>
+          </a:effectLst>
         </p:spPr>
       </p:pic>
     </p:spTree>
@@ -5290,7 +5750,7 @@
 </p:sld>
 </file>
 
-<file path=ppt/slides/slide4.xml><?xml version="1.0" encoding="utf-8"?>
+<file path=ppt/slides/slide5.xml><?xml version="1.0" encoding="utf-8"?>
 <p:sld xmlns:a="http://schemas.openxmlformats.org/drawingml/2006/main" xmlns:r="http://schemas.openxmlformats.org/officeDocument/2006/relationships" xmlns:p="http://schemas.openxmlformats.org/presentationml/2006/main">
   <p:cSld>
     <p:bg>
@@ -5317,7 +5777,7 @@
       </p:grpSpPr>
       <p:sp>
         <p:nvSpPr>
-          <p:cNvPr id="62" name="AutoShape 3"/>
+          <p:cNvPr id="76" name="AutoShape 5"/>
           <p:cNvSpPr/>
           <p:nvPr/>
         </p:nvSpPr>
@@ -5365,7 +5825,7 @@
       </p:sp>
       <p:sp>
         <p:nvSpPr>
-          <p:cNvPr id="63" name="Freeform 6"/>
+          <p:cNvPr id="77" name="Freeform 10"/>
           <p:cNvSpPr/>
           <p:nvPr/>
         </p:nvSpPr>
@@ -5444,7 +5904,7 @@
       </p:sp>
       <p:sp>
         <p:nvSpPr>
-          <p:cNvPr id="64" name="Freeform 7"/>
+          <p:cNvPr id="78" name="Freeform 11"/>
           <p:cNvSpPr/>
           <p:nvPr/>
         </p:nvSpPr>
@@ -5523,14 +5983,14 @@
       </p:sp>
       <p:sp>
         <p:nvSpPr>
-          <p:cNvPr id="65" name="TextBox 4"/>
+          <p:cNvPr id="79" name="TextBox 14"/>
           <p:cNvSpPr/>
           <p:nvPr/>
         </p:nvSpPr>
         <p:spPr>
           <a:xfrm>
             <a:off x="1367640" y="3240000"/>
-            <a:ext cx="5652360" cy="639720"/>
+            <a:ext cx="5652360" cy="299569"/>
           </a:xfrm>
           <a:prstGeom prst="rect">
             <a:avLst/>
@@ -5564,15 +6024,33 @@
               </a:lnSpc>
             </a:pPr>
             <a:r>
-              <a:rPr lang="en-US" sz="1800" b="0" strike="noStrike" spc="-1">
-                <a:solidFill>
-                  <a:srgbClr val="17161C"/>
-                </a:solidFill>
-                <a:latin typeface="Codec Pro"/>
-              </a:rPr>
-              <a:t>→ möglichen infotext einbaun der genauer beschreibt was „Option“ ist</a:t>
-            </a:r>
-            <a:endParaRPr lang="de-DE" sz="1800" b="0" strike="noStrike" spc="-1">
+              <a:rPr lang="en-US" sz="1800" b="0" strike="noStrike" spc="-1" dirty="0">
+                <a:solidFill>
+                  <a:srgbClr val="17161C"/>
+                </a:solidFill>
+                <a:latin typeface="Codec Pro"/>
+              </a:rPr>
+              <a:t>-&gt; </a:t>
+            </a:r>
+            <a:r>
+              <a:rPr lang="en-US" sz="1800" b="0" strike="noStrike" spc="-1" dirty="0" err="1">
+                <a:solidFill>
+                  <a:srgbClr val="17161C"/>
+                </a:solidFill>
+                <a:latin typeface="Codec Pro"/>
+              </a:rPr>
+              <a:t>Stattdesssen</a:t>
+            </a:r>
+            <a:r>
+              <a:rPr lang="en-US" sz="1800" b="0" strike="noStrike" spc="-1" dirty="0">
+                <a:solidFill>
+                  <a:srgbClr val="17161C"/>
+                </a:solidFill>
+                <a:latin typeface="Codec Pro"/>
+              </a:rPr>
+              <a:t> Bullet point list?</a:t>
+            </a:r>
+            <a:endParaRPr lang="de-DE" sz="1800" b="0" strike="noStrike" spc="-1" dirty="0">
               <a:solidFill>
                 <a:srgbClr val="000000"/>
               </a:solidFill>
@@ -5583,7 +6061,7 @@
       </p:sp>
       <p:sp>
         <p:nvSpPr>
-          <p:cNvPr id="66" name="TextBox 5"/>
+          <p:cNvPr id="80" name="TextBox 15"/>
           <p:cNvSpPr/>
           <p:nvPr/>
         </p:nvSpPr>
@@ -5624,15 +6102,15 @@
               </a:lnSpc>
             </a:pPr>
             <a:r>
-              <a:rPr lang="en-US" sz="8000" b="0" strike="noStrike" spc="-1">
-                <a:solidFill>
-                  <a:srgbClr val="17161C"/>
-                </a:solidFill>
-                <a:latin typeface="Codec Pro"/>
-              </a:rPr>
-              <a:t>Überschrift</a:t>
-            </a:r>
-            <a:endParaRPr lang="de-DE" sz="8000" b="0" strike="noStrike" spc="-1">
+              <a:rPr lang="en-US" sz="8000" b="0" strike="noStrike" spc="-1" dirty="0">
+                <a:solidFill>
+                  <a:srgbClr val="17161C"/>
+                </a:solidFill>
+                <a:latin typeface="Codec Pro"/>
+              </a:rPr>
+              <a:t>Text</a:t>
+            </a:r>
+            <a:endParaRPr lang="de-DE" sz="8000" b="0" strike="noStrike" spc="-1" dirty="0">
               <a:solidFill>
                 <a:srgbClr val="000000"/>
               </a:solidFill>
@@ -5643,14 +6121,14 @@
       </p:sp>
       <p:sp>
         <p:nvSpPr>
-          <p:cNvPr id="67" name="TextBox 10"/>
+          <p:cNvPr id="81" name="TextBox 16"/>
           <p:cNvSpPr/>
           <p:nvPr/>
         </p:nvSpPr>
         <p:spPr>
           <a:xfrm>
             <a:off x="1028880" y="2435760"/>
-            <a:ext cx="8499600" cy="426960"/>
+            <a:ext cx="8499600" cy="405880"/>
           </a:xfrm>
           <a:prstGeom prst="rect">
             <a:avLst/>
@@ -5684,15 +6162,114 @@
               </a:lnSpc>
             </a:pPr>
             <a:r>
-              <a:rPr lang="en-US" sz="2400" b="0" strike="noStrike" spc="-1">
-                <a:solidFill>
-                  <a:srgbClr val="17161C"/>
-                </a:solidFill>
-                <a:latin typeface="Codec Pro"/>
-              </a:rPr>
-              <a:t>Unklar was gemeint ist</a:t>
-            </a:r>
-            <a:endParaRPr lang="de-DE" sz="2400" b="0" strike="noStrike" spc="-1">
+              <a:rPr lang="en-US" sz="2400" b="0" strike="noStrike" spc="-1" dirty="0">
+                <a:solidFill>
+                  <a:srgbClr val="17161C"/>
+                </a:solidFill>
+                <a:latin typeface="Codec Pro"/>
+              </a:rPr>
+              <a:t>1. </a:t>
+            </a:r>
+            <a:r>
+              <a:rPr lang="en-US" sz="2400" b="0" strike="noStrike" spc="-1" dirty="0" err="1">
+                <a:solidFill>
+                  <a:srgbClr val="17161C"/>
+                </a:solidFill>
+                <a:latin typeface="Codec Pro"/>
+              </a:rPr>
+              <a:t>erfolgt</a:t>
+            </a:r>
+            <a:r>
+              <a:rPr lang="en-US" sz="2400" b="0" strike="noStrike" spc="-1" dirty="0">
+                <a:solidFill>
+                  <a:srgbClr val="17161C"/>
+                </a:solidFill>
+                <a:latin typeface="Codec Pro"/>
+              </a:rPr>
+              <a:t> </a:t>
+            </a:r>
+            <a:r>
+              <a:rPr lang="en-US" sz="2400" b="0" strike="noStrike" spc="-1" dirty="0" err="1">
+                <a:solidFill>
+                  <a:srgbClr val="17161C"/>
+                </a:solidFill>
+                <a:latin typeface="Codec Pro"/>
+              </a:rPr>
+              <a:t>nur</a:t>
+            </a:r>
+            <a:r>
+              <a:rPr lang="en-US" sz="2400" b="0" strike="noStrike" spc="-1" dirty="0">
+                <a:solidFill>
+                  <a:srgbClr val="17161C"/>
+                </a:solidFill>
+                <a:latin typeface="Codec Pro"/>
+              </a:rPr>
+              <a:t> </a:t>
+            </a:r>
+            <a:r>
+              <a:rPr lang="en-US" sz="2400" b="0" strike="noStrike" spc="-1" dirty="0" err="1">
+                <a:solidFill>
+                  <a:srgbClr val="17161C"/>
+                </a:solidFill>
+                <a:latin typeface="Codec Pro"/>
+              </a:rPr>
+              <a:t>wenn</a:t>
+            </a:r>
+            <a:r>
+              <a:rPr lang="en-US" sz="2400" b="0" strike="noStrike" spc="-1" dirty="0">
+                <a:solidFill>
+                  <a:srgbClr val="17161C"/>
+                </a:solidFill>
+                <a:latin typeface="Codec Pro"/>
+              </a:rPr>
+              <a:t> </a:t>
+            </a:r>
+            <a:r>
+              <a:rPr lang="en-US" sz="2400" b="0" strike="noStrike" spc="-1" dirty="0" err="1">
+                <a:solidFill>
+                  <a:srgbClr val="17161C"/>
+                </a:solidFill>
+                <a:latin typeface="Codec Pro"/>
+              </a:rPr>
+              <a:t>Aufzählung</a:t>
+            </a:r>
+            <a:r>
+              <a:rPr lang="en-US" sz="2400" b="0" strike="noStrike" spc="-1" dirty="0">
+                <a:solidFill>
+                  <a:srgbClr val="17161C"/>
+                </a:solidFill>
+                <a:latin typeface="Codec Pro"/>
+              </a:rPr>
+              <a:t> </a:t>
+            </a:r>
+            <a:r>
+              <a:rPr lang="en-US" sz="2400" b="0" strike="noStrike" spc="-1" dirty="0" err="1">
+                <a:solidFill>
+                  <a:srgbClr val="17161C"/>
+                </a:solidFill>
+                <a:latin typeface="Codec Pro"/>
+              </a:rPr>
+              <a:t>mit</a:t>
+            </a:r>
+            <a:r>
+              <a:rPr lang="en-US" sz="2400" b="0" strike="noStrike" spc="-1" dirty="0">
+                <a:solidFill>
+                  <a:srgbClr val="17161C"/>
+                </a:solidFill>
+                <a:latin typeface="Codec Pro"/>
+              </a:rPr>
+              <a:t> 2. </a:t>
+            </a:r>
+            <a:r>
+              <a:rPr lang="en-US" sz="2400" b="0" strike="noStrike" spc="-1" dirty="0" err="1">
+                <a:solidFill>
+                  <a:srgbClr val="17161C"/>
+                </a:solidFill>
+                <a:latin typeface="Codec Pro"/>
+              </a:rPr>
+              <a:t>erfolgt</a:t>
+            </a:r>
+            <a:endParaRPr lang="de-DE" sz="2400" b="0" strike="noStrike" spc="-1" dirty="0">
               <a:solidFill>
                 <a:srgbClr val="000000"/>
               </a:solidFill>
@@ -5703,18 +6280,19 @@
       </p:sp>
       <p:pic>
         <p:nvPicPr>
-          <p:cNvPr id="68" name="Grafik 67"/>
+          <p:cNvPr id="82" name="Grafik 81"/>
           <p:cNvPicPr/>
           <p:nvPr/>
         </p:nvPicPr>
         <p:blipFill>
           <a:blip r:embed="rId4"/>
+          <a:srcRect b="76372"/>
           <a:stretch/>
         </p:blipFill>
         <p:spPr>
           <a:xfrm>
-            <a:off x="417960" y="4320000"/>
-            <a:ext cx="6782040" cy="1819080"/>
+            <a:off x="398160" y="3918436"/>
+            <a:ext cx="6648840" cy="1079640"/>
           </a:xfrm>
           <a:prstGeom prst="rect">
             <a:avLst/>
@@ -5722,6 +6300,73 @@
           <a:ln w="0">
             <a:noFill/>
           </a:ln>
+          <a:effectLst>
+            <a:outerShdw blurRad="50800" dist="38100" dir="2700000" algn="tl" rotWithShape="0">
+              <a:prstClr val="black">
+                <a:alpha val="40000"/>
+              </a:prstClr>
+            </a:outerShdw>
+          </a:effectLst>
+        </p:spPr>
+      </p:pic>
+      <p:pic>
+        <p:nvPicPr>
+          <p:cNvPr id="83" name="Grafik 82"/>
+          <p:cNvPicPr/>
+          <p:nvPr/>
+        </p:nvPicPr>
+        <p:blipFill>
+          <a:blip r:embed="rId5"/>
+          <a:stretch/>
+        </p:blipFill>
+        <p:spPr>
+          <a:xfrm>
+            <a:off x="360000" y="6039360"/>
+            <a:ext cx="6687000" cy="980640"/>
+          </a:xfrm>
+          <a:prstGeom prst="rect">
+            <a:avLst/>
+          </a:prstGeom>
+          <a:ln w="0">
+            <a:noFill/>
+          </a:ln>
+          <a:effectLst>
+            <a:outerShdw blurRad="50800" dist="38100" dir="2700000" algn="tl" rotWithShape="0">
+              <a:prstClr val="black">
+                <a:alpha val="40000"/>
+              </a:prstClr>
+            </a:outerShdw>
+          </a:effectLst>
+        </p:spPr>
+      </p:pic>
+      <p:pic>
+        <p:nvPicPr>
+          <p:cNvPr id="84" name="Grafik 83"/>
+          <p:cNvPicPr/>
+          <p:nvPr/>
+        </p:nvPicPr>
+        <p:blipFill>
+          <a:blip r:embed="rId6"/>
+          <a:stretch/>
+        </p:blipFill>
+        <p:spPr>
+          <a:xfrm>
+            <a:off x="720000" y="7560000"/>
+            <a:ext cx="6639480" cy="818640"/>
+          </a:xfrm>
+          <a:prstGeom prst="rect">
+            <a:avLst/>
+          </a:prstGeom>
+          <a:ln w="0">
+            <a:noFill/>
+          </a:ln>
+          <a:effectLst>
+            <a:outerShdw blurRad="50800" dist="38100" dir="2700000" algn="tl" rotWithShape="0">
+              <a:prstClr val="black">
+                <a:alpha val="40000"/>
+              </a:prstClr>
+            </a:outerShdw>
+          </a:effectLst>
         </p:spPr>
       </p:pic>
     </p:spTree>
@@ -5732,7 +6377,7 @@
 </p:sld>
 </file>
 
-<file path=ppt/slides/slide5.xml><?xml version="1.0" encoding="utf-8"?>
+<file path=ppt/slides/slide6.xml><?xml version="1.0" encoding="utf-8"?>
 <p:sld xmlns:a="http://schemas.openxmlformats.org/drawingml/2006/main" xmlns:r="http://schemas.openxmlformats.org/officeDocument/2006/relationships" xmlns:p="http://schemas.openxmlformats.org/presentationml/2006/main">
   <p:cSld>
     <p:bg>
@@ -5759,7 +6404,7 @@
       </p:grpSpPr>
       <p:sp>
         <p:nvSpPr>
-          <p:cNvPr id="69" name="AutoShape 4"/>
+          <p:cNvPr id="85" name="AutoShape 6"/>
           <p:cNvSpPr/>
           <p:nvPr/>
         </p:nvSpPr>
@@ -5807,7 +6452,7 @@
       </p:sp>
       <p:sp>
         <p:nvSpPr>
-          <p:cNvPr id="70" name="Freeform 8"/>
+          <p:cNvPr id="86" name="Freeform 12"/>
           <p:cNvSpPr/>
           <p:nvPr/>
         </p:nvSpPr>
@@ -5886,7 +6531,7 @@
       </p:sp>
       <p:sp>
         <p:nvSpPr>
-          <p:cNvPr id="71" name="Freeform 9"/>
+          <p:cNvPr id="87" name="Freeform 13"/>
           <p:cNvSpPr/>
           <p:nvPr/>
         </p:nvSpPr>
@@ -5965,14 +6610,14 @@
       </p:sp>
       <p:sp>
         <p:nvSpPr>
-          <p:cNvPr id="72" name="TextBox 11"/>
+          <p:cNvPr id="88" name="TextBox 17"/>
           <p:cNvSpPr/>
           <p:nvPr/>
         </p:nvSpPr>
         <p:spPr>
           <a:xfrm>
             <a:off x="1367640" y="3240000"/>
-            <a:ext cx="5652360" cy="320400"/>
+            <a:ext cx="5652360" cy="299569"/>
           </a:xfrm>
           <a:prstGeom prst="rect">
             <a:avLst/>
@@ -6006,15 +6651,60 @@
               </a:lnSpc>
             </a:pPr>
             <a:r>
-              <a:rPr lang="en-US" sz="1800" b="0" strike="noStrike" spc="-1">
-                <a:solidFill>
-                  <a:srgbClr val="17161C"/>
-                </a:solidFill>
-                <a:latin typeface="Codec Pro"/>
-              </a:rPr>
-              <a:t>→ einheitlich machen</a:t>
-            </a:r>
-            <a:endParaRPr lang="de-DE" sz="1800" b="0" strike="noStrike" spc="-1">
+              <a:rPr lang="en-US" sz="1800" b="0" strike="noStrike" spc="-1" dirty="0">
+                <a:solidFill>
+                  <a:srgbClr val="17161C"/>
+                </a:solidFill>
+                <a:latin typeface="Codec Pro"/>
+              </a:rPr>
+              <a:t>-&gt; </a:t>
+            </a:r>
+            <a:r>
+              <a:rPr lang="en-US" sz="1800" b="0" strike="noStrike" spc="-1" dirty="0" err="1">
+                <a:solidFill>
+                  <a:srgbClr val="17161C"/>
+                </a:solidFill>
+                <a:latin typeface="Codec Pro"/>
+              </a:rPr>
+              <a:t>Weiteres</a:t>
+            </a:r>
+            <a:r>
+              <a:rPr lang="en-US" sz="1800" b="0" strike="noStrike" spc="-1" dirty="0">
+                <a:solidFill>
+                  <a:srgbClr val="17161C"/>
+                </a:solidFill>
+                <a:latin typeface="Codec Pro"/>
+              </a:rPr>
+              <a:t> Bild für </a:t>
+            </a:r>
+            <a:r>
+              <a:rPr lang="en-US" sz="1800" b="0" strike="noStrike" spc="-1" dirty="0" err="1">
+                <a:solidFill>
+                  <a:srgbClr val="17161C"/>
+                </a:solidFill>
+                <a:latin typeface="Codec Pro"/>
+              </a:rPr>
+              <a:t>besseres</a:t>
+            </a:r>
+            <a:r>
+              <a:rPr lang="en-US" sz="1800" b="0" strike="noStrike" spc="-1" dirty="0">
+                <a:solidFill>
+                  <a:srgbClr val="17161C"/>
+                </a:solidFill>
+                <a:latin typeface="Codec Pro"/>
+              </a:rPr>
+              <a:t> </a:t>
+            </a:r>
+            <a:r>
+              <a:rPr lang="en-US" sz="1800" b="0" strike="noStrike" spc="-1" dirty="0" err="1">
+                <a:solidFill>
+                  <a:srgbClr val="17161C"/>
+                </a:solidFill>
+                <a:latin typeface="Codec Pro"/>
+              </a:rPr>
+              <a:t>Verständnis</a:t>
+            </a:r>
+            <a:endParaRPr lang="de-DE" sz="1800" b="0" strike="noStrike" spc="-1" dirty="0">
               <a:solidFill>
                 <a:srgbClr val="000000"/>
               </a:solidFill>
@@ -6025,7 +6715,7 @@
       </p:sp>
       <p:sp>
         <p:nvSpPr>
-          <p:cNvPr id="73" name="TextBox 12"/>
+          <p:cNvPr id="89" name="TextBox 18"/>
           <p:cNvSpPr/>
           <p:nvPr/>
         </p:nvSpPr>
@@ -6066,15 +6756,15 @@
               </a:lnSpc>
             </a:pPr>
             <a:r>
-              <a:rPr lang="en-US" sz="8000" b="0" strike="noStrike" spc="-1">
-                <a:solidFill>
-                  <a:srgbClr val="17161C"/>
-                </a:solidFill>
-                <a:latin typeface="Codec Pro"/>
-              </a:rPr>
-              <a:t>Struktur</a:t>
-            </a:r>
-            <a:endParaRPr lang="de-DE" sz="8000" b="0" strike="noStrike" spc="-1">
+              <a:rPr lang="en-US" sz="8000" b="0" strike="noStrike" spc="-1" dirty="0" err="1">
+                <a:solidFill>
+                  <a:srgbClr val="17161C"/>
+                </a:solidFill>
+                <a:latin typeface="Codec Pro"/>
+              </a:rPr>
+              <a:t>Bildkontext</a:t>
+            </a:r>
+            <a:endParaRPr lang="de-DE" sz="8000" b="0" strike="noStrike" spc="-1" dirty="0">
               <a:solidFill>
                 <a:srgbClr val="000000"/>
               </a:solidFill>
@@ -6085,14 +6775,14 @@
       </p:sp>
       <p:sp>
         <p:nvSpPr>
-          <p:cNvPr id="74" name="TextBox 13"/>
+          <p:cNvPr id="90" name="TextBox 19"/>
           <p:cNvSpPr/>
           <p:nvPr/>
         </p:nvSpPr>
         <p:spPr>
           <a:xfrm>
-            <a:off x="1040400" y="2340000"/>
-            <a:ext cx="8499600" cy="852840"/>
+            <a:off x="1028880" y="2435760"/>
+            <a:ext cx="8499600" cy="405880"/>
           </a:xfrm>
           <a:prstGeom prst="rect">
             <a:avLst/>
@@ -6126,15 +6816,87 @@
               </a:lnSpc>
             </a:pPr>
             <a:r>
-              <a:rPr lang="en-US" sz="2400" b="0" strike="noStrike" spc="-1">
-                <a:solidFill>
-                  <a:srgbClr val="17161C"/>
-                </a:solidFill>
-                <a:latin typeface="Codec Pro"/>
-              </a:rPr>
-              <a:t>Nicht einheitliche Struktur für 1.Punkt in zusammenhang mit einem bild</a:t>
-            </a:r>
-            <a:endParaRPr lang="de-DE" sz="2400" b="0" strike="noStrike" spc="-1">
+              <a:rPr lang="en-US" sz="2400" spc="-1" dirty="0" err="1">
+                <a:solidFill>
+                  <a:srgbClr val="17161C"/>
+                </a:solidFill>
+                <a:latin typeface="Codec Pro"/>
+              </a:rPr>
+              <a:t>Gerätefach</a:t>
+            </a:r>
+            <a:r>
+              <a:rPr lang="en-US" sz="2400" spc="-1" dirty="0">
+                <a:solidFill>
+                  <a:srgbClr val="17161C"/>
+                </a:solidFill>
+                <a:latin typeface="Codec Pro"/>
+              </a:rPr>
+              <a:t> </a:t>
+            </a:r>
+            <a:r>
+              <a:rPr lang="en-US" sz="2400" spc="-1" dirty="0" err="1">
+                <a:solidFill>
+                  <a:srgbClr val="17161C"/>
+                </a:solidFill>
+                <a:latin typeface="Codec Pro"/>
+              </a:rPr>
+              <a:t>wird</a:t>
+            </a:r>
+            <a:r>
+              <a:rPr lang="en-US" sz="2400" spc="-1" dirty="0">
+                <a:solidFill>
+                  <a:srgbClr val="17161C"/>
+                </a:solidFill>
+                <a:latin typeface="Codec Pro"/>
+              </a:rPr>
+              <a:t> auf </a:t>
+            </a:r>
+            <a:r>
+              <a:rPr lang="en-US" sz="2400" spc="-1" dirty="0" err="1">
+                <a:solidFill>
+                  <a:srgbClr val="17161C"/>
+                </a:solidFill>
+                <a:latin typeface="Codec Pro"/>
+              </a:rPr>
+              <a:t>folge</a:t>
+            </a:r>
+            <a:r>
+              <a:rPr lang="en-US" sz="2400" spc="-1" dirty="0">
+                <a:solidFill>
+                  <a:srgbClr val="17161C"/>
+                </a:solidFill>
+                <a:latin typeface="Codec Pro"/>
+              </a:rPr>
+              <a:t> Bild </a:t>
+            </a:r>
+            <a:r>
+              <a:rPr lang="en-US" sz="2400" spc="-1" dirty="0" err="1">
+                <a:solidFill>
+                  <a:srgbClr val="17161C"/>
+                </a:solidFill>
+                <a:latin typeface="Codec Pro"/>
+              </a:rPr>
+              <a:t>nicht</a:t>
+            </a:r>
+            <a:r>
+              <a:rPr lang="en-US" sz="2400" spc="-1" dirty="0">
+                <a:solidFill>
+                  <a:srgbClr val="17161C"/>
+                </a:solidFill>
+                <a:latin typeface="Codec Pro"/>
+              </a:rPr>
+              <a:t> </a:t>
+            </a:r>
+            <a:r>
+              <a:rPr lang="en-US" sz="2400" spc="-1" dirty="0" err="1">
+                <a:solidFill>
+                  <a:srgbClr val="17161C"/>
+                </a:solidFill>
+                <a:latin typeface="Codec Pro"/>
+              </a:rPr>
+              <a:t>gezeigt</a:t>
+            </a:r>
+            <a:endParaRPr lang="de-DE" sz="2400" b="0" strike="noStrike" spc="-1" dirty="0">
               <a:solidFill>
                 <a:srgbClr val="000000"/>
               </a:solidFill>
@@ -6145,7 +6907,7 @@
       </p:sp>
       <p:pic>
         <p:nvPicPr>
-          <p:cNvPr id="75" name="Grafik 74"/>
+          <p:cNvPr id="91" name="Grafik 90"/>
           <p:cNvPicPr/>
           <p:nvPr/>
         </p:nvPicPr>
@@ -6155,8 +6917,8 @@
         </p:blipFill>
         <p:spPr>
           <a:xfrm>
-            <a:off x="1440000" y="3848760"/>
-            <a:ext cx="5400000" cy="5871240"/>
+            <a:off x="1140534" y="3937929"/>
+            <a:ext cx="5035320" cy="5760000"/>
           </a:xfrm>
           <a:prstGeom prst="rect">
             <a:avLst/>
@@ -6164,6 +6926,13 @@
           <a:ln w="0">
             <a:noFill/>
           </a:ln>
+          <a:effectLst>
+            <a:outerShdw blurRad="50800" dist="38100" dir="2700000" algn="tl" rotWithShape="0">
+              <a:prstClr val="black">
+                <a:alpha val="40000"/>
+              </a:prstClr>
+            </a:outerShdw>
+          </a:effectLst>
         </p:spPr>
       </p:pic>
     </p:spTree>
@@ -6174,7 +6943,7 @@
 </p:sld>
 </file>
 
-<file path=ppt/slides/slide6.xml><?xml version="1.0" encoding="utf-8"?>
+<file path=ppt/slides/slide7.xml><?xml version="1.0" encoding="utf-8"?>
 <p:sld xmlns:a="http://schemas.openxmlformats.org/drawingml/2006/main" xmlns:r="http://schemas.openxmlformats.org/officeDocument/2006/relationships" xmlns:p="http://schemas.openxmlformats.org/presentationml/2006/main">
   <p:cSld>
     <p:bg>
@@ -6201,7 +6970,7 @@
       </p:grpSpPr>
       <p:sp>
         <p:nvSpPr>
-          <p:cNvPr id="76" name="AutoShape 5"/>
+          <p:cNvPr id="92" name="AutoShape 7"/>
           <p:cNvSpPr/>
           <p:nvPr/>
         </p:nvSpPr>
@@ -6249,7 +7018,7 @@
       </p:sp>
       <p:sp>
         <p:nvSpPr>
-          <p:cNvPr id="77" name="Freeform 10"/>
+          <p:cNvPr id="93" name="Freeform 14"/>
           <p:cNvSpPr/>
           <p:nvPr/>
         </p:nvSpPr>
@@ -6328,7 +7097,7 @@
       </p:sp>
       <p:sp>
         <p:nvSpPr>
-          <p:cNvPr id="78" name="Freeform 11"/>
+          <p:cNvPr id="94" name="Freeform 15"/>
           <p:cNvSpPr/>
           <p:nvPr/>
         </p:nvSpPr>
@@ -6407,14 +7176,14 @@
       </p:sp>
       <p:sp>
         <p:nvSpPr>
-          <p:cNvPr id="79" name="TextBox 14"/>
+          <p:cNvPr id="95" name="TextBox 20"/>
           <p:cNvSpPr/>
           <p:nvPr/>
         </p:nvSpPr>
         <p:spPr>
           <a:xfrm>
             <a:off x="1367640" y="3240000"/>
-            <a:ext cx="5652360" cy="320400"/>
+            <a:ext cx="5652360" cy="620170"/>
           </a:xfrm>
           <a:prstGeom prst="rect">
             <a:avLst/>
@@ -6448,15 +7217,186 @@
               </a:lnSpc>
             </a:pPr>
             <a:r>
-              <a:rPr lang="en-US" sz="1800" b="0" strike="noStrike" spc="-1">
-                <a:solidFill>
-                  <a:srgbClr val="17161C"/>
-                </a:solidFill>
-                <a:latin typeface="Codec Pro"/>
-              </a:rPr>
-              <a:t>Wie kann man es besser machen</a:t>
-            </a:r>
-            <a:endParaRPr lang="de-DE" sz="1800" b="0" strike="noStrike" spc="-1">
+              <a:rPr lang="en-US" sz="1800" b="0" strike="noStrike" spc="-1" dirty="0" err="1">
+                <a:solidFill>
+                  <a:srgbClr val="17161C"/>
+                </a:solidFill>
+                <a:latin typeface="Codec Pro"/>
+              </a:rPr>
+              <a:t>Folgender</a:t>
+            </a:r>
+            <a:r>
+              <a:rPr lang="en-US" sz="1800" b="0" strike="noStrike" spc="-1" dirty="0">
+                <a:solidFill>
+                  <a:srgbClr val="17161C"/>
+                </a:solidFill>
+                <a:latin typeface="Codec Pro"/>
+              </a:rPr>
+              <a:t> Text </a:t>
+            </a:r>
+            <a:r>
+              <a:rPr lang="en-US" sz="1800" b="0" strike="noStrike" spc="-1" dirty="0" err="1">
+                <a:solidFill>
+                  <a:srgbClr val="17161C"/>
+                </a:solidFill>
+                <a:latin typeface="Codec Pro"/>
+              </a:rPr>
+              <a:t>wird</a:t>
+            </a:r>
+            <a:r>
+              <a:rPr lang="en-US" sz="1800" b="0" strike="noStrike" spc="-1" dirty="0">
+                <a:solidFill>
+                  <a:srgbClr val="17161C"/>
+                </a:solidFill>
+                <a:latin typeface="Codec Pro"/>
+              </a:rPr>
+              <a:t> </a:t>
+            </a:r>
+            <a:r>
+              <a:rPr lang="en-US" sz="1800" b="0" strike="noStrike" spc="-1" dirty="0" err="1">
+                <a:solidFill>
+                  <a:srgbClr val="17161C"/>
+                </a:solidFill>
+                <a:latin typeface="Codec Pro"/>
+              </a:rPr>
+              <a:t>schon</a:t>
+            </a:r>
+            <a:r>
+              <a:rPr lang="en-US" sz="1800" b="0" strike="noStrike" spc="-1" dirty="0">
+                <a:solidFill>
+                  <a:srgbClr val="17161C"/>
+                </a:solidFill>
+                <a:latin typeface="Codec Pro"/>
+              </a:rPr>
+              <a:t> </a:t>
+            </a:r>
+            <a:r>
+              <a:rPr lang="en-US" sz="1800" b="0" strike="noStrike" spc="-1" dirty="0" err="1">
+                <a:solidFill>
+                  <a:srgbClr val="17161C"/>
+                </a:solidFill>
+                <a:latin typeface="Codec Pro"/>
+              </a:rPr>
+              <a:t>durch</a:t>
+            </a:r>
+            <a:r>
+              <a:rPr lang="en-US" sz="1800" b="0" strike="noStrike" spc="-1" dirty="0">
+                <a:solidFill>
+                  <a:srgbClr val="17161C"/>
+                </a:solidFill>
+                <a:latin typeface="Codec Pro"/>
+              </a:rPr>
+              <a:t> </a:t>
+            </a:r>
+            <a:r>
+              <a:rPr lang="en-US" sz="1800" b="0" strike="noStrike" spc="-1" dirty="0" err="1">
+                <a:solidFill>
+                  <a:srgbClr val="17161C"/>
+                </a:solidFill>
+                <a:latin typeface="Codec Pro"/>
+              </a:rPr>
+              <a:t>viele</a:t>
+            </a:r>
+            <a:r>
+              <a:rPr lang="en-US" sz="1800" b="0" strike="noStrike" spc="-1" dirty="0">
+                <a:solidFill>
+                  <a:srgbClr val="17161C"/>
+                </a:solidFill>
+                <a:latin typeface="Codec Pro"/>
+              </a:rPr>
+              <a:t> </a:t>
+            </a:r>
+            <a:r>
+              <a:rPr lang="en-US" sz="1800" b="0" strike="noStrike" spc="-1" dirty="0" err="1">
+                <a:solidFill>
+                  <a:srgbClr val="17161C"/>
+                </a:solidFill>
+                <a:latin typeface="Codec Pro"/>
+              </a:rPr>
+              <a:t>Bildbeispiele</a:t>
+            </a:r>
+            <a:r>
+              <a:rPr lang="en-US" sz="1800" b="0" strike="noStrike" spc="-1" dirty="0">
+                <a:solidFill>
+                  <a:srgbClr val="17161C"/>
+                </a:solidFill>
+                <a:latin typeface="Codec Pro"/>
+              </a:rPr>
+              <a:t> </a:t>
+            </a:r>
+            <a:r>
+              <a:rPr lang="en-US" sz="1800" b="0" strike="noStrike" spc="-1" dirty="0" err="1">
+                <a:solidFill>
+                  <a:srgbClr val="17161C"/>
+                </a:solidFill>
+                <a:latin typeface="Codec Pro"/>
+              </a:rPr>
+              <a:t>unterbrochen</a:t>
+            </a:r>
+            <a:r>
+              <a:rPr lang="en-US" spc="-1" dirty="0">
+                <a:solidFill>
+                  <a:srgbClr val="17161C"/>
+                </a:solidFill>
+                <a:latin typeface="Codec Pro"/>
+              </a:rPr>
+              <a:t> -&gt; </a:t>
+            </a:r>
+            <a:r>
+              <a:rPr lang="en-US" spc="-1" dirty="0" err="1">
+                <a:solidFill>
+                  <a:srgbClr val="17161C"/>
+                </a:solidFill>
+                <a:latin typeface="Codec Pro"/>
+              </a:rPr>
+              <a:t>Überschrift</a:t>
+            </a:r>
+            <a:r>
+              <a:rPr lang="en-US" spc="-1" dirty="0">
+                <a:solidFill>
+                  <a:srgbClr val="17161C"/>
+                </a:solidFill>
+                <a:latin typeface="Codec Pro"/>
+              </a:rPr>
+              <a:t> auf </a:t>
+            </a:r>
+            <a:r>
+              <a:rPr lang="en-US" spc="-1" dirty="0" err="1">
+                <a:solidFill>
+                  <a:srgbClr val="17161C"/>
+                </a:solidFill>
+                <a:latin typeface="Codec Pro"/>
+              </a:rPr>
+              <a:t>nächste</a:t>
+            </a:r>
+            <a:r>
+              <a:rPr lang="en-US" spc="-1" dirty="0">
+                <a:solidFill>
+                  <a:srgbClr val="17161C"/>
+                </a:solidFill>
+                <a:latin typeface="Codec Pro"/>
+              </a:rPr>
+              <a:t> </a:t>
+            </a:r>
+            <a:r>
+              <a:rPr lang="en-US" spc="-1" dirty="0" err="1">
+                <a:solidFill>
+                  <a:srgbClr val="17161C"/>
+                </a:solidFill>
+                <a:latin typeface="Codec Pro"/>
+              </a:rPr>
+              <a:t>Seite</a:t>
+            </a:r>
+            <a:r>
+              <a:rPr lang="en-US" spc="-1" dirty="0">
+                <a:solidFill>
+                  <a:srgbClr val="17161C"/>
+                </a:solidFill>
+                <a:latin typeface="Codec Pro"/>
+              </a:rPr>
+              <a:t> </a:t>
+            </a:r>
+            <a:endParaRPr lang="de-DE" sz="1800" b="0" strike="noStrike" spc="-1" dirty="0">
               <a:solidFill>
                 <a:srgbClr val="000000"/>
               </a:solidFill>
@@ -6467,7 +7407,7 @@
       </p:sp>
       <p:sp>
         <p:nvSpPr>
-          <p:cNvPr id="80" name="TextBox 15"/>
+          <p:cNvPr id="96" name="TextBox 21"/>
           <p:cNvSpPr/>
           <p:nvPr/>
         </p:nvSpPr>
@@ -6508,15 +7448,15 @@
               </a:lnSpc>
             </a:pPr>
             <a:r>
-              <a:rPr lang="en-US" sz="8000" b="0" strike="noStrike" spc="-1">
-                <a:solidFill>
-                  <a:srgbClr val="17161C"/>
-                </a:solidFill>
-                <a:latin typeface="Codec Pro"/>
-              </a:rPr>
-              <a:t>Textfehler</a:t>
-            </a:r>
-            <a:endParaRPr lang="de-DE" sz="8000" b="0" strike="noStrike" spc="-1">
+              <a:rPr lang="en-US" sz="8000" b="0" strike="noStrike" spc="-1" dirty="0" err="1">
+                <a:solidFill>
+                  <a:srgbClr val="17161C"/>
+                </a:solidFill>
+                <a:latin typeface="Codec Pro"/>
+              </a:rPr>
+              <a:t>Struktur</a:t>
+            </a:r>
+            <a:endParaRPr lang="de-DE" sz="8000" b="0" strike="noStrike" spc="-1" dirty="0">
               <a:solidFill>
                 <a:srgbClr val="000000"/>
               </a:solidFill>
@@ -6527,14 +7467,14 @@
       </p:sp>
       <p:sp>
         <p:nvSpPr>
-          <p:cNvPr id="81" name="TextBox 16"/>
+          <p:cNvPr id="97" name="TextBox 22"/>
           <p:cNvSpPr/>
           <p:nvPr/>
         </p:nvSpPr>
         <p:spPr>
           <a:xfrm>
             <a:off x="1028880" y="2435760"/>
-            <a:ext cx="8499600" cy="426960"/>
+            <a:ext cx="8499600" cy="405880"/>
           </a:xfrm>
           <a:prstGeom prst="rect">
             <a:avLst/>
@@ -6568,15 +7508,96 @@
               </a:lnSpc>
             </a:pPr>
             <a:r>
-              <a:rPr lang="en-US" sz="2400" b="0" strike="noStrike" spc="-1">
-                <a:solidFill>
-                  <a:srgbClr val="17161C"/>
-                </a:solidFill>
-                <a:latin typeface="Codec Pro"/>
-              </a:rPr>
-              <a:t>Beschreibung was falsch gelaufen ist</a:t>
-            </a:r>
-            <a:endParaRPr lang="de-DE" sz="2400" b="0" strike="noStrike" spc="-1">
+              <a:rPr lang="en-US" sz="2400" b="0" strike="noStrike" spc="-1" dirty="0" err="1">
+                <a:solidFill>
+                  <a:srgbClr val="17161C"/>
+                </a:solidFill>
+                <a:latin typeface="Codec Pro"/>
+              </a:rPr>
+              <a:t>Überschrift</a:t>
+            </a:r>
+            <a:r>
+              <a:rPr lang="en-US" sz="2400" b="0" strike="noStrike" spc="-1" dirty="0">
+                <a:solidFill>
+                  <a:srgbClr val="17161C"/>
+                </a:solidFill>
+                <a:latin typeface="Codec Pro"/>
+              </a:rPr>
+              <a:t> und </a:t>
+            </a:r>
+            <a:r>
+              <a:rPr lang="en-US" sz="2400" b="0" strike="noStrike" spc="-1" dirty="0" err="1">
+                <a:solidFill>
+                  <a:srgbClr val="17161C"/>
+                </a:solidFill>
+                <a:latin typeface="Codec Pro"/>
+              </a:rPr>
+              <a:t>Erster</a:t>
+            </a:r>
+            <a:r>
+              <a:rPr lang="en-US" sz="2400" b="0" strike="noStrike" spc="-1" dirty="0">
+                <a:solidFill>
+                  <a:srgbClr val="17161C"/>
+                </a:solidFill>
+                <a:latin typeface="Codec Pro"/>
+              </a:rPr>
+              <a:t> Schritt </a:t>
+            </a:r>
+            <a:r>
+              <a:rPr lang="en-US" sz="2400" b="0" strike="noStrike" spc="-1" dirty="0" err="1">
+                <a:solidFill>
+                  <a:srgbClr val="17161C"/>
+                </a:solidFill>
+                <a:latin typeface="Codec Pro"/>
+              </a:rPr>
+              <a:t>stehen</a:t>
+            </a:r>
+            <a:r>
+              <a:rPr lang="en-US" sz="2400" b="0" strike="noStrike" spc="-1" dirty="0">
+                <a:solidFill>
+                  <a:srgbClr val="17161C"/>
+                </a:solidFill>
+                <a:latin typeface="Codec Pro"/>
+              </a:rPr>
+              <a:t> auf </a:t>
+            </a:r>
+            <a:r>
+              <a:rPr lang="en-US" sz="2400" b="0" strike="noStrike" spc="-1" dirty="0" err="1">
+                <a:solidFill>
+                  <a:srgbClr val="17161C"/>
+                </a:solidFill>
+                <a:latin typeface="Codec Pro"/>
+              </a:rPr>
+              <a:t>vorheriger</a:t>
+            </a:r>
+            <a:r>
+              <a:rPr lang="en-US" sz="2400" b="0" strike="noStrike" spc="-1" dirty="0">
+                <a:solidFill>
+                  <a:srgbClr val="17161C"/>
+                </a:solidFill>
+                <a:latin typeface="Codec Pro"/>
+              </a:rPr>
+              <a:t> </a:t>
+            </a:r>
+            <a:r>
+              <a:rPr lang="en-US" sz="2400" b="0" strike="noStrike" spc="-1" dirty="0" err="1">
+                <a:solidFill>
+                  <a:srgbClr val="17161C"/>
+                </a:solidFill>
+                <a:latin typeface="Codec Pro"/>
+              </a:rPr>
+              <a:t>Seite</a:t>
+            </a:r>
+            <a:r>
+              <a:rPr lang="en-US" sz="2400" spc="-1" dirty="0">
+                <a:solidFill>
+                  <a:srgbClr val="17161C"/>
+                </a:solidFill>
+                <a:latin typeface="Codec Pro"/>
+              </a:rPr>
+              <a:t>.</a:t>
+            </a:r>
+            <a:endParaRPr lang="de-DE" sz="2400" b="0" strike="noStrike" spc="-1" dirty="0">
               <a:solidFill>
                 <a:srgbClr val="000000"/>
               </a:solidFill>
@@ -6587,19 +7608,18 @@
       </p:sp>
       <p:pic>
         <p:nvPicPr>
-          <p:cNvPr id="82" name="Grafik 81"/>
+          <p:cNvPr id="98" name="Grafik 97"/>
           <p:cNvPicPr/>
           <p:nvPr/>
         </p:nvPicPr>
         <p:blipFill>
           <a:blip r:embed="rId4"/>
-          <a:srcRect b="76372"/>
           <a:stretch/>
         </p:blipFill>
         <p:spPr>
           <a:xfrm>
-            <a:off x="371160" y="3960000"/>
-            <a:ext cx="6648840" cy="1079640"/>
+            <a:off x="1190618" y="4454821"/>
+            <a:ext cx="7153560" cy="4543560"/>
           </a:xfrm>
           <a:prstGeom prst="rect">
             <a:avLst/>
@@ -6607,52 +7627,13 @@
           <a:ln w="0">
             <a:noFill/>
           </a:ln>
-        </p:spPr>
-      </p:pic>
-      <p:pic>
-        <p:nvPicPr>
-          <p:cNvPr id="83" name="Grafik 82"/>
-          <p:cNvPicPr/>
-          <p:nvPr/>
-        </p:nvPicPr>
-        <p:blipFill>
-          <a:blip r:embed="rId5"/>
-          <a:stretch/>
-        </p:blipFill>
-        <p:spPr>
-          <a:xfrm>
-            <a:off x="360000" y="6039360"/>
-            <a:ext cx="6687000" cy="980640"/>
-          </a:xfrm>
-          <a:prstGeom prst="rect">
-            <a:avLst/>
-          </a:prstGeom>
-          <a:ln w="0">
-            <a:noFill/>
-          </a:ln>
-        </p:spPr>
-      </p:pic>
-      <p:pic>
-        <p:nvPicPr>
-          <p:cNvPr id="84" name="Grafik 83"/>
-          <p:cNvPicPr/>
-          <p:nvPr/>
-        </p:nvPicPr>
-        <p:blipFill>
-          <a:blip r:embed="rId6"/>
-          <a:stretch/>
-        </p:blipFill>
-        <p:spPr>
-          <a:xfrm>
-            <a:off x="720000" y="7560000"/>
-            <a:ext cx="6639480" cy="818640"/>
-          </a:xfrm>
-          <a:prstGeom prst="rect">
-            <a:avLst/>
-          </a:prstGeom>
-          <a:ln w="0">
-            <a:noFill/>
-          </a:ln>
+          <a:effectLst>
+            <a:outerShdw blurRad="50800" dist="38100" dir="2700000" algn="tl" rotWithShape="0">
+              <a:prstClr val="black">
+                <a:alpha val="40000"/>
+              </a:prstClr>
+            </a:outerShdw>
+          </a:effectLst>
         </p:spPr>
       </p:pic>
     </p:spTree>
@@ -6663,7 +7644,7 @@
 </p:sld>
 </file>
 
-<file path=ppt/slides/slide7.xml><?xml version="1.0" encoding="utf-8"?>
+<file path=ppt/slides/slide8.xml><?xml version="1.0" encoding="utf-8"?>
 <p:sld xmlns:a="http://schemas.openxmlformats.org/drawingml/2006/main" xmlns:r="http://schemas.openxmlformats.org/officeDocument/2006/relationships" xmlns:p="http://schemas.openxmlformats.org/presentationml/2006/main">
   <p:cSld>
     <p:bg>
@@ -6690,7 +7671,7 @@
       </p:grpSpPr>
       <p:sp>
         <p:nvSpPr>
-          <p:cNvPr id="85" name="AutoShape 6"/>
+          <p:cNvPr id="99" name="AutoShape 8"/>
           <p:cNvSpPr/>
           <p:nvPr/>
         </p:nvSpPr>
@@ -6738,7 +7719,7 @@
       </p:sp>
       <p:sp>
         <p:nvSpPr>
-          <p:cNvPr id="86" name="Freeform 12"/>
+          <p:cNvPr id="100" name="Freeform 16"/>
           <p:cNvSpPr/>
           <p:nvPr/>
         </p:nvSpPr>
@@ -6817,7 +7798,7 @@
       </p:sp>
       <p:sp>
         <p:nvSpPr>
-          <p:cNvPr id="87" name="Freeform 13"/>
+          <p:cNvPr id="101" name="Freeform 17"/>
           <p:cNvSpPr/>
           <p:nvPr/>
         </p:nvSpPr>
@@ -6896,14 +7877,14 @@
       </p:sp>
       <p:sp>
         <p:nvSpPr>
-          <p:cNvPr id="88" name="TextBox 17"/>
+          <p:cNvPr id="102" name="TextBox 23"/>
           <p:cNvSpPr/>
           <p:nvPr/>
         </p:nvSpPr>
         <p:spPr>
           <a:xfrm>
             <a:off x="1367640" y="3240000"/>
-            <a:ext cx="5652360" cy="320400"/>
+            <a:ext cx="5652360" cy="299569"/>
           </a:xfrm>
           <a:prstGeom prst="rect">
             <a:avLst/>
@@ -6937,15 +7918,42 @@
               </a:lnSpc>
             </a:pPr>
             <a:r>
-              <a:rPr lang="en-US" sz="1800" b="0" strike="noStrike" spc="-1">
-                <a:solidFill>
-                  <a:srgbClr val="17161C"/>
-                </a:solidFill>
-                <a:latin typeface="Codec Pro"/>
-              </a:rPr>
-              <a:t>Wie kann man es besser machen</a:t>
-            </a:r>
-            <a:endParaRPr lang="de-DE" sz="1800" b="0" strike="noStrike" spc="-1">
+              <a:rPr lang="en-US" sz="1800" b="0" strike="noStrike" spc="-1" dirty="0" err="1">
+                <a:solidFill>
+                  <a:srgbClr val="17161C"/>
+                </a:solidFill>
+                <a:latin typeface="Codec Pro"/>
+              </a:rPr>
+              <a:t>Möglicherweise</a:t>
+            </a:r>
+            <a:r>
+              <a:rPr lang="en-US" sz="1800" b="0" strike="noStrike" spc="-1" dirty="0">
+                <a:solidFill>
+                  <a:srgbClr val="17161C"/>
+                </a:solidFill>
+                <a:latin typeface="Codec Pro"/>
+              </a:rPr>
+              <a:t> </a:t>
+            </a:r>
+            <a:r>
+              <a:rPr lang="en-US" sz="1800" b="0" strike="noStrike" spc="-1" dirty="0" err="1">
+                <a:solidFill>
+                  <a:srgbClr val="17161C"/>
+                </a:solidFill>
+                <a:latin typeface="Codec Pro"/>
+              </a:rPr>
+              <a:t>ersetzbar</a:t>
+            </a:r>
+            <a:r>
+              <a:rPr lang="en-US" sz="1800" b="0" strike="noStrike" spc="-1" dirty="0">
+                <a:solidFill>
+                  <a:srgbClr val="17161C"/>
+                </a:solidFill>
+                <a:latin typeface="Codec Pro"/>
+              </a:rPr>
+              <a:t>?</a:t>
+            </a:r>
+            <a:endParaRPr lang="de-DE" sz="1800" b="0" strike="noStrike" spc="-1" dirty="0">
               <a:solidFill>
                 <a:srgbClr val="000000"/>
               </a:solidFill>
@@ -6956,7 +7964,7 @@
       </p:sp>
       <p:sp>
         <p:nvSpPr>
-          <p:cNvPr id="89" name="TextBox 18"/>
+          <p:cNvPr id="103" name="TextBox 24"/>
           <p:cNvSpPr/>
           <p:nvPr/>
         </p:nvSpPr>
@@ -6997,15 +8005,15 @@
               </a:lnSpc>
             </a:pPr>
             <a:r>
-              <a:rPr lang="en-US" sz="8000" b="0" strike="noStrike" spc="-1">
-                <a:solidFill>
-                  <a:srgbClr val="17161C"/>
-                </a:solidFill>
-                <a:latin typeface="Codec Pro"/>
-              </a:rPr>
-              <a:t>Textfehler</a:t>
-            </a:r>
-            <a:endParaRPr lang="de-DE" sz="8000" b="0" strike="noStrike" spc="-1">
+              <a:rPr lang="en-US" sz="8000" b="0" strike="noStrike" spc="-1" dirty="0">
+                <a:solidFill>
+                  <a:srgbClr val="17161C"/>
+                </a:solidFill>
+                <a:latin typeface="Codec Pro"/>
+              </a:rPr>
+              <a:t>Text</a:t>
+            </a:r>
+            <a:endParaRPr lang="de-DE" sz="8000" b="0" strike="noStrike" spc="-1" dirty="0">
               <a:solidFill>
                 <a:srgbClr val="000000"/>
               </a:solidFill>
@@ -7016,14 +8024,14 @@
       </p:sp>
       <p:sp>
         <p:nvSpPr>
-          <p:cNvPr id="90" name="TextBox 19"/>
+          <p:cNvPr id="104" name="TextBox 25"/>
           <p:cNvSpPr/>
           <p:nvPr/>
         </p:nvSpPr>
         <p:spPr>
           <a:xfrm>
             <a:off x="1028880" y="2435760"/>
-            <a:ext cx="8499600" cy="426960"/>
+            <a:ext cx="8499600" cy="405880"/>
           </a:xfrm>
           <a:prstGeom prst="rect">
             <a:avLst/>
@@ -7057,15 +8065,15 @@
               </a:lnSpc>
             </a:pPr>
             <a:r>
-              <a:rPr lang="en-US" sz="2400" b="0" strike="noStrike" spc="-1">
-                <a:solidFill>
-                  <a:srgbClr val="17161C"/>
-                </a:solidFill>
-                <a:latin typeface="Codec Pro"/>
-              </a:rPr>
-              <a:t>Beschreibung was falsch gelaufen ist</a:t>
-            </a:r>
-            <a:endParaRPr lang="de-DE" sz="2400" b="0" strike="noStrike" spc="-1">
+              <a:rPr lang="en-US" sz="2400" b="0" strike="noStrike" spc="-1" dirty="0" err="1">
+                <a:solidFill>
+                  <a:srgbClr val="17161C"/>
+                </a:solidFill>
+                <a:latin typeface="Codec Pro"/>
+              </a:rPr>
+              <a:t>Fülltext</a:t>
+            </a:r>
+            <a:endParaRPr lang="de-DE" sz="2400" b="0" strike="noStrike" spc="-1" dirty="0">
               <a:solidFill>
                 <a:srgbClr val="000000"/>
               </a:solidFill>
@@ -7076,7 +8084,7 @@
       </p:sp>
       <p:pic>
         <p:nvPicPr>
-          <p:cNvPr id="91" name="Grafik 90"/>
+          <p:cNvPr id="105" name="Grafik 104"/>
           <p:cNvPicPr/>
           <p:nvPr/>
         </p:nvPicPr>
@@ -7086,8 +8094,8 @@
         </p:blipFill>
         <p:spPr>
           <a:xfrm>
-            <a:off x="364680" y="3960000"/>
-            <a:ext cx="5035320" cy="5760000"/>
+            <a:off x="275133" y="4270438"/>
+            <a:ext cx="4817105" cy="3359996"/>
           </a:xfrm>
           <a:prstGeom prst="rect">
             <a:avLst/>
@@ -7095,6 +8103,73 @@
           <a:ln w="0">
             <a:noFill/>
           </a:ln>
+          <a:effectLst>
+            <a:outerShdw blurRad="50800" dist="38100" dir="2700000" algn="tl" rotWithShape="0">
+              <a:prstClr val="black">
+                <a:alpha val="40000"/>
+              </a:prstClr>
+            </a:outerShdw>
+          </a:effectLst>
+        </p:spPr>
+      </p:pic>
+      <p:pic>
+        <p:nvPicPr>
+          <p:cNvPr id="3" name="Grafik 2">
+            <a:extLst>
+              <a:ext uri="{FF2B5EF4-FFF2-40B4-BE49-F238E27FC236}">
+                <a16:creationId xmlns:a16="http://schemas.microsoft.com/office/drawing/2014/main" id="{DC655DBA-B494-9632-D796-699073A03725}"/>
+              </a:ext>
+            </a:extLst>
+          </p:cNvPr>
+          <p:cNvPicPr>
+            <a:picLocks noChangeAspect="1"/>
+          </p:cNvPicPr>
+          <p:nvPr/>
+        </p:nvPicPr>
+        <p:blipFill>
+          <a:blip r:embed="rId5"/>
+          <a:stretch>
+            <a:fillRect/>
+          </a:stretch>
+        </p:blipFill>
+        <p:spPr>
+          <a:xfrm>
+            <a:off x="5652938" y="3389784"/>
+            <a:ext cx="4745122" cy="3200757"/>
+          </a:xfrm>
+          <a:prstGeom prst="rect">
+            <a:avLst/>
+          </a:prstGeom>
+        </p:spPr>
+      </p:pic>
+      <p:pic>
+        <p:nvPicPr>
+          <p:cNvPr id="5" name="Grafik 4">
+            <a:extLst>
+              <a:ext uri="{FF2B5EF4-FFF2-40B4-BE49-F238E27FC236}">
+                <a16:creationId xmlns:a16="http://schemas.microsoft.com/office/drawing/2014/main" id="{275F2624-7E48-1C90-A97D-FB23D2316FA5}"/>
+              </a:ext>
+            </a:extLst>
+          </p:cNvPr>
+          <p:cNvPicPr>
+            <a:picLocks noChangeAspect="1"/>
+          </p:cNvPicPr>
+          <p:nvPr/>
+        </p:nvPicPr>
+        <p:blipFill>
+          <a:blip r:embed="rId6"/>
+          <a:stretch>
+            <a:fillRect/>
+          </a:stretch>
+        </p:blipFill>
+        <p:spPr>
+          <a:xfrm>
+            <a:off x="5649067" y="6950785"/>
+            <a:ext cx="4748993" cy="3200757"/>
+          </a:xfrm>
+          <a:prstGeom prst="rect">
+            <a:avLst/>
+          </a:prstGeom>
         </p:spPr>
       </p:pic>
     </p:spTree>
@@ -7105,7 +8180,7 @@
 </p:sld>
 </file>
 
-<file path=ppt/slides/slide8.xml><?xml version="1.0" encoding="utf-8"?>
+<file path=ppt/slides/slide9.xml><?xml version="1.0" encoding="utf-8"?>
 <p:sld xmlns:a="http://schemas.openxmlformats.org/drawingml/2006/main" xmlns:r="http://schemas.openxmlformats.org/officeDocument/2006/relationships" xmlns:p="http://schemas.openxmlformats.org/presentationml/2006/main">
   <p:cSld>
     <p:bg>
@@ -7132,7 +8207,7 @@
       </p:grpSpPr>
       <p:sp>
         <p:nvSpPr>
-          <p:cNvPr id="92" name="AutoShape 7"/>
+          <p:cNvPr id="106" name="AutoShape 9"/>
           <p:cNvSpPr/>
           <p:nvPr/>
         </p:nvSpPr>
@@ -7180,7 +8255,7 @@
       </p:sp>
       <p:sp>
         <p:nvSpPr>
-          <p:cNvPr id="93" name="Freeform 14"/>
+          <p:cNvPr id="107" name="Freeform 18"/>
           <p:cNvSpPr/>
           <p:nvPr/>
         </p:nvSpPr>
@@ -7259,7 +8334,7 @@
       </p:sp>
       <p:sp>
         <p:nvSpPr>
-          <p:cNvPr id="94" name="Freeform 15"/>
+          <p:cNvPr id="108" name="Freeform 19"/>
           <p:cNvSpPr/>
           <p:nvPr/>
         </p:nvSpPr>
@@ -7338,14 +8413,14 @@
       </p:sp>
       <p:sp>
         <p:nvSpPr>
-          <p:cNvPr id="95" name="TextBox 20"/>
+          <p:cNvPr id="109" name="TextBox 26"/>
           <p:cNvSpPr/>
           <p:nvPr/>
         </p:nvSpPr>
         <p:spPr>
           <a:xfrm>
-            <a:off x="1367640" y="3240000"/>
-            <a:ext cx="5652360" cy="320400"/>
+            <a:off x="1367639" y="3240000"/>
+            <a:ext cx="5960521" cy="299569"/>
           </a:xfrm>
           <a:prstGeom prst="rect">
             <a:avLst/>
@@ -7368,7 +8443,7 @@
           <a:fontRef idx="minor"/>
         </p:style>
         <p:txBody>
-          <a:bodyPr lIns="0" tIns="0" rIns="0" bIns="0" anchor="t">
+          <a:bodyPr wrap="square" lIns="0" tIns="0" rIns="0" bIns="0" anchor="t">
             <a:spAutoFit/>
           </a:bodyPr>
           <a:lstStyle/>
@@ -7379,15 +8454,114 @@
               </a:lnSpc>
             </a:pPr>
             <a:r>
-              <a:rPr lang="en-US" sz="1800" b="0" strike="noStrike" spc="-1">
-                <a:solidFill>
-                  <a:srgbClr val="17161C"/>
-                </a:solidFill>
-                <a:latin typeface="Codec Pro"/>
-              </a:rPr>
-              <a:t>Wie kann man es besser machen</a:t>
-            </a:r>
-            <a:endParaRPr lang="de-DE" sz="1800" b="0" strike="noStrike" spc="-1">
+              <a:rPr lang="en-US" sz="1800" b="0" strike="noStrike" spc="-1" dirty="0" err="1">
+                <a:solidFill>
+                  <a:srgbClr val="17161C"/>
+                </a:solidFill>
+                <a:latin typeface="Codec Pro"/>
+              </a:rPr>
+              <a:t>Gibt</a:t>
+            </a:r>
+            <a:r>
+              <a:rPr lang="en-US" sz="1800" b="0" strike="noStrike" spc="-1" dirty="0">
+                <a:solidFill>
+                  <a:srgbClr val="17161C"/>
+                </a:solidFill>
+                <a:latin typeface="Codec Pro"/>
+              </a:rPr>
+              <a:t> es </a:t>
+            </a:r>
+            <a:r>
+              <a:rPr lang="en-US" sz="1800" b="0" strike="noStrike" spc="-1" dirty="0" err="1">
+                <a:solidFill>
+                  <a:srgbClr val="17161C"/>
+                </a:solidFill>
+                <a:latin typeface="Codec Pro"/>
+              </a:rPr>
+              <a:t>keine</a:t>
+            </a:r>
+            <a:r>
+              <a:rPr lang="en-US" sz="1800" b="0" strike="noStrike" spc="-1" dirty="0">
+                <a:solidFill>
+                  <a:srgbClr val="17161C"/>
+                </a:solidFill>
+                <a:latin typeface="Codec Pro"/>
+              </a:rPr>
+              <a:t> max. </a:t>
+            </a:r>
+            <a:r>
+              <a:rPr lang="en-US" sz="1800" b="0" strike="noStrike" spc="-1" dirty="0" err="1">
+                <a:solidFill>
+                  <a:srgbClr val="17161C"/>
+                </a:solidFill>
+                <a:latin typeface="Codec Pro"/>
+              </a:rPr>
+              <a:t>Geschwindigkeit</a:t>
+            </a:r>
+            <a:r>
+              <a:rPr lang="en-US" sz="1800" b="0" strike="noStrike" spc="-1" dirty="0">
+                <a:solidFill>
+                  <a:srgbClr val="17161C"/>
+                </a:solidFill>
+                <a:latin typeface="Codec Pro"/>
+              </a:rPr>
+              <a:t> </a:t>
+            </a:r>
+            <a:r>
+              <a:rPr lang="en-US" sz="1800" b="0" strike="noStrike" spc="-1" dirty="0" err="1">
+                <a:solidFill>
+                  <a:srgbClr val="17161C"/>
+                </a:solidFill>
+                <a:latin typeface="Codec Pro"/>
+              </a:rPr>
+              <a:t>bei</a:t>
+            </a:r>
+            <a:r>
+              <a:rPr lang="en-US" sz="1800" b="0" strike="noStrike" spc="-1" dirty="0">
+                <a:solidFill>
+                  <a:srgbClr val="17161C"/>
+                </a:solidFill>
+                <a:latin typeface="Codec Pro"/>
+              </a:rPr>
+              <a:t> </a:t>
+            </a:r>
+            <a:r>
+              <a:rPr lang="en-US" sz="1800" b="0" strike="noStrike" spc="-1" dirty="0" err="1">
+                <a:solidFill>
+                  <a:srgbClr val="17161C"/>
+                </a:solidFill>
+                <a:latin typeface="Codec Pro"/>
+              </a:rPr>
+              <a:t>aktiviertem</a:t>
+            </a:r>
+            <a:r>
+              <a:rPr lang="en-US" sz="1800" b="0" strike="noStrike" spc="-1" dirty="0">
+                <a:solidFill>
+                  <a:srgbClr val="17161C"/>
+                </a:solidFill>
+                <a:latin typeface="Codec Pro"/>
+              </a:rPr>
+              <a:t> </a:t>
+            </a:r>
+            <a:r>
+              <a:rPr lang="en-US" sz="1800" b="0" strike="noStrike" spc="-1" dirty="0" err="1">
+                <a:solidFill>
+                  <a:srgbClr val="17161C"/>
+                </a:solidFill>
+                <a:latin typeface="Codec Pro"/>
+              </a:rPr>
+              <a:t>Fastmode</a:t>
+            </a:r>
+            <a:r>
+              <a:rPr lang="en-US" sz="1800" b="0" strike="noStrike" spc="-1" dirty="0">
+                <a:solidFill>
+                  <a:srgbClr val="17161C"/>
+                </a:solidFill>
+                <a:latin typeface="Codec Pro"/>
+              </a:rPr>
+              <a:t>?</a:t>
+            </a:r>
+            <a:endParaRPr lang="de-DE" sz="1800" b="0" strike="noStrike" spc="-1" dirty="0">
               <a:solidFill>
                 <a:srgbClr val="000000"/>
               </a:solidFill>
@@ -7398,7 +8572,7 @@
       </p:sp>
       <p:sp>
         <p:nvSpPr>
-          <p:cNvPr id="96" name="TextBox 21"/>
+          <p:cNvPr id="110" name="TextBox 27"/>
           <p:cNvSpPr/>
           <p:nvPr/>
         </p:nvSpPr>
@@ -7445,9 +8619,9 @@
                 </a:solidFill>
                 <a:latin typeface="Codec Pro"/>
               </a:rPr>
-              <a:t>Textfehler</a:t>
-            </a:r>
-            <a:endParaRPr lang="de-DE" sz="8000" b="0" strike="noStrike" spc="-1">
+              <a:t>Text</a:t>
+            </a:r>
+            <a:endParaRPr lang="de-DE" sz="8000" b="0" strike="noStrike" spc="-1" dirty="0">
               <a:solidFill>
                 <a:srgbClr val="000000"/>
               </a:solidFill>
@@ -7458,14 +8632,14 @@
       </p:sp>
       <p:sp>
         <p:nvSpPr>
-          <p:cNvPr id="97" name="TextBox 22"/>
+          <p:cNvPr id="111" name="TextBox 28"/>
           <p:cNvSpPr/>
           <p:nvPr/>
         </p:nvSpPr>
         <p:spPr>
           <a:xfrm>
             <a:off x="1028880" y="2435760"/>
-            <a:ext cx="8499600" cy="426960"/>
+            <a:ext cx="8499600" cy="405880"/>
           </a:xfrm>
           <a:prstGeom prst="rect">
             <a:avLst/>
@@ -7499,15 +8673,42 @@
               </a:lnSpc>
             </a:pPr>
             <a:r>
-              <a:rPr lang="en-US" sz="2400" b="0" strike="noStrike" spc="-1">
-                <a:solidFill>
-                  <a:srgbClr val="17161C"/>
-                </a:solidFill>
-                <a:latin typeface="Codec Pro"/>
-              </a:rPr>
-              <a:t>Beschreibung was falsch gelaufen ist</a:t>
-            </a:r>
-            <a:endParaRPr lang="de-DE" sz="2400" b="0" strike="noStrike" spc="-1">
+              <a:rPr lang="en-US" sz="2400" b="0" strike="noStrike" spc="-1" dirty="0" err="1">
+                <a:solidFill>
+                  <a:srgbClr val="17161C"/>
+                </a:solidFill>
+                <a:latin typeface="Codec Pro"/>
+              </a:rPr>
+              <a:t>Fehlende</a:t>
+            </a:r>
+            <a:r>
+              <a:rPr lang="en-US" sz="2400" b="0" strike="noStrike" spc="-1" dirty="0">
+                <a:solidFill>
+                  <a:srgbClr val="17161C"/>
+                </a:solidFill>
+                <a:latin typeface="Codec Pro"/>
+              </a:rPr>
+              <a:t> </a:t>
+            </a:r>
+            <a:r>
+              <a:rPr lang="en-US" sz="2400" b="0" strike="noStrike" spc="-1" dirty="0" err="1">
+                <a:solidFill>
+                  <a:srgbClr val="17161C"/>
+                </a:solidFill>
+                <a:latin typeface="Codec Pro"/>
+              </a:rPr>
+              <a:t>Angabe</a:t>
+            </a:r>
+            <a:r>
+              <a:rPr lang="en-US" sz="2400" b="0" strike="noStrike" spc="-1" dirty="0">
+                <a:solidFill>
+                  <a:srgbClr val="17161C"/>
+                </a:solidFill>
+                <a:latin typeface="Codec Pro"/>
+              </a:rPr>
+              <a:t>?</a:t>
+            </a:r>
+            <a:endParaRPr lang="de-DE" sz="2400" b="0" strike="noStrike" spc="-1" dirty="0">
               <a:solidFill>
                 <a:srgbClr val="000000"/>
               </a:solidFill>
@@ -7518,7 +8719,7 @@
       </p:sp>
       <p:pic>
         <p:nvPicPr>
-          <p:cNvPr id="98" name="Grafik 97"/>
+          <p:cNvPr id="112" name="Grafik 111"/>
           <p:cNvPicPr/>
           <p:nvPr/>
         </p:nvPicPr>
@@ -7528,8 +8729,8 @@
         </p:blipFill>
         <p:spPr>
           <a:xfrm>
-            <a:off x="1440000" y="4500000"/>
-            <a:ext cx="7153560" cy="4543560"/>
+            <a:off x="1367640" y="4860000"/>
+            <a:ext cx="6732360" cy="3603960"/>
           </a:xfrm>
           <a:prstGeom prst="rect">
             <a:avLst/>
@@ -7537,448 +8738,13 @@
           <a:ln w="0">
             <a:noFill/>
           </a:ln>
-        </p:spPr>
-      </p:pic>
-    </p:spTree>
-  </p:cSld>
-  <p:clrMapOvr>
-    <a:masterClrMapping/>
-  </p:clrMapOvr>
-</p:sld>
-</file>
-
-<file path=ppt/slides/slide9.xml><?xml version="1.0" encoding="utf-8"?>
-<p:sld xmlns:a="http://schemas.openxmlformats.org/drawingml/2006/main" xmlns:r="http://schemas.openxmlformats.org/officeDocument/2006/relationships" xmlns:p="http://schemas.openxmlformats.org/presentationml/2006/main">
-  <p:cSld>
-    <p:bg>
-      <p:bgPr>
-        <a:solidFill>
-          <a:srgbClr val="FDFCF3"/>
-        </a:solidFill>
-        <a:effectLst/>
-      </p:bgPr>
-    </p:bg>
-    <p:spTree>
-      <p:nvGrpSpPr>
-        <p:cNvPr id="1" name=""/>
-        <p:cNvGrpSpPr/>
-        <p:nvPr/>
-      </p:nvGrpSpPr>
-      <p:grpSpPr>
-        <a:xfrm>
-          <a:off x="0" y="0"/>
-          <a:ext cx="0" cy="0"/>
-          <a:chOff x="0" y="0"/>
-          <a:chExt cx="0" cy="0"/>
-        </a:xfrm>
-      </p:grpSpPr>
-      <p:sp>
-        <p:nvSpPr>
-          <p:cNvPr id="99" name="AutoShape 8"/>
-          <p:cNvSpPr/>
-          <p:nvPr/>
-        </p:nvSpPr>
-        <p:spPr>
-          <a:xfrm rot="10800000">
-            <a:off x="10960920" y="360"/>
-            <a:ext cx="8759160" cy="10286640"/>
-          </a:xfrm>
-          <a:prstGeom prst="rect">
-            <a:avLst/>
-          </a:prstGeom>
-          <a:solidFill>
-            <a:srgbClr val="0C6980"/>
-          </a:solidFill>
-          <a:ln w="0">
-            <a:noFill/>
-          </a:ln>
-        </p:spPr>
-        <p:style>
-          <a:lnRef idx="0">
-            <a:scrgbClr r="0" g="0" b="0"/>
-          </a:lnRef>
-          <a:fillRef idx="0">
-            <a:scrgbClr r="0" g="0" b="0"/>
-          </a:fillRef>
-          <a:effectRef idx="0">
-            <a:scrgbClr r="0" g="0" b="0"/>
-          </a:effectRef>
-          <a:fontRef idx="minor"/>
-        </p:style>
-        <p:txBody>
-          <a:bodyPr lIns="90000" tIns="45000" rIns="90000" bIns="45000" anchor="t">
-            <a:noAutofit/>
-          </a:bodyPr>
-          <a:lstStyle/>
-          <a:p>
-            <a:endParaRPr lang="de-DE" sz="1800" b="0" strike="noStrike" spc="-1">
-              <a:solidFill>
-                <a:srgbClr val="000000"/>
-              </a:solidFill>
-              <a:latin typeface="Arial"/>
-            </a:endParaRPr>
-          </a:p>
-        </p:txBody>
-      </p:sp>
-      <p:sp>
-        <p:nvSpPr>
-          <p:cNvPr id="100" name="Freeform 16"/>
-          <p:cNvSpPr/>
-          <p:nvPr/>
-        </p:nvSpPr>
-        <p:spPr>
-          <a:xfrm>
-            <a:off x="11773440" y="-714240"/>
-            <a:ext cx="12363120" cy="12250800"/>
-          </a:xfrm>
-          <a:custGeom>
-            <a:avLst/>
-            <a:gdLst>
-              <a:gd name="textAreaLeft" fmla="*/ 0 w 12363120"/>
-              <a:gd name="textAreaRight" fmla="*/ 12363480 w 12363120"/>
-              <a:gd name="textAreaTop" fmla="*/ 0 h 12250800"/>
-              <a:gd name="textAreaBottom" fmla="*/ 12251160 h 12250800"/>
-            </a:gdLst>
-            <a:ahLst/>
-            <a:cxnLst/>
-            <a:rect l="textAreaLeft" t="textAreaTop" r="textAreaRight" b="textAreaBottom"/>
-            <a:pathLst>
-              <a:path w="12363420" h="12251025">
-                <a:moveTo>
-                  <a:pt x="0" y="0"/>
-                </a:moveTo>
-                <a:lnTo>
-                  <a:pt x="12363420" y="0"/>
-                </a:lnTo>
-                <a:lnTo>
-                  <a:pt x="12363420" y="12251025"/>
-                </a:lnTo>
-                <a:lnTo>
-                  <a:pt x="0" y="12251025"/>
-                </a:lnTo>
-                <a:lnTo>
-                  <a:pt x="0" y="0"/>
-                </a:lnTo>
-                <a:close/>
-              </a:path>
-            </a:pathLst>
-          </a:custGeom>
-          <a:blipFill rotWithShape="0">
-            <a:blip r:embed="rId2"/>
-            <a:srcRect/>
-            <a:stretch/>
-          </a:blipFill>
-          <a:ln w="0">
-            <a:noFill/>
-          </a:ln>
-        </p:spPr>
-        <p:style>
-          <a:lnRef idx="0">
-            <a:scrgbClr r="0" g="0" b="0"/>
-          </a:lnRef>
-          <a:fillRef idx="0">
-            <a:scrgbClr r="0" g="0" b="0"/>
-          </a:fillRef>
-          <a:effectRef idx="0">
-            <a:scrgbClr r="0" g="0" b="0"/>
-          </a:effectRef>
-          <a:fontRef idx="minor"/>
-        </p:style>
-        <p:txBody>
-          <a:bodyPr lIns="90000" tIns="45000" rIns="90000" bIns="45000" anchor="t">
-            <a:noAutofit/>
-          </a:bodyPr>
-          <a:lstStyle/>
-          <a:p>
-            <a:endParaRPr lang="de-DE" sz="1800" b="0" strike="noStrike" spc="-1">
-              <a:solidFill>
-                <a:srgbClr val="000000"/>
-              </a:solidFill>
-              <a:latin typeface="Arial"/>
-            </a:endParaRPr>
-          </a:p>
-        </p:txBody>
-      </p:sp>
-      <p:sp>
-        <p:nvSpPr>
-          <p:cNvPr id="101" name="Freeform 17"/>
-          <p:cNvSpPr/>
-          <p:nvPr/>
-        </p:nvSpPr>
-        <p:spPr>
-          <a:xfrm flipH="1">
-            <a:off x="10959840" y="3104640"/>
-            <a:ext cx="5056200" cy="3493440"/>
-          </a:xfrm>
-          <a:custGeom>
-            <a:avLst/>
-            <a:gdLst>
-              <a:gd name="textAreaLeft" fmla="*/ -360 w 5056200"/>
-              <a:gd name="textAreaRight" fmla="*/ 5056200 w 5056200"/>
-              <a:gd name="textAreaTop" fmla="*/ 0 h 3493440"/>
-              <a:gd name="textAreaBottom" fmla="*/ 3493800 h 3493440"/>
-            </a:gdLst>
-            <a:ahLst/>
-            <a:cxnLst/>
-            <a:rect l="textAreaLeft" t="textAreaTop" r="textAreaRight" b="textAreaBottom"/>
-            <a:pathLst>
-              <a:path w="5056689" h="3493713">
-                <a:moveTo>
-                  <a:pt x="5056690" y="0"/>
-                </a:moveTo>
-                <a:lnTo>
-                  <a:pt x="0" y="0"/>
-                </a:lnTo>
-                <a:lnTo>
-                  <a:pt x="0" y="3493713"/>
-                </a:lnTo>
-                <a:lnTo>
-                  <a:pt x="5056690" y="3493713"/>
-                </a:lnTo>
-                <a:lnTo>
-                  <a:pt x="5056690" y="0"/>
-                </a:lnTo>
-                <a:close/>
-              </a:path>
-            </a:pathLst>
-          </a:custGeom>
-          <a:blipFill rotWithShape="0">
-            <a:blip r:embed="rId3"/>
-            <a:srcRect/>
-            <a:stretch/>
-          </a:blipFill>
-          <a:ln w="0">
-            <a:noFill/>
-          </a:ln>
-        </p:spPr>
-        <p:style>
-          <a:lnRef idx="0">
-            <a:scrgbClr r="0" g="0" b="0"/>
-          </a:lnRef>
-          <a:fillRef idx="0">
-            <a:scrgbClr r="0" g="0" b="0"/>
-          </a:fillRef>
-          <a:effectRef idx="0">
-            <a:scrgbClr r="0" g="0" b="0"/>
-          </a:effectRef>
-          <a:fontRef idx="minor"/>
-        </p:style>
-        <p:txBody>
-          <a:bodyPr lIns="90000" tIns="45000" rIns="90000" bIns="45000" anchor="t">
-            <a:noAutofit/>
-          </a:bodyPr>
-          <a:lstStyle/>
-          <a:p>
-            <a:endParaRPr lang="de-DE" sz="1800" b="0" strike="noStrike" spc="-1">
-              <a:solidFill>
-                <a:srgbClr val="000000"/>
-              </a:solidFill>
-              <a:latin typeface="Arial"/>
-            </a:endParaRPr>
-          </a:p>
-        </p:txBody>
-      </p:sp>
-      <p:sp>
-        <p:nvSpPr>
-          <p:cNvPr id="102" name="TextBox 23"/>
-          <p:cNvSpPr/>
-          <p:nvPr/>
-        </p:nvSpPr>
-        <p:spPr>
-          <a:xfrm>
-            <a:off x="1367640" y="3240000"/>
-            <a:ext cx="5652360" cy="320400"/>
-          </a:xfrm>
-          <a:prstGeom prst="rect">
-            <a:avLst/>
-          </a:prstGeom>
-          <a:noFill/>
-          <a:ln w="0">
-            <a:noFill/>
-          </a:ln>
-        </p:spPr>
-        <p:style>
-          <a:lnRef idx="0">
-            <a:scrgbClr r="0" g="0" b="0"/>
-          </a:lnRef>
-          <a:fillRef idx="0">
-            <a:scrgbClr r="0" g="0" b="0"/>
-          </a:fillRef>
-          <a:effectRef idx="0">
-            <a:scrgbClr r="0" g="0" b="0"/>
-          </a:effectRef>
-          <a:fontRef idx="minor"/>
-        </p:style>
-        <p:txBody>
-          <a:bodyPr lIns="0" tIns="0" rIns="0" bIns="0" anchor="t">
-            <a:spAutoFit/>
-          </a:bodyPr>
-          <a:lstStyle/>
-          <a:p>
-            <a:pPr defTabSz="914400">
-              <a:lnSpc>
-                <a:spcPts val="2520"/>
-              </a:lnSpc>
-            </a:pPr>
-            <a:r>
-              <a:rPr lang="en-US" sz="1800" b="0" strike="noStrike" spc="-1">
-                <a:solidFill>
-                  <a:srgbClr val="17161C"/>
-                </a:solidFill>
-                <a:latin typeface="Codec Pro"/>
-              </a:rPr>
-              <a:t>Wie kann man es besser machen</a:t>
-            </a:r>
-            <a:endParaRPr lang="de-DE" sz="1800" b="0" strike="noStrike" spc="-1">
-              <a:solidFill>
-                <a:srgbClr val="000000"/>
-              </a:solidFill>
-              <a:latin typeface="Arial"/>
-            </a:endParaRPr>
-          </a:p>
-        </p:txBody>
-      </p:sp>
-      <p:sp>
-        <p:nvSpPr>
-          <p:cNvPr id="103" name="TextBox 24"/>
-          <p:cNvSpPr/>
-          <p:nvPr/>
-        </p:nvSpPr>
-        <p:spPr>
-          <a:xfrm>
-            <a:off x="1028880" y="895320"/>
-            <a:ext cx="8499600" cy="1219680"/>
-          </a:xfrm>
-          <a:prstGeom prst="rect">
-            <a:avLst/>
-          </a:prstGeom>
-          <a:noFill/>
-          <a:ln w="0">
-            <a:noFill/>
-          </a:ln>
-        </p:spPr>
-        <p:style>
-          <a:lnRef idx="0">
-            <a:scrgbClr r="0" g="0" b="0"/>
-          </a:lnRef>
-          <a:fillRef idx="0">
-            <a:scrgbClr r="0" g="0" b="0"/>
-          </a:fillRef>
-          <a:effectRef idx="0">
-            <a:scrgbClr r="0" g="0" b="0"/>
-          </a:effectRef>
-          <a:fontRef idx="minor"/>
-        </p:style>
-        <p:txBody>
-          <a:bodyPr lIns="0" tIns="0" rIns="0" bIns="0" anchor="t">
-            <a:spAutoFit/>
-          </a:bodyPr>
-          <a:lstStyle/>
-          <a:p>
-            <a:pPr defTabSz="914400">
-              <a:lnSpc>
-                <a:spcPts val="9601"/>
-              </a:lnSpc>
-            </a:pPr>
-            <a:r>
-              <a:rPr lang="en-US" sz="8000" b="0" strike="noStrike" spc="-1">
-                <a:solidFill>
-                  <a:srgbClr val="17161C"/>
-                </a:solidFill>
-                <a:latin typeface="Codec Pro"/>
-              </a:rPr>
-              <a:t>Textfehler</a:t>
-            </a:r>
-            <a:endParaRPr lang="de-DE" sz="8000" b="0" strike="noStrike" spc="-1">
-              <a:solidFill>
-                <a:srgbClr val="000000"/>
-              </a:solidFill>
-              <a:latin typeface="Arial"/>
-            </a:endParaRPr>
-          </a:p>
-        </p:txBody>
-      </p:sp>
-      <p:sp>
-        <p:nvSpPr>
-          <p:cNvPr id="104" name="TextBox 25"/>
-          <p:cNvSpPr/>
-          <p:nvPr/>
-        </p:nvSpPr>
-        <p:spPr>
-          <a:xfrm>
-            <a:off x="1028880" y="2435760"/>
-            <a:ext cx="8499600" cy="426960"/>
-          </a:xfrm>
-          <a:prstGeom prst="rect">
-            <a:avLst/>
-          </a:prstGeom>
-          <a:noFill/>
-          <a:ln w="0">
-            <a:noFill/>
-          </a:ln>
-        </p:spPr>
-        <p:style>
-          <a:lnRef idx="0">
-            <a:scrgbClr r="0" g="0" b="0"/>
-          </a:lnRef>
-          <a:fillRef idx="0">
-            <a:scrgbClr r="0" g="0" b="0"/>
-          </a:fillRef>
-          <a:effectRef idx="0">
-            <a:scrgbClr r="0" g="0" b="0"/>
-          </a:effectRef>
-          <a:fontRef idx="minor"/>
-        </p:style>
-        <p:txBody>
-          <a:bodyPr lIns="0" tIns="0" rIns="0" bIns="0" anchor="t">
-            <a:spAutoFit/>
-          </a:bodyPr>
-          <a:lstStyle/>
-          <a:p>
-            <a:pPr defTabSz="914400">
-              <a:lnSpc>
-                <a:spcPts val="3359"/>
-              </a:lnSpc>
-            </a:pPr>
-            <a:r>
-              <a:rPr lang="en-US" sz="2400" b="0" strike="noStrike" spc="-1">
-                <a:solidFill>
-                  <a:srgbClr val="17161C"/>
-                </a:solidFill>
-                <a:latin typeface="Codec Pro"/>
-              </a:rPr>
-              <a:t>Beschreibung was falsch gelaufen ist</a:t>
-            </a:r>
-            <a:endParaRPr lang="de-DE" sz="2400" b="0" strike="noStrike" spc="-1">
-              <a:solidFill>
-                <a:srgbClr val="000000"/>
-              </a:solidFill>
-              <a:latin typeface="Arial"/>
-            </a:endParaRPr>
-          </a:p>
-        </p:txBody>
-      </p:sp>
-      <p:pic>
-        <p:nvPicPr>
-          <p:cNvPr id="105" name="Grafik 104"/>
-          <p:cNvPicPr/>
-          <p:nvPr/>
-        </p:nvPicPr>
-        <p:blipFill>
-          <a:blip r:embed="rId4"/>
-          <a:stretch/>
-        </p:blipFill>
-        <p:spPr>
-          <a:xfrm>
-            <a:off x="1620000" y="4354560"/>
-            <a:ext cx="6660000" cy="4645440"/>
-          </a:xfrm>
-          <a:prstGeom prst="rect">
-            <a:avLst/>
-          </a:prstGeom>
-          <a:ln w="0">
-            <a:noFill/>
-          </a:ln>
+          <a:effectLst>
+            <a:outerShdw blurRad="50800" dist="38100" dir="2700000" algn="tl" rotWithShape="0">
+              <a:prstClr val="black">
+                <a:alpha val="40000"/>
+              </a:prstClr>
+            </a:outerShdw>
+          </a:effectLst>
         </p:spPr>
       </p:pic>
     </p:spTree>
